--- a/iot-clientdev/images/iot-clientdev.pptx
+++ b/iot-clientdev/images/iot-clientdev.pptx
@@ -240,7 +240,7 @@
               <a:rPr lang="en-US" smtClean="0">
                 <a:latin typeface="Segoe UI" pitchFamily="34" charset="0"/>
               </a:rPr>
-              <a:t>3/13/19 4:06 PM</a:t>
+              <a:t>3/14/19 5:37 PM</a:t>
             </a:fld>
             <a:endParaRPr lang="en-US" dirty="0">
               <a:latin typeface="Segoe UI" pitchFamily="34" charset="0"/>
@@ -518,7 +518,7 @@
           <a:p>
             <a:fld id="{386CE63F-9E7F-4C04-9D0D-FCA25A8E9E86}" type="datetime8">
               <a:rPr lang="en-US" smtClean="0"/>
-              <a:t>3/13/19 4:06 PM</a:t>
+              <a:t>3/14/19 5:35 PM</a:t>
             </a:fld>
             <a:endParaRPr lang="en-US" dirty="0"/>
           </a:p>
@@ -14973,7 +14973,7 @@
         </p:nvGrpSpPr>
         <p:grpSpPr>
           <a:xfrm>
-            <a:off x="6635935" y="722420"/>
+            <a:off x="6635935" y="5187070"/>
             <a:ext cx="1504744" cy="1310075"/>
             <a:chOff x="6759624" y="1166049"/>
             <a:chExt cx="1504744" cy="1310075"/>
@@ -15856,9 +15856,9 @@
           <p:nvPr/>
         </p:nvCxnSpPr>
         <p:spPr>
-          <a:xfrm flipV="1">
-            <a:off x="5342987" y="1075343"/>
-            <a:ext cx="1692397" cy="2164353"/>
+          <a:xfrm>
+            <a:off x="5342987" y="3239696"/>
+            <a:ext cx="1692397" cy="2300297"/>
           </a:xfrm>
           <a:prstGeom prst="bentConnector3">
             <a:avLst>
@@ -15871,6 +15871,315 @@
             </a:solidFill>
             <a:headEnd type="none" w="lg" len="med"/>
             <a:tailEnd type="triangle"/>
+          </a:ln>
+        </p:spPr>
+        <p:style>
+          <a:lnRef idx="1">
+            <a:schemeClr val="accent1"/>
+          </a:lnRef>
+          <a:fillRef idx="0">
+            <a:schemeClr val="accent1"/>
+          </a:fillRef>
+          <a:effectRef idx="0">
+            <a:schemeClr val="accent1"/>
+          </a:effectRef>
+          <a:fontRef idx="minor">
+            <a:schemeClr val="tx1"/>
+          </a:fontRef>
+        </p:style>
+      </p:cxnSp>
+      <p:grpSp>
+        <p:nvGrpSpPr>
+          <p:cNvPr id="36" name="グループ化 35">
+            <a:extLst>
+              <a:ext uri="{FF2B5EF4-FFF2-40B4-BE49-F238E27FC236}">
+                <a16:creationId xmlns:a16="http://schemas.microsoft.com/office/drawing/2014/main" id="{5BD80A6A-7E5E-EA47-B116-DCD7A4FD9070}"/>
+              </a:ext>
+            </a:extLst>
+          </p:cNvPr>
+          <p:cNvGrpSpPr/>
+          <p:nvPr/>
+        </p:nvGrpSpPr>
+        <p:grpSpPr>
+          <a:xfrm>
+            <a:off x="8314809" y="242614"/>
+            <a:ext cx="2164856" cy="1489602"/>
+            <a:chOff x="8166525" y="242614"/>
+            <a:chExt cx="2164856" cy="1489602"/>
+          </a:xfrm>
+        </p:grpSpPr>
+        <p:sp>
+          <p:nvSpPr>
+            <p:cNvPr id="34" name="円/楕円 33">
+              <a:extLst>
+                <a:ext uri="{FF2B5EF4-FFF2-40B4-BE49-F238E27FC236}">
+                  <a16:creationId xmlns:a16="http://schemas.microsoft.com/office/drawing/2014/main" id="{D1D25F77-3827-BA43-8CA0-86AADF1E1CDD}"/>
+                </a:ext>
+              </a:extLst>
+            </p:cNvPr>
+            <p:cNvSpPr/>
+            <p:nvPr/>
+          </p:nvSpPr>
+          <p:spPr bwMode="auto">
+            <a:xfrm>
+              <a:off x="8166525" y="242614"/>
+              <a:ext cx="2164856" cy="1489602"/>
+            </a:xfrm>
+            <a:prstGeom prst="ellipse">
+              <a:avLst/>
+            </a:prstGeom>
+            <a:noFill/>
+            <a:ln>
+              <a:solidFill>
+                <a:srgbClr val="0078D4"/>
+              </a:solidFill>
+              <a:headEnd type="none" w="med" len="med"/>
+              <a:tailEnd type="none" w="med" len="med"/>
+            </a:ln>
+            <a:effectLst/>
+          </p:spPr>
+          <p:style>
+            <a:lnRef idx="1">
+              <a:schemeClr val="accent2"/>
+            </a:lnRef>
+            <a:fillRef idx="3">
+              <a:schemeClr val="accent2"/>
+            </a:fillRef>
+            <a:effectRef idx="2">
+              <a:schemeClr val="accent2"/>
+            </a:effectRef>
+            <a:fontRef idx="minor">
+              <a:schemeClr val="lt1"/>
+            </a:fontRef>
+          </p:style>
+          <p:txBody>
+            <a:bodyPr rot="0" spcFirstLastPara="0" vertOverflow="overflow" horzOverflow="overflow" vert="horz" wrap="square" lIns="182880" tIns="146304" rIns="182880" bIns="146304" numCol="1" spcCol="0" rtlCol="0" fromWordArt="0" anchor="t" anchorCtr="0" forceAA="0" compatLnSpc="1">
+              <a:prstTxWarp prst="textNoShape">
+                <a:avLst/>
+              </a:prstTxWarp>
+              <a:noAutofit/>
+            </a:bodyPr>
+            <a:lstStyle/>
+            <a:p>
+              <a:pPr algn="l" defTabSz="932472" fontAlgn="base">
+                <a:spcBef>
+                  <a:spcPct val="0"/>
+                </a:spcBef>
+                <a:spcAft>
+                  <a:spcPct val="0"/>
+                </a:spcAft>
+              </a:pPr>
+              <a:endParaRPr kumimoji="1" lang="ja-JP" altLang="en-US" sz="2000" dirty="0" err="1">
+                <a:gradFill>
+                  <a:gsLst>
+                    <a:gs pos="0">
+                      <a:srgbClr val="FFFFFF"/>
+                    </a:gs>
+                    <a:gs pos="100000">
+                      <a:srgbClr val="FFFFFF"/>
+                    </a:gs>
+                  </a:gsLst>
+                  <a:lin ang="5400000" scaled="0"/>
+                </a:gradFill>
+                <a:ea typeface="Segoe UI" pitchFamily="34" charset="0"/>
+                <a:cs typeface="Segoe UI" pitchFamily="34" charset="0"/>
+              </a:endParaRPr>
+            </a:p>
+          </p:txBody>
+        </p:sp>
+        <p:sp>
+          <p:nvSpPr>
+            <p:cNvPr id="2" name="テキスト ボックス 1">
+              <a:extLst>
+                <a:ext uri="{FF2B5EF4-FFF2-40B4-BE49-F238E27FC236}">
+                  <a16:creationId xmlns:a16="http://schemas.microsoft.com/office/drawing/2014/main" id="{AFA7A98A-7FBF-124C-8F89-4ED676F4EBD8}"/>
+                </a:ext>
+              </a:extLst>
+            </p:cNvPr>
+            <p:cNvSpPr txBox="1"/>
+            <p:nvPr/>
+          </p:nvSpPr>
+          <p:spPr>
+            <a:xfrm>
+              <a:off x="8519202" y="510438"/>
+              <a:ext cx="1459502" cy="307777"/>
+            </a:xfrm>
+            <a:prstGeom prst="rect">
+              <a:avLst/>
+            </a:prstGeom>
+            <a:noFill/>
+            <a:ln>
+              <a:noFill/>
+            </a:ln>
+          </p:spPr>
+          <p:txBody>
+            <a:bodyPr wrap="none" lIns="0" tIns="0" rIns="0" bIns="0" rtlCol="0">
+              <a:spAutoFit/>
+            </a:bodyPr>
+            <a:lstStyle/>
+            <a:p>
+              <a:pPr algn="l"/>
+              <a:r>
+                <a:rPr kumimoji="1" lang="en-US" altLang="ja-JP" sz="2000" dirty="0">
+                  <a:solidFill>
+                    <a:srgbClr val="0078D4"/>
+                  </a:solidFill>
+                </a:rPr>
+                <a:t>Azure DevOps</a:t>
+              </a:r>
+              <a:endParaRPr kumimoji="1" lang="ja-JP" altLang="en-US" sz="2000" dirty="0" err="1">
+                <a:solidFill>
+                  <a:srgbClr val="0078D4"/>
+                </a:solidFill>
+              </a:endParaRPr>
+            </a:p>
+          </p:txBody>
+        </p:sp>
+        <p:pic>
+          <p:nvPicPr>
+            <p:cNvPr id="3" name="図 2">
+              <a:extLst>
+                <a:ext uri="{FF2B5EF4-FFF2-40B4-BE49-F238E27FC236}">
+                  <a16:creationId xmlns:a16="http://schemas.microsoft.com/office/drawing/2014/main" id="{F1CB28D7-34A7-F24A-A8D5-F22CAFEB3562}"/>
+                </a:ext>
+              </a:extLst>
+            </p:cNvPr>
+            <p:cNvPicPr>
+              <a:picLocks noChangeAspect="1"/>
+            </p:cNvPicPr>
+            <p:nvPr/>
+          </p:nvPicPr>
+          <p:blipFill>
+            <a:blip r:embed="rId12"/>
+            <a:stretch>
+              <a:fillRect/>
+            </a:stretch>
+          </p:blipFill>
+          <p:spPr>
+            <a:xfrm>
+              <a:off x="8605635" y="890967"/>
+              <a:ext cx="508000" cy="508000"/>
+            </a:xfrm>
+            <a:prstGeom prst="rect">
+              <a:avLst/>
+            </a:prstGeom>
+            <a:ln>
+              <a:noFill/>
+            </a:ln>
+          </p:spPr>
+        </p:pic>
+        <p:pic>
+          <p:nvPicPr>
+            <p:cNvPr id="9" name="図 8">
+              <a:extLst>
+                <a:ext uri="{FF2B5EF4-FFF2-40B4-BE49-F238E27FC236}">
+                  <a16:creationId xmlns:a16="http://schemas.microsoft.com/office/drawing/2014/main" id="{97344B4E-5AAE-2947-89EC-D290F6E1D1C5}"/>
+                </a:ext>
+              </a:extLst>
+            </p:cNvPr>
+            <p:cNvPicPr>
+              <a:picLocks noChangeAspect="1"/>
+            </p:cNvPicPr>
+            <p:nvPr/>
+          </p:nvPicPr>
+          <p:blipFill>
+            <a:blip r:embed="rId13"/>
+            <a:stretch>
+              <a:fillRect/>
+            </a:stretch>
+          </p:blipFill>
+          <p:spPr>
+            <a:xfrm>
+              <a:off x="9358007" y="890967"/>
+              <a:ext cx="508000" cy="508000"/>
+            </a:xfrm>
+            <a:prstGeom prst="rect">
+              <a:avLst/>
+            </a:prstGeom>
+            <a:ln>
+              <a:noFill/>
+            </a:ln>
+          </p:spPr>
+        </p:pic>
+      </p:grpSp>
+      <p:cxnSp>
+        <p:nvCxnSpPr>
+          <p:cNvPr id="33" name="直線矢印コネクタ 32">
+            <a:extLst>
+              <a:ext uri="{FF2B5EF4-FFF2-40B4-BE49-F238E27FC236}">
+                <a16:creationId xmlns:a16="http://schemas.microsoft.com/office/drawing/2014/main" id="{BE3CF454-89C3-1C4B-A7CB-106B66F28794}"/>
+              </a:ext>
+            </a:extLst>
+          </p:cNvPr>
+          <p:cNvCxnSpPr>
+            <a:cxnSpLocks/>
+            <a:stCxn id="34" idx="4"/>
+            <a:endCxn id="7" idx="0"/>
+          </p:cNvCxnSpPr>
+          <p:nvPr/>
+        </p:nvCxnSpPr>
+        <p:spPr>
+          <a:xfrm>
+            <a:off x="9397237" y="1732216"/>
+            <a:ext cx="11514" cy="1141723"/>
+          </a:xfrm>
+          <a:prstGeom prst="straightConnector1">
+            <a:avLst/>
+          </a:prstGeom>
+          <a:ln>
+            <a:solidFill>
+              <a:srgbClr val="0078D4"/>
+            </a:solidFill>
+            <a:prstDash val="sysDash"/>
+            <a:headEnd type="none" w="med" len="med"/>
+            <a:tailEnd type="none" w="med" len="med"/>
+          </a:ln>
+        </p:spPr>
+        <p:style>
+          <a:lnRef idx="1">
+            <a:schemeClr val="accent1"/>
+          </a:lnRef>
+          <a:fillRef idx="0">
+            <a:schemeClr val="accent1"/>
+          </a:fillRef>
+          <a:effectRef idx="0">
+            <a:schemeClr val="accent1"/>
+          </a:effectRef>
+          <a:fontRef idx="minor">
+            <a:schemeClr val="tx1"/>
+          </a:fontRef>
+        </p:style>
+      </p:cxnSp>
+      <p:cxnSp>
+        <p:nvCxnSpPr>
+          <p:cNvPr id="42" name="直線矢印コネクタ 41">
+            <a:extLst>
+              <a:ext uri="{FF2B5EF4-FFF2-40B4-BE49-F238E27FC236}">
+                <a16:creationId xmlns:a16="http://schemas.microsoft.com/office/drawing/2014/main" id="{77A7A9F0-1F64-3B46-992C-3FC1A28939D3}"/>
+              </a:ext>
+            </a:extLst>
+          </p:cNvPr>
+          <p:cNvCxnSpPr>
+            <a:cxnSpLocks/>
+            <a:stCxn id="34" idx="4"/>
+          </p:cNvCxnSpPr>
+          <p:nvPr/>
+        </p:nvCxnSpPr>
+        <p:spPr>
+          <a:xfrm flipH="1">
+            <a:off x="2397608" y="1732216"/>
+            <a:ext cx="6999629" cy="1156701"/>
+          </a:xfrm>
+          <a:prstGeom prst="straightConnector1">
+            <a:avLst/>
+          </a:prstGeom>
+          <a:ln>
+            <a:solidFill>
+              <a:srgbClr val="0078D4"/>
+            </a:solidFill>
+            <a:prstDash val="sysDash"/>
+            <a:headEnd type="none" w="med" len="med"/>
+            <a:tailEnd type="none" w="med" len="med"/>
           </a:ln>
         </p:spPr>
         <p:style>
@@ -17057,6 +17366,12 @@
 </file>
 
 <file path=customXml/item1.xml><?xml version="1.0" encoding="utf-8"?>
+<p:properties xmlns:p="http://schemas.microsoft.com/office/2006/metadata/properties" xmlns:xsi="http://www.w3.org/2001/XMLSchema-instance" xmlns:pc="http://schemas.microsoft.com/office/infopath/2007/PartnerControls">
+  <documentManagement/>
+</p:properties>
+</file>
+
+<file path=customXml/item2.xml><?xml version="1.0" encoding="utf-8"?>
 <ct:contentTypeSchema xmlns:ct="http://schemas.microsoft.com/office/2006/metadata/contentType" xmlns:ma="http://schemas.microsoft.com/office/2006/metadata/properties/metaAttributes" ct:_="" ma:_="" ma:contentTypeName="Document" ma:contentTypeID="0x010100A2B0BB5962AB3C45A9A1CE1EC4C4F647" ma:contentTypeVersion="3" ma:contentTypeDescription="Create a new document." ma:contentTypeScope="" ma:versionID="f0876370c90de824ab54c09b0bd2a056">
   <xsd:schema xmlns:xsd="http://www.w3.org/2001/XMLSchema" xmlns:xs="http://www.w3.org/2001/XMLSchema" xmlns:p="http://schemas.microsoft.com/office/2006/metadata/properties" xmlns:ns3="630a2e83-186a-4a0f-ab27-bee8a8096abc" targetNamespace="http://schemas.microsoft.com/office/2006/metadata/properties" ma:root="true" ma:fieldsID="a2a3b5ed8b4accd7c8a398d0cb075271" ns3:_="">
     <xsd:import namespace="630a2e83-186a-4a0f-ab27-bee8a8096abc"/>
@@ -17210,12 +17525,6 @@
 </ct:contentTypeSchema>
 </file>
 
-<file path=customXml/item2.xml><?xml version="1.0" encoding="utf-8"?>
-<p:properties xmlns:p="http://schemas.microsoft.com/office/2006/metadata/properties" xmlns:xsi="http://www.w3.org/2001/XMLSchema-instance" xmlns:pc="http://schemas.microsoft.com/office/infopath/2007/PartnerControls">
-  <documentManagement/>
-</p:properties>
-</file>
-
 <file path=customXml/item3.xml><?xml version="1.0" encoding="utf-8"?>
 <?mso-contentType ?>
 <FormTemplates xmlns="http://schemas.microsoft.com/sharepoint/v3/contenttype/forms">
@@ -17226,6 +17535,22 @@
 </file>
 
 <file path=customXml/itemProps1.xml><?xml version="1.0" encoding="utf-8"?>
+<ds:datastoreItem xmlns:ds="http://schemas.openxmlformats.org/officeDocument/2006/customXml" ds:itemID="{F990F116-B58F-4255-B05B-DA3808E0E5C6}">
+  <ds:schemaRefs>
+    <ds:schemaRef ds:uri="http://purl.org/dc/terms/"/>
+    <ds:schemaRef ds:uri="http://schemas.microsoft.com/office/2006/documentManagement/types"/>
+    <ds:schemaRef ds:uri="630a2e83-186a-4a0f-ab27-bee8a8096abc"/>
+    <ds:schemaRef ds:uri="http://purl.org/dc/dcmitype/"/>
+    <ds:schemaRef ds:uri="http://schemas.microsoft.com/office/infopath/2007/PartnerControls"/>
+    <ds:schemaRef ds:uri="http://purl.org/dc/elements/1.1/"/>
+    <ds:schemaRef ds:uri="http://schemas.microsoft.com/office/2006/metadata/properties"/>
+    <ds:schemaRef ds:uri="http://schemas.openxmlformats.org/package/2006/metadata/core-properties"/>
+    <ds:schemaRef ds:uri="http://www.w3.org/XML/1998/namespace"/>
+  </ds:schemaRefs>
+</ds:datastoreItem>
+</file>
+
+<file path=customXml/itemProps2.xml><?xml version="1.0" encoding="utf-8"?>
 <ds:datastoreItem xmlns:ds="http://schemas.openxmlformats.org/officeDocument/2006/customXml" ds:itemID="{F330841A-A209-44E7-824E-9DDB4DE0DC3C}">
   <ds:schemaRefs>
     <ds:schemaRef ds:uri="http://schemas.microsoft.com/office/2006/metadata/contentType"/>
@@ -17243,22 +17568,6 @@
 </ds:datastoreItem>
 </file>
 
-<file path=customXml/itemProps2.xml><?xml version="1.0" encoding="utf-8"?>
-<ds:datastoreItem xmlns:ds="http://schemas.openxmlformats.org/officeDocument/2006/customXml" ds:itemID="{F990F116-B58F-4255-B05B-DA3808E0E5C6}">
-  <ds:schemaRefs>
-    <ds:schemaRef ds:uri="http://purl.org/dc/terms/"/>
-    <ds:schemaRef ds:uri="http://schemas.microsoft.com/office/2006/documentManagement/types"/>
-    <ds:schemaRef ds:uri="630a2e83-186a-4a0f-ab27-bee8a8096abc"/>
-    <ds:schemaRef ds:uri="http://purl.org/dc/dcmitype/"/>
-    <ds:schemaRef ds:uri="http://schemas.microsoft.com/office/infopath/2007/PartnerControls"/>
-    <ds:schemaRef ds:uri="http://purl.org/dc/elements/1.1/"/>
-    <ds:schemaRef ds:uri="http://schemas.microsoft.com/office/2006/metadata/properties"/>
-    <ds:schemaRef ds:uri="http://schemas.openxmlformats.org/package/2006/metadata/core-properties"/>
-    <ds:schemaRef ds:uri="http://www.w3.org/XML/1998/namespace"/>
-  </ds:schemaRefs>
-</ds:datastoreItem>
-</file>
-
 <file path=customXml/itemProps3.xml><?xml version="1.0" encoding="utf-8"?>
 <ds:datastoreItem xmlns:ds="http://schemas.openxmlformats.org/officeDocument/2006/customXml" ds:itemID="{758FDAC0-319D-4A54-8D8E-1D42CB1F8004}">
   <ds:schemaRefs>

--- a/iot-clientdev/images/iot-clientdev.pptx
+++ b/iot-clientdev/images/iot-clientdev.pptx
@@ -6,13 +6,15 @@
     <p:sldMasterId id="2147484642" r:id="rId5"/>
   </p:sldMasterIdLst>
   <p:notesMasterIdLst>
-    <p:notesMasterId r:id="rId7"/>
+    <p:notesMasterId r:id="rId9"/>
   </p:notesMasterIdLst>
   <p:handoutMasterIdLst>
-    <p:handoutMasterId r:id="rId8"/>
+    <p:handoutMasterId r:id="rId10"/>
   </p:handoutMasterIdLst>
   <p:sldIdLst>
     <p:sldId id="256" r:id="rId6"/>
+    <p:sldId id="257" r:id="rId7"/>
+    <p:sldId id="259" r:id="rId8"/>
   </p:sldIdLst>
   <p:sldSz cx="12192000" cy="6858000"/>
   <p:notesSz cx="6858000" cy="9144000"/>
@@ -240,7 +242,7 @@
               <a:rPr lang="en-US" smtClean="0">
                 <a:latin typeface="Segoe UI" pitchFamily="34" charset="0"/>
               </a:rPr>
-              <a:t>3/14/19 5:37 PM</a:t>
+              <a:t>4/5/19 11:04 AM</a:t>
             </a:fld>
             <a:endParaRPr lang="en-US" dirty="0">
               <a:latin typeface="Segoe UI" pitchFamily="34" charset="0"/>
@@ -518,7 +520,7 @@
           <a:p>
             <a:fld id="{386CE63F-9E7F-4C04-9D0D-FCA25A8E9E86}" type="datetime8">
               <a:rPr lang="en-US" smtClean="0"/>
-              <a:t>3/14/19 5:35 PM</a:t>
+              <a:t>4/5/19 11:04 AM</a:t>
             </a:fld>
             <a:endParaRPr lang="en-US" dirty="0"/>
           </a:p>
@@ -761,6 +763,215 @@
     </a:lvl9pPr>
   </p:notesStyle>
 </p:notesMaster>
+</file>
+
+<file path=ppt/notesSlides/notesSlide1.xml><?xml version="1.0" encoding="utf-8"?>
+<p:notes xmlns:a="http://schemas.openxmlformats.org/drawingml/2006/main" xmlns:r="http://schemas.openxmlformats.org/officeDocument/2006/relationships" xmlns:p="http://schemas.openxmlformats.org/presentationml/2006/main">
+  <p:cSld>
+    <p:spTree>
+      <p:nvGrpSpPr>
+        <p:cNvPr id="1" name=""/>
+        <p:cNvGrpSpPr/>
+        <p:nvPr/>
+      </p:nvGrpSpPr>
+      <p:grpSpPr>
+        <a:xfrm>
+          <a:off x="0" y="0"/>
+          <a:ext cx="0" cy="0"/>
+          <a:chOff x="0" y="0"/>
+          <a:chExt cx="0" cy="0"/>
+        </a:xfrm>
+      </p:grpSpPr>
+      <p:sp>
+        <p:nvSpPr>
+          <p:cNvPr id="2" name="スライド イメージ プレースホルダー 1"/>
+          <p:cNvSpPr>
+            <a:spLocks noGrp="1" noRot="1" noChangeAspect="1"/>
+          </p:cNvSpPr>
+          <p:nvPr>
+            <p:ph type="sldImg"/>
+          </p:nvPr>
+        </p:nvSpPr>
+        <p:spPr/>
+      </p:sp>
+      <p:sp>
+        <p:nvSpPr>
+          <p:cNvPr id="3" name="ノート プレースホルダー 2"/>
+          <p:cNvSpPr>
+            <a:spLocks noGrp="1"/>
+          </p:cNvSpPr>
+          <p:nvPr>
+            <p:ph type="body" idx="1"/>
+          </p:nvPr>
+        </p:nvSpPr>
+        <p:spPr/>
+        <p:txBody>
+          <a:bodyPr/>
+          <a:lstStyle/>
+          <a:p>
+            <a:r>
+              <a:rPr kumimoji="1" lang="en" altLang="ja-JP" dirty="0"/>
+              <a:t>https://</a:t>
+            </a:r>
+            <a:r>
+              <a:rPr kumimoji="1" lang="en" altLang="ja-JP" dirty="0" err="1"/>
+              <a:t>docs.microsoft.com</a:t>
+            </a:r>
+            <a:r>
+              <a:rPr kumimoji="1" lang="en" altLang="ja-JP" dirty="0"/>
+              <a:t>/ja-</a:t>
+            </a:r>
+            <a:r>
+              <a:rPr kumimoji="1" lang="en" altLang="ja-JP" dirty="0" err="1"/>
+              <a:t>jp</a:t>
+            </a:r>
+            <a:r>
+              <a:rPr kumimoji="1" lang="en" altLang="ja-JP" dirty="0"/>
+              <a:t>/azure/</a:t>
+            </a:r>
+            <a:r>
+              <a:rPr kumimoji="1" lang="en" altLang="ja-JP" dirty="0" err="1"/>
+              <a:t>iot</a:t>
+            </a:r>
+            <a:r>
+              <a:rPr kumimoji="1" lang="en" altLang="ja-JP"/>
+              <a:t>-edge/module-composition</a:t>
+            </a:r>
+            <a:endParaRPr kumimoji="1" lang="ja-JP" altLang="en-US"/>
+          </a:p>
+        </p:txBody>
+      </p:sp>
+      <p:sp>
+        <p:nvSpPr>
+          <p:cNvPr id="4" name="ヘッダー プレースホルダー 3"/>
+          <p:cNvSpPr>
+            <a:spLocks noGrp="1"/>
+          </p:cNvSpPr>
+          <p:nvPr>
+            <p:ph type="hdr" sz="quarter"/>
+          </p:nvPr>
+        </p:nvSpPr>
+        <p:spPr/>
+        <p:txBody>
+          <a:bodyPr/>
+          <a:lstStyle/>
+          <a:p>
+            <a:endParaRPr lang="en-US" dirty="0"/>
+          </a:p>
+        </p:txBody>
+      </p:sp>
+      <p:sp>
+        <p:nvSpPr>
+          <p:cNvPr id="5" name="フッター プレースホルダー 4"/>
+          <p:cNvSpPr>
+            <a:spLocks noGrp="1"/>
+          </p:cNvSpPr>
+          <p:nvPr>
+            <p:ph type="ftr" sz="quarter" idx="4"/>
+          </p:nvPr>
+        </p:nvSpPr>
+        <p:spPr/>
+        <p:txBody>
+          <a:bodyPr/>
+          <a:lstStyle/>
+          <a:p>
+            <a:pPr defTabSz="914099" eaLnBrk="0" hangingPunct="0"/>
+            <a:r>
+              <a:rPr lang="en-US" sz="400">
+                <a:gradFill>
+                  <a:gsLst>
+                    <a:gs pos="0">
+                      <a:prstClr val="black"/>
+                    </a:gs>
+                    <a:gs pos="100000">
+                      <a:prstClr val="black"/>
+                    </a:gs>
+                  </a:gsLst>
+                  <a:lin ang="5400000" scaled="0"/>
+                </a:gradFill>
+                <a:latin typeface="Segoe UI" pitchFamily="34" charset="0"/>
+                <a:ea typeface="Segoe UI" pitchFamily="34" charset="0"/>
+                <a:cs typeface="Segoe UI" pitchFamily="34" charset="0"/>
+              </a:rPr>
+              <a:t>© Microsoft Corporation. All rights reserved. MICROSOFT MAKES NO WARRANTIES, EXPRESS, IMPLIED OR STATUTORY, AS TO THE INFORMATION IN THIS PRESENTATION.</a:t>
+            </a:r>
+            <a:endParaRPr lang="en-US" sz="400" dirty="0">
+              <a:gradFill>
+                <a:gsLst>
+                  <a:gs pos="0">
+                    <a:prstClr val="black"/>
+                  </a:gs>
+                  <a:gs pos="100000">
+                    <a:prstClr val="black"/>
+                  </a:gs>
+                </a:gsLst>
+                <a:lin ang="5400000" scaled="0"/>
+              </a:gradFill>
+              <a:latin typeface="Segoe UI" pitchFamily="34" charset="0"/>
+              <a:ea typeface="Segoe UI" pitchFamily="34" charset="0"/>
+              <a:cs typeface="Segoe UI" pitchFamily="34" charset="0"/>
+            </a:endParaRPr>
+          </a:p>
+        </p:txBody>
+      </p:sp>
+      <p:sp>
+        <p:nvSpPr>
+          <p:cNvPr id="6" name="日付プレースホルダー 5"/>
+          <p:cNvSpPr>
+            <a:spLocks noGrp="1"/>
+          </p:cNvSpPr>
+          <p:nvPr>
+            <p:ph type="dt" idx="1"/>
+          </p:nvPr>
+        </p:nvSpPr>
+        <p:spPr/>
+        <p:txBody>
+          <a:bodyPr/>
+          <a:lstStyle/>
+          <a:p>
+            <a:fld id="{386CE63F-9E7F-4C04-9D0D-FCA25A8E9E86}" type="datetime8">
+              <a:rPr lang="en-US" smtClean="0"/>
+              <a:t>4/5/19 11:32 AM</a:t>
+            </a:fld>
+            <a:endParaRPr lang="en-US" dirty="0"/>
+          </a:p>
+        </p:txBody>
+      </p:sp>
+      <p:sp>
+        <p:nvSpPr>
+          <p:cNvPr id="7" name="スライド番号プレースホルダー 6"/>
+          <p:cNvSpPr>
+            <a:spLocks noGrp="1"/>
+          </p:cNvSpPr>
+          <p:nvPr>
+            <p:ph type="sldNum" sz="quarter" idx="5"/>
+          </p:nvPr>
+        </p:nvSpPr>
+        <p:spPr/>
+        <p:txBody>
+          <a:bodyPr/>
+          <a:lstStyle/>
+          <a:p>
+            <a:fld id="{B4008EB6-D09E-4580-8CD6-DDB14511944F}" type="slidenum">
+              <a:rPr lang="en-US" smtClean="0"/>
+              <a:pPr/>
+              <a:t>3</a:t>
+            </a:fld>
+            <a:endParaRPr lang="en-US" dirty="0"/>
+          </a:p>
+        </p:txBody>
+      </p:sp>
+    </p:spTree>
+    <p:extLst>
+      <p:ext uri="{BB962C8B-B14F-4D97-AF65-F5344CB8AC3E}">
+        <p14:creationId xmlns:p14="http://schemas.microsoft.com/office/powerpoint/2010/main" val="2672256934"/>
+      </p:ext>
+    </p:extLst>
+  </p:cSld>
+  <p:clrMapOvr>
+    <a:masterClrMapping/>
+  </p:clrMapOvr>
+</p:notes>
 </file>
 
 <file path=ppt/slideLayouts/slideLayout1.xml><?xml version="1.0" encoding="utf-8"?>
@@ -16213,6 +16424,5235 @@
 </p:sld>
 </file>
 
+<file path=ppt/slides/slide2.xml><?xml version="1.0" encoding="utf-8"?>
+<p:sld xmlns:a="http://schemas.openxmlformats.org/drawingml/2006/main" xmlns:r="http://schemas.openxmlformats.org/officeDocument/2006/relationships" xmlns:p="http://schemas.openxmlformats.org/presentationml/2006/main">
+  <p:cSld>
+    <p:spTree>
+      <p:nvGrpSpPr>
+        <p:cNvPr id="1" name=""/>
+        <p:cNvGrpSpPr/>
+        <p:nvPr/>
+      </p:nvGrpSpPr>
+      <p:grpSpPr>
+        <a:xfrm>
+          <a:off x="0" y="0"/>
+          <a:ext cx="0" cy="0"/>
+          <a:chOff x="0" y="0"/>
+          <a:chExt cx="0" cy="0"/>
+        </a:xfrm>
+      </p:grpSpPr>
+      <p:sp>
+        <p:nvSpPr>
+          <p:cNvPr id="91" name="角丸四角形 90">
+            <a:extLst>
+              <a:ext uri="{FF2B5EF4-FFF2-40B4-BE49-F238E27FC236}">
+                <a16:creationId xmlns:a16="http://schemas.microsoft.com/office/drawing/2014/main" id="{54BD9422-01A6-C946-AADC-E5AD43EF179F}"/>
+              </a:ext>
+            </a:extLst>
+          </p:cNvPr>
+          <p:cNvSpPr/>
+          <p:nvPr/>
+        </p:nvSpPr>
+        <p:spPr bwMode="auto">
+          <a:xfrm>
+            <a:off x="369870" y="1643865"/>
+            <a:ext cx="8814129" cy="3556846"/>
+          </a:xfrm>
+          <a:prstGeom prst="roundRect">
+            <a:avLst>
+              <a:gd name="adj" fmla="val 0"/>
+            </a:avLst>
+          </a:prstGeom>
+          <a:noFill/>
+          <a:ln>
+            <a:solidFill>
+              <a:schemeClr val="accent1"/>
+            </a:solidFill>
+            <a:headEnd type="none" w="med" len="med"/>
+            <a:tailEnd type="none" w="med" len="med"/>
+          </a:ln>
+          <a:effectLst/>
+        </p:spPr>
+        <p:style>
+          <a:lnRef idx="1">
+            <a:schemeClr val="accent2"/>
+          </a:lnRef>
+          <a:fillRef idx="3">
+            <a:schemeClr val="accent2"/>
+          </a:fillRef>
+          <a:effectRef idx="2">
+            <a:schemeClr val="accent2"/>
+          </a:effectRef>
+          <a:fontRef idx="minor">
+            <a:schemeClr val="lt1"/>
+          </a:fontRef>
+        </p:style>
+        <p:txBody>
+          <a:bodyPr rot="0" spcFirstLastPara="0" vertOverflow="overflow" horzOverflow="overflow" vert="horz" wrap="square" lIns="182880" tIns="146304" rIns="182880" bIns="146304" numCol="1" spcCol="0" rtlCol="0" fromWordArt="0" anchor="t" anchorCtr="0" forceAA="0" compatLnSpc="1">
+            <a:prstTxWarp prst="textNoShape">
+              <a:avLst/>
+            </a:prstTxWarp>
+            <a:noAutofit/>
+          </a:bodyPr>
+          <a:lstStyle/>
+          <a:p>
+            <a:pPr algn="l" defTabSz="932472" fontAlgn="base">
+              <a:spcBef>
+                <a:spcPct val="0"/>
+              </a:spcBef>
+              <a:spcAft>
+                <a:spcPct val="0"/>
+              </a:spcAft>
+            </a:pPr>
+            <a:endParaRPr kumimoji="1" lang="ja-JP" altLang="en-US" sz="1200" dirty="0" err="1">
+              <a:gradFill>
+                <a:gsLst>
+                  <a:gs pos="0">
+                    <a:srgbClr val="FFFFFF"/>
+                  </a:gs>
+                  <a:gs pos="100000">
+                    <a:srgbClr val="FFFFFF"/>
+                  </a:gs>
+                </a:gsLst>
+                <a:lin ang="5400000" scaled="0"/>
+              </a:gradFill>
+              <a:ea typeface="Segoe UI" pitchFamily="34" charset="0"/>
+              <a:cs typeface="Segoe UI" pitchFamily="34" charset="0"/>
+            </a:endParaRPr>
+          </a:p>
+        </p:txBody>
+      </p:sp>
+      <p:grpSp>
+        <p:nvGrpSpPr>
+          <p:cNvPr id="10" name="グループ化 9">
+            <a:extLst>
+              <a:ext uri="{FF2B5EF4-FFF2-40B4-BE49-F238E27FC236}">
+                <a16:creationId xmlns:a16="http://schemas.microsoft.com/office/drawing/2014/main" id="{3DD27FD5-1469-784F-A848-8EA507150E9E}"/>
+              </a:ext>
+            </a:extLst>
+          </p:cNvPr>
+          <p:cNvGrpSpPr/>
+          <p:nvPr/>
+        </p:nvGrpSpPr>
+        <p:grpSpPr>
+          <a:xfrm>
+            <a:off x="4302043" y="2079732"/>
+            <a:ext cx="1214519" cy="500056"/>
+            <a:chOff x="3810619" y="456060"/>
+            <a:chExt cx="1214519" cy="500056"/>
+          </a:xfrm>
+        </p:grpSpPr>
+        <p:sp>
+          <p:nvSpPr>
+            <p:cNvPr id="7" name="正方形/長方形 6">
+              <a:extLst>
+                <a:ext uri="{FF2B5EF4-FFF2-40B4-BE49-F238E27FC236}">
+                  <a16:creationId xmlns:a16="http://schemas.microsoft.com/office/drawing/2014/main" id="{FFB3A508-6D91-604F-A2C6-ED7BEE02911B}"/>
+                </a:ext>
+              </a:extLst>
+            </p:cNvPr>
+            <p:cNvSpPr/>
+            <p:nvPr/>
+          </p:nvSpPr>
+          <p:spPr bwMode="auto">
+            <a:xfrm>
+              <a:off x="3954162" y="456060"/>
+              <a:ext cx="914401" cy="500056"/>
+            </a:xfrm>
+            <a:prstGeom prst="rect">
+              <a:avLst/>
+            </a:prstGeom>
+            <a:noFill/>
+            <a:ln w="38100">
+              <a:solidFill>
+                <a:schemeClr val="accent1"/>
+              </a:solidFill>
+              <a:prstDash val="sysDash"/>
+              <a:headEnd type="none" w="med" len="med"/>
+              <a:tailEnd type="none" w="med" len="med"/>
+            </a:ln>
+            <a:effectLst/>
+          </p:spPr>
+          <p:style>
+            <a:lnRef idx="1">
+              <a:schemeClr val="accent2"/>
+            </a:lnRef>
+            <a:fillRef idx="3">
+              <a:schemeClr val="accent2"/>
+            </a:fillRef>
+            <a:effectRef idx="2">
+              <a:schemeClr val="accent2"/>
+            </a:effectRef>
+            <a:fontRef idx="minor">
+              <a:schemeClr val="lt1"/>
+            </a:fontRef>
+          </p:style>
+          <p:txBody>
+            <a:bodyPr rot="0" spcFirstLastPara="0" vertOverflow="overflow" horzOverflow="overflow" vert="horz" wrap="square" lIns="182880" tIns="146304" rIns="182880" bIns="146304" numCol="1" spcCol="0" rtlCol="0" fromWordArt="0" anchor="ctr" anchorCtr="0" forceAA="0" compatLnSpc="1">
+              <a:prstTxWarp prst="textNoShape">
+                <a:avLst/>
+              </a:prstTxWarp>
+              <a:noAutofit/>
+            </a:bodyPr>
+            <a:lstStyle/>
+            <a:p>
+              <a:pPr algn="ctr" defTabSz="932472" fontAlgn="base">
+                <a:spcBef>
+                  <a:spcPct val="0"/>
+                </a:spcBef>
+                <a:spcAft>
+                  <a:spcPct val="0"/>
+                </a:spcAft>
+              </a:pPr>
+              <a:r>
+                <a:rPr kumimoji="1" lang="en-US" altLang="ja-JP" sz="2000" b="1" dirty="0">
+                  <a:solidFill>
+                    <a:schemeClr val="tx1"/>
+                  </a:solidFill>
+                  <a:ea typeface="Segoe UI" pitchFamily="34" charset="0"/>
+                  <a:cs typeface="Segoe UI" pitchFamily="34" charset="0"/>
+                </a:rPr>
+                <a:t>ASA</a:t>
+              </a:r>
+              <a:endParaRPr kumimoji="1" lang="ja-JP" altLang="en-US" sz="2000" b="1" dirty="0" err="1">
+                <a:solidFill>
+                  <a:schemeClr val="tx1"/>
+                </a:solidFill>
+                <a:ea typeface="Segoe UI" pitchFamily="34" charset="0"/>
+                <a:cs typeface="Segoe UI" pitchFamily="34" charset="0"/>
+              </a:endParaRPr>
+            </a:p>
+          </p:txBody>
+        </p:sp>
+        <p:sp>
+          <p:nvSpPr>
+            <p:cNvPr id="8" name="正方形/長方形 7">
+              <a:extLst>
+                <a:ext uri="{FF2B5EF4-FFF2-40B4-BE49-F238E27FC236}">
+                  <a16:creationId xmlns:a16="http://schemas.microsoft.com/office/drawing/2014/main" id="{4DE3B596-5993-3044-9CFA-67E93D9AA7BF}"/>
+                </a:ext>
+              </a:extLst>
+            </p:cNvPr>
+            <p:cNvSpPr/>
+            <p:nvPr/>
+          </p:nvSpPr>
+          <p:spPr bwMode="auto">
+            <a:xfrm>
+              <a:off x="3810619" y="580222"/>
+              <a:ext cx="198907" cy="108000"/>
+            </a:xfrm>
+            <a:prstGeom prst="rect">
+              <a:avLst/>
+            </a:prstGeom>
+            <a:solidFill>
+              <a:schemeClr val="bg1"/>
+            </a:solidFill>
+            <a:ln>
+              <a:solidFill>
+                <a:schemeClr val="accent1"/>
+              </a:solidFill>
+              <a:headEnd type="none" w="med" len="med"/>
+              <a:tailEnd type="none" w="med" len="med"/>
+            </a:ln>
+            <a:effectLst/>
+          </p:spPr>
+          <p:style>
+            <a:lnRef idx="1">
+              <a:schemeClr val="accent2"/>
+            </a:lnRef>
+            <a:fillRef idx="3">
+              <a:schemeClr val="accent2"/>
+            </a:fillRef>
+            <a:effectRef idx="2">
+              <a:schemeClr val="accent2"/>
+            </a:effectRef>
+            <a:fontRef idx="minor">
+              <a:schemeClr val="lt1"/>
+            </a:fontRef>
+          </p:style>
+          <p:txBody>
+            <a:bodyPr rot="0" spcFirstLastPara="0" vertOverflow="overflow" horzOverflow="overflow" vert="horz" wrap="square" lIns="182880" tIns="146304" rIns="182880" bIns="146304" numCol="1" spcCol="0" rtlCol="0" fromWordArt="0" anchor="t" anchorCtr="0" forceAA="0" compatLnSpc="1">
+              <a:prstTxWarp prst="textNoShape">
+                <a:avLst/>
+              </a:prstTxWarp>
+              <a:noAutofit/>
+            </a:bodyPr>
+            <a:lstStyle/>
+            <a:p>
+              <a:pPr algn="l" defTabSz="932472" fontAlgn="base">
+                <a:spcBef>
+                  <a:spcPct val="0"/>
+                </a:spcBef>
+                <a:spcAft>
+                  <a:spcPct val="0"/>
+                </a:spcAft>
+              </a:pPr>
+              <a:endParaRPr kumimoji="1" lang="ja-JP" altLang="en-US" sz="1200" dirty="0" err="1">
+                <a:gradFill>
+                  <a:gsLst>
+                    <a:gs pos="0">
+                      <a:srgbClr val="FFFFFF"/>
+                    </a:gs>
+                    <a:gs pos="100000">
+                      <a:srgbClr val="FFFFFF"/>
+                    </a:gs>
+                  </a:gsLst>
+                  <a:lin ang="5400000" scaled="0"/>
+                </a:gradFill>
+                <a:ea typeface="Segoe UI" pitchFamily="34" charset="0"/>
+                <a:cs typeface="Segoe UI" pitchFamily="34" charset="0"/>
+              </a:endParaRPr>
+            </a:p>
+          </p:txBody>
+        </p:sp>
+        <p:sp>
+          <p:nvSpPr>
+            <p:cNvPr id="9" name="正方形/長方形 8">
+              <a:extLst>
+                <a:ext uri="{FF2B5EF4-FFF2-40B4-BE49-F238E27FC236}">
+                  <a16:creationId xmlns:a16="http://schemas.microsoft.com/office/drawing/2014/main" id="{2405F09E-EC03-A24B-ACF5-2C52C4F89990}"/>
+                </a:ext>
+              </a:extLst>
+            </p:cNvPr>
+            <p:cNvSpPr/>
+            <p:nvPr/>
+          </p:nvSpPr>
+          <p:spPr bwMode="auto">
+            <a:xfrm>
+              <a:off x="4826231" y="580222"/>
+              <a:ext cx="198907" cy="108000"/>
+            </a:xfrm>
+            <a:prstGeom prst="rect">
+              <a:avLst/>
+            </a:prstGeom>
+            <a:solidFill>
+              <a:schemeClr val="bg1"/>
+            </a:solidFill>
+            <a:ln>
+              <a:solidFill>
+                <a:schemeClr val="accent1"/>
+              </a:solidFill>
+              <a:headEnd type="none" w="med" len="med"/>
+              <a:tailEnd type="none" w="med" len="med"/>
+            </a:ln>
+            <a:effectLst/>
+          </p:spPr>
+          <p:style>
+            <a:lnRef idx="1">
+              <a:schemeClr val="accent2"/>
+            </a:lnRef>
+            <a:fillRef idx="3">
+              <a:schemeClr val="accent2"/>
+            </a:fillRef>
+            <a:effectRef idx="2">
+              <a:schemeClr val="accent2"/>
+            </a:effectRef>
+            <a:fontRef idx="minor">
+              <a:schemeClr val="lt1"/>
+            </a:fontRef>
+          </p:style>
+          <p:txBody>
+            <a:bodyPr rot="0" spcFirstLastPara="0" vertOverflow="overflow" horzOverflow="overflow" vert="horz" wrap="square" lIns="182880" tIns="146304" rIns="182880" bIns="146304" numCol="1" spcCol="0" rtlCol="0" fromWordArt="0" anchor="t" anchorCtr="0" forceAA="0" compatLnSpc="1">
+              <a:prstTxWarp prst="textNoShape">
+                <a:avLst/>
+              </a:prstTxWarp>
+              <a:noAutofit/>
+            </a:bodyPr>
+            <a:lstStyle/>
+            <a:p>
+              <a:pPr algn="l" defTabSz="932472" fontAlgn="base">
+                <a:spcBef>
+                  <a:spcPct val="0"/>
+                </a:spcBef>
+                <a:spcAft>
+                  <a:spcPct val="0"/>
+                </a:spcAft>
+              </a:pPr>
+              <a:endParaRPr kumimoji="1" lang="ja-JP" altLang="en-US" sz="1200" dirty="0" err="1">
+                <a:gradFill>
+                  <a:gsLst>
+                    <a:gs pos="0">
+                      <a:srgbClr val="FFFFFF"/>
+                    </a:gs>
+                    <a:gs pos="100000">
+                      <a:srgbClr val="FFFFFF"/>
+                    </a:gs>
+                  </a:gsLst>
+                  <a:lin ang="5400000" scaled="0"/>
+                </a:gradFill>
+                <a:ea typeface="Segoe UI" pitchFamily="34" charset="0"/>
+                <a:cs typeface="Segoe UI" pitchFamily="34" charset="0"/>
+              </a:endParaRPr>
+            </a:p>
+          </p:txBody>
+        </p:sp>
+      </p:grpSp>
+      <p:sp>
+        <p:nvSpPr>
+          <p:cNvPr id="17" name="正方形/長方形 16">
+            <a:extLst>
+              <a:ext uri="{FF2B5EF4-FFF2-40B4-BE49-F238E27FC236}">
+                <a16:creationId xmlns:a16="http://schemas.microsoft.com/office/drawing/2014/main" id="{7ED7060B-0A06-C843-ABB4-099C91E8FAB1}"/>
+              </a:ext>
+            </a:extLst>
+          </p:cNvPr>
+          <p:cNvSpPr/>
+          <p:nvPr/>
+        </p:nvSpPr>
+        <p:spPr bwMode="auto">
+          <a:xfrm>
+            <a:off x="10983733" y="1867985"/>
+            <a:ext cx="914400" cy="914400"/>
+          </a:xfrm>
+          <a:prstGeom prst="rect">
+            <a:avLst/>
+          </a:prstGeom>
+          <a:solidFill>
+            <a:schemeClr val="accent1"/>
+          </a:solidFill>
+          <a:ln>
+            <a:noFill/>
+            <a:headEnd type="none" w="med" len="med"/>
+            <a:tailEnd type="none" w="med" len="med"/>
+          </a:ln>
+          <a:effectLst/>
+        </p:spPr>
+        <p:style>
+          <a:lnRef idx="1">
+            <a:schemeClr val="accent2"/>
+          </a:lnRef>
+          <a:fillRef idx="3">
+            <a:schemeClr val="accent2"/>
+          </a:fillRef>
+          <a:effectRef idx="2">
+            <a:schemeClr val="accent2"/>
+          </a:effectRef>
+          <a:fontRef idx="minor">
+            <a:schemeClr val="lt1"/>
+          </a:fontRef>
+        </p:style>
+        <p:txBody>
+          <a:bodyPr rot="0" spcFirstLastPara="0" vertOverflow="overflow" horzOverflow="overflow" vert="horz" wrap="square" lIns="182880" tIns="146304" rIns="182880" bIns="146304" numCol="1" spcCol="0" rtlCol="0" fromWordArt="0" anchor="ctr" anchorCtr="0" forceAA="0" compatLnSpc="1">
+            <a:prstTxWarp prst="textNoShape">
+              <a:avLst/>
+            </a:prstTxWarp>
+            <a:noAutofit/>
+          </a:bodyPr>
+          <a:lstStyle/>
+          <a:p>
+            <a:pPr algn="ctr" defTabSz="932472" fontAlgn="base">
+              <a:spcBef>
+                <a:spcPct val="0"/>
+              </a:spcBef>
+              <a:spcAft>
+                <a:spcPct val="0"/>
+              </a:spcAft>
+            </a:pPr>
+            <a:r>
+              <a:rPr kumimoji="1" lang="en-US" altLang="ja-JP" sz="1200" dirty="0">
+                <a:gradFill>
+                  <a:gsLst>
+                    <a:gs pos="0">
+                      <a:srgbClr val="FFFFFF"/>
+                    </a:gs>
+                    <a:gs pos="100000">
+                      <a:srgbClr val="FFFFFF"/>
+                    </a:gs>
+                  </a:gsLst>
+                  <a:lin ang="5400000" scaled="0"/>
+                </a:gradFill>
+                <a:ea typeface="Segoe UI" pitchFamily="34" charset="0"/>
+                <a:cs typeface="Segoe UI" pitchFamily="34" charset="0"/>
+              </a:rPr>
+              <a:t>IoT Hub</a:t>
+            </a:r>
+            <a:endParaRPr kumimoji="1" lang="ja-JP" altLang="en-US" sz="1200" dirty="0" err="1">
+              <a:gradFill>
+                <a:gsLst>
+                  <a:gs pos="0">
+                    <a:srgbClr val="FFFFFF"/>
+                  </a:gs>
+                  <a:gs pos="100000">
+                    <a:srgbClr val="FFFFFF"/>
+                  </a:gs>
+                </a:gsLst>
+                <a:lin ang="5400000" scaled="0"/>
+              </a:gradFill>
+              <a:ea typeface="Segoe UI" pitchFamily="34" charset="0"/>
+              <a:cs typeface="Segoe UI" pitchFamily="34" charset="0"/>
+            </a:endParaRPr>
+          </a:p>
+        </p:txBody>
+      </p:sp>
+      <p:sp>
+        <p:nvSpPr>
+          <p:cNvPr id="46" name="角丸四角形 45">
+            <a:extLst>
+              <a:ext uri="{FF2B5EF4-FFF2-40B4-BE49-F238E27FC236}">
+                <a16:creationId xmlns:a16="http://schemas.microsoft.com/office/drawing/2014/main" id="{6067CD1E-EA4A-DA43-9D4F-63AA3272E386}"/>
+              </a:ext>
+            </a:extLst>
+          </p:cNvPr>
+          <p:cNvSpPr/>
+          <p:nvPr/>
+        </p:nvSpPr>
+        <p:spPr bwMode="auto">
+          <a:xfrm>
+            <a:off x="941178" y="3132490"/>
+            <a:ext cx="8066351" cy="1704746"/>
+          </a:xfrm>
+          <a:prstGeom prst="roundRect">
+            <a:avLst>
+              <a:gd name="adj" fmla="val 0"/>
+            </a:avLst>
+          </a:prstGeom>
+          <a:noFill/>
+          <a:ln w="38100">
+            <a:solidFill>
+              <a:schemeClr val="accent1"/>
+            </a:solidFill>
+            <a:prstDash val="sysDash"/>
+            <a:headEnd type="none" w="med" len="med"/>
+            <a:tailEnd type="none" w="med" len="med"/>
+          </a:ln>
+          <a:effectLst/>
+        </p:spPr>
+        <p:style>
+          <a:lnRef idx="1">
+            <a:schemeClr val="accent2"/>
+          </a:lnRef>
+          <a:fillRef idx="3">
+            <a:schemeClr val="accent2"/>
+          </a:fillRef>
+          <a:effectRef idx="2">
+            <a:schemeClr val="accent2"/>
+          </a:effectRef>
+          <a:fontRef idx="minor">
+            <a:schemeClr val="lt1"/>
+          </a:fontRef>
+        </p:style>
+        <p:txBody>
+          <a:bodyPr rot="0" spcFirstLastPara="0" vertOverflow="overflow" horzOverflow="overflow" vert="horz" wrap="square" lIns="182880" tIns="146304" rIns="182880" bIns="146304" numCol="1" spcCol="0" rtlCol="0" fromWordArt="0" anchor="t" anchorCtr="0" forceAA="0" compatLnSpc="1">
+            <a:prstTxWarp prst="textNoShape">
+              <a:avLst/>
+            </a:prstTxWarp>
+            <a:noAutofit/>
+          </a:bodyPr>
+          <a:lstStyle/>
+          <a:p>
+            <a:pPr algn="l" defTabSz="932472" fontAlgn="base">
+              <a:spcBef>
+                <a:spcPct val="0"/>
+              </a:spcBef>
+              <a:spcAft>
+                <a:spcPct val="0"/>
+              </a:spcAft>
+            </a:pPr>
+            <a:endParaRPr kumimoji="1" lang="ja-JP" altLang="en-US" sz="1200" dirty="0" err="1">
+              <a:gradFill>
+                <a:gsLst>
+                  <a:gs pos="0">
+                    <a:srgbClr val="FFFFFF"/>
+                  </a:gs>
+                  <a:gs pos="100000">
+                    <a:srgbClr val="FFFFFF"/>
+                  </a:gs>
+                </a:gsLst>
+                <a:lin ang="5400000" scaled="0"/>
+              </a:gradFill>
+              <a:ea typeface="Segoe UI" pitchFamily="34" charset="0"/>
+              <a:cs typeface="Segoe UI" pitchFamily="34" charset="0"/>
+            </a:endParaRPr>
+          </a:p>
+        </p:txBody>
+      </p:sp>
+      <p:sp>
+        <p:nvSpPr>
+          <p:cNvPr id="47" name="角丸四角形 46">
+            <a:extLst>
+              <a:ext uri="{FF2B5EF4-FFF2-40B4-BE49-F238E27FC236}">
+                <a16:creationId xmlns:a16="http://schemas.microsoft.com/office/drawing/2014/main" id="{713C0A40-AE98-6A4C-B6B8-D7B0A525042C}"/>
+              </a:ext>
+            </a:extLst>
+          </p:cNvPr>
+          <p:cNvSpPr/>
+          <p:nvPr/>
+        </p:nvSpPr>
+        <p:spPr bwMode="auto">
+          <a:xfrm>
+            <a:off x="1058241" y="4659071"/>
+            <a:ext cx="7771413" cy="360000"/>
+          </a:xfrm>
+          <a:prstGeom prst="roundRect">
+            <a:avLst>
+              <a:gd name="adj" fmla="val 0"/>
+            </a:avLst>
+          </a:prstGeom>
+          <a:solidFill>
+            <a:schemeClr val="bg1"/>
+          </a:solidFill>
+          <a:ln>
+            <a:solidFill>
+              <a:schemeClr val="accent1"/>
+            </a:solidFill>
+            <a:headEnd type="none" w="med" len="med"/>
+            <a:tailEnd type="none" w="med" len="med"/>
+          </a:ln>
+          <a:effectLst/>
+        </p:spPr>
+        <p:style>
+          <a:lnRef idx="1">
+            <a:schemeClr val="accent2"/>
+          </a:lnRef>
+          <a:fillRef idx="3">
+            <a:schemeClr val="accent2"/>
+          </a:fillRef>
+          <a:effectRef idx="2">
+            <a:schemeClr val="accent2"/>
+          </a:effectRef>
+          <a:fontRef idx="minor">
+            <a:schemeClr val="lt1"/>
+          </a:fontRef>
+        </p:style>
+        <p:txBody>
+          <a:bodyPr rot="0" spcFirstLastPara="0" vertOverflow="overflow" horzOverflow="overflow" vert="horz" wrap="none" lIns="36000" tIns="36000" rIns="36000" bIns="36000" numCol="1" spcCol="0" rtlCol="0" fromWordArt="0" anchor="ctr" anchorCtr="0" forceAA="0" compatLnSpc="1">
+            <a:prstTxWarp prst="textNoShape">
+              <a:avLst/>
+            </a:prstTxWarp>
+            <a:noAutofit/>
+          </a:bodyPr>
+          <a:lstStyle/>
+          <a:p>
+            <a:pPr algn="l" defTabSz="932472" fontAlgn="base">
+              <a:spcBef>
+                <a:spcPct val="0"/>
+              </a:spcBef>
+              <a:spcAft>
+                <a:spcPct val="0"/>
+              </a:spcAft>
+            </a:pPr>
+            <a:r>
+              <a:rPr kumimoji="1" lang="en-US" altLang="ja-JP" sz="1600" b="1" dirty="0">
+                <a:solidFill>
+                  <a:schemeClr val="tx1"/>
+                </a:solidFill>
+                <a:ea typeface="Segoe UI" pitchFamily="34" charset="0"/>
+                <a:cs typeface="Segoe UI" pitchFamily="34" charset="0"/>
+              </a:rPr>
+              <a:t>IN</a:t>
+            </a:r>
+            <a:endParaRPr kumimoji="1" lang="ja-JP" altLang="en-US" sz="1600" b="1" dirty="0" err="1">
+              <a:solidFill>
+                <a:schemeClr val="tx1"/>
+              </a:solidFill>
+              <a:ea typeface="Segoe UI" pitchFamily="34" charset="0"/>
+              <a:cs typeface="Segoe UI" pitchFamily="34" charset="0"/>
+            </a:endParaRPr>
+          </a:p>
+        </p:txBody>
+      </p:sp>
+      <p:sp>
+        <p:nvSpPr>
+          <p:cNvPr id="2" name="テキスト ボックス 1">
+            <a:extLst>
+              <a:ext uri="{FF2B5EF4-FFF2-40B4-BE49-F238E27FC236}">
+                <a16:creationId xmlns:a16="http://schemas.microsoft.com/office/drawing/2014/main" id="{BC56D763-D788-414B-89A6-4C01EC3DB05C}"/>
+              </a:ext>
+            </a:extLst>
+          </p:cNvPr>
+          <p:cNvSpPr txBox="1"/>
+          <p:nvPr/>
+        </p:nvSpPr>
+        <p:spPr>
+          <a:xfrm>
+            <a:off x="2296312" y="4742566"/>
+            <a:ext cx="1423378" cy="184666"/>
+          </a:xfrm>
+          <a:prstGeom prst="rect">
+            <a:avLst/>
+          </a:prstGeom>
+          <a:noFill/>
+          <a:ln>
+            <a:noFill/>
+          </a:ln>
+        </p:spPr>
+        <p:txBody>
+          <a:bodyPr wrap="square" lIns="0" tIns="0" rIns="0" bIns="0" rtlCol="0" anchor="ctr" anchorCtr="0">
+            <a:spAutoFit/>
+          </a:bodyPr>
+          <a:lstStyle/>
+          <a:p>
+            <a:pPr algn="ctr"/>
+            <a:r>
+              <a:rPr kumimoji="1" lang="en-US" altLang="ja-JP" sz="1200" dirty="0">
+                <a:gradFill>
+                  <a:gsLst>
+                    <a:gs pos="2917">
+                      <a:schemeClr val="tx1"/>
+                    </a:gs>
+                    <a:gs pos="30000">
+                      <a:schemeClr val="tx1"/>
+                    </a:gs>
+                  </a:gsLst>
+                  <a:lin ang="5400000" scaled="0"/>
+                </a:gradFill>
+              </a:rPr>
+              <a:t>/messages/*</a:t>
+            </a:r>
+            <a:endParaRPr kumimoji="1" lang="ja-JP" altLang="en-US" sz="1200" dirty="0" err="1">
+              <a:gradFill>
+                <a:gsLst>
+                  <a:gs pos="2917">
+                    <a:schemeClr val="tx1"/>
+                  </a:gs>
+                  <a:gs pos="30000">
+                    <a:schemeClr val="tx1"/>
+                  </a:gs>
+                </a:gsLst>
+                <a:lin ang="5400000" scaled="0"/>
+              </a:gradFill>
+            </a:endParaRPr>
+          </a:p>
+        </p:txBody>
+      </p:sp>
+      <p:sp>
+        <p:nvSpPr>
+          <p:cNvPr id="4" name="テキスト ボックス 3">
+            <a:extLst>
+              <a:ext uri="{FF2B5EF4-FFF2-40B4-BE49-F238E27FC236}">
+                <a16:creationId xmlns:a16="http://schemas.microsoft.com/office/drawing/2014/main" id="{0770D115-DEE9-4943-B42D-3A375BFD35D4}"/>
+              </a:ext>
+            </a:extLst>
+          </p:cNvPr>
+          <p:cNvSpPr txBox="1"/>
+          <p:nvPr/>
+        </p:nvSpPr>
+        <p:spPr>
+          <a:xfrm>
+            <a:off x="5473001" y="4731187"/>
+            <a:ext cx="3223959" cy="184666"/>
+          </a:xfrm>
+          <a:prstGeom prst="rect">
+            <a:avLst/>
+          </a:prstGeom>
+          <a:noFill/>
+          <a:ln>
+            <a:noFill/>
+          </a:ln>
+        </p:spPr>
+        <p:txBody>
+          <a:bodyPr wrap="none" lIns="0" tIns="0" rIns="0" bIns="0" rtlCol="0">
+            <a:spAutoFit/>
+          </a:bodyPr>
+          <a:lstStyle/>
+          <a:p>
+            <a:pPr algn="ctr"/>
+            <a:r>
+              <a:rPr kumimoji="1" lang="en-US" altLang="ja-JP" sz="1200" dirty="0">
+                <a:gradFill>
+                  <a:gsLst>
+                    <a:gs pos="2917">
+                      <a:schemeClr val="tx1"/>
+                    </a:gs>
+                    <a:gs pos="30000">
+                      <a:schemeClr val="tx1"/>
+                    </a:gs>
+                  </a:gsLst>
+                  <a:lin ang="5400000" scaled="0"/>
+                </a:gradFill>
+              </a:rPr>
+              <a:t>/messages/modules/</a:t>
+            </a:r>
+            <a:r>
+              <a:rPr kumimoji="1" lang="en-US" altLang="ja-JP" sz="1200" dirty="0" err="1">
+                <a:gradFill>
+                  <a:gsLst>
+                    <a:gs pos="2917">
+                      <a:schemeClr val="tx1"/>
+                    </a:gs>
+                    <a:gs pos="30000">
+                      <a:schemeClr val="tx1"/>
+                    </a:gs>
+                  </a:gsLst>
+                  <a:lin ang="5400000" scaled="0"/>
+                </a:gradFill>
+              </a:rPr>
+              <a:t>iotwsasaonedge</a:t>
+            </a:r>
+            <a:r>
+              <a:rPr kumimoji="1" lang="en-US" altLang="ja-JP" sz="1200" dirty="0">
+                <a:gradFill>
+                  <a:gsLst>
+                    <a:gs pos="2917">
+                      <a:schemeClr val="tx1"/>
+                    </a:gs>
+                    <a:gs pos="30000">
+                      <a:schemeClr val="tx1"/>
+                    </a:gs>
+                  </a:gsLst>
+                  <a:lin ang="5400000" scaled="0"/>
+                </a:gradFill>
+              </a:rPr>
+              <a:t>/outputs/alert</a:t>
+            </a:r>
+            <a:endParaRPr kumimoji="1" lang="ja-JP" altLang="en-US" sz="1200" dirty="0" err="1">
+              <a:gradFill>
+                <a:gsLst>
+                  <a:gs pos="2917">
+                    <a:schemeClr val="tx1"/>
+                  </a:gs>
+                  <a:gs pos="30000">
+                    <a:schemeClr val="tx1"/>
+                  </a:gs>
+                </a:gsLst>
+                <a:lin ang="5400000" scaled="0"/>
+              </a:gradFill>
+            </a:endParaRPr>
+          </a:p>
+        </p:txBody>
+      </p:sp>
+      <p:sp>
+        <p:nvSpPr>
+          <p:cNvPr id="48" name="角丸四角形 47">
+            <a:extLst>
+              <a:ext uri="{FF2B5EF4-FFF2-40B4-BE49-F238E27FC236}">
+                <a16:creationId xmlns:a16="http://schemas.microsoft.com/office/drawing/2014/main" id="{F0F0AE1F-C7E7-A745-B3D1-7AA386D94CCA}"/>
+              </a:ext>
+            </a:extLst>
+          </p:cNvPr>
+          <p:cNvSpPr/>
+          <p:nvPr/>
+        </p:nvSpPr>
+        <p:spPr bwMode="auto">
+          <a:xfrm>
+            <a:off x="1058241" y="2956979"/>
+            <a:ext cx="7815711" cy="360000"/>
+          </a:xfrm>
+          <a:prstGeom prst="roundRect">
+            <a:avLst>
+              <a:gd name="adj" fmla="val 0"/>
+            </a:avLst>
+          </a:prstGeom>
+          <a:solidFill>
+            <a:schemeClr val="bg1"/>
+          </a:solidFill>
+          <a:ln>
+            <a:solidFill>
+              <a:schemeClr val="accent1"/>
+            </a:solidFill>
+            <a:headEnd type="none" w="med" len="med"/>
+            <a:tailEnd type="none" w="med" len="med"/>
+          </a:ln>
+          <a:effectLst/>
+        </p:spPr>
+        <p:style>
+          <a:lnRef idx="1">
+            <a:schemeClr val="accent2"/>
+          </a:lnRef>
+          <a:fillRef idx="3">
+            <a:schemeClr val="accent2"/>
+          </a:fillRef>
+          <a:effectRef idx="2">
+            <a:schemeClr val="accent2"/>
+          </a:effectRef>
+          <a:fontRef idx="minor">
+            <a:schemeClr val="lt1"/>
+          </a:fontRef>
+        </p:style>
+        <p:txBody>
+          <a:bodyPr rot="0" spcFirstLastPara="0" vertOverflow="overflow" horzOverflow="overflow" vert="horz" wrap="none" lIns="36000" tIns="36000" rIns="0" bIns="0" numCol="1" spcCol="0" rtlCol="0" fromWordArt="0" anchor="ctr" anchorCtr="0" forceAA="0" compatLnSpc="1">
+            <a:prstTxWarp prst="textNoShape">
+              <a:avLst/>
+            </a:prstTxWarp>
+            <a:noAutofit/>
+          </a:bodyPr>
+          <a:lstStyle/>
+          <a:p>
+            <a:pPr defTabSz="932472" fontAlgn="base">
+              <a:spcBef>
+                <a:spcPct val="0"/>
+              </a:spcBef>
+              <a:spcAft>
+                <a:spcPct val="0"/>
+              </a:spcAft>
+            </a:pPr>
+            <a:r>
+              <a:rPr kumimoji="1" lang="en-US" altLang="ja-JP" sz="1600" b="1" dirty="0">
+                <a:solidFill>
+                  <a:schemeClr val="tx1"/>
+                </a:solidFill>
+                <a:ea typeface="Segoe UI" pitchFamily="34" charset="0"/>
+                <a:cs typeface="Segoe UI" pitchFamily="34" charset="0"/>
+              </a:rPr>
+              <a:t>OUT</a:t>
+            </a:r>
+            <a:endParaRPr kumimoji="1" lang="ja-JP" altLang="en-US" sz="1600" b="1" dirty="0" err="1">
+              <a:solidFill>
+                <a:schemeClr val="tx1"/>
+              </a:solidFill>
+              <a:ea typeface="Segoe UI" pitchFamily="34" charset="0"/>
+              <a:cs typeface="Segoe UI" pitchFamily="34" charset="0"/>
+            </a:endParaRPr>
+          </a:p>
+        </p:txBody>
+      </p:sp>
+      <p:sp>
+        <p:nvSpPr>
+          <p:cNvPr id="3" name="テキスト ボックス 2">
+            <a:extLst>
+              <a:ext uri="{FF2B5EF4-FFF2-40B4-BE49-F238E27FC236}">
+                <a16:creationId xmlns:a16="http://schemas.microsoft.com/office/drawing/2014/main" id="{F98820B1-FC06-B940-8672-AEE2F9775861}"/>
+              </a:ext>
+            </a:extLst>
+          </p:cNvPr>
+          <p:cNvSpPr txBox="1"/>
+          <p:nvPr/>
+        </p:nvSpPr>
+        <p:spPr>
+          <a:xfrm>
+            <a:off x="1713962" y="3053873"/>
+            <a:ext cx="2588081" cy="184666"/>
+          </a:xfrm>
+          <a:prstGeom prst="rect">
+            <a:avLst/>
+          </a:prstGeom>
+          <a:solidFill>
+            <a:schemeClr val="bg1"/>
+          </a:solidFill>
+          <a:ln>
+            <a:noFill/>
+          </a:ln>
+        </p:spPr>
+        <p:txBody>
+          <a:bodyPr wrap="none" lIns="0" tIns="0" rIns="0" bIns="0" rtlCol="0">
+            <a:spAutoFit/>
+          </a:bodyPr>
+          <a:lstStyle/>
+          <a:p>
+            <a:pPr algn="ctr"/>
+            <a:r>
+              <a:rPr kumimoji="1" lang="en-US" altLang="ja-JP" sz="1200" dirty="0">
+                <a:gradFill>
+                  <a:gsLst>
+                    <a:gs pos="2917">
+                      <a:schemeClr val="tx1"/>
+                    </a:gs>
+                    <a:gs pos="30000">
+                      <a:schemeClr val="tx1"/>
+                    </a:gs>
+                  </a:gsLst>
+                  <a:lin ang="5400000" scaled="0"/>
+                </a:gradFill>
+              </a:rPr>
+              <a:t>/modules/</a:t>
+            </a:r>
+            <a:r>
+              <a:rPr kumimoji="1" lang="en-US" altLang="ja-JP" sz="1200" dirty="0" err="1">
+                <a:gradFill>
+                  <a:gsLst>
+                    <a:gs pos="2917">
+                      <a:schemeClr val="tx1"/>
+                    </a:gs>
+                    <a:gs pos="30000">
+                      <a:schemeClr val="tx1"/>
+                    </a:gs>
+                  </a:gsLst>
+                  <a:lin ang="5400000" scaled="0"/>
+                </a:gradFill>
+              </a:rPr>
+              <a:t>iotwsasaonedge</a:t>
+            </a:r>
+            <a:r>
+              <a:rPr kumimoji="1" lang="en-US" altLang="ja-JP" sz="1200" dirty="0">
+                <a:gradFill>
+                  <a:gsLst>
+                    <a:gs pos="2917">
+                      <a:schemeClr val="tx1"/>
+                    </a:gs>
+                    <a:gs pos="30000">
+                      <a:schemeClr val="tx1"/>
+                    </a:gs>
+                  </a:gsLst>
+                  <a:lin ang="5400000" scaled="0"/>
+                </a:gradFill>
+              </a:rPr>
+              <a:t>/inputs/sensor</a:t>
+            </a:r>
+            <a:endParaRPr kumimoji="1" lang="ja-JP" altLang="en-US" sz="1200" dirty="0" err="1">
+              <a:gradFill>
+                <a:gsLst>
+                  <a:gs pos="2917">
+                    <a:schemeClr val="tx1"/>
+                  </a:gs>
+                  <a:gs pos="30000">
+                    <a:schemeClr val="tx1"/>
+                  </a:gs>
+                </a:gsLst>
+                <a:lin ang="5400000" scaled="0"/>
+              </a:gradFill>
+            </a:endParaRPr>
+          </a:p>
+        </p:txBody>
+      </p:sp>
+      <p:sp>
+        <p:nvSpPr>
+          <p:cNvPr id="5" name="テキスト ボックス 4">
+            <a:extLst>
+              <a:ext uri="{FF2B5EF4-FFF2-40B4-BE49-F238E27FC236}">
+                <a16:creationId xmlns:a16="http://schemas.microsoft.com/office/drawing/2014/main" id="{D77A7B0B-F7F2-1F4D-9779-271E8FCD6660}"/>
+              </a:ext>
+            </a:extLst>
+          </p:cNvPr>
+          <p:cNvSpPr txBox="1"/>
+          <p:nvPr/>
+        </p:nvSpPr>
+        <p:spPr>
+          <a:xfrm>
+            <a:off x="6748221" y="3044624"/>
+            <a:ext cx="673518" cy="184666"/>
+          </a:xfrm>
+          <a:prstGeom prst="rect">
+            <a:avLst/>
+          </a:prstGeom>
+          <a:solidFill>
+            <a:schemeClr val="bg1"/>
+          </a:solidFill>
+          <a:ln>
+            <a:noFill/>
+          </a:ln>
+        </p:spPr>
+        <p:txBody>
+          <a:bodyPr wrap="none" lIns="0" tIns="0" rIns="0" bIns="0" rtlCol="0">
+            <a:spAutoFit/>
+          </a:bodyPr>
+          <a:lstStyle/>
+          <a:p>
+            <a:pPr algn="ctr"/>
+            <a:r>
+              <a:rPr kumimoji="1" lang="en-US" altLang="ja-JP" sz="1200" dirty="0">
+                <a:gradFill>
+                  <a:gsLst>
+                    <a:gs pos="2917">
+                      <a:schemeClr val="tx1"/>
+                    </a:gs>
+                    <a:gs pos="30000">
+                      <a:schemeClr val="tx1"/>
+                    </a:gs>
+                  </a:gsLst>
+                  <a:lin ang="5400000" scaled="0"/>
+                </a:gradFill>
+              </a:rPr>
+              <a:t>$upstream</a:t>
+            </a:r>
+            <a:endParaRPr kumimoji="1" lang="ja-JP" altLang="en-US" sz="1200" dirty="0" err="1">
+              <a:gradFill>
+                <a:gsLst>
+                  <a:gs pos="2917">
+                    <a:schemeClr val="tx1"/>
+                  </a:gs>
+                  <a:gs pos="30000">
+                    <a:schemeClr val="tx1"/>
+                  </a:gs>
+                </a:gsLst>
+                <a:lin ang="5400000" scaled="0"/>
+              </a:gradFill>
+            </a:endParaRPr>
+          </a:p>
+        </p:txBody>
+      </p:sp>
+      <p:cxnSp>
+        <p:nvCxnSpPr>
+          <p:cNvPr id="24" name="直線コネクタ 23">
+            <a:extLst>
+              <a:ext uri="{FF2B5EF4-FFF2-40B4-BE49-F238E27FC236}">
+                <a16:creationId xmlns:a16="http://schemas.microsoft.com/office/drawing/2014/main" id="{FBE656E1-D9C0-9346-B33D-A63D50008A41}"/>
+              </a:ext>
+            </a:extLst>
+          </p:cNvPr>
+          <p:cNvCxnSpPr>
+            <a:cxnSpLocks/>
+            <a:stCxn id="2" idx="0"/>
+            <a:endCxn id="3" idx="2"/>
+          </p:cNvCxnSpPr>
+          <p:nvPr/>
+        </p:nvCxnSpPr>
+        <p:spPr>
+          <a:xfrm flipV="1">
+            <a:off x="3008001" y="3238539"/>
+            <a:ext cx="2" cy="1504027"/>
+          </a:xfrm>
+          <a:prstGeom prst="line">
+            <a:avLst/>
+          </a:prstGeom>
+          <a:ln>
+            <a:solidFill>
+              <a:schemeClr val="tx1"/>
+            </a:solidFill>
+            <a:prstDash val="solid"/>
+            <a:headEnd type="none" w="med" len="med"/>
+            <a:tailEnd type="arrow" w="med" len="med"/>
+          </a:ln>
+        </p:spPr>
+        <p:style>
+          <a:lnRef idx="1">
+            <a:schemeClr val="accent1"/>
+          </a:lnRef>
+          <a:fillRef idx="0">
+            <a:schemeClr val="accent1"/>
+          </a:fillRef>
+          <a:effectRef idx="0">
+            <a:schemeClr val="accent1"/>
+          </a:effectRef>
+          <a:fontRef idx="minor">
+            <a:schemeClr val="tx1"/>
+          </a:fontRef>
+        </p:style>
+      </p:cxnSp>
+      <p:cxnSp>
+        <p:nvCxnSpPr>
+          <p:cNvPr id="27" name="直線コネクタ 26">
+            <a:extLst>
+              <a:ext uri="{FF2B5EF4-FFF2-40B4-BE49-F238E27FC236}">
+                <a16:creationId xmlns:a16="http://schemas.microsoft.com/office/drawing/2014/main" id="{CCE2C392-04A1-0746-B377-B67BAE9478CB}"/>
+              </a:ext>
+            </a:extLst>
+          </p:cNvPr>
+          <p:cNvCxnSpPr>
+            <a:cxnSpLocks/>
+            <a:stCxn id="4" idx="0"/>
+            <a:endCxn id="5" idx="2"/>
+          </p:cNvCxnSpPr>
+          <p:nvPr/>
+        </p:nvCxnSpPr>
+        <p:spPr>
+          <a:xfrm flipH="1" flipV="1">
+            <a:off x="7084980" y="3229290"/>
+            <a:ext cx="1" cy="1501897"/>
+          </a:xfrm>
+          <a:prstGeom prst="line">
+            <a:avLst/>
+          </a:prstGeom>
+          <a:ln>
+            <a:solidFill>
+              <a:schemeClr val="tx1"/>
+            </a:solidFill>
+            <a:prstDash val="solid"/>
+            <a:headEnd type="none" w="med" len="med"/>
+            <a:tailEnd type="arrow" w="med" len="med"/>
+          </a:ln>
+        </p:spPr>
+        <p:style>
+          <a:lnRef idx="1">
+            <a:schemeClr val="accent1"/>
+          </a:lnRef>
+          <a:fillRef idx="0">
+            <a:schemeClr val="accent1"/>
+          </a:fillRef>
+          <a:effectRef idx="0">
+            <a:schemeClr val="accent1"/>
+          </a:effectRef>
+          <a:fontRef idx="minor">
+            <a:schemeClr val="tx1"/>
+          </a:fontRef>
+        </p:style>
+      </p:cxnSp>
+      <p:cxnSp>
+        <p:nvCxnSpPr>
+          <p:cNvPr id="12" name="直線コネクタ 11">
+            <a:extLst>
+              <a:ext uri="{FF2B5EF4-FFF2-40B4-BE49-F238E27FC236}">
+                <a16:creationId xmlns:a16="http://schemas.microsoft.com/office/drawing/2014/main" id="{22CE5D6C-2CBF-6B43-AD1A-9DC1DDBBCA5C}"/>
+              </a:ext>
+            </a:extLst>
+          </p:cNvPr>
+          <p:cNvCxnSpPr>
+            <a:cxnSpLocks/>
+            <a:stCxn id="3" idx="3"/>
+            <a:endCxn id="8" idx="1"/>
+          </p:cNvCxnSpPr>
+          <p:nvPr/>
+        </p:nvCxnSpPr>
+        <p:spPr>
+          <a:xfrm flipV="1">
+            <a:off x="4302043" y="2257894"/>
+            <a:ext cx="0" cy="888312"/>
+          </a:xfrm>
+          <a:prstGeom prst="line">
+            <a:avLst/>
+          </a:prstGeom>
+          <a:ln w="9525">
+            <a:solidFill>
+              <a:schemeClr val="bg1">
+                <a:lumMod val="50000"/>
+              </a:schemeClr>
+            </a:solidFill>
+            <a:prstDash val="sysDot"/>
+            <a:headEnd type="none" w="lg" len="med"/>
+            <a:tailEnd type="none" w="lg" len="med"/>
+          </a:ln>
+        </p:spPr>
+        <p:style>
+          <a:lnRef idx="1">
+            <a:schemeClr val="accent1"/>
+          </a:lnRef>
+          <a:fillRef idx="0">
+            <a:schemeClr val="accent1"/>
+          </a:fillRef>
+          <a:effectRef idx="0">
+            <a:schemeClr val="accent1"/>
+          </a:effectRef>
+          <a:fontRef idx="minor">
+            <a:schemeClr val="tx1"/>
+          </a:fontRef>
+        </p:style>
+      </p:cxnSp>
+      <p:cxnSp>
+        <p:nvCxnSpPr>
+          <p:cNvPr id="13" name="直線コネクタ 12">
+            <a:extLst>
+              <a:ext uri="{FF2B5EF4-FFF2-40B4-BE49-F238E27FC236}">
+                <a16:creationId xmlns:a16="http://schemas.microsoft.com/office/drawing/2014/main" id="{82A64B5A-5BB2-234D-BE39-83462BADD2F6}"/>
+              </a:ext>
+            </a:extLst>
+          </p:cNvPr>
+          <p:cNvCxnSpPr>
+            <a:cxnSpLocks/>
+            <a:stCxn id="4" idx="1"/>
+            <a:endCxn id="9" idx="3"/>
+          </p:cNvCxnSpPr>
+          <p:nvPr/>
+        </p:nvCxnSpPr>
+        <p:spPr>
+          <a:xfrm flipV="1">
+            <a:off x="5473001" y="2257894"/>
+            <a:ext cx="43561" cy="2565626"/>
+          </a:xfrm>
+          <a:prstGeom prst="line">
+            <a:avLst/>
+          </a:prstGeom>
+          <a:ln w="9525">
+            <a:solidFill>
+              <a:schemeClr val="bg1">
+                <a:lumMod val="50000"/>
+              </a:schemeClr>
+            </a:solidFill>
+            <a:prstDash val="sysDot"/>
+            <a:headEnd type="none" w="lg" len="med"/>
+            <a:tailEnd type="none" w="lg" len="med"/>
+          </a:ln>
+        </p:spPr>
+        <p:style>
+          <a:lnRef idx="1">
+            <a:schemeClr val="accent1"/>
+          </a:lnRef>
+          <a:fillRef idx="0">
+            <a:schemeClr val="accent1"/>
+          </a:fillRef>
+          <a:effectRef idx="0">
+            <a:schemeClr val="accent1"/>
+          </a:effectRef>
+          <a:fontRef idx="minor">
+            <a:schemeClr val="tx1"/>
+          </a:fontRef>
+        </p:style>
+      </p:cxnSp>
+      <p:cxnSp>
+        <p:nvCxnSpPr>
+          <p:cNvPr id="18" name="直線コネクタ 17">
+            <a:extLst>
+              <a:ext uri="{FF2B5EF4-FFF2-40B4-BE49-F238E27FC236}">
+                <a16:creationId xmlns:a16="http://schemas.microsoft.com/office/drawing/2014/main" id="{7932BAB4-D011-1146-A993-ED02FA4193A8}"/>
+              </a:ext>
+            </a:extLst>
+          </p:cNvPr>
+          <p:cNvCxnSpPr>
+            <a:cxnSpLocks/>
+            <a:stCxn id="5" idx="0"/>
+            <a:endCxn id="17" idx="1"/>
+          </p:cNvCxnSpPr>
+          <p:nvPr/>
+        </p:nvCxnSpPr>
+        <p:spPr>
+          <a:xfrm rot="5400000" flipH="1" flipV="1">
+            <a:off x="8674637" y="735529"/>
+            <a:ext cx="719439" cy="3898753"/>
+          </a:xfrm>
+          <a:prstGeom prst="bentConnector2">
+            <a:avLst/>
+          </a:prstGeom>
+          <a:ln w="9525">
+            <a:solidFill>
+              <a:schemeClr val="bg1">
+                <a:lumMod val="50000"/>
+              </a:schemeClr>
+            </a:solidFill>
+            <a:prstDash val="sysDot"/>
+            <a:headEnd type="none" w="lg" len="med"/>
+            <a:tailEnd type="none" w="lg" len="med"/>
+          </a:ln>
+        </p:spPr>
+        <p:style>
+          <a:lnRef idx="1">
+            <a:schemeClr val="accent1"/>
+          </a:lnRef>
+          <a:fillRef idx="0">
+            <a:schemeClr val="accent1"/>
+          </a:fillRef>
+          <a:effectRef idx="0">
+            <a:schemeClr val="accent1"/>
+          </a:effectRef>
+          <a:fontRef idx="minor">
+            <a:schemeClr val="tx1"/>
+          </a:fontRef>
+        </p:style>
+      </p:cxnSp>
+      <p:sp>
+        <p:nvSpPr>
+          <p:cNvPr id="50" name="正方形/長方形 49">
+            <a:extLst>
+              <a:ext uri="{FF2B5EF4-FFF2-40B4-BE49-F238E27FC236}">
+                <a16:creationId xmlns:a16="http://schemas.microsoft.com/office/drawing/2014/main" id="{CF574196-DF24-2448-8588-A93E3148DAEE}"/>
+              </a:ext>
+            </a:extLst>
+          </p:cNvPr>
+          <p:cNvSpPr/>
+          <p:nvPr/>
+        </p:nvSpPr>
+        <p:spPr bwMode="auto">
+          <a:xfrm>
+            <a:off x="1436634" y="5740682"/>
+            <a:ext cx="1100435" cy="457200"/>
+          </a:xfrm>
+          <a:prstGeom prst="rect">
+            <a:avLst/>
+          </a:prstGeom>
+          <a:solidFill>
+            <a:schemeClr val="accent1"/>
+          </a:solidFill>
+          <a:ln>
+            <a:noFill/>
+            <a:headEnd type="none" w="med" len="med"/>
+            <a:tailEnd type="none" w="med" len="med"/>
+          </a:ln>
+          <a:effectLst/>
+        </p:spPr>
+        <p:style>
+          <a:lnRef idx="1">
+            <a:schemeClr val="accent2"/>
+          </a:lnRef>
+          <a:fillRef idx="3">
+            <a:schemeClr val="accent2"/>
+          </a:fillRef>
+          <a:effectRef idx="2">
+            <a:schemeClr val="accent2"/>
+          </a:effectRef>
+          <a:fontRef idx="minor">
+            <a:schemeClr val="lt1"/>
+          </a:fontRef>
+        </p:style>
+        <p:txBody>
+          <a:bodyPr rot="0" spcFirstLastPara="0" vertOverflow="overflow" horzOverflow="overflow" vert="horz" wrap="square" lIns="182880" tIns="146304" rIns="182880" bIns="146304" numCol="1" spcCol="0" rtlCol="0" fromWordArt="0" anchor="ctr" anchorCtr="0" forceAA="0" compatLnSpc="1">
+            <a:prstTxWarp prst="textNoShape">
+              <a:avLst/>
+            </a:prstTxWarp>
+            <a:noAutofit/>
+          </a:bodyPr>
+          <a:lstStyle/>
+          <a:p>
+            <a:pPr algn="ctr" defTabSz="932472" fontAlgn="base">
+              <a:spcBef>
+                <a:spcPct val="0"/>
+              </a:spcBef>
+              <a:spcAft>
+                <a:spcPct val="0"/>
+              </a:spcAft>
+            </a:pPr>
+            <a:r>
+              <a:rPr kumimoji="1" lang="en-US" altLang="ja-JP" sz="1200" dirty="0">
+                <a:gradFill>
+                  <a:gsLst>
+                    <a:gs pos="0">
+                      <a:srgbClr val="FFFFFF"/>
+                    </a:gs>
+                    <a:gs pos="100000">
+                      <a:srgbClr val="FFFFFF"/>
+                    </a:gs>
+                  </a:gsLst>
+                  <a:lin ang="5400000" scaled="0"/>
+                </a:gradFill>
+                <a:ea typeface="Segoe UI" pitchFamily="34" charset="0"/>
+                <a:cs typeface="Segoe UI" pitchFamily="34" charset="0"/>
+              </a:rPr>
+              <a:t>Leaf Device</a:t>
+            </a:r>
+            <a:endParaRPr kumimoji="1" lang="ja-JP" altLang="en-US" sz="1200" dirty="0" err="1">
+              <a:gradFill>
+                <a:gsLst>
+                  <a:gs pos="0">
+                    <a:srgbClr val="FFFFFF"/>
+                  </a:gs>
+                  <a:gs pos="100000">
+                    <a:srgbClr val="FFFFFF"/>
+                  </a:gs>
+                </a:gsLst>
+                <a:lin ang="5400000" scaled="0"/>
+              </a:gradFill>
+              <a:ea typeface="Segoe UI" pitchFamily="34" charset="0"/>
+              <a:cs typeface="Segoe UI" pitchFamily="34" charset="0"/>
+            </a:endParaRPr>
+          </a:p>
+        </p:txBody>
+      </p:sp>
+      <p:cxnSp>
+        <p:nvCxnSpPr>
+          <p:cNvPr id="51" name="直線コネクタ 50">
+            <a:extLst>
+              <a:ext uri="{FF2B5EF4-FFF2-40B4-BE49-F238E27FC236}">
+                <a16:creationId xmlns:a16="http://schemas.microsoft.com/office/drawing/2014/main" id="{5475B40A-6566-5043-A173-845EAA3A68CD}"/>
+              </a:ext>
+            </a:extLst>
+          </p:cNvPr>
+          <p:cNvCxnSpPr>
+            <a:cxnSpLocks/>
+            <a:stCxn id="50" idx="0"/>
+          </p:cNvCxnSpPr>
+          <p:nvPr/>
+        </p:nvCxnSpPr>
+        <p:spPr>
+          <a:xfrm flipV="1">
+            <a:off x="1986852" y="5012747"/>
+            <a:ext cx="0" cy="727935"/>
+          </a:xfrm>
+          <a:prstGeom prst="line">
+            <a:avLst/>
+          </a:prstGeom>
+          <a:ln>
+            <a:solidFill>
+              <a:schemeClr val="tx1"/>
+            </a:solidFill>
+            <a:prstDash val="solid"/>
+            <a:headEnd type="none" w="med" len="med"/>
+            <a:tailEnd type="none" w="med" len="med"/>
+          </a:ln>
+        </p:spPr>
+        <p:style>
+          <a:lnRef idx="1">
+            <a:schemeClr val="accent1"/>
+          </a:lnRef>
+          <a:fillRef idx="0">
+            <a:schemeClr val="accent1"/>
+          </a:fillRef>
+          <a:effectRef idx="0">
+            <a:schemeClr val="accent1"/>
+          </a:effectRef>
+          <a:fontRef idx="minor">
+            <a:schemeClr val="tx1"/>
+          </a:fontRef>
+        </p:style>
+      </p:cxnSp>
+      <p:sp>
+        <p:nvSpPr>
+          <p:cNvPr id="58" name="角丸四角形 57">
+            <a:extLst>
+              <a:ext uri="{FF2B5EF4-FFF2-40B4-BE49-F238E27FC236}">
+                <a16:creationId xmlns:a16="http://schemas.microsoft.com/office/drawing/2014/main" id="{13722C55-E520-7941-9553-8602B9414188}"/>
+              </a:ext>
+            </a:extLst>
+          </p:cNvPr>
+          <p:cNvSpPr/>
+          <p:nvPr/>
+        </p:nvSpPr>
+        <p:spPr bwMode="auto">
+          <a:xfrm>
+            <a:off x="1555734" y="3423027"/>
+            <a:ext cx="3171136" cy="1207065"/>
+          </a:xfrm>
+          <a:prstGeom prst="roundRect">
+            <a:avLst/>
+          </a:prstGeom>
+          <a:solidFill>
+            <a:schemeClr val="accent1"/>
+          </a:solidFill>
+          <a:ln>
+            <a:noFill/>
+            <a:headEnd type="none" w="med" len="med"/>
+            <a:tailEnd type="none" w="med" len="med"/>
+          </a:ln>
+          <a:effectLst/>
+        </p:spPr>
+        <p:style>
+          <a:lnRef idx="1">
+            <a:schemeClr val="accent2"/>
+          </a:lnRef>
+          <a:fillRef idx="3">
+            <a:schemeClr val="accent2"/>
+          </a:fillRef>
+          <a:effectRef idx="2">
+            <a:schemeClr val="accent2"/>
+          </a:effectRef>
+          <a:fontRef idx="minor">
+            <a:schemeClr val="lt1"/>
+          </a:fontRef>
+        </p:style>
+        <p:txBody>
+          <a:bodyPr rot="0" spcFirstLastPara="0" vertOverflow="overflow" horzOverflow="overflow" vert="horz" wrap="none" lIns="72000" tIns="72000" rIns="72000" bIns="72000" numCol="1" spcCol="0" rtlCol="0" fromWordArt="0" anchor="t" anchorCtr="0" forceAA="0" compatLnSpc="1">
+            <a:prstTxWarp prst="textNoShape">
+              <a:avLst/>
+            </a:prstTxWarp>
+            <a:noAutofit/>
+          </a:bodyPr>
+          <a:lstStyle/>
+          <a:p>
+            <a:pPr algn="l" defTabSz="932472" fontAlgn="base">
+              <a:spcBef>
+                <a:spcPct val="0"/>
+              </a:spcBef>
+              <a:spcAft>
+                <a:spcPct val="0"/>
+              </a:spcAft>
+            </a:pPr>
+            <a:r>
+              <a:rPr kumimoji="1" lang="en-US" altLang="ja-JP" sz="1200" b="1" u="sng" dirty="0">
+                <a:gradFill>
+                  <a:gsLst>
+                    <a:gs pos="0">
+                      <a:srgbClr val="FFFFFF"/>
+                    </a:gs>
+                    <a:gs pos="100000">
+                      <a:srgbClr val="FFFFFF"/>
+                    </a:gs>
+                  </a:gsLst>
+                  <a:lin ang="5400000" scaled="0"/>
+                </a:gradFill>
+                <a:ea typeface="Segoe UI" pitchFamily="34" charset="0"/>
+                <a:cs typeface="Segoe UI" pitchFamily="34" charset="0"/>
+              </a:rPr>
+              <a:t>route: </a:t>
+            </a:r>
+            <a:r>
+              <a:rPr kumimoji="1" lang="en-US" altLang="ja-JP" sz="1200" b="1" u="sng" dirty="0" err="1">
+                <a:gradFill>
+                  <a:gsLst>
+                    <a:gs pos="0">
+                      <a:srgbClr val="FFFFFF"/>
+                    </a:gs>
+                    <a:gs pos="100000">
+                      <a:srgbClr val="FFFFFF"/>
+                    </a:gs>
+                  </a:gsLst>
+                  <a:lin ang="5400000" scaled="0"/>
+                </a:gradFill>
+                <a:ea typeface="Segoe UI" pitchFamily="34" charset="0"/>
+                <a:cs typeface="Segoe UI" pitchFamily="34" charset="0"/>
+              </a:rPr>
+              <a:t>sensorToAsa</a:t>
+            </a:r>
+            <a:endParaRPr kumimoji="1" lang="en-US" altLang="ja-JP" sz="1200" b="1" u="sng" dirty="0">
+              <a:gradFill>
+                <a:gsLst>
+                  <a:gs pos="0">
+                    <a:srgbClr val="FFFFFF"/>
+                  </a:gs>
+                  <a:gs pos="100000">
+                    <a:srgbClr val="FFFFFF"/>
+                  </a:gs>
+                </a:gsLst>
+                <a:lin ang="5400000" scaled="0"/>
+              </a:gradFill>
+              <a:ea typeface="Segoe UI" pitchFamily="34" charset="0"/>
+              <a:cs typeface="Segoe UI" pitchFamily="34" charset="0"/>
+            </a:endParaRPr>
+          </a:p>
+          <a:p>
+            <a:pPr algn="l" defTabSz="932472" fontAlgn="base">
+              <a:spcBef>
+                <a:spcPct val="0"/>
+              </a:spcBef>
+              <a:spcAft>
+                <a:spcPct val="0"/>
+              </a:spcAft>
+            </a:pPr>
+            <a:r>
+              <a:rPr kumimoji="1" lang="ja-JP" altLang="en-US" sz="1200">
+                <a:gradFill>
+                  <a:gsLst>
+                    <a:gs pos="0">
+                      <a:srgbClr val="FFFFFF"/>
+                    </a:gs>
+                    <a:gs pos="100000">
+                      <a:srgbClr val="FFFFFF"/>
+                    </a:gs>
+                  </a:gsLst>
+                  <a:lin ang="5400000" scaled="0"/>
+                </a:gradFill>
+                <a:ea typeface="Segoe UI" pitchFamily="34" charset="0"/>
+                <a:cs typeface="Segoe UI" pitchFamily="34" charset="0"/>
+              </a:rPr>
+              <a:t>リーフデバイスから送信されたメッセージ</a:t>
+            </a:r>
+            <a:endParaRPr kumimoji="1" lang="en-US" altLang="ja-JP" sz="1200" dirty="0">
+              <a:gradFill>
+                <a:gsLst>
+                  <a:gs pos="0">
+                    <a:srgbClr val="FFFFFF"/>
+                  </a:gs>
+                  <a:gs pos="100000">
+                    <a:srgbClr val="FFFFFF"/>
+                  </a:gs>
+                </a:gsLst>
+                <a:lin ang="5400000" scaled="0"/>
+              </a:gradFill>
+              <a:ea typeface="Segoe UI" pitchFamily="34" charset="0"/>
+              <a:cs typeface="Segoe UI" pitchFamily="34" charset="0"/>
+            </a:endParaRPr>
+          </a:p>
+          <a:p>
+            <a:pPr algn="l" defTabSz="932472" fontAlgn="base">
+              <a:spcBef>
+                <a:spcPct val="0"/>
+              </a:spcBef>
+              <a:spcAft>
+                <a:spcPct val="0"/>
+              </a:spcAft>
+            </a:pPr>
+            <a:r>
+              <a:rPr kumimoji="1" lang="en-US" altLang="ja-JP" sz="1200" dirty="0">
+                <a:gradFill>
+                  <a:gsLst>
+                    <a:gs pos="0">
+                      <a:srgbClr val="FFFFFF"/>
+                    </a:gs>
+                    <a:gs pos="100000">
+                      <a:srgbClr val="FFFFFF"/>
+                    </a:gs>
+                  </a:gsLst>
+                  <a:lin ang="5400000" scaled="0"/>
+                </a:gradFill>
+                <a:ea typeface="Segoe UI" pitchFamily="34" charset="0"/>
+                <a:cs typeface="Segoe UI" pitchFamily="34" charset="0"/>
+              </a:rPr>
+              <a:t>[/messages/*]</a:t>
+            </a:r>
+          </a:p>
+          <a:p>
+            <a:pPr algn="l" defTabSz="932472" fontAlgn="base">
+              <a:spcBef>
+                <a:spcPct val="0"/>
+              </a:spcBef>
+              <a:spcAft>
+                <a:spcPct val="0"/>
+              </a:spcAft>
+            </a:pPr>
+            <a:r>
+              <a:rPr kumimoji="1" lang="ja-JP" altLang="en-US" sz="1200">
+                <a:gradFill>
+                  <a:gsLst>
+                    <a:gs pos="0">
+                      <a:srgbClr val="FFFFFF"/>
+                    </a:gs>
+                    <a:gs pos="100000">
+                      <a:srgbClr val="FFFFFF"/>
+                    </a:gs>
+                  </a:gsLst>
+                  <a:lin ang="5400000" scaled="0"/>
+                </a:gradFill>
+                <a:ea typeface="Segoe UI" pitchFamily="34" charset="0"/>
+                <a:cs typeface="Segoe UI" pitchFamily="34" charset="0"/>
+              </a:rPr>
+              <a:t>→</a:t>
+            </a:r>
+            <a:r>
+              <a:rPr kumimoji="1" lang="en-US" altLang="ja-JP" sz="1200" dirty="0">
+                <a:gradFill>
+                  <a:gsLst>
+                    <a:gs pos="0">
+                      <a:srgbClr val="FFFFFF"/>
+                    </a:gs>
+                    <a:gs pos="100000">
+                      <a:srgbClr val="FFFFFF"/>
+                    </a:gs>
+                  </a:gsLst>
+                  <a:lin ang="5400000" scaled="0"/>
+                </a:gradFill>
+                <a:ea typeface="Segoe UI" pitchFamily="34" charset="0"/>
+                <a:cs typeface="Segoe UI" pitchFamily="34" charset="0"/>
+              </a:rPr>
+              <a:t> ASA on Edge</a:t>
+            </a:r>
+            <a:r>
+              <a:rPr kumimoji="1" lang="ja-JP" altLang="en-US" sz="1200">
+                <a:gradFill>
+                  <a:gsLst>
+                    <a:gs pos="0">
+                      <a:srgbClr val="FFFFFF"/>
+                    </a:gs>
+                    <a:gs pos="100000">
+                      <a:srgbClr val="FFFFFF"/>
+                    </a:gs>
+                  </a:gsLst>
+                  <a:lin ang="5400000" scaled="0"/>
+                </a:gradFill>
+                <a:ea typeface="Segoe UI" pitchFamily="34" charset="0"/>
+                <a:cs typeface="Segoe UI" pitchFamily="34" charset="0"/>
+              </a:rPr>
+              <a:t>の入力</a:t>
+            </a:r>
+            <a:endParaRPr kumimoji="1" lang="en-US" altLang="ja-JP" sz="1200" dirty="0">
+              <a:gradFill>
+                <a:gsLst>
+                  <a:gs pos="0">
+                    <a:srgbClr val="FFFFFF"/>
+                  </a:gs>
+                  <a:gs pos="100000">
+                    <a:srgbClr val="FFFFFF"/>
+                  </a:gs>
+                </a:gsLst>
+                <a:lin ang="5400000" scaled="0"/>
+              </a:gradFill>
+              <a:ea typeface="Segoe UI" pitchFamily="34" charset="0"/>
+              <a:cs typeface="Segoe UI" pitchFamily="34" charset="0"/>
+            </a:endParaRPr>
+          </a:p>
+          <a:p>
+            <a:pPr algn="l" defTabSz="932472" fontAlgn="base">
+              <a:spcBef>
+                <a:spcPct val="0"/>
+              </a:spcBef>
+              <a:spcAft>
+                <a:spcPct val="0"/>
+              </a:spcAft>
+            </a:pPr>
+            <a:r>
+              <a:rPr kumimoji="1" lang="en-US" altLang="ja-JP" sz="1200" dirty="0">
+                <a:gradFill>
+                  <a:gsLst>
+                    <a:gs pos="0">
+                      <a:srgbClr val="FFFFFF"/>
+                    </a:gs>
+                    <a:gs pos="100000">
+                      <a:srgbClr val="FFFFFF"/>
+                    </a:gs>
+                  </a:gsLst>
+                  <a:lin ang="5400000" scaled="0"/>
+                </a:gradFill>
+                <a:ea typeface="Segoe UI" pitchFamily="34" charset="0"/>
+                <a:cs typeface="Segoe UI" pitchFamily="34" charset="0"/>
+              </a:rPr>
+              <a:t>[/modules/</a:t>
+            </a:r>
+            <a:r>
+              <a:rPr kumimoji="1" lang="en-US" altLang="ja-JP" sz="1200" dirty="0" err="1">
+                <a:gradFill>
+                  <a:gsLst>
+                    <a:gs pos="0">
+                      <a:srgbClr val="FFFFFF"/>
+                    </a:gs>
+                    <a:gs pos="100000">
+                      <a:srgbClr val="FFFFFF"/>
+                    </a:gs>
+                  </a:gsLst>
+                  <a:lin ang="5400000" scaled="0"/>
+                </a:gradFill>
+                <a:ea typeface="Segoe UI" pitchFamily="34" charset="0"/>
+                <a:cs typeface="Segoe UI" pitchFamily="34" charset="0"/>
+              </a:rPr>
+              <a:t>asaonedge</a:t>
+            </a:r>
+            <a:r>
+              <a:rPr kumimoji="1" lang="en-US" altLang="ja-JP" sz="1200" dirty="0">
+                <a:gradFill>
+                  <a:gsLst>
+                    <a:gs pos="0">
+                      <a:srgbClr val="FFFFFF"/>
+                    </a:gs>
+                    <a:gs pos="100000">
+                      <a:srgbClr val="FFFFFF"/>
+                    </a:gs>
+                  </a:gsLst>
+                  <a:lin ang="5400000" scaled="0"/>
+                </a:gradFill>
+                <a:ea typeface="Segoe UI" pitchFamily="34" charset="0"/>
+                <a:cs typeface="Segoe UI" pitchFamily="34" charset="0"/>
+              </a:rPr>
+              <a:t>/inputs/sensor]</a:t>
+            </a:r>
+            <a:endParaRPr kumimoji="1" lang="ja-JP" altLang="en-US" sz="1200" dirty="0" err="1">
+              <a:gradFill>
+                <a:gsLst>
+                  <a:gs pos="0">
+                    <a:srgbClr val="FFFFFF"/>
+                  </a:gs>
+                  <a:gs pos="100000">
+                    <a:srgbClr val="FFFFFF"/>
+                  </a:gs>
+                </a:gsLst>
+                <a:lin ang="5400000" scaled="0"/>
+              </a:gradFill>
+              <a:ea typeface="Segoe UI" pitchFamily="34" charset="0"/>
+              <a:cs typeface="Segoe UI" pitchFamily="34" charset="0"/>
+            </a:endParaRPr>
+          </a:p>
+        </p:txBody>
+      </p:sp>
+      <p:sp>
+        <p:nvSpPr>
+          <p:cNvPr id="59" name="角丸四角形 58">
+            <a:extLst>
+              <a:ext uri="{FF2B5EF4-FFF2-40B4-BE49-F238E27FC236}">
+                <a16:creationId xmlns:a16="http://schemas.microsoft.com/office/drawing/2014/main" id="{D14D366F-2044-014D-BB42-0E5562DC3768}"/>
+              </a:ext>
+            </a:extLst>
+          </p:cNvPr>
+          <p:cNvSpPr/>
+          <p:nvPr/>
+        </p:nvSpPr>
+        <p:spPr bwMode="auto">
+          <a:xfrm>
+            <a:off x="5887206" y="3406290"/>
+            <a:ext cx="3076762" cy="1157617"/>
+          </a:xfrm>
+          <a:prstGeom prst="roundRect">
+            <a:avLst/>
+          </a:prstGeom>
+          <a:solidFill>
+            <a:schemeClr val="accent1"/>
+          </a:solidFill>
+          <a:ln>
+            <a:noFill/>
+            <a:headEnd type="none" w="med" len="med"/>
+            <a:tailEnd type="none" w="med" len="med"/>
+          </a:ln>
+          <a:effectLst/>
+        </p:spPr>
+        <p:style>
+          <a:lnRef idx="1">
+            <a:schemeClr val="accent2"/>
+          </a:lnRef>
+          <a:fillRef idx="3">
+            <a:schemeClr val="accent2"/>
+          </a:fillRef>
+          <a:effectRef idx="2">
+            <a:schemeClr val="accent2"/>
+          </a:effectRef>
+          <a:fontRef idx="minor">
+            <a:schemeClr val="lt1"/>
+          </a:fontRef>
+        </p:style>
+        <p:txBody>
+          <a:bodyPr rot="0" spcFirstLastPara="0" vertOverflow="overflow" horzOverflow="overflow" vert="horz" wrap="none" lIns="72000" tIns="72000" rIns="72000" bIns="72000" numCol="1" spcCol="0" rtlCol="0" fromWordArt="0" anchor="t" anchorCtr="0" forceAA="0" compatLnSpc="1">
+            <a:prstTxWarp prst="textNoShape">
+              <a:avLst/>
+            </a:prstTxWarp>
+            <a:noAutofit/>
+          </a:bodyPr>
+          <a:lstStyle/>
+          <a:p>
+            <a:pPr algn="l" defTabSz="932472" fontAlgn="base">
+              <a:spcBef>
+                <a:spcPct val="0"/>
+              </a:spcBef>
+              <a:spcAft>
+                <a:spcPct val="0"/>
+              </a:spcAft>
+            </a:pPr>
+            <a:r>
+              <a:rPr kumimoji="1" lang="en-US" altLang="ja-JP" sz="1200" b="1" u="sng" dirty="0">
+                <a:gradFill>
+                  <a:gsLst>
+                    <a:gs pos="0">
+                      <a:srgbClr val="FFFFFF"/>
+                    </a:gs>
+                    <a:gs pos="100000">
+                      <a:srgbClr val="FFFFFF"/>
+                    </a:gs>
+                  </a:gsLst>
+                  <a:lin ang="5400000" scaled="0"/>
+                </a:gradFill>
+                <a:ea typeface="Segoe UI" pitchFamily="34" charset="0"/>
+                <a:cs typeface="Segoe UI" pitchFamily="34" charset="0"/>
+              </a:rPr>
+              <a:t>route: </a:t>
+            </a:r>
+            <a:r>
+              <a:rPr kumimoji="1" lang="en-US" altLang="ja-JP" sz="1200" b="1" u="sng" dirty="0" err="1">
+                <a:gradFill>
+                  <a:gsLst>
+                    <a:gs pos="0">
+                      <a:srgbClr val="FFFFFF"/>
+                    </a:gs>
+                    <a:gs pos="100000">
+                      <a:srgbClr val="FFFFFF"/>
+                    </a:gs>
+                  </a:gsLst>
+                  <a:lin ang="5400000" scaled="0"/>
+                </a:gradFill>
+                <a:ea typeface="Segoe UI" pitchFamily="34" charset="0"/>
+                <a:cs typeface="Segoe UI" pitchFamily="34" charset="0"/>
+              </a:rPr>
+              <a:t>alertToCloud</a:t>
+            </a:r>
+            <a:endParaRPr kumimoji="1" lang="en-US" altLang="ja-JP" sz="1200" b="1" u="sng" dirty="0">
+              <a:gradFill>
+                <a:gsLst>
+                  <a:gs pos="0">
+                    <a:srgbClr val="FFFFFF"/>
+                  </a:gs>
+                  <a:gs pos="100000">
+                    <a:srgbClr val="FFFFFF"/>
+                  </a:gs>
+                </a:gsLst>
+                <a:lin ang="5400000" scaled="0"/>
+              </a:gradFill>
+              <a:ea typeface="Segoe UI" pitchFamily="34" charset="0"/>
+              <a:cs typeface="Segoe UI" pitchFamily="34" charset="0"/>
+            </a:endParaRPr>
+          </a:p>
+          <a:p>
+            <a:pPr algn="l" defTabSz="932472" fontAlgn="base">
+              <a:spcBef>
+                <a:spcPct val="0"/>
+              </a:spcBef>
+              <a:spcAft>
+                <a:spcPct val="0"/>
+              </a:spcAft>
+            </a:pPr>
+            <a:r>
+              <a:rPr kumimoji="1" lang="en-US" altLang="ja-JP" sz="1200" dirty="0">
+                <a:gradFill>
+                  <a:gsLst>
+                    <a:gs pos="0">
+                      <a:srgbClr val="FFFFFF"/>
+                    </a:gs>
+                    <a:gs pos="100000">
+                      <a:srgbClr val="FFFFFF"/>
+                    </a:gs>
+                  </a:gsLst>
+                  <a:lin ang="5400000" scaled="0"/>
+                </a:gradFill>
+                <a:ea typeface="Segoe UI" pitchFamily="34" charset="0"/>
+                <a:cs typeface="Segoe UI" pitchFamily="34" charset="0"/>
+              </a:rPr>
+              <a:t>ASA on Edge</a:t>
+            </a:r>
+            <a:r>
+              <a:rPr kumimoji="1" lang="ja-JP" altLang="en-US" sz="1200">
+                <a:gradFill>
+                  <a:gsLst>
+                    <a:gs pos="0">
+                      <a:srgbClr val="FFFFFF"/>
+                    </a:gs>
+                    <a:gs pos="100000">
+                      <a:srgbClr val="FFFFFF"/>
+                    </a:gs>
+                  </a:gsLst>
+                  <a:lin ang="5400000" scaled="0"/>
+                </a:gradFill>
+                <a:ea typeface="Segoe UI" pitchFamily="34" charset="0"/>
+                <a:cs typeface="Segoe UI" pitchFamily="34" charset="0"/>
+              </a:rPr>
+              <a:t>の出力</a:t>
+            </a:r>
+            <a:r>
+              <a:rPr kumimoji="1" lang="en-US" altLang="ja-JP" sz="1200" dirty="0">
+                <a:gradFill>
+                  <a:gsLst>
+                    <a:gs pos="0">
+                      <a:srgbClr val="FFFFFF"/>
+                    </a:gs>
+                    <a:gs pos="100000">
+                      <a:srgbClr val="FFFFFF"/>
+                    </a:gs>
+                  </a:gsLst>
+                  <a:lin ang="5400000" scaled="0"/>
+                </a:gradFill>
+                <a:ea typeface="Segoe UI" pitchFamily="34" charset="0"/>
+                <a:cs typeface="Segoe UI" pitchFamily="34" charset="0"/>
+              </a:rPr>
+              <a:t>(alert)</a:t>
+            </a:r>
+          </a:p>
+          <a:p>
+            <a:pPr algn="l" defTabSz="932472" fontAlgn="base">
+              <a:spcBef>
+                <a:spcPct val="0"/>
+              </a:spcBef>
+              <a:spcAft>
+                <a:spcPct val="0"/>
+              </a:spcAft>
+            </a:pPr>
+            <a:r>
+              <a:rPr kumimoji="1" lang="en-US" altLang="ja-JP" sz="1200" dirty="0">
+                <a:gradFill>
+                  <a:gsLst>
+                    <a:gs pos="0">
+                      <a:srgbClr val="FFFFFF"/>
+                    </a:gs>
+                    <a:gs pos="100000">
+                      <a:srgbClr val="FFFFFF"/>
+                    </a:gs>
+                  </a:gsLst>
+                  <a:lin ang="5400000" scaled="0"/>
+                </a:gradFill>
+                <a:ea typeface="Segoe UI" pitchFamily="34" charset="0"/>
+                <a:cs typeface="Segoe UI" pitchFamily="34" charset="0"/>
+              </a:rPr>
+              <a:t>[/messages/modules/</a:t>
+            </a:r>
+            <a:r>
+              <a:rPr kumimoji="1" lang="en-US" altLang="ja-JP" sz="1200" dirty="0" err="1">
+                <a:gradFill>
+                  <a:gsLst>
+                    <a:gs pos="0">
+                      <a:srgbClr val="FFFFFF"/>
+                    </a:gs>
+                    <a:gs pos="100000">
+                      <a:srgbClr val="FFFFFF"/>
+                    </a:gs>
+                  </a:gsLst>
+                  <a:lin ang="5400000" scaled="0"/>
+                </a:gradFill>
+                <a:ea typeface="Segoe UI" pitchFamily="34" charset="0"/>
+                <a:cs typeface="Segoe UI" pitchFamily="34" charset="0"/>
+              </a:rPr>
+              <a:t>asaonedge</a:t>
+            </a:r>
+            <a:r>
+              <a:rPr kumimoji="1" lang="en-US" altLang="ja-JP" sz="1200" dirty="0">
+                <a:gradFill>
+                  <a:gsLst>
+                    <a:gs pos="0">
+                      <a:srgbClr val="FFFFFF"/>
+                    </a:gs>
+                    <a:gs pos="100000">
+                      <a:srgbClr val="FFFFFF"/>
+                    </a:gs>
+                  </a:gsLst>
+                  <a:lin ang="5400000" scaled="0"/>
+                </a:gradFill>
+                <a:ea typeface="Segoe UI" pitchFamily="34" charset="0"/>
+                <a:cs typeface="Segoe UI" pitchFamily="34" charset="0"/>
+              </a:rPr>
+              <a:t>/</a:t>
+            </a:r>
+            <a:r>
+              <a:rPr kumimoji="1" lang="en-US" altLang="ja-JP" sz="1200" dirty="0" err="1">
+                <a:gradFill>
+                  <a:gsLst>
+                    <a:gs pos="0">
+                      <a:srgbClr val="FFFFFF"/>
+                    </a:gs>
+                    <a:gs pos="100000">
+                      <a:srgbClr val="FFFFFF"/>
+                    </a:gs>
+                  </a:gsLst>
+                  <a:lin ang="5400000" scaled="0"/>
+                </a:gradFill>
+                <a:ea typeface="Segoe UI" pitchFamily="34" charset="0"/>
+                <a:cs typeface="Segoe UI" pitchFamily="34" charset="0"/>
+              </a:rPr>
+              <a:t>otputs</a:t>
+            </a:r>
+            <a:r>
+              <a:rPr kumimoji="1" lang="en-US" altLang="ja-JP" sz="1200" dirty="0">
+                <a:gradFill>
+                  <a:gsLst>
+                    <a:gs pos="0">
+                      <a:srgbClr val="FFFFFF"/>
+                    </a:gs>
+                    <a:gs pos="100000">
+                      <a:srgbClr val="FFFFFF"/>
+                    </a:gs>
+                  </a:gsLst>
+                  <a:lin ang="5400000" scaled="0"/>
+                </a:gradFill>
+                <a:ea typeface="Segoe UI" pitchFamily="34" charset="0"/>
+                <a:cs typeface="Segoe UI" pitchFamily="34" charset="0"/>
+              </a:rPr>
+              <a:t>/alert</a:t>
+            </a:r>
+          </a:p>
+          <a:p>
+            <a:pPr algn="l" defTabSz="932472" fontAlgn="base">
+              <a:spcBef>
+                <a:spcPct val="0"/>
+              </a:spcBef>
+              <a:spcAft>
+                <a:spcPct val="0"/>
+              </a:spcAft>
+            </a:pPr>
+            <a:r>
+              <a:rPr kumimoji="1" lang="ja-JP" altLang="en-US" sz="1200">
+                <a:gradFill>
+                  <a:gsLst>
+                    <a:gs pos="0">
+                      <a:srgbClr val="FFFFFF"/>
+                    </a:gs>
+                    <a:gs pos="100000">
+                      <a:srgbClr val="FFFFFF"/>
+                    </a:gs>
+                  </a:gsLst>
+                  <a:lin ang="5400000" scaled="0"/>
+                </a:gradFill>
+                <a:ea typeface="Segoe UI" pitchFamily="34" charset="0"/>
+                <a:cs typeface="Segoe UI" pitchFamily="34" charset="0"/>
+              </a:rPr>
+              <a:t>→</a:t>
+            </a:r>
+            <a:r>
+              <a:rPr kumimoji="1" lang="en-US" altLang="ja-JP" sz="1200" dirty="0">
+                <a:gradFill>
+                  <a:gsLst>
+                    <a:gs pos="0">
+                      <a:srgbClr val="FFFFFF"/>
+                    </a:gs>
+                    <a:gs pos="100000">
+                      <a:srgbClr val="FFFFFF"/>
+                    </a:gs>
+                  </a:gsLst>
+                  <a:lin ang="5400000" scaled="0"/>
+                </a:gradFill>
+                <a:ea typeface="Segoe UI" pitchFamily="34" charset="0"/>
+                <a:cs typeface="Segoe UI" pitchFamily="34" charset="0"/>
+              </a:rPr>
+              <a:t> </a:t>
+            </a:r>
+            <a:r>
+              <a:rPr kumimoji="1" lang="ja-JP" altLang="en-US" sz="1200">
+                <a:gradFill>
+                  <a:gsLst>
+                    <a:gs pos="0">
+                      <a:srgbClr val="FFFFFF"/>
+                    </a:gs>
+                    <a:gs pos="100000">
+                      <a:srgbClr val="FFFFFF"/>
+                    </a:gs>
+                  </a:gsLst>
+                  <a:lin ang="5400000" scaled="0"/>
+                </a:gradFill>
+                <a:ea typeface="Segoe UI" pitchFamily="34" charset="0"/>
+                <a:cs typeface="Segoe UI" pitchFamily="34" charset="0"/>
+              </a:rPr>
+              <a:t>クラウドの</a:t>
+            </a:r>
+            <a:r>
+              <a:rPr kumimoji="1" lang="en-US" altLang="ja-JP" sz="1200" dirty="0">
+                <a:gradFill>
+                  <a:gsLst>
+                    <a:gs pos="0">
+                      <a:srgbClr val="FFFFFF"/>
+                    </a:gs>
+                    <a:gs pos="100000">
+                      <a:srgbClr val="FFFFFF"/>
+                    </a:gs>
+                  </a:gsLst>
+                  <a:lin ang="5400000" scaled="0"/>
+                </a:gradFill>
+                <a:ea typeface="Segoe UI" pitchFamily="34" charset="0"/>
+                <a:cs typeface="Segoe UI" pitchFamily="34" charset="0"/>
+              </a:rPr>
+              <a:t>IoT Hub</a:t>
+            </a:r>
+          </a:p>
+          <a:p>
+            <a:pPr algn="l" defTabSz="932472" fontAlgn="base">
+              <a:spcBef>
+                <a:spcPct val="0"/>
+              </a:spcBef>
+              <a:spcAft>
+                <a:spcPct val="0"/>
+              </a:spcAft>
+            </a:pPr>
+            <a:r>
+              <a:rPr kumimoji="1" lang="en-US" altLang="ja-JP" sz="1200" dirty="0">
+                <a:gradFill>
+                  <a:gsLst>
+                    <a:gs pos="0">
+                      <a:srgbClr val="FFFFFF"/>
+                    </a:gs>
+                    <a:gs pos="100000">
+                      <a:srgbClr val="FFFFFF"/>
+                    </a:gs>
+                  </a:gsLst>
+                  <a:lin ang="5400000" scaled="0"/>
+                </a:gradFill>
+                <a:ea typeface="Segoe UI" pitchFamily="34" charset="0"/>
+                <a:cs typeface="Segoe UI" pitchFamily="34" charset="0"/>
+              </a:rPr>
+              <a:t>[$upstream]</a:t>
+            </a:r>
+            <a:endParaRPr kumimoji="1" lang="ja-JP" altLang="en-US" sz="1200" dirty="0" err="1">
+              <a:gradFill>
+                <a:gsLst>
+                  <a:gs pos="0">
+                    <a:srgbClr val="FFFFFF"/>
+                  </a:gs>
+                  <a:gs pos="100000">
+                    <a:srgbClr val="FFFFFF"/>
+                  </a:gs>
+                </a:gsLst>
+                <a:lin ang="5400000" scaled="0"/>
+              </a:gradFill>
+              <a:ea typeface="Segoe UI" pitchFamily="34" charset="0"/>
+              <a:cs typeface="Segoe UI" pitchFamily="34" charset="0"/>
+            </a:endParaRPr>
+          </a:p>
+        </p:txBody>
+      </p:sp>
+      <p:pic>
+        <p:nvPicPr>
+          <p:cNvPr id="93" name="グラフィックス 92">
+            <a:extLst>
+              <a:ext uri="{FF2B5EF4-FFF2-40B4-BE49-F238E27FC236}">
+                <a16:creationId xmlns:a16="http://schemas.microsoft.com/office/drawing/2014/main" id="{6080B249-25C8-9649-B533-D5B640F80694}"/>
+              </a:ext>
+            </a:extLst>
+          </p:cNvPr>
+          <p:cNvPicPr>
+            <a:picLocks noChangeAspect="1"/>
+          </p:cNvPicPr>
+          <p:nvPr/>
+        </p:nvPicPr>
+        <p:blipFill>
+          <a:blip r:embed="rId2">
+            <a:extLst>
+              <a:ext uri="{96DAC541-7B7A-43D3-8B79-37D633B846F1}">
+                <asvg:svgBlip xmlns:asvg="http://schemas.microsoft.com/office/drawing/2016/SVG/main" r:embed="rId3"/>
+              </a:ext>
+            </a:extLst>
+          </a:blip>
+          <a:stretch>
+            <a:fillRect/>
+          </a:stretch>
+        </p:blipFill>
+        <p:spPr>
+          <a:xfrm>
+            <a:off x="471278" y="1728777"/>
+            <a:ext cx="469900" cy="469900"/>
+          </a:xfrm>
+          <a:prstGeom prst="rect">
+            <a:avLst/>
+          </a:prstGeom>
+        </p:spPr>
+      </p:pic>
+      <p:pic>
+        <p:nvPicPr>
+          <p:cNvPr id="95" name="図 94">
+            <a:extLst>
+              <a:ext uri="{FF2B5EF4-FFF2-40B4-BE49-F238E27FC236}">
+                <a16:creationId xmlns:a16="http://schemas.microsoft.com/office/drawing/2014/main" id="{22514C0B-F8FA-F04B-9416-88F1DB4B0FA1}"/>
+              </a:ext>
+            </a:extLst>
+          </p:cNvPr>
+          <p:cNvPicPr>
+            <a:picLocks noChangeAspect="1"/>
+          </p:cNvPicPr>
+          <p:nvPr/>
+        </p:nvPicPr>
+        <p:blipFill>
+          <a:blip r:embed="rId4"/>
+          <a:stretch>
+            <a:fillRect/>
+          </a:stretch>
+        </p:blipFill>
+        <p:spPr>
+          <a:xfrm>
+            <a:off x="9963850" y="-456206"/>
+            <a:ext cx="4456299" cy="4648382"/>
+          </a:xfrm>
+          <a:prstGeom prst="rect">
+            <a:avLst/>
+          </a:prstGeom>
+        </p:spPr>
+      </p:pic>
+      <p:sp>
+        <p:nvSpPr>
+          <p:cNvPr id="101" name="テキスト ボックス 100">
+            <a:extLst>
+              <a:ext uri="{FF2B5EF4-FFF2-40B4-BE49-F238E27FC236}">
+                <a16:creationId xmlns:a16="http://schemas.microsoft.com/office/drawing/2014/main" id="{B6E02319-AB23-B048-92B2-2966E5C6C312}"/>
+              </a:ext>
+            </a:extLst>
+          </p:cNvPr>
+          <p:cNvSpPr txBox="1"/>
+          <p:nvPr/>
+        </p:nvSpPr>
+        <p:spPr>
+          <a:xfrm>
+            <a:off x="413421" y="3682775"/>
+            <a:ext cx="990587" cy="307777"/>
+          </a:xfrm>
+          <a:prstGeom prst="rect">
+            <a:avLst/>
+          </a:prstGeom>
+          <a:solidFill>
+            <a:schemeClr val="bg1"/>
+          </a:solidFill>
+        </p:spPr>
+        <p:txBody>
+          <a:bodyPr wrap="none" lIns="36000" tIns="0" rIns="0" bIns="0" rtlCol="0">
+            <a:spAutoFit/>
+          </a:bodyPr>
+          <a:lstStyle/>
+          <a:p>
+            <a:pPr algn="l"/>
+            <a:r>
+              <a:rPr kumimoji="1" lang="en-US" altLang="ja-JP" sz="2000" b="1" dirty="0" err="1"/>
+              <a:t>edgeHub</a:t>
+            </a:r>
+            <a:endParaRPr kumimoji="1" lang="ja-JP" altLang="en-US" sz="2000" b="1" dirty="0" err="1"/>
+          </a:p>
+        </p:txBody>
+      </p:sp>
+    </p:spTree>
+    <p:extLst>
+      <p:ext uri="{BB962C8B-B14F-4D97-AF65-F5344CB8AC3E}">
+        <p14:creationId xmlns:p14="http://schemas.microsoft.com/office/powerpoint/2010/main" val="2063095149"/>
+      </p:ext>
+    </p:extLst>
+  </p:cSld>
+  <p:clrMapOvr>
+    <a:masterClrMapping/>
+  </p:clrMapOvr>
+  <p:transition>
+    <p:fade/>
+  </p:transition>
+</p:sld>
+</file>
+
+<file path=ppt/slides/slide3.xml><?xml version="1.0" encoding="utf-8"?>
+<p:sld xmlns:a="http://schemas.openxmlformats.org/drawingml/2006/main" xmlns:r="http://schemas.openxmlformats.org/officeDocument/2006/relationships" xmlns:p="http://schemas.openxmlformats.org/presentationml/2006/main">
+  <p:cSld>
+    <p:spTree>
+      <p:nvGrpSpPr>
+        <p:cNvPr id="1" name=""/>
+        <p:cNvGrpSpPr/>
+        <p:nvPr/>
+      </p:nvGrpSpPr>
+      <p:grpSpPr>
+        <a:xfrm>
+          <a:off x="0" y="0"/>
+          <a:ext cx="0" cy="0"/>
+          <a:chOff x="0" y="0"/>
+          <a:chExt cx="0" cy="0"/>
+        </a:xfrm>
+      </p:grpSpPr>
+      <p:sp>
+        <p:nvSpPr>
+          <p:cNvPr id="91" name="角丸四角形 90">
+            <a:extLst>
+              <a:ext uri="{FF2B5EF4-FFF2-40B4-BE49-F238E27FC236}">
+                <a16:creationId xmlns:a16="http://schemas.microsoft.com/office/drawing/2014/main" id="{54BD9422-01A6-C946-AADC-E5AD43EF179F}"/>
+              </a:ext>
+            </a:extLst>
+          </p:cNvPr>
+          <p:cNvSpPr/>
+          <p:nvPr/>
+        </p:nvSpPr>
+        <p:spPr bwMode="auto">
+          <a:xfrm>
+            <a:off x="141467" y="1650577"/>
+            <a:ext cx="10153159" cy="3556846"/>
+          </a:xfrm>
+          <a:prstGeom prst="roundRect">
+            <a:avLst>
+              <a:gd name="adj" fmla="val 0"/>
+            </a:avLst>
+          </a:prstGeom>
+          <a:noFill/>
+          <a:ln>
+            <a:solidFill>
+              <a:schemeClr val="accent1"/>
+            </a:solidFill>
+            <a:headEnd type="none" w="med" len="med"/>
+            <a:tailEnd type="none" w="med" len="med"/>
+          </a:ln>
+          <a:effectLst/>
+        </p:spPr>
+        <p:style>
+          <a:lnRef idx="1">
+            <a:schemeClr val="accent2"/>
+          </a:lnRef>
+          <a:fillRef idx="3">
+            <a:schemeClr val="accent2"/>
+          </a:fillRef>
+          <a:effectRef idx="2">
+            <a:schemeClr val="accent2"/>
+          </a:effectRef>
+          <a:fontRef idx="minor">
+            <a:schemeClr val="lt1"/>
+          </a:fontRef>
+        </p:style>
+        <p:txBody>
+          <a:bodyPr rot="0" spcFirstLastPara="0" vertOverflow="overflow" horzOverflow="overflow" vert="horz" wrap="square" lIns="182880" tIns="146304" rIns="182880" bIns="146304" numCol="1" spcCol="0" rtlCol="0" fromWordArt="0" anchor="t" anchorCtr="0" forceAA="0" compatLnSpc="1">
+            <a:prstTxWarp prst="textNoShape">
+              <a:avLst/>
+            </a:prstTxWarp>
+            <a:noAutofit/>
+          </a:bodyPr>
+          <a:lstStyle/>
+          <a:p>
+            <a:pPr algn="l" defTabSz="932472" fontAlgn="base">
+              <a:spcBef>
+                <a:spcPct val="0"/>
+              </a:spcBef>
+              <a:spcAft>
+                <a:spcPct val="0"/>
+              </a:spcAft>
+            </a:pPr>
+            <a:endParaRPr kumimoji="1" lang="ja-JP" altLang="en-US" sz="1200" dirty="0" err="1">
+              <a:gradFill>
+                <a:gsLst>
+                  <a:gs pos="0">
+                    <a:srgbClr val="FFFFFF"/>
+                  </a:gs>
+                  <a:gs pos="100000">
+                    <a:srgbClr val="FFFFFF"/>
+                  </a:gs>
+                </a:gsLst>
+                <a:lin ang="5400000" scaled="0"/>
+              </a:gradFill>
+              <a:ea typeface="Segoe UI" pitchFamily="34" charset="0"/>
+              <a:cs typeface="Segoe UI" pitchFamily="34" charset="0"/>
+            </a:endParaRPr>
+          </a:p>
+        </p:txBody>
+      </p:sp>
+      <p:grpSp>
+        <p:nvGrpSpPr>
+          <p:cNvPr id="10" name="グループ化 9">
+            <a:extLst>
+              <a:ext uri="{FF2B5EF4-FFF2-40B4-BE49-F238E27FC236}">
+                <a16:creationId xmlns:a16="http://schemas.microsoft.com/office/drawing/2014/main" id="{3DD27FD5-1469-784F-A848-8EA507150E9E}"/>
+              </a:ext>
+            </a:extLst>
+          </p:cNvPr>
+          <p:cNvGrpSpPr/>
+          <p:nvPr/>
+        </p:nvGrpSpPr>
+        <p:grpSpPr>
+          <a:xfrm>
+            <a:off x="2715200" y="2008990"/>
+            <a:ext cx="1214519" cy="500056"/>
+            <a:chOff x="3810619" y="456060"/>
+            <a:chExt cx="1214519" cy="500056"/>
+          </a:xfrm>
+        </p:grpSpPr>
+        <p:sp>
+          <p:nvSpPr>
+            <p:cNvPr id="7" name="正方形/長方形 6">
+              <a:extLst>
+                <a:ext uri="{FF2B5EF4-FFF2-40B4-BE49-F238E27FC236}">
+                  <a16:creationId xmlns:a16="http://schemas.microsoft.com/office/drawing/2014/main" id="{FFB3A508-6D91-604F-A2C6-ED7BEE02911B}"/>
+                </a:ext>
+              </a:extLst>
+            </p:cNvPr>
+            <p:cNvSpPr/>
+            <p:nvPr/>
+          </p:nvSpPr>
+          <p:spPr bwMode="auto">
+            <a:xfrm>
+              <a:off x="3954162" y="456060"/>
+              <a:ext cx="914401" cy="500056"/>
+            </a:xfrm>
+            <a:prstGeom prst="rect">
+              <a:avLst/>
+            </a:prstGeom>
+            <a:noFill/>
+            <a:ln w="38100">
+              <a:solidFill>
+                <a:schemeClr val="accent1"/>
+              </a:solidFill>
+              <a:prstDash val="sysDash"/>
+              <a:headEnd type="none" w="med" len="med"/>
+              <a:tailEnd type="none" w="med" len="med"/>
+            </a:ln>
+            <a:effectLst/>
+          </p:spPr>
+          <p:style>
+            <a:lnRef idx="1">
+              <a:schemeClr val="accent2"/>
+            </a:lnRef>
+            <a:fillRef idx="3">
+              <a:schemeClr val="accent2"/>
+            </a:fillRef>
+            <a:effectRef idx="2">
+              <a:schemeClr val="accent2"/>
+            </a:effectRef>
+            <a:fontRef idx="minor">
+              <a:schemeClr val="lt1"/>
+            </a:fontRef>
+          </p:style>
+          <p:txBody>
+            <a:bodyPr rot="0" spcFirstLastPara="0" vertOverflow="overflow" horzOverflow="overflow" vert="horz" wrap="none" lIns="182880" tIns="146304" rIns="182880" bIns="146304" numCol="1" spcCol="0" rtlCol="0" fromWordArt="0" anchor="ctr" anchorCtr="0" forceAA="0" compatLnSpc="1">
+              <a:prstTxWarp prst="textNoShape">
+                <a:avLst/>
+              </a:prstTxWarp>
+              <a:noAutofit/>
+            </a:bodyPr>
+            <a:lstStyle/>
+            <a:p>
+              <a:pPr algn="ctr" defTabSz="932472" fontAlgn="base">
+                <a:spcBef>
+                  <a:spcPct val="0"/>
+                </a:spcBef>
+                <a:spcAft>
+                  <a:spcPct val="0"/>
+                </a:spcAft>
+              </a:pPr>
+              <a:r>
+                <a:rPr kumimoji="1" lang="ja-JP" altLang="en-US" sz="1200" b="1">
+                  <a:solidFill>
+                    <a:schemeClr val="tx1"/>
+                  </a:solidFill>
+                  <a:ea typeface="Segoe UI" pitchFamily="34" charset="0"/>
+                  <a:cs typeface="Segoe UI" pitchFamily="34" charset="0"/>
+                </a:rPr>
+                <a:t>モジュール</a:t>
+              </a:r>
+              <a:r>
+                <a:rPr kumimoji="1" lang="en-US" altLang="ja-JP" sz="1200" b="1" dirty="0">
+                  <a:solidFill>
+                    <a:schemeClr val="tx1"/>
+                  </a:solidFill>
+                  <a:ea typeface="Segoe UI" pitchFamily="34" charset="0"/>
+                  <a:cs typeface="Segoe UI" pitchFamily="34" charset="0"/>
+                </a:rPr>
+                <a:t>A</a:t>
+              </a:r>
+              <a:endParaRPr kumimoji="1" lang="ja-JP" altLang="en-US" sz="1200" b="1" dirty="0" err="1">
+                <a:solidFill>
+                  <a:schemeClr val="tx1"/>
+                </a:solidFill>
+                <a:ea typeface="Segoe UI" pitchFamily="34" charset="0"/>
+                <a:cs typeface="Segoe UI" pitchFamily="34" charset="0"/>
+              </a:endParaRPr>
+            </a:p>
+          </p:txBody>
+        </p:sp>
+        <p:sp>
+          <p:nvSpPr>
+            <p:cNvPr id="8" name="正方形/長方形 7">
+              <a:extLst>
+                <a:ext uri="{FF2B5EF4-FFF2-40B4-BE49-F238E27FC236}">
+                  <a16:creationId xmlns:a16="http://schemas.microsoft.com/office/drawing/2014/main" id="{4DE3B596-5993-3044-9CFA-67E93D9AA7BF}"/>
+                </a:ext>
+              </a:extLst>
+            </p:cNvPr>
+            <p:cNvSpPr/>
+            <p:nvPr/>
+          </p:nvSpPr>
+          <p:spPr bwMode="auto">
+            <a:xfrm>
+              <a:off x="3810619" y="580222"/>
+              <a:ext cx="198907" cy="108000"/>
+            </a:xfrm>
+            <a:prstGeom prst="rect">
+              <a:avLst/>
+            </a:prstGeom>
+            <a:solidFill>
+              <a:schemeClr val="bg1"/>
+            </a:solidFill>
+            <a:ln>
+              <a:solidFill>
+                <a:schemeClr val="accent1"/>
+              </a:solidFill>
+              <a:headEnd type="none" w="med" len="med"/>
+              <a:tailEnd type="none" w="med" len="med"/>
+            </a:ln>
+            <a:effectLst/>
+          </p:spPr>
+          <p:style>
+            <a:lnRef idx="1">
+              <a:schemeClr val="accent2"/>
+            </a:lnRef>
+            <a:fillRef idx="3">
+              <a:schemeClr val="accent2"/>
+            </a:fillRef>
+            <a:effectRef idx="2">
+              <a:schemeClr val="accent2"/>
+            </a:effectRef>
+            <a:fontRef idx="minor">
+              <a:schemeClr val="lt1"/>
+            </a:fontRef>
+          </p:style>
+          <p:txBody>
+            <a:bodyPr rot="0" spcFirstLastPara="0" vertOverflow="overflow" horzOverflow="overflow" vert="horz" wrap="square" lIns="182880" tIns="146304" rIns="182880" bIns="146304" numCol="1" spcCol="0" rtlCol="0" fromWordArt="0" anchor="t" anchorCtr="0" forceAA="0" compatLnSpc="1">
+              <a:prstTxWarp prst="textNoShape">
+                <a:avLst/>
+              </a:prstTxWarp>
+              <a:noAutofit/>
+            </a:bodyPr>
+            <a:lstStyle/>
+            <a:p>
+              <a:pPr algn="l" defTabSz="932472" fontAlgn="base">
+                <a:spcBef>
+                  <a:spcPct val="0"/>
+                </a:spcBef>
+                <a:spcAft>
+                  <a:spcPct val="0"/>
+                </a:spcAft>
+              </a:pPr>
+              <a:endParaRPr kumimoji="1" lang="ja-JP" altLang="en-US" sz="1200" dirty="0" err="1">
+                <a:gradFill>
+                  <a:gsLst>
+                    <a:gs pos="0">
+                      <a:srgbClr val="FFFFFF"/>
+                    </a:gs>
+                    <a:gs pos="100000">
+                      <a:srgbClr val="FFFFFF"/>
+                    </a:gs>
+                  </a:gsLst>
+                  <a:lin ang="5400000" scaled="0"/>
+                </a:gradFill>
+                <a:ea typeface="Segoe UI" pitchFamily="34" charset="0"/>
+                <a:cs typeface="Segoe UI" pitchFamily="34" charset="0"/>
+              </a:endParaRPr>
+            </a:p>
+          </p:txBody>
+        </p:sp>
+        <p:sp>
+          <p:nvSpPr>
+            <p:cNvPr id="9" name="正方形/長方形 8">
+              <a:extLst>
+                <a:ext uri="{FF2B5EF4-FFF2-40B4-BE49-F238E27FC236}">
+                  <a16:creationId xmlns:a16="http://schemas.microsoft.com/office/drawing/2014/main" id="{2405F09E-EC03-A24B-ACF5-2C52C4F89990}"/>
+                </a:ext>
+              </a:extLst>
+            </p:cNvPr>
+            <p:cNvSpPr/>
+            <p:nvPr/>
+          </p:nvSpPr>
+          <p:spPr bwMode="auto">
+            <a:xfrm>
+              <a:off x="4826231" y="580222"/>
+              <a:ext cx="198907" cy="108000"/>
+            </a:xfrm>
+            <a:prstGeom prst="rect">
+              <a:avLst/>
+            </a:prstGeom>
+            <a:solidFill>
+              <a:schemeClr val="bg1"/>
+            </a:solidFill>
+            <a:ln>
+              <a:solidFill>
+                <a:schemeClr val="accent1"/>
+              </a:solidFill>
+              <a:headEnd type="none" w="med" len="med"/>
+              <a:tailEnd type="none" w="med" len="med"/>
+            </a:ln>
+            <a:effectLst/>
+          </p:spPr>
+          <p:style>
+            <a:lnRef idx="1">
+              <a:schemeClr val="accent2"/>
+            </a:lnRef>
+            <a:fillRef idx="3">
+              <a:schemeClr val="accent2"/>
+            </a:fillRef>
+            <a:effectRef idx="2">
+              <a:schemeClr val="accent2"/>
+            </a:effectRef>
+            <a:fontRef idx="minor">
+              <a:schemeClr val="lt1"/>
+            </a:fontRef>
+          </p:style>
+          <p:txBody>
+            <a:bodyPr rot="0" spcFirstLastPara="0" vertOverflow="overflow" horzOverflow="overflow" vert="horz" wrap="square" lIns="182880" tIns="146304" rIns="182880" bIns="146304" numCol="1" spcCol="0" rtlCol="0" fromWordArt="0" anchor="t" anchorCtr="0" forceAA="0" compatLnSpc="1">
+              <a:prstTxWarp prst="textNoShape">
+                <a:avLst/>
+              </a:prstTxWarp>
+              <a:noAutofit/>
+            </a:bodyPr>
+            <a:lstStyle/>
+            <a:p>
+              <a:pPr algn="l" defTabSz="932472" fontAlgn="base">
+                <a:spcBef>
+                  <a:spcPct val="0"/>
+                </a:spcBef>
+                <a:spcAft>
+                  <a:spcPct val="0"/>
+                </a:spcAft>
+              </a:pPr>
+              <a:endParaRPr kumimoji="1" lang="ja-JP" altLang="en-US" sz="1200" dirty="0" err="1">
+                <a:gradFill>
+                  <a:gsLst>
+                    <a:gs pos="0">
+                      <a:srgbClr val="FFFFFF"/>
+                    </a:gs>
+                    <a:gs pos="100000">
+                      <a:srgbClr val="FFFFFF"/>
+                    </a:gs>
+                  </a:gsLst>
+                  <a:lin ang="5400000" scaled="0"/>
+                </a:gradFill>
+                <a:ea typeface="Segoe UI" pitchFamily="34" charset="0"/>
+                <a:cs typeface="Segoe UI" pitchFamily="34" charset="0"/>
+              </a:endParaRPr>
+            </a:p>
+          </p:txBody>
+        </p:sp>
+      </p:grpSp>
+      <p:sp>
+        <p:nvSpPr>
+          <p:cNvPr id="17" name="正方形/長方形 16">
+            <a:extLst>
+              <a:ext uri="{FF2B5EF4-FFF2-40B4-BE49-F238E27FC236}">
+                <a16:creationId xmlns:a16="http://schemas.microsoft.com/office/drawing/2014/main" id="{7ED7060B-0A06-C843-ABB4-099C91E8FAB1}"/>
+              </a:ext>
+            </a:extLst>
+          </p:cNvPr>
+          <p:cNvSpPr/>
+          <p:nvPr/>
+        </p:nvSpPr>
+        <p:spPr bwMode="auto">
+          <a:xfrm>
+            <a:off x="10983733" y="1867985"/>
+            <a:ext cx="914400" cy="914400"/>
+          </a:xfrm>
+          <a:prstGeom prst="rect">
+            <a:avLst/>
+          </a:prstGeom>
+          <a:solidFill>
+            <a:schemeClr val="accent1"/>
+          </a:solidFill>
+          <a:ln>
+            <a:noFill/>
+            <a:headEnd type="none" w="med" len="med"/>
+            <a:tailEnd type="none" w="med" len="med"/>
+          </a:ln>
+          <a:effectLst/>
+        </p:spPr>
+        <p:style>
+          <a:lnRef idx="1">
+            <a:schemeClr val="accent2"/>
+          </a:lnRef>
+          <a:fillRef idx="3">
+            <a:schemeClr val="accent2"/>
+          </a:fillRef>
+          <a:effectRef idx="2">
+            <a:schemeClr val="accent2"/>
+          </a:effectRef>
+          <a:fontRef idx="minor">
+            <a:schemeClr val="lt1"/>
+          </a:fontRef>
+        </p:style>
+        <p:txBody>
+          <a:bodyPr rot="0" spcFirstLastPara="0" vertOverflow="overflow" horzOverflow="overflow" vert="horz" wrap="square" lIns="182880" tIns="146304" rIns="182880" bIns="146304" numCol="1" spcCol="0" rtlCol="0" fromWordArt="0" anchor="ctr" anchorCtr="0" forceAA="0" compatLnSpc="1">
+            <a:prstTxWarp prst="textNoShape">
+              <a:avLst/>
+            </a:prstTxWarp>
+            <a:noAutofit/>
+          </a:bodyPr>
+          <a:lstStyle/>
+          <a:p>
+            <a:pPr algn="ctr" defTabSz="932472" fontAlgn="base">
+              <a:spcBef>
+                <a:spcPct val="0"/>
+              </a:spcBef>
+              <a:spcAft>
+                <a:spcPct val="0"/>
+              </a:spcAft>
+            </a:pPr>
+            <a:r>
+              <a:rPr kumimoji="1" lang="en-US" altLang="ja-JP" sz="1200" dirty="0">
+                <a:gradFill>
+                  <a:gsLst>
+                    <a:gs pos="0">
+                      <a:srgbClr val="FFFFFF"/>
+                    </a:gs>
+                    <a:gs pos="100000">
+                      <a:srgbClr val="FFFFFF"/>
+                    </a:gs>
+                  </a:gsLst>
+                  <a:lin ang="5400000" scaled="0"/>
+                </a:gradFill>
+                <a:ea typeface="Segoe UI" pitchFamily="34" charset="0"/>
+                <a:cs typeface="Segoe UI" pitchFamily="34" charset="0"/>
+              </a:rPr>
+              <a:t>IoT Hub</a:t>
+            </a:r>
+            <a:endParaRPr kumimoji="1" lang="ja-JP" altLang="en-US" sz="1200" dirty="0" err="1">
+              <a:gradFill>
+                <a:gsLst>
+                  <a:gs pos="0">
+                    <a:srgbClr val="FFFFFF"/>
+                  </a:gs>
+                  <a:gs pos="100000">
+                    <a:srgbClr val="FFFFFF"/>
+                  </a:gs>
+                </a:gsLst>
+                <a:lin ang="5400000" scaled="0"/>
+              </a:gradFill>
+              <a:ea typeface="Segoe UI" pitchFamily="34" charset="0"/>
+              <a:cs typeface="Segoe UI" pitchFamily="34" charset="0"/>
+            </a:endParaRPr>
+          </a:p>
+        </p:txBody>
+      </p:sp>
+      <p:sp>
+        <p:nvSpPr>
+          <p:cNvPr id="46" name="角丸四角形 45">
+            <a:extLst>
+              <a:ext uri="{FF2B5EF4-FFF2-40B4-BE49-F238E27FC236}">
+                <a16:creationId xmlns:a16="http://schemas.microsoft.com/office/drawing/2014/main" id="{6067CD1E-EA4A-DA43-9D4F-63AA3272E386}"/>
+              </a:ext>
+            </a:extLst>
+          </p:cNvPr>
+          <p:cNvSpPr/>
+          <p:nvPr/>
+        </p:nvSpPr>
+        <p:spPr bwMode="auto">
+          <a:xfrm>
+            <a:off x="788778" y="3132490"/>
+            <a:ext cx="9443090" cy="1704746"/>
+          </a:xfrm>
+          <a:prstGeom prst="roundRect">
+            <a:avLst>
+              <a:gd name="adj" fmla="val 0"/>
+            </a:avLst>
+          </a:prstGeom>
+          <a:noFill/>
+          <a:ln w="38100">
+            <a:solidFill>
+              <a:schemeClr val="accent1"/>
+            </a:solidFill>
+            <a:prstDash val="sysDash"/>
+            <a:headEnd type="none" w="med" len="med"/>
+            <a:tailEnd type="none" w="med" len="med"/>
+          </a:ln>
+          <a:effectLst/>
+        </p:spPr>
+        <p:style>
+          <a:lnRef idx="1">
+            <a:schemeClr val="accent2"/>
+          </a:lnRef>
+          <a:fillRef idx="3">
+            <a:schemeClr val="accent2"/>
+          </a:fillRef>
+          <a:effectRef idx="2">
+            <a:schemeClr val="accent2"/>
+          </a:effectRef>
+          <a:fontRef idx="minor">
+            <a:schemeClr val="lt1"/>
+          </a:fontRef>
+        </p:style>
+        <p:txBody>
+          <a:bodyPr rot="0" spcFirstLastPara="0" vertOverflow="overflow" horzOverflow="overflow" vert="horz" wrap="square" lIns="182880" tIns="146304" rIns="182880" bIns="146304" numCol="1" spcCol="0" rtlCol="0" fromWordArt="0" anchor="t" anchorCtr="0" forceAA="0" compatLnSpc="1">
+            <a:prstTxWarp prst="textNoShape">
+              <a:avLst/>
+            </a:prstTxWarp>
+            <a:noAutofit/>
+          </a:bodyPr>
+          <a:lstStyle/>
+          <a:p>
+            <a:pPr algn="l" defTabSz="932472" fontAlgn="base">
+              <a:spcBef>
+                <a:spcPct val="0"/>
+              </a:spcBef>
+              <a:spcAft>
+                <a:spcPct val="0"/>
+              </a:spcAft>
+            </a:pPr>
+            <a:endParaRPr kumimoji="1" lang="ja-JP" altLang="en-US" sz="1200" dirty="0" err="1">
+              <a:gradFill>
+                <a:gsLst>
+                  <a:gs pos="0">
+                    <a:srgbClr val="FFFFFF"/>
+                  </a:gs>
+                  <a:gs pos="100000">
+                    <a:srgbClr val="FFFFFF"/>
+                  </a:gs>
+                </a:gsLst>
+                <a:lin ang="5400000" scaled="0"/>
+              </a:gradFill>
+              <a:ea typeface="Segoe UI" pitchFamily="34" charset="0"/>
+              <a:cs typeface="Segoe UI" pitchFamily="34" charset="0"/>
+            </a:endParaRPr>
+          </a:p>
+        </p:txBody>
+      </p:sp>
+      <p:sp>
+        <p:nvSpPr>
+          <p:cNvPr id="47" name="角丸四角形 46">
+            <a:extLst>
+              <a:ext uri="{FF2B5EF4-FFF2-40B4-BE49-F238E27FC236}">
+                <a16:creationId xmlns:a16="http://schemas.microsoft.com/office/drawing/2014/main" id="{713C0A40-AE98-6A4C-B6B8-D7B0A525042C}"/>
+              </a:ext>
+            </a:extLst>
+          </p:cNvPr>
+          <p:cNvSpPr/>
+          <p:nvPr/>
+        </p:nvSpPr>
+        <p:spPr bwMode="auto">
+          <a:xfrm>
+            <a:off x="905841" y="4659072"/>
+            <a:ext cx="9226362" cy="503999"/>
+          </a:xfrm>
+          <a:prstGeom prst="roundRect">
+            <a:avLst>
+              <a:gd name="adj" fmla="val 0"/>
+            </a:avLst>
+          </a:prstGeom>
+          <a:solidFill>
+            <a:schemeClr val="bg1"/>
+          </a:solidFill>
+          <a:ln>
+            <a:solidFill>
+              <a:schemeClr val="accent1"/>
+            </a:solidFill>
+            <a:headEnd type="none" w="med" len="med"/>
+            <a:tailEnd type="none" w="med" len="med"/>
+          </a:ln>
+          <a:effectLst/>
+        </p:spPr>
+        <p:style>
+          <a:lnRef idx="1">
+            <a:schemeClr val="accent2"/>
+          </a:lnRef>
+          <a:fillRef idx="3">
+            <a:schemeClr val="accent2"/>
+          </a:fillRef>
+          <a:effectRef idx="2">
+            <a:schemeClr val="accent2"/>
+          </a:effectRef>
+          <a:fontRef idx="minor">
+            <a:schemeClr val="lt1"/>
+          </a:fontRef>
+        </p:style>
+        <p:txBody>
+          <a:bodyPr rot="0" spcFirstLastPara="0" vertOverflow="overflow" horzOverflow="overflow" vert="horz" wrap="none" lIns="36000" tIns="36000" rIns="36000" bIns="36000" numCol="1" spcCol="0" rtlCol="0" fromWordArt="0" anchor="t" anchorCtr="0" forceAA="0" compatLnSpc="1">
+            <a:prstTxWarp prst="textNoShape">
+              <a:avLst/>
+            </a:prstTxWarp>
+            <a:noAutofit/>
+          </a:bodyPr>
+          <a:lstStyle/>
+          <a:p>
+            <a:pPr algn="l" defTabSz="932472" fontAlgn="base">
+              <a:spcBef>
+                <a:spcPct val="0"/>
+              </a:spcBef>
+              <a:spcAft>
+                <a:spcPct val="0"/>
+              </a:spcAft>
+            </a:pPr>
+            <a:r>
+              <a:rPr kumimoji="1" lang="en-US" altLang="ja-JP" sz="1600" b="1" dirty="0">
+                <a:solidFill>
+                  <a:schemeClr val="tx1"/>
+                </a:solidFill>
+                <a:ea typeface="Segoe UI" pitchFamily="34" charset="0"/>
+                <a:cs typeface="Segoe UI" pitchFamily="34" charset="0"/>
+              </a:rPr>
+              <a:t>IN</a:t>
+            </a:r>
+            <a:endParaRPr kumimoji="1" lang="ja-JP" altLang="en-US" sz="1600" b="1" dirty="0" err="1">
+              <a:solidFill>
+                <a:schemeClr val="tx1"/>
+              </a:solidFill>
+              <a:ea typeface="Segoe UI" pitchFamily="34" charset="0"/>
+              <a:cs typeface="Segoe UI" pitchFamily="34" charset="0"/>
+            </a:endParaRPr>
+          </a:p>
+        </p:txBody>
+      </p:sp>
+      <p:sp>
+        <p:nvSpPr>
+          <p:cNvPr id="2" name="テキスト ボックス 1">
+            <a:extLst>
+              <a:ext uri="{FF2B5EF4-FFF2-40B4-BE49-F238E27FC236}">
+                <a16:creationId xmlns:a16="http://schemas.microsoft.com/office/drawing/2014/main" id="{BC56D763-D788-414B-89A6-4C01EC3DB05C}"/>
+              </a:ext>
+            </a:extLst>
+          </p:cNvPr>
+          <p:cNvSpPr txBox="1"/>
+          <p:nvPr/>
+        </p:nvSpPr>
+        <p:spPr>
+          <a:xfrm>
+            <a:off x="1000496" y="4909186"/>
+            <a:ext cx="805676" cy="184666"/>
+          </a:xfrm>
+          <a:prstGeom prst="rect">
+            <a:avLst/>
+          </a:prstGeom>
+          <a:noFill/>
+          <a:ln>
+            <a:noFill/>
+          </a:ln>
+        </p:spPr>
+        <p:txBody>
+          <a:bodyPr wrap="none" lIns="0" tIns="0" rIns="0" bIns="0" rtlCol="0" anchor="ctr" anchorCtr="0">
+            <a:spAutoFit/>
+          </a:bodyPr>
+          <a:lstStyle/>
+          <a:p>
+            <a:pPr algn="ctr"/>
+            <a:r>
+              <a:rPr kumimoji="1" lang="en-US" altLang="ja-JP" sz="1200" dirty="0">
+                <a:gradFill>
+                  <a:gsLst>
+                    <a:gs pos="2917">
+                      <a:schemeClr val="tx1"/>
+                    </a:gs>
+                    <a:gs pos="30000">
+                      <a:schemeClr val="tx1"/>
+                    </a:gs>
+                  </a:gsLst>
+                  <a:lin ang="5400000" scaled="0"/>
+                </a:gradFill>
+              </a:rPr>
+              <a:t>/messages/*</a:t>
+            </a:r>
+            <a:endParaRPr kumimoji="1" lang="ja-JP" altLang="en-US" sz="1200" dirty="0" err="1">
+              <a:gradFill>
+                <a:gsLst>
+                  <a:gs pos="2917">
+                    <a:schemeClr val="tx1"/>
+                  </a:gs>
+                  <a:gs pos="30000">
+                    <a:schemeClr val="tx1"/>
+                  </a:gs>
+                </a:gsLst>
+                <a:lin ang="5400000" scaled="0"/>
+              </a:gradFill>
+            </a:endParaRPr>
+          </a:p>
+        </p:txBody>
+      </p:sp>
+      <p:sp>
+        <p:nvSpPr>
+          <p:cNvPr id="4" name="テキスト ボックス 3">
+            <a:extLst>
+              <a:ext uri="{FF2B5EF4-FFF2-40B4-BE49-F238E27FC236}">
+                <a16:creationId xmlns:a16="http://schemas.microsoft.com/office/drawing/2014/main" id="{0770D115-DEE9-4943-B42D-3A375BFD35D4}"/>
+              </a:ext>
+            </a:extLst>
+          </p:cNvPr>
+          <p:cNvSpPr txBox="1"/>
+          <p:nvPr/>
+        </p:nvSpPr>
+        <p:spPr>
+          <a:xfrm>
+            <a:off x="2436135" y="4909186"/>
+            <a:ext cx="3644524" cy="184666"/>
+          </a:xfrm>
+          <a:prstGeom prst="rect">
+            <a:avLst/>
+          </a:prstGeom>
+          <a:noFill/>
+          <a:ln>
+            <a:noFill/>
+          </a:ln>
+        </p:spPr>
+        <p:txBody>
+          <a:bodyPr wrap="none" lIns="0" tIns="0" rIns="0" bIns="0" rtlCol="0">
+            <a:spAutoFit/>
+          </a:bodyPr>
+          <a:lstStyle/>
+          <a:p>
+            <a:pPr algn="ctr"/>
+            <a:r>
+              <a:rPr kumimoji="1" lang="en-US" altLang="ja-JP" sz="1200" dirty="0">
+                <a:gradFill>
+                  <a:gsLst>
+                    <a:gs pos="2917">
+                      <a:schemeClr val="tx1"/>
+                    </a:gs>
+                    <a:gs pos="30000">
+                      <a:schemeClr val="tx1"/>
+                    </a:gs>
+                  </a:gsLst>
+                  <a:lin ang="5400000" scaled="0"/>
+                </a:gradFill>
+              </a:rPr>
+              <a:t>/messages/modules/</a:t>
+            </a:r>
+            <a:r>
+              <a:rPr kumimoji="1" lang="ja-JP" altLang="en-US" sz="1200">
+                <a:gradFill>
+                  <a:gsLst>
+                    <a:gs pos="2917">
+                      <a:schemeClr val="tx1"/>
+                    </a:gs>
+                    <a:gs pos="30000">
+                      <a:schemeClr val="tx1"/>
+                    </a:gs>
+                  </a:gsLst>
+                  <a:lin ang="5400000" scaled="0"/>
+                </a:gradFill>
+              </a:rPr>
+              <a:t>モジュール</a:t>
+            </a:r>
+            <a:r>
+              <a:rPr kumimoji="1" lang="en-US" altLang="ja-JP" sz="1200" dirty="0">
+                <a:gradFill>
+                  <a:gsLst>
+                    <a:gs pos="2917">
+                      <a:schemeClr val="tx1"/>
+                    </a:gs>
+                    <a:gs pos="30000">
+                      <a:schemeClr val="tx1"/>
+                    </a:gs>
+                  </a:gsLst>
+                  <a:lin ang="5400000" scaled="0"/>
+                </a:gradFill>
+              </a:rPr>
+              <a:t>A/outputs/[</a:t>
+            </a:r>
+            <a:r>
+              <a:rPr kumimoji="1" lang="ja-JP" altLang="en-US" sz="1200">
+                <a:gradFill>
+                  <a:gsLst>
+                    <a:gs pos="2917">
+                      <a:schemeClr val="tx1"/>
+                    </a:gs>
+                    <a:gs pos="30000">
+                      <a:schemeClr val="tx1"/>
+                    </a:gs>
+                  </a:gsLst>
+                  <a:lin ang="5400000" scaled="0"/>
+                </a:gradFill>
+              </a:rPr>
+              <a:t>リソース名</a:t>
+            </a:r>
+            <a:r>
+              <a:rPr kumimoji="1" lang="en-US" altLang="ja-JP" sz="1200" dirty="0">
+                <a:gradFill>
+                  <a:gsLst>
+                    <a:gs pos="2917">
+                      <a:schemeClr val="tx1"/>
+                    </a:gs>
+                    <a:gs pos="30000">
+                      <a:schemeClr val="tx1"/>
+                    </a:gs>
+                  </a:gsLst>
+                  <a:lin ang="5400000" scaled="0"/>
+                </a:gradFill>
+              </a:rPr>
+              <a:t>]</a:t>
+            </a:r>
+            <a:endParaRPr kumimoji="1" lang="ja-JP" altLang="en-US" sz="1200" dirty="0" err="1">
+              <a:gradFill>
+                <a:gsLst>
+                  <a:gs pos="2917">
+                    <a:schemeClr val="tx1"/>
+                  </a:gs>
+                  <a:gs pos="30000">
+                    <a:schemeClr val="tx1"/>
+                  </a:gs>
+                </a:gsLst>
+                <a:lin ang="5400000" scaled="0"/>
+              </a:gradFill>
+            </a:endParaRPr>
+          </a:p>
+        </p:txBody>
+      </p:sp>
+      <p:sp>
+        <p:nvSpPr>
+          <p:cNvPr id="48" name="角丸四角形 47">
+            <a:extLst>
+              <a:ext uri="{FF2B5EF4-FFF2-40B4-BE49-F238E27FC236}">
+                <a16:creationId xmlns:a16="http://schemas.microsoft.com/office/drawing/2014/main" id="{F0F0AE1F-C7E7-A745-B3D1-7AA386D94CCA}"/>
+              </a:ext>
+            </a:extLst>
+          </p:cNvPr>
+          <p:cNvSpPr/>
+          <p:nvPr/>
+        </p:nvSpPr>
+        <p:spPr bwMode="auto">
+          <a:xfrm>
+            <a:off x="905841" y="2956979"/>
+            <a:ext cx="9207639" cy="504000"/>
+          </a:xfrm>
+          <a:prstGeom prst="roundRect">
+            <a:avLst>
+              <a:gd name="adj" fmla="val 0"/>
+            </a:avLst>
+          </a:prstGeom>
+          <a:solidFill>
+            <a:schemeClr val="bg1"/>
+          </a:solidFill>
+          <a:ln>
+            <a:solidFill>
+              <a:schemeClr val="accent1"/>
+            </a:solidFill>
+            <a:headEnd type="none" w="med" len="med"/>
+            <a:tailEnd type="none" w="med" len="med"/>
+          </a:ln>
+          <a:effectLst/>
+        </p:spPr>
+        <p:style>
+          <a:lnRef idx="1">
+            <a:schemeClr val="accent2"/>
+          </a:lnRef>
+          <a:fillRef idx="3">
+            <a:schemeClr val="accent2"/>
+          </a:fillRef>
+          <a:effectRef idx="2">
+            <a:schemeClr val="accent2"/>
+          </a:effectRef>
+          <a:fontRef idx="minor">
+            <a:schemeClr val="lt1"/>
+          </a:fontRef>
+        </p:style>
+        <p:txBody>
+          <a:bodyPr rot="0" spcFirstLastPara="0" vertOverflow="overflow" horzOverflow="overflow" vert="horz" wrap="none" lIns="36000" tIns="36000" rIns="36000" bIns="36000" numCol="1" spcCol="0" rtlCol="0" fromWordArt="0" anchor="t" anchorCtr="0" forceAA="0" compatLnSpc="1">
+            <a:prstTxWarp prst="textNoShape">
+              <a:avLst/>
+            </a:prstTxWarp>
+            <a:noAutofit/>
+          </a:bodyPr>
+          <a:lstStyle/>
+          <a:p>
+            <a:pPr defTabSz="932472" fontAlgn="base">
+              <a:spcBef>
+                <a:spcPct val="0"/>
+              </a:spcBef>
+              <a:spcAft>
+                <a:spcPct val="0"/>
+              </a:spcAft>
+            </a:pPr>
+            <a:r>
+              <a:rPr kumimoji="1" lang="en-US" altLang="ja-JP" sz="1600" b="1" dirty="0">
+                <a:solidFill>
+                  <a:schemeClr val="tx1"/>
+                </a:solidFill>
+                <a:ea typeface="Segoe UI" pitchFamily="34" charset="0"/>
+                <a:cs typeface="Segoe UI" pitchFamily="34" charset="0"/>
+              </a:rPr>
+              <a:t>OUT</a:t>
+            </a:r>
+            <a:endParaRPr kumimoji="1" lang="ja-JP" altLang="en-US" sz="1600" b="1" dirty="0" err="1">
+              <a:solidFill>
+                <a:schemeClr val="tx1"/>
+              </a:solidFill>
+              <a:ea typeface="Segoe UI" pitchFamily="34" charset="0"/>
+              <a:cs typeface="Segoe UI" pitchFamily="34" charset="0"/>
+            </a:endParaRPr>
+          </a:p>
+        </p:txBody>
+      </p:sp>
+      <p:sp>
+        <p:nvSpPr>
+          <p:cNvPr id="3" name="テキスト ボックス 2">
+            <a:extLst>
+              <a:ext uri="{FF2B5EF4-FFF2-40B4-BE49-F238E27FC236}">
+                <a16:creationId xmlns:a16="http://schemas.microsoft.com/office/drawing/2014/main" id="{F98820B1-FC06-B940-8672-AEE2F9775861}"/>
+              </a:ext>
+            </a:extLst>
+          </p:cNvPr>
+          <p:cNvSpPr txBox="1"/>
+          <p:nvPr/>
+        </p:nvSpPr>
+        <p:spPr>
+          <a:xfrm>
+            <a:off x="1075440" y="3206829"/>
+            <a:ext cx="2885405" cy="184666"/>
+          </a:xfrm>
+          <a:prstGeom prst="rect">
+            <a:avLst/>
+          </a:prstGeom>
+          <a:solidFill>
+            <a:schemeClr val="bg1"/>
+          </a:solidFill>
+          <a:ln>
+            <a:noFill/>
+          </a:ln>
+        </p:spPr>
+        <p:txBody>
+          <a:bodyPr wrap="none" lIns="0" tIns="0" rIns="0" bIns="0" rtlCol="0">
+            <a:spAutoFit/>
+          </a:bodyPr>
+          <a:lstStyle/>
+          <a:p>
+            <a:pPr algn="ctr"/>
+            <a:r>
+              <a:rPr kumimoji="1" lang="en-US" altLang="ja-JP" sz="1200" dirty="0">
+                <a:gradFill>
+                  <a:gsLst>
+                    <a:gs pos="2917">
+                      <a:schemeClr val="tx1"/>
+                    </a:gs>
+                    <a:gs pos="30000">
+                      <a:schemeClr val="tx1"/>
+                    </a:gs>
+                  </a:gsLst>
+                  <a:lin ang="5400000" scaled="0"/>
+                </a:gradFill>
+              </a:rPr>
+              <a:t>/modules/</a:t>
+            </a:r>
+            <a:r>
+              <a:rPr kumimoji="1" lang="ja-JP" altLang="en-US" sz="1200">
+                <a:gradFill>
+                  <a:gsLst>
+                    <a:gs pos="2917">
+                      <a:schemeClr val="tx1"/>
+                    </a:gs>
+                    <a:gs pos="30000">
+                      <a:schemeClr val="tx1"/>
+                    </a:gs>
+                  </a:gsLst>
+                  <a:lin ang="5400000" scaled="0"/>
+                </a:gradFill>
+              </a:rPr>
+              <a:t>モジュール</a:t>
+            </a:r>
+            <a:r>
+              <a:rPr kumimoji="1" lang="en-US" altLang="ja-JP" sz="1200" dirty="0">
+                <a:gradFill>
+                  <a:gsLst>
+                    <a:gs pos="2917">
+                      <a:schemeClr val="tx1"/>
+                    </a:gs>
+                    <a:gs pos="30000">
+                      <a:schemeClr val="tx1"/>
+                    </a:gs>
+                  </a:gsLst>
+                  <a:lin ang="5400000" scaled="0"/>
+                </a:gradFill>
+              </a:rPr>
+              <a:t>A/inputs/[</a:t>
+            </a:r>
+            <a:r>
+              <a:rPr kumimoji="1" lang="ja-JP" altLang="en-US" sz="1200">
+                <a:gradFill>
+                  <a:gsLst>
+                    <a:gs pos="2917">
+                      <a:schemeClr val="tx1"/>
+                    </a:gs>
+                    <a:gs pos="30000">
+                      <a:schemeClr val="tx1"/>
+                    </a:gs>
+                  </a:gsLst>
+                  <a:lin ang="5400000" scaled="0"/>
+                </a:gradFill>
+              </a:rPr>
+              <a:t>リソース名</a:t>
+            </a:r>
+            <a:r>
+              <a:rPr kumimoji="1" lang="en-US" altLang="ja-JP" sz="1200" dirty="0">
+                <a:gradFill>
+                  <a:gsLst>
+                    <a:gs pos="2917">
+                      <a:schemeClr val="tx1"/>
+                    </a:gs>
+                    <a:gs pos="30000">
+                      <a:schemeClr val="tx1"/>
+                    </a:gs>
+                  </a:gsLst>
+                  <a:lin ang="5400000" scaled="0"/>
+                </a:gradFill>
+              </a:rPr>
+              <a:t>]</a:t>
+            </a:r>
+            <a:endParaRPr kumimoji="1" lang="ja-JP" altLang="en-US" sz="1200" dirty="0" err="1">
+              <a:gradFill>
+                <a:gsLst>
+                  <a:gs pos="2917">
+                    <a:schemeClr val="tx1"/>
+                  </a:gs>
+                  <a:gs pos="30000">
+                    <a:schemeClr val="tx1"/>
+                  </a:gs>
+                </a:gsLst>
+                <a:lin ang="5400000" scaled="0"/>
+              </a:gradFill>
+            </a:endParaRPr>
+          </a:p>
+        </p:txBody>
+      </p:sp>
+      <p:sp>
+        <p:nvSpPr>
+          <p:cNvPr id="5" name="テキスト ボックス 4">
+            <a:extLst>
+              <a:ext uri="{FF2B5EF4-FFF2-40B4-BE49-F238E27FC236}">
+                <a16:creationId xmlns:a16="http://schemas.microsoft.com/office/drawing/2014/main" id="{D77A7B0B-F7F2-1F4D-9779-271E8FCD6660}"/>
+              </a:ext>
+            </a:extLst>
+          </p:cNvPr>
+          <p:cNvSpPr txBox="1"/>
+          <p:nvPr/>
+        </p:nvSpPr>
+        <p:spPr>
+          <a:xfrm>
+            <a:off x="8882286" y="3217996"/>
+            <a:ext cx="673518" cy="184666"/>
+          </a:xfrm>
+          <a:prstGeom prst="rect">
+            <a:avLst/>
+          </a:prstGeom>
+          <a:solidFill>
+            <a:schemeClr val="bg1"/>
+          </a:solidFill>
+          <a:ln>
+            <a:noFill/>
+          </a:ln>
+        </p:spPr>
+        <p:txBody>
+          <a:bodyPr wrap="none" lIns="0" tIns="0" rIns="0" bIns="0" rtlCol="0">
+            <a:spAutoFit/>
+          </a:bodyPr>
+          <a:lstStyle/>
+          <a:p>
+            <a:pPr algn="ctr"/>
+            <a:r>
+              <a:rPr kumimoji="1" lang="en-US" altLang="ja-JP" sz="1200" dirty="0">
+                <a:gradFill>
+                  <a:gsLst>
+                    <a:gs pos="2917">
+                      <a:schemeClr val="tx1"/>
+                    </a:gs>
+                    <a:gs pos="30000">
+                      <a:schemeClr val="tx1"/>
+                    </a:gs>
+                  </a:gsLst>
+                  <a:lin ang="5400000" scaled="0"/>
+                </a:gradFill>
+              </a:rPr>
+              <a:t>$upstream</a:t>
+            </a:r>
+            <a:endParaRPr kumimoji="1" lang="ja-JP" altLang="en-US" sz="1200" dirty="0" err="1">
+              <a:gradFill>
+                <a:gsLst>
+                  <a:gs pos="2917">
+                    <a:schemeClr val="tx1"/>
+                  </a:gs>
+                  <a:gs pos="30000">
+                    <a:schemeClr val="tx1"/>
+                  </a:gs>
+                </a:gsLst>
+                <a:lin ang="5400000" scaled="0"/>
+              </a:gradFill>
+            </a:endParaRPr>
+          </a:p>
+        </p:txBody>
+      </p:sp>
+      <p:cxnSp>
+        <p:nvCxnSpPr>
+          <p:cNvPr id="24" name="直線コネクタ 23">
+            <a:extLst>
+              <a:ext uri="{FF2B5EF4-FFF2-40B4-BE49-F238E27FC236}">
+                <a16:creationId xmlns:a16="http://schemas.microsoft.com/office/drawing/2014/main" id="{FBE656E1-D9C0-9346-B33D-A63D50008A41}"/>
+              </a:ext>
+            </a:extLst>
+          </p:cNvPr>
+          <p:cNvCxnSpPr>
+            <a:cxnSpLocks/>
+            <a:stCxn id="2" idx="0"/>
+            <a:endCxn id="3" idx="2"/>
+          </p:cNvCxnSpPr>
+          <p:nvPr/>
+        </p:nvCxnSpPr>
+        <p:spPr>
+          <a:xfrm flipV="1">
+            <a:off x="1403334" y="3391495"/>
+            <a:ext cx="1114809" cy="1517691"/>
+          </a:xfrm>
+          <a:prstGeom prst="line">
+            <a:avLst/>
+          </a:prstGeom>
+          <a:ln>
+            <a:solidFill>
+              <a:schemeClr val="tx1"/>
+            </a:solidFill>
+            <a:prstDash val="solid"/>
+            <a:headEnd type="none" w="med" len="med"/>
+            <a:tailEnd type="arrow" w="med" len="med"/>
+          </a:ln>
+        </p:spPr>
+        <p:style>
+          <a:lnRef idx="1">
+            <a:schemeClr val="accent1"/>
+          </a:lnRef>
+          <a:fillRef idx="0">
+            <a:schemeClr val="accent1"/>
+          </a:fillRef>
+          <a:effectRef idx="0">
+            <a:schemeClr val="accent1"/>
+          </a:effectRef>
+          <a:fontRef idx="minor">
+            <a:schemeClr val="tx1"/>
+          </a:fontRef>
+        </p:style>
+      </p:cxnSp>
+      <p:cxnSp>
+        <p:nvCxnSpPr>
+          <p:cNvPr id="27" name="直線コネクタ 26">
+            <a:extLst>
+              <a:ext uri="{FF2B5EF4-FFF2-40B4-BE49-F238E27FC236}">
+                <a16:creationId xmlns:a16="http://schemas.microsoft.com/office/drawing/2014/main" id="{CCE2C392-04A1-0746-B377-B67BAE9478CB}"/>
+              </a:ext>
+            </a:extLst>
+          </p:cNvPr>
+          <p:cNvCxnSpPr>
+            <a:cxnSpLocks/>
+            <a:stCxn id="45" idx="0"/>
+            <a:endCxn id="5" idx="2"/>
+          </p:cNvCxnSpPr>
+          <p:nvPr/>
+        </p:nvCxnSpPr>
+        <p:spPr>
+          <a:xfrm flipV="1">
+            <a:off x="8291218" y="3402662"/>
+            <a:ext cx="927827" cy="1494792"/>
+          </a:xfrm>
+          <a:prstGeom prst="line">
+            <a:avLst/>
+          </a:prstGeom>
+          <a:ln>
+            <a:solidFill>
+              <a:schemeClr val="tx1"/>
+            </a:solidFill>
+            <a:prstDash val="solid"/>
+            <a:headEnd type="none" w="med" len="med"/>
+            <a:tailEnd type="arrow" w="med" len="med"/>
+          </a:ln>
+        </p:spPr>
+        <p:style>
+          <a:lnRef idx="1">
+            <a:schemeClr val="accent1"/>
+          </a:lnRef>
+          <a:fillRef idx="0">
+            <a:schemeClr val="accent1"/>
+          </a:fillRef>
+          <a:effectRef idx="0">
+            <a:schemeClr val="accent1"/>
+          </a:effectRef>
+          <a:fontRef idx="minor">
+            <a:schemeClr val="tx1"/>
+          </a:fontRef>
+        </p:style>
+      </p:cxnSp>
+      <p:cxnSp>
+        <p:nvCxnSpPr>
+          <p:cNvPr id="12" name="直線コネクタ 11">
+            <a:extLst>
+              <a:ext uri="{FF2B5EF4-FFF2-40B4-BE49-F238E27FC236}">
+                <a16:creationId xmlns:a16="http://schemas.microsoft.com/office/drawing/2014/main" id="{22CE5D6C-2CBF-6B43-AD1A-9DC1DDBBCA5C}"/>
+              </a:ext>
+            </a:extLst>
+          </p:cNvPr>
+          <p:cNvCxnSpPr>
+            <a:cxnSpLocks/>
+            <a:stCxn id="3" idx="0"/>
+            <a:endCxn id="8" idx="1"/>
+          </p:cNvCxnSpPr>
+          <p:nvPr/>
+        </p:nvCxnSpPr>
+        <p:spPr>
+          <a:xfrm flipV="1">
+            <a:off x="2518143" y="2187152"/>
+            <a:ext cx="197057" cy="1019677"/>
+          </a:xfrm>
+          <a:prstGeom prst="line">
+            <a:avLst/>
+          </a:prstGeom>
+          <a:ln w="9525">
+            <a:solidFill>
+              <a:schemeClr val="bg1">
+                <a:lumMod val="50000"/>
+              </a:schemeClr>
+            </a:solidFill>
+            <a:prstDash val="sysDot"/>
+            <a:headEnd type="none" w="lg" len="med"/>
+            <a:tailEnd type="none" w="lg" len="med"/>
+          </a:ln>
+        </p:spPr>
+        <p:style>
+          <a:lnRef idx="1">
+            <a:schemeClr val="accent1"/>
+          </a:lnRef>
+          <a:fillRef idx="0">
+            <a:schemeClr val="accent1"/>
+          </a:fillRef>
+          <a:effectRef idx="0">
+            <a:schemeClr val="accent1"/>
+          </a:effectRef>
+          <a:fontRef idx="minor">
+            <a:schemeClr val="tx1"/>
+          </a:fontRef>
+        </p:style>
+      </p:cxnSp>
+      <p:cxnSp>
+        <p:nvCxnSpPr>
+          <p:cNvPr id="13" name="直線コネクタ 12">
+            <a:extLst>
+              <a:ext uri="{FF2B5EF4-FFF2-40B4-BE49-F238E27FC236}">
+                <a16:creationId xmlns:a16="http://schemas.microsoft.com/office/drawing/2014/main" id="{82A64B5A-5BB2-234D-BE39-83462BADD2F6}"/>
+              </a:ext>
+            </a:extLst>
+          </p:cNvPr>
+          <p:cNvCxnSpPr>
+            <a:cxnSpLocks/>
+            <a:stCxn id="4" idx="0"/>
+            <a:endCxn id="9" idx="3"/>
+          </p:cNvCxnSpPr>
+          <p:nvPr/>
+        </p:nvCxnSpPr>
+        <p:spPr>
+          <a:xfrm flipH="1" flipV="1">
+            <a:off x="3929719" y="2187152"/>
+            <a:ext cx="328678" cy="2722034"/>
+          </a:xfrm>
+          <a:prstGeom prst="line">
+            <a:avLst/>
+          </a:prstGeom>
+          <a:ln w="9525">
+            <a:solidFill>
+              <a:schemeClr val="bg1">
+                <a:lumMod val="50000"/>
+              </a:schemeClr>
+            </a:solidFill>
+            <a:prstDash val="sysDot"/>
+            <a:headEnd type="none" w="lg" len="med"/>
+            <a:tailEnd type="none" w="lg" len="med"/>
+          </a:ln>
+        </p:spPr>
+        <p:style>
+          <a:lnRef idx="1">
+            <a:schemeClr val="accent1"/>
+          </a:lnRef>
+          <a:fillRef idx="0">
+            <a:schemeClr val="accent1"/>
+          </a:fillRef>
+          <a:effectRef idx="0">
+            <a:schemeClr val="accent1"/>
+          </a:effectRef>
+          <a:fontRef idx="minor">
+            <a:schemeClr val="tx1"/>
+          </a:fontRef>
+        </p:style>
+      </p:cxnSp>
+      <p:cxnSp>
+        <p:nvCxnSpPr>
+          <p:cNvPr id="18" name="直線コネクタ 17">
+            <a:extLst>
+              <a:ext uri="{FF2B5EF4-FFF2-40B4-BE49-F238E27FC236}">
+                <a16:creationId xmlns:a16="http://schemas.microsoft.com/office/drawing/2014/main" id="{7932BAB4-D011-1146-A993-ED02FA4193A8}"/>
+              </a:ext>
+            </a:extLst>
+          </p:cNvPr>
+          <p:cNvCxnSpPr>
+            <a:cxnSpLocks/>
+            <a:stCxn id="5" idx="0"/>
+          </p:cNvCxnSpPr>
+          <p:nvPr/>
+        </p:nvCxnSpPr>
+        <p:spPr>
+          <a:xfrm rot="5400000" flipH="1" flipV="1">
+            <a:off x="9644191" y="1878452"/>
+            <a:ext cx="914399" cy="1764690"/>
+          </a:xfrm>
+          <a:prstGeom prst="bentConnector2">
+            <a:avLst/>
+          </a:prstGeom>
+          <a:ln w="9525">
+            <a:solidFill>
+              <a:schemeClr val="bg1">
+                <a:lumMod val="50000"/>
+              </a:schemeClr>
+            </a:solidFill>
+            <a:prstDash val="sysDot"/>
+            <a:headEnd type="none" w="lg" len="med"/>
+            <a:tailEnd type="none" w="lg" len="med"/>
+          </a:ln>
+        </p:spPr>
+        <p:style>
+          <a:lnRef idx="1">
+            <a:schemeClr val="accent1"/>
+          </a:lnRef>
+          <a:fillRef idx="0">
+            <a:schemeClr val="accent1"/>
+          </a:fillRef>
+          <a:effectRef idx="0">
+            <a:schemeClr val="accent1"/>
+          </a:effectRef>
+          <a:fontRef idx="minor">
+            <a:schemeClr val="tx1"/>
+          </a:fontRef>
+        </p:style>
+      </p:cxnSp>
+      <p:sp>
+        <p:nvSpPr>
+          <p:cNvPr id="50" name="正方形/長方形 49">
+            <a:extLst>
+              <a:ext uri="{FF2B5EF4-FFF2-40B4-BE49-F238E27FC236}">
+                <a16:creationId xmlns:a16="http://schemas.microsoft.com/office/drawing/2014/main" id="{CF574196-DF24-2448-8588-A93E3148DAEE}"/>
+              </a:ext>
+            </a:extLst>
+          </p:cNvPr>
+          <p:cNvSpPr/>
+          <p:nvPr/>
+        </p:nvSpPr>
+        <p:spPr bwMode="auto">
+          <a:xfrm>
+            <a:off x="592381" y="5720531"/>
+            <a:ext cx="1100435" cy="457200"/>
+          </a:xfrm>
+          <a:prstGeom prst="rect">
+            <a:avLst/>
+          </a:prstGeom>
+          <a:solidFill>
+            <a:schemeClr val="accent1"/>
+          </a:solidFill>
+          <a:ln>
+            <a:noFill/>
+            <a:headEnd type="none" w="med" len="med"/>
+            <a:tailEnd type="none" w="med" len="med"/>
+          </a:ln>
+          <a:effectLst/>
+        </p:spPr>
+        <p:style>
+          <a:lnRef idx="1">
+            <a:schemeClr val="accent2"/>
+          </a:lnRef>
+          <a:fillRef idx="3">
+            <a:schemeClr val="accent2"/>
+          </a:fillRef>
+          <a:effectRef idx="2">
+            <a:schemeClr val="accent2"/>
+          </a:effectRef>
+          <a:fontRef idx="minor">
+            <a:schemeClr val="lt1"/>
+          </a:fontRef>
+        </p:style>
+        <p:txBody>
+          <a:bodyPr rot="0" spcFirstLastPara="0" vertOverflow="overflow" horzOverflow="overflow" vert="horz" wrap="square" lIns="182880" tIns="146304" rIns="182880" bIns="146304" numCol="1" spcCol="0" rtlCol="0" fromWordArt="0" anchor="ctr" anchorCtr="0" forceAA="0" compatLnSpc="1">
+            <a:prstTxWarp prst="textNoShape">
+              <a:avLst/>
+            </a:prstTxWarp>
+            <a:noAutofit/>
+          </a:bodyPr>
+          <a:lstStyle/>
+          <a:p>
+            <a:pPr algn="ctr" defTabSz="932472" fontAlgn="base">
+              <a:spcBef>
+                <a:spcPct val="0"/>
+              </a:spcBef>
+              <a:spcAft>
+                <a:spcPct val="0"/>
+              </a:spcAft>
+            </a:pPr>
+            <a:r>
+              <a:rPr kumimoji="1" lang="en-US" altLang="ja-JP" sz="1200" dirty="0">
+                <a:gradFill>
+                  <a:gsLst>
+                    <a:gs pos="0">
+                      <a:srgbClr val="FFFFFF"/>
+                    </a:gs>
+                    <a:gs pos="100000">
+                      <a:srgbClr val="FFFFFF"/>
+                    </a:gs>
+                  </a:gsLst>
+                  <a:lin ang="5400000" scaled="0"/>
+                </a:gradFill>
+                <a:ea typeface="Segoe UI" pitchFamily="34" charset="0"/>
+                <a:cs typeface="Segoe UI" pitchFamily="34" charset="0"/>
+              </a:rPr>
+              <a:t>Leaf Device</a:t>
+            </a:r>
+            <a:endParaRPr kumimoji="1" lang="ja-JP" altLang="en-US" sz="1200" dirty="0" err="1">
+              <a:gradFill>
+                <a:gsLst>
+                  <a:gs pos="0">
+                    <a:srgbClr val="FFFFFF"/>
+                  </a:gs>
+                  <a:gs pos="100000">
+                    <a:srgbClr val="FFFFFF"/>
+                  </a:gs>
+                </a:gsLst>
+                <a:lin ang="5400000" scaled="0"/>
+              </a:gradFill>
+              <a:ea typeface="Segoe UI" pitchFamily="34" charset="0"/>
+              <a:cs typeface="Segoe UI" pitchFamily="34" charset="0"/>
+            </a:endParaRPr>
+          </a:p>
+        </p:txBody>
+      </p:sp>
+      <p:cxnSp>
+        <p:nvCxnSpPr>
+          <p:cNvPr id="51" name="直線コネクタ 50">
+            <a:extLst>
+              <a:ext uri="{FF2B5EF4-FFF2-40B4-BE49-F238E27FC236}">
+                <a16:creationId xmlns:a16="http://schemas.microsoft.com/office/drawing/2014/main" id="{5475B40A-6566-5043-A173-845EAA3A68CD}"/>
+              </a:ext>
+            </a:extLst>
+          </p:cNvPr>
+          <p:cNvCxnSpPr>
+            <a:cxnSpLocks/>
+            <a:stCxn id="50" idx="0"/>
+          </p:cNvCxnSpPr>
+          <p:nvPr/>
+        </p:nvCxnSpPr>
+        <p:spPr>
+          <a:xfrm flipH="1" flipV="1">
+            <a:off x="1142598" y="5180560"/>
+            <a:ext cx="1" cy="539971"/>
+          </a:xfrm>
+          <a:prstGeom prst="line">
+            <a:avLst/>
+          </a:prstGeom>
+          <a:ln>
+            <a:solidFill>
+              <a:schemeClr val="tx1"/>
+            </a:solidFill>
+            <a:prstDash val="solid"/>
+            <a:headEnd type="none" w="med" len="med"/>
+            <a:tailEnd type="none" w="med" len="med"/>
+          </a:ln>
+        </p:spPr>
+        <p:style>
+          <a:lnRef idx="1">
+            <a:schemeClr val="accent1"/>
+          </a:lnRef>
+          <a:fillRef idx="0">
+            <a:schemeClr val="accent1"/>
+          </a:fillRef>
+          <a:effectRef idx="0">
+            <a:schemeClr val="accent1"/>
+          </a:effectRef>
+          <a:fontRef idx="minor">
+            <a:schemeClr val="tx1"/>
+          </a:fontRef>
+        </p:style>
+      </p:cxnSp>
+      <p:sp>
+        <p:nvSpPr>
+          <p:cNvPr id="58" name="角丸四角形 57">
+            <a:extLst>
+              <a:ext uri="{FF2B5EF4-FFF2-40B4-BE49-F238E27FC236}">
+                <a16:creationId xmlns:a16="http://schemas.microsoft.com/office/drawing/2014/main" id="{13722C55-E520-7941-9553-8602B9414188}"/>
+              </a:ext>
+            </a:extLst>
+          </p:cNvPr>
+          <p:cNvSpPr/>
+          <p:nvPr/>
+        </p:nvSpPr>
+        <p:spPr bwMode="auto">
+          <a:xfrm>
+            <a:off x="1403334" y="3567006"/>
+            <a:ext cx="1452267" cy="1063086"/>
+          </a:xfrm>
+          <a:prstGeom prst="roundRect">
+            <a:avLst/>
+          </a:prstGeom>
+          <a:solidFill>
+            <a:schemeClr val="accent1"/>
+          </a:solidFill>
+          <a:ln>
+            <a:noFill/>
+            <a:headEnd type="none" w="med" len="med"/>
+            <a:tailEnd type="none" w="med" len="med"/>
+          </a:ln>
+          <a:effectLst/>
+        </p:spPr>
+        <p:style>
+          <a:lnRef idx="1">
+            <a:schemeClr val="accent2"/>
+          </a:lnRef>
+          <a:fillRef idx="3">
+            <a:schemeClr val="accent2"/>
+          </a:fillRef>
+          <a:effectRef idx="2">
+            <a:schemeClr val="accent2"/>
+          </a:effectRef>
+          <a:fontRef idx="minor">
+            <a:schemeClr val="lt1"/>
+          </a:fontRef>
+        </p:style>
+        <p:txBody>
+          <a:bodyPr rot="0" spcFirstLastPara="0" vertOverflow="overflow" horzOverflow="overflow" vert="horz" wrap="none" lIns="72000" tIns="72000" rIns="72000" bIns="72000" numCol="1" spcCol="0" rtlCol="0" fromWordArt="0" anchor="t" anchorCtr="0" forceAA="0" compatLnSpc="1">
+            <a:prstTxWarp prst="textNoShape">
+              <a:avLst/>
+            </a:prstTxWarp>
+            <a:noAutofit/>
+          </a:bodyPr>
+          <a:lstStyle/>
+          <a:p>
+            <a:pPr algn="l" defTabSz="932472" fontAlgn="base">
+              <a:spcBef>
+                <a:spcPct val="0"/>
+              </a:spcBef>
+              <a:spcAft>
+                <a:spcPct val="0"/>
+              </a:spcAft>
+            </a:pPr>
+            <a:r>
+              <a:rPr kumimoji="1" lang="en-US" altLang="ja-JP" sz="1200" b="1" u="sng" dirty="0">
+                <a:gradFill>
+                  <a:gsLst>
+                    <a:gs pos="0">
+                      <a:srgbClr val="FFFFFF"/>
+                    </a:gs>
+                    <a:gs pos="100000">
+                      <a:srgbClr val="FFFFFF"/>
+                    </a:gs>
+                  </a:gsLst>
+                  <a:lin ang="5400000" scaled="0"/>
+                </a:gradFill>
+                <a:ea typeface="Segoe UI" pitchFamily="34" charset="0"/>
+                <a:cs typeface="Segoe UI" pitchFamily="34" charset="0"/>
+              </a:rPr>
+              <a:t>route: </a:t>
+            </a:r>
+            <a:r>
+              <a:rPr kumimoji="1" lang="en-US" altLang="ja-JP" sz="1200" b="1" u="sng" dirty="0" err="1">
+                <a:gradFill>
+                  <a:gsLst>
+                    <a:gs pos="0">
+                      <a:srgbClr val="FFFFFF"/>
+                    </a:gs>
+                    <a:gs pos="100000">
+                      <a:srgbClr val="FFFFFF"/>
+                    </a:gs>
+                  </a:gsLst>
+                  <a:lin ang="5400000" scaled="0"/>
+                </a:gradFill>
+                <a:ea typeface="Segoe UI" pitchFamily="34" charset="0"/>
+                <a:cs typeface="Segoe UI" pitchFamily="34" charset="0"/>
+              </a:rPr>
+              <a:t>deviceToA</a:t>
+            </a:r>
+            <a:endParaRPr kumimoji="1" lang="en-US" altLang="ja-JP" sz="1200" b="1" u="sng" dirty="0">
+              <a:gradFill>
+                <a:gsLst>
+                  <a:gs pos="0">
+                    <a:srgbClr val="FFFFFF"/>
+                  </a:gs>
+                  <a:gs pos="100000">
+                    <a:srgbClr val="FFFFFF"/>
+                  </a:gs>
+                </a:gsLst>
+                <a:lin ang="5400000" scaled="0"/>
+              </a:gradFill>
+              <a:ea typeface="Segoe UI" pitchFamily="34" charset="0"/>
+              <a:cs typeface="Segoe UI" pitchFamily="34" charset="0"/>
+            </a:endParaRPr>
+          </a:p>
+        </p:txBody>
+      </p:sp>
+      <p:pic>
+        <p:nvPicPr>
+          <p:cNvPr id="93" name="グラフィックス 92">
+            <a:extLst>
+              <a:ext uri="{FF2B5EF4-FFF2-40B4-BE49-F238E27FC236}">
+                <a16:creationId xmlns:a16="http://schemas.microsoft.com/office/drawing/2014/main" id="{6080B249-25C8-9649-B533-D5B640F80694}"/>
+              </a:ext>
+            </a:extLst>
+          </p:cNvPr>
+          <p:cNvPicPr>
+            <a:picLocks noChangeAspect="1"/>
+          </p:cNvPicPr>
+          <p:nvPr/>
+        </p:nvPicPr>
+        <p:blipFill>
+          <a:blip r:embed="rId3">
+            <a:extLst>
+              <a:ext uri="{96DAC541-7B7A-43D3-8B79-37D633B846F1}">
+                <asvg:svgBlip xmlns:asvg="http://schemas.microsoft.com/office/drawing/2016/SVG/main" r:embed="rId4"/>
+              </a:ext>
+            </a:extLst>
+          </a:blip>
+          <a:stretch>
+            <a:fillRect/>
+          </a:stretch>
+        </p:blipFill>
+        <p:spPr>
+          <a:xfrm>
+            <a:off x="318878" y="1728777"/>
+            <a:ext cx="469900" cy="469900"/>
+          </a:xfrm>
+          <a:prstGeom prst="rect">
+            <a:avLst/>
+          </a:prstGeom>
+        </p:spPr>
+      </p:pic>
+      <p:pic>
+        <p:nvPicPr>
+          <p:cNvPr id="95" name="図 94">
+            <a:extLst>
+              <a:ext uri="{FF2B5EF4-FFF2-40B4-BE49-F238E27FC236}">
+                <a16:creationId xmlns:a16="http://schemas.microsoft.com/office/drawing/2014/main" id="{22514C0B-F8FA-F04B-9416-88F1DB4B0FA1}"/>
+              </a:ext>
+            </a:extLst>
+          </p:cNvPr>
+          <p:cNvPicPr>
+            <a:picLocks noChangeAspect="1"/>
+          </p:cNvPicPr>
+          <p:nvPr/>
+        </p:nvPicPr>
+        <p:blipFill>
+          <a:blip r:embed="rId5"/>
+          <a:stretch>
+            <a:fillRect/>
+          </a:stretch>
+        </p:blipFill>
+        <p:spPr>
+          <a:xfrm>
+            <a:off x="10447026" y="-560384"/>
+            <a:ext cx="4456299" cy="4648382"/>
+          </a:xfrm>
+          <a:prstGeom prst="rect">
+            <a:avLst/>
+          </a:prstGeom>
+        </p:spPr>
+      </p:pic>
+      <p:sp>
+        <p:nvSpPr>
+          <p:cNvPr id="101" name="テキスト ボックス 100">
+            <a:extLst>
+              <a:ext uri="{FF2B5EF4-FFF2-40B4-BE49-F238E27FC236}">
+                <a16:creationId xmlns:a16="http://schemas.microsoft.com/office/drawing/2014/main" id="{B6E02319-AB23-B048-92B2-2966E5C6C312}"/>
+              </a:ext>
+            </a:extLst>
+          </p:cNvPr>
+          <p:cNvSpPr txBox="1"/>
+          <p:nvPr/>
+        </p:nvSpPr>
+        <p:spPr>
+          <a:xfrm>
+            <a:off x="261021" y="3682775"/>
+            <a:ext cx="990587" cy="307777"/>
+          </a:xfrm>
+          <a:prstGeom prst="rect">
+            <a:avLst/>
+          </a:prstGeom>
+          <a:solidFill>
+            <a:schemeClr val="bg1"/>
+          </a:solidFill>
+        </p:spPr>
+        <p:txBody>
+          <a:bodyPr wrap="none" lIns="36000" tIns="0" rIns="0" bIns="0" rtlCol="0">
+            <a:spAutoFit/>
+          </a:bodyPr>
+          <a:lstStyle/>
+          <a:p>
+            <a:pPr algn="l"/>
+            <a:r>
+              <a:rPr kumimoji="1" lang="en-US" altLang="ja-JP" sz="2000" b="1" dirty="0" err="1"/>
+              <a:t>edgeHub</a:t>
+            </a:r>
+            <a:endParaRPr kumimoji="1" lang="ja-JP" altLang="en-US" sz="2000" b="1" dirty="0" err="1"/>
+          </a:p>
+        </p:txBody>
+      </p:sp>
+      <p:grpSp>
+        <p:nvGrpSpPr>
+          <p:cNvPr id="28" name="グループ化 27">
+            <a:extLst>
+              <a:ext uri="{FF2B5EF4-FFF2-40B4-BE49-F238E27FC236}">
+                <a16:creationId xmlns:a16="http://schemas.microsoft.com/office/drawing/2014/main" id="{960DC83B-4397-6E43-9A60-EF303D29E4A3}"/>
+              </a:ext>
+            </a:extLst>
+          </p:cNvPr>
+          <p:cNvGrpSpPr/>
+          <p:nvPr/>
+        </p:nvGrpSpPr>
+        <p:grpSpPr>
+          <a:xfrm>
+            <a:off x="6372730" y="2072010"/>
+            <a:ext cx="1214519" cy="500056"/>
+            <a:chOff x="3810619" y="456060"/>
+            <a:chExt cx="1214519" cy="500056"/>
+          </a:xfrm>
+        </p:grpSpPr>
+        <p:sp>
+          <p:nvSpPr>
+            <p:cNvPr id="29" name="正方形/長方形 28">
+              <a:extLst>
+                <a:ext uri="{FF2B5EF4-FFF2-40B4-BE49-F238E27FC236}">
+                  <a16:creationId xmlns:a16="http://schemas.microsoft.com/office/drawing/2014/main" id="{061794EF-87B7-1042-ACDC-82C9DDE05369}"/>
+                </a:ext>
+              </a:extLst>
+            </p:cNvPr>
+            <p:cNvSpPr/>
+            <p:nvPr/>
+          </p:nvSpPr>
+          <p:spPr bwMode="auto">
+            <a:xfrm>
+              <a:off x="3954162" y="456060"/>
+              <a:ext cx="914401" cy="500056"/>
+            </a:xfrm>
+            <a:prstGeom prst="rect">
+              <a:avLst/>
+            </a:prstGeom>
+            <a:noFill/>
+            <a:ln w="38100">
+              <a:solidFill>
+                <a:schemeClr val="accent1"/>
+              </a:solidFill>
+              <a:prstDash val="sysDash"/>
+              <a:headEnd type="none" w="med" len="med"/>
+              <a:tailEnd type="none" w="med" len="med"/>
+            </a:ln>
+            <a:effectLst/>
+          </p:spPr>
+          <p:style>
+            <a:lnRef idx="1">
+              <a:schemeClr val="accent2"/>
+            </a:lnRef>
+            <a:fillRef idx="3">
+              <a:schemeClr val="accent2"/>
+            </a:fillRef>
+            <a:effectRef idx="2">
+              <a:schemeClr val="accent2"/>
+            </a:effectRef>
+            <a:fontRef idx="minor">
+              <a:schemeClr val="lt1"/>
+            </a:fontRef>
+          </p:style>
+          <p:txBody>
+            <a:bodyPr rot="0" spcFirstLastPara="0" vertOverflow="overflow" horzOverflow="overflow" vert="horz" wrap="none" lIns="182880" tIns="146304" rIns="182880" bIns="146304" numCol="1" spcCol="0" rtlCol="0" fromWordArt="0" anchor="ctr" anchorCtr="0" forceAA="0" compatLnSpc="1">
+              <a:prstTxWarp prst="textNoShape">
+                <a:avLst/>
+              </a:prstTxWarp>
+              <a:noAutofit/>
+            </a:bodyPr>
+            <a:lstStyle/>
+            <a:p>
+              <a:pPr algn="ctr" defTabSz="932472" fontAlgn="base">
+                <a:spcBef>
+                  <a:spcPct val="0"/>
+                </a:spcBef>
+                <a:spcAft>
+                  <a:spcPct val="0"/>
+                </a:spcAft>
+              </a:pPr>
+              <a:r>
+                <a:rPr kumimoji="1" lang="ja-JP" altLang="en-US" sz="1200" b="1">
+                  <a:solidFill>
+                    <a:schemeClr val="tx1"/>
+                  </a:solidFill>
+                  <a:ea typeface="Segoe UI" pitchFamily="34" charset="0"/>
+                  <a:cs typeface="Segoe UI" pitchFamily="34" charset="0"/>
+                </a:rPr>
+                <a:t>モジュール</a:t>
+              </a:r>
+              <a:r>
+                <a:rPr kumimoji="1" lang="en-US" altLang="ja-JP" sz="1200" b="1" dirty="0">
+                  <a:solidFill>
+                    <a:schemeClr val="tx1"/>
+                  </a:solidFill>
+                  <a:ea typeface="Segoe UI" pitchFamily="34" charset="0"/>
+                  <a:cs typeface="Segoe UI" pitchFamily="34" charset="0"/>
+                </a:rPr>
+                <a:t>B</a:t>
+              </a:r>
+              <a:endParaRPr kumimoji="1" lang="ja-JP" altLang="en-US" sz="1200" b="1" dirty="0" err="1">
+                <a:solidFill>
+                  <a:schemeClr val="tx1"/>
+                </a:solidFill>
+                <a:ea typeface="Segoe UI" pitchFamily="34" charset="0"/>
+                <a:cs typeface="Segoe UI" pitchFamily="34" charset="0"/>
+              </a:endParaRPr>
+            </a:p>
+          </p:txBody>
+        </p:sp>
+        <p:sp>
+          <p:nvSpPr>
+            <p:cNvPr id="30" name="正方形/長方形 29">
+              <a:extLst>
+                <a:ext uri="{FF2B5EF4-FFF2-40B4-BE49-F238E27FC236}">
+                  <a16:creationId xmlns:a16="http://schemas.microsoft.com/office/drawing/2014/main" id="{B862618C-1DBD-3E44-8F89-568C0073A431}"/>
+                </a:ext>
+              </a:extLst>
+            </p:cNvPr>
+            <p:cNvSpPr/>
+            <p:nvPr/>
+          </p:nvSpPr>
+          <p:spPr bwMode="auto">
+            <a:xfrm>
+              <a:off x="3810619" y="580222"/>
+              <a:ext cx="198907" cy="108000"/>
+            </a:xfrm>
+            <a:prstGeom prst="rect">
+              <a:avLst/>
+            </a:prstGeom>
+            <a:solidFill>
+              <a:schemeClr val="bg1"/>
+            </a:solidFill>
+            <a:ln>
+              <a:solidFill>
+                <a:schemeClr val="accent1"/>
+              </a:solidFill>
+              <a:headEnd type="none" w="med" len="med"/>
+              <a:tailEnd type="none" w="med" len="med"/>
+            </a:ln>
+            <a:effectLst/>
+          </p:spPr>
+          <p:style>
+            <a:lnRef idx="1">
+              <a:schemeClr val="accent2"/>
+            </a:lnRef>
+            <a:fillRef idx="3">
+              <a:schemeClr val="accent2"/>
+            </a:fillRef>
+            <a:effectRef idx="2">
+              <a:schemeClr val="accent2"/>
+            </a:effectRef>
+            <a:fontRef idx="minor">
+              <a:schemeClr val="lt1"/>
+            </a:fontRef>
+          </p:style>
+          <p:txBody>
+            <a:bodyPr rot="0" spcFirstLastPara="0" vertOverflow="overflow" horzOverflow="overflow" vert="horz" wrap="square" lIns="182880" tIns="146304" rIns="182880" bIns="146304" numCol="1" spcCol="0" rtlCol="0" fromWordArt="0" anchor="t" anchorCtr="0" forceAA="0" compatLnSpc="1">
+              <a:prstTxWarp prst="textNoShape">
+                <a:avLst/>
+              </a:prstTxWarp>
+              <a:noAutofit/>
+            </a:bodyPr>
+            <a:lstStyle/>
+            <a:p>
+              <a:pPr algn="l" defTabSz="932472" fontAlgn="base">
+                <a:spcBef>
+                  <a:spcPct val="0"/>
+                </a:spcBef>
+                <a:spcAft>
+                  <a:spcPct val="0"/>
+                </a:spcAft>
+              </a:pPr>
+              <a:endParaRPr kumimoji="1" lang="ja-JP" altLang="en-US" sz="1200" dirty="0" err="1">
+                <a:gradFill>
+                  <a:gsLst>
+                    <a:gs pos="0">
+                      <a:srgbClr val="FFFFFF"/>
+                    </a:gs>
+                    <a:gs pos="100000">
+                      <a:srgbClr val="FFFFFF"/>
+                    </a:gs>
+                  </a:gsLst>
+                  <a:lin ang="5400000" scaled="0"/>
+                </a:gradFill>
+                <a:ea typeface="Segoe UI" pitchFamily="34" charset="0"/>
+                <a:cs typeface="Segoe UI" pitchFamily="34" charset="0"/>
+              </a:endParaRPr>
+            </a:p>
+          </p:txBody>
+        </p:sp>
+        <p:sp>
+          <p:nvSpPr>
+            <p:cNvPr id="31" name="正方形/長方形 30">
+              <a:extLst>
+                <a:ext uri="{FF2B5EF4-FFF2-40B4-BE49-F238E27FC236}">
+                  <a16:creationId xmlns:a16="http://schemas.microsoft.com/office/drawing/2014/main" id="{AEBD7978-54F0-5340-AFCA-C9483DD12887}"/>
+                </a:ext>
+              </a:extLst>
+            </p:cNvPr>
+            <p:cNvSpPr/>
+            <p:nvPr/>
+          </p:nvSpPr>
+          <p:spPr bwMode="auto">
+            <a:xfrm>
+              <a:off x="4826231" y="580222"/>
+              <a:ext cx="198907" cy="108000"/>
+            </a:xfrm>
+            <a:prstGeom prst="rect">
+              <a:avLst/>
+            </a:prstGeom>
+            <a:solidFill>
+              <a:schemeClr val="bg1"/>
+            </a:solidFill>
+            <a:ln>
+              <a:solidFill>
+                <a:schemeClr val="accent1"/>
+              </a:solidFill>
+              <a:headEnd type="none" w="med" len="med"/>
+              <a:tailEnd type="none" w="med" len="med"/>
+            </a:ln>
+            <a:effectLst/>
+          </p:spPr>
+          <p:style>
+            <a:lnRef idx="1">
+              <a:schemeClr val="accent2"/>
+            </a:lnRef>
+            <a:fillRef idx="3">
+              <a:schemeClr val="accent2"/>
+            </a:fillRef>
+            <a:effectRef idx="2">
+              <a:schemeClr val="accent2"/>
+            </a:effectRef>
+            <a:fontRef idx="minor">
+              <a:schemeClr val="lt1"/>
+            </a:fontRef>
+          </p:style>
+          <p:txBody>
+            <a:bodyPr rot="0" spcFirstLastPara="0" vertOverflow="overflow" horzOverflow="overflow" vert="horz" wrap="square" lIns="182880" tIns="146304" rIns="182880" bIns="146304" numCol="1" spcCol="0" rtlCol="0" fromWordArt="0" anchor="t" anchorCtr="0" forceAA="0" compatLnSpc="1">
+              <a:prstTxWarp prst="textNoShape">
+                <a:avLst/>
+              </a:prstTxWarp>
+              <a:noAutofit/>
+            </a:bodyPr>
+            <a:lstStyle/>
+            <a:p>
+              <a:pPr algn="l" defTabSz="932472" fontAlgn="base">
+                <a:spcBef>
+                  <a:spcPct val="0"/>
+                </a:spcBef>
+                <a:spcAft>
+                  <a:spcPct val="0"/>
+                </a:spcAft>
+              </a:pPr>
+              <a:endParaRPr kumimoji="1" lang="ja-JP" altLang="en-US" sz="1200" dirty="0" err="1">
+                <a:gradFill>
+                  <a:gsLst>
+                    <a:gs pos="0">
+                      <a:srgbClr val="FFFFFF"/>
+                    </a:gs>
+                    <a:gs pos="100000">
+                      <a:srgbClr val="FFFFFF"/>
+                    </a:gs>
+                  </a:gsLst>
+                  <a:lin ang="5400000" scaled="0"/>
+                </a:gradFill>
+                <a:ea typeface="Segoe UI" pitchFamily="34" charset="0"/>
+                <a:cs typeface="Segoe UI" pitchFamily="34" charset="0"/>
+              </a:endParaRPr>
+            </a:p>
+          </p:txBody>
+        </p:sp>
+      </p:grpSp>
+      <p:sp>
+        <p:nvSpPr>
+          <p:cNvPr id="43" name="テキスト ボックス 42">
+            <a:extLst>
+              <a:ext uri="{FF2B5EF4-FFF2-40B4-BE49-F238E27FC236}">
+                <a16:creationId xmlns:a16="http://schemas.microsoft.com/office/drawing/2014/main" id="{86B62E7B-0FAF-3D4F-B5CF-DA307AC53FB6}"/>
+              </a:ext>
+            </a:extLst>
+          </p:cNvPr>
+          <p:cNvSpPr txBox="1"/>
+          <p:nvPr/>
+        </p:nvSpPr>
+        <p:spPr>
+          <a:xfrm>
+            <a:off x="4695164" y="3215278"/>
+            <a:ext cx="2878993" cy="184666"/>
+          </a:xfrm>
+          <a:prstGeom prst="rect">
+            <a:avLst/>
+          </a:prstGeom>
+          <a:solidFill>
+            <a:schemeClr val="bg1"/>
+          </a:solidFill>
+          <a:ln>
+            <a:noFill/>
+          </a:ln>
+        </p:spPr>
+        <p:txBody>
+          <a:bodyPr wrap="none" lIns="0" tIns="0" rIns="0" bIns="0" rtlCol="0">
+            <a:spAutoFit/>
+          </a:bodyPr>
+          <a:lstStyle/>
+          <a:p>
+            <a:pPr algn="ctr"/>
+            <a:r>
+              <a:rPr kumimoji="1" lang="en-US" altLang="ja-JP" sz="1200" dirty="0">
+                <a:gradFill>
+                  <a:gsLst>
+                    <a:gs pos="2917">
+                      <a:schemeClr val="tx1"/>
+                    </a:gs>
+                    <a:gs pos="30000">
+                      <a:schemeClr val="tx1"/>
+                    </a:gs>
+                  </a:gsLst>
+                  <a:lin ang="5400000" scaled="0"/>
+                </a:gradFill>
+              </a:rPr>
+              <a:t>/modules/</a:t>
+            </a:r>
+            <a:r>
+              <a:rPr kumimoji="1" lang="ja-JP" altLang="en-US" sz="1200">
+                <a:gradFill>
+                  <a:gsLst>
+                    <a:gs pos="2917">
+                      <a:schemeClr val="tx1"/>
+                    </a:gs>
+                    <a:gs pos="30000">
+                      <a:schemeClr val="tx1"/>
+                    </a:gs>
+                  </a:gsLst>
+                  <a:lin ang="5400000" scaled="0"/>
+                </a:gradFill>
+              </a:rPr>
+              <a:t>モジュール</a:t>
+            </a:r>
+            <a:r>
+              <a:rPr kumimoji="1" lang="en-US" altLang="ja-JP" sz="1200" dirty="0">
+                <a:gradFill>
+                  <a:gsLst>
+                    <a:gs pos="2917">
+                      <a:schemeClr val="tx1"/>
+                    </a:gs>
+                    <a:gs pos="30000">
+                      <a:schemeClr val="tx1"/>
+                    </a:gs>
+                  </a:gsLst>
+                  <a:lin ang="5400000" scaled="0"/>
+                </a:gradFill>
+              </a:rPr>
+              <a:t>B/inputs/[</a:t>
+            </a:r>
+            <a:r>
+              <a:rPr kumimoji="1" lang="ja-JP" altLang="en-US" sz="1200">
+                <a:gradFill>
+                  <a:gsLst>
+                    <a:gs pos="2917">
+                      <a:schemeClr val="tx1"/>
+                    </a:gs>
+                    <a:gs pos="30000">
+                      <a:schemeClr val="tx1"/>
+                    </a:gs>
+                  </a:gsLst>
+                  <a:lin ang="5400000" scaled="0"/>
+                </a:gradFill>
+              </a:rPr>
+              <a:t>リソース名</a:t>
+            </a:r>
+            <a:r>
+              <a:rPr kumimoji="1" lang="en-US" altLang="ja-JP" sz="1200" dirty="0">
+                <a:gradFill>
+                  <a:gsLst>
+                    <a:gs pos="2917">
+                      <a:schemeClr val="tx1"/>
+                    </a:gs>
+                    <a:gs pos="30000">
+                      <a:schemeClr val="tx1"/>
+                    </a:gs>
+                  </a:gsLst>
+                  <a:lin ang="5400000" scaled="0"/>
+                </a:gradFill>
+              </a:rPr>
+              <a:t>]</a:t>
+            </a:r>
+            <a:endParaRPr kumimoji="1" lang="ja-JP" altLang="en-US" sz="1200" dirty="0" err="1">
+              <a:gradFill>
+                <a:gsLst>
+                  <a:gs pos="2917">
+                    <a:schemeClr val="tx1"/>
+                  </a:gs>
+                  <a:gs pos="30000">
+                    <a:schemeClr val="tx1"/>
+                  </a:gs>
+                </a:gsLst>
+                <a:lin ang="5400000" scaled="0"/>
+              </a:gradFill>
+            </a:endParaRPr>
+          </a:p>
+        </p:txBody>
+      </p:sp>
+      <p:sp>
+        <p:nvSpPr>
+          <p:cNvPr id="45" name="テキスト ボックス 44">
+            <a:extLst>
+              <a:ext uri="{FF2B5EF4-FFF2-40B4-BE49-F238E27FC236}">
+                <a16:creationId xmlns:a16="http://schemas.microsoft.com/office/drawing/2014/main" id="{2815482E-32A6-2744-8738-4CEF5B91A1E2}"/>
+              </a:ext>
+            </a:extLst>
+          </p:cNvPr>
+          <p:cNvSpPr txBox="1"/>
+          <p:nvPr/>
+        </p:nvSpPr>
+        <p:spPr>
+          <a:xfrm>
+            <a:off x="6468956" y="4897454"/>
+            <a:ext cx="3644524" cy="184666"/>
+          </a:xfrm>
+          <a:prstGeom prst="rect">
+            <a:avLst/>
+          </a:prstGeom>
+          <a:noFill/>
+          <a:ln>
+            <a:noFill/>
+          </a:ln>
+        </p:spPr>
+        <p:txBody>
+          <a:bodyPr wrap="none" lIns="0" tIns="0" rIns="0" bIns="0" rtlCol="0">
+            <a:spAutoFit/>
+          </a:bodyPr>
+          <a:lstStyle/>
+          <a:p>
+            <a:pPr algn="ctr"/>
+            <a:r>
+              <a:rPr kumimoji="1" lang="en-US" altLang="ja-JP" sz="1200" dirty="0">
+                <a:gradFill>
+                  <a:gsLst>
+                    <a:gs pos="2917">
+                      <a:schemeClr val="tx1"/>
+                    </a:gs>
+                    <a:gs pos="30000">
+                      <a:schemeClr val="tx1"/>
+                    </a:gs>
+                  </a:gsLst>
+                  <a:lin ang="5400000" scaled="0"/>
+                </a:gradFill>
+              </a:rPr>
+              <a:t>/messages/modules/</a:t>
+            </a:r>
+            <a:r>
+              <a:rPr kumimoji="1" lang="ja-JP" altLang="en-US" sz="1200">
+                <a:gradFill>
+                  <a:gsLst>
+                    <a:gs pos="2917">
+                      <a:schemeClr val="tx1"/>
+                    </a:gs>
+                    <a:gs pos="30000">
+                      <a:schemeClr val="tx1"/>
+                    </a:gs>
+                  </a:gsLst>
+                  <a:lin ang="5400000" scaled="0"/>
+                </a:gradFill>
+              </a:rPr>
+              <a:t>モジュール</a:t>
+            </a:r>
+            <a:r>
+              <a:rPr kumimoji="1" lang="en-US" altLang="ja-JP" sz="1200" dirty="0">
+                <a:gradFill>
+                  <a:gsLst>
+                    <a:gs pos="2917">
+                      <a:schemeClr val="tx1"/>
+                    </a:gs>
+                    <a:gs pos="30000">
+                      <a:schemeClr val="tx1"/>
+                    </a:gs>
+                  </a:gsLst>
+                  <a:lin ang="5400000" scaled="0"/>
+                </a:gradFill>
+              </a:rPr>
+              <a:t>B/outputs/[</a:t>
+            </a:r>
+            <a:r>
+              <a:rPr kumimoji="1" lang="ja-JP" altLang="en-US" sz="1200">
+                <a:gradFill>
+                  <a:gsLst>
+                    <a:gs pos="2917">
+                      <a:schemeClr val="tx1"/>
+                    </a:gs>
+                    <a:gs pos="30000">
+                      <a:schemeClr val="tx1"/>
+                    </a:gs>
+                  </a:gsLst>
+                  <a:lin ang="5400000" scaled="0"/>
+                </a:gradFill>
+              </a:rPr>
+              <a:t>リソース名</a:t>
+            </a:r>
+            <a:r>
+              <a:rPr kumimoji="1" lang="en-US" altLang="ja-JP" sz="1200" dirty="0">
+                <a:gradFill>
+                  <a:gsLst>
+                    <a:gs pos="2917">
+                      <a:schemeClr val="tx1"/>
+                    </a:gs>
+                    <a:gs pos="30000">
+                      <a:schemeClr val="tx1"/>
+                    </a:gs>
+                  </a:gsLst>
+                  <a:lin ang="5400000" scaled="0"/>
+                </a:gradFill>
+              </a:rPr>
+              <a:t>]</a:t>
+            </a:r>
+            <a:endParaRPr kumimoji="1" lang="ja-JP" altLang="en-US" sz="1200" dirty="0" err="1">
+              <a:gradFill>
+                <a:gsLst>
+                  <a:gs pos="2917">
+                    <a:schemeClr val="tx1"/>
+                  </a:gs>
+                  <a:gs pos="30000">
+                    <a:schemeClr val="tx1"/>
+                  </a:gs>
+                </a:gsLst>
+                <a:lin ang="5400000" scaled="0"/>
+              </a:gradFill>
+            </a:endParaRPr>
+          </a:p>
+        </p:txBody>
+      </p:sp>
+      <p:cxnSp>
+        <p:nvCxnSpPr>
+          <p:cNvPr id="49" name="直線コネクタ 48">
+            <a:extLst>
+              <a:ext uri="{FF2B5EF4-FFF2-40B4-BE49-F238E27FC236}">
+                <a16:creationId xmlns:a16="http://schemas.microsoft.com/office/drawing/2014/main" id="{077DA966-B8F9-FE40-8B13-A45F4C1A18FA}"/>
+              </a:ext>
+            </a:extLst>
+          </p:cNvPr>
+          <p:cNvCxnSpPr>
+            <a:cxnSpLocks/>
+            <a:stCxn id="43" idx="0"/>
+            <a:endCxn id="30" idx="1"/>
+          </p:cNvCxnSpPr>
+          <p:nvPr/>
+        </p:nvCxnSpPr>
+        <p:spPr>
+          <a:xfrm flipV="1">
+            <a:off x="6134661" y="2250172"/>
+            <a:ext cx="238069" cy="965106"/>
+          </a:xfrm>
+          <a:prstGeom prst="line">
+            <a:avLst/>
+          </a:prstGeom>
+          <a:ln w="9525">
+            <a:solidFill>
+              <a:schemeClr val="bg1">
+                <a:lumMod val="50000"/>
+              </a:schemeClr>
+            </a:solidFill>
+            <a:prstDash val="sysDot"/>
+            <a:headEnd type="none" w="lg" len="med"/>
+            <a:tailEnd type="none" w="lg" len="med"/>
+          </a:ln>
+        </p:spPr>
+        <p:style>
+          <a:lnRef idx="1">
+            <a:schemeClr val="accent1"/>
+          </a:lnRef>
+          <a:fillRef idx="0">
+            <a:schemeClr val="accent1"/>
+          </a:fillRef>
+          <a:effectRef idx="0">
+            <a:schemeClr val="accent1"/>
+          </a:effectRef>
+          <a:fontRef idx="minor">
+            <a:schemeClr val="tx1"/>
+          </a:fontRef>
+        </p:style>
+      </p:cxnSp>
+      <p:cxnSp>
+        <p:nvCxnSpPr>
+          <p:cNvPr id="52" name="直線コネクタ 51">
+            <a:extLst>
+              <a:ext uri="{FF2B5EF4-FFF2-40B4-BE49-F238E27FC236}">
+                <a16:creationId xmlns:a16="http://schemas.microsoft.com/office/drawing/2014/main" id="{B3D64545-A9B7-D149-8D78-BF2DBD612638}"/>
+              </a:ext>
+            </a:extLst>
+          </p:cNvPr>
+          <p:cNvCxnSpPr>
+            <a:cxnSpLocks/>
+            <a:stCxn id="45" idx="0"/>
+            <a:endCxn id="31" idx="3"/>
+          </p:cNvCxnSpPr>
+          <p:nvPr/>
+        </p:nvCxnSpPr>
+        <p:spPr>
+          <a:xfrm flipH="1" flipV="1">
+            <a:off x="7587249" y="2250172"/>
+            <a:ext cx="703969" cy="2647282"/>
+          </a:xfrm>
+          <a:prstGeom prst="line">
+            <a:avLst/>
+          </a:prstGeom>
+          <a:ln w="9525">
+            <a:solidFill>
+              <a:schemeClr val="bg1">
+                <a:lumMod val="50000"/>
+              </a:schemeClr>
+            </a:solidFill>
+            <a:prstDash val="sysDot"/>
+            <a:headEnd type="none" w="lg" len="med"/>
+            <a:tailEnd type="none" w="lg" len="med"/>
+          </a:ln>
+        </p:spPr>
+        <p:style>
+          <a:lnRef idx="1">
+            <a:schemeClr val="accent1"/>
+          </a:lnRef>
+          <a:fillRef idx="0">
+            <a:schemeClr val="accent1"/>
+          </a:fillRef>
+          <a:effectRef idx="0">
+            <a:schemeClr val="accent1"/>
+          </a:effectRef>
+          <a:fontRef idx="minor">
+            <a:schemeClr val="tx1"/>
+          </a:fontRef>
+        </p:style>
+      </p:cxnSp>
+      <p:cxnSp>
+        <p:nvCxnSpPr>
+          <p:cNvPr id="85" name="直線コネクタ 84">
+            <a:extLst>
+              <a:ext uri="{FF2B5EF4-FFF2-40B4-BE49-F238E27FC236}">
+                <a16:creationId xmlns:a16="http://schemas.microsoft.com/office/drawing/2014/main" id="{72649DFC-9130-CD4D-840F-45716266C98B}"/>
+              </a:ext>
+            </a:extLst>
+          </p:cNvPr>
+          <p:cNvCxnSpPr>
+            <a:cxnSpLocks/>
+            <a:stCxn id="4" idx="0"/>
+            <a:endCxn id="43" idx="2"/>
+          </p:cNvCxnSpPr>
+          <p:nvPr/>
+        </p:nvCxnSpPr>
+        <p:spPr>
+          <a:xfrm flipV="1">
+            <a:off x="4258397" y="3399944"/>
+            <a:ext cx="1876264" cy="1509242"/>
+          </a:xfrm>
+          <a:prstGeom prst="line">
+            <a:avLst/>
+          </a:prstGeom>
+          <a:ln>
+            <a:solidFill>
+              <a:schemeClr val="tx1"/>
+            </a:solidFill>
+            <a:prstDash val="solid"/>
+            <a:headEnd type="none" w="med" len="med"/>
+            <a:tailEnd type="arrow" w="med" len="med"/>
+          </a:ln>
+        </p:spPr>
+        <p:style>
+          <a:lnRef idx="1">
+            <a:schemeClr val="accent1"/>
+          </a:lnRef>
+          <a:fillRef idx="0">
+            <a:schemeClr val="accent1"/>
+          </a:fillRef>
+          <a:effectRef idx="0">
+            <a:schemeClr val="accent1"/>
+          </a:effectRef>
+          <a:fontRef idx="minor">
+            <a:schemeClr val="tx1"/>
+          </a:fontRef>
+        </p:style>
+      </p:cxnSp>
+      <p:sp>
+        <p:nvSpPr>
+          <p:cNvPr id="59" name="角丸四角形 58">
+            <a:extLst>
+              <a:ext uri="{FF2B5EF4-FFF2-40B4-BE49-F238E27FC236}">
+                <a16:creationId xmlns:a16="http://schemas.microsoft.com/office/drawing/2014/main" id="{D14D366F-2044-014D-BB42-0E5562DC3768}"/>
+              </a:ext>
+            </a:extLst>
+          </p:cNvPr>
+          <p:cNvSpPr/>
+          <p:nvPr/>
+        </p:nvSpPr>
+        <p:spPr bwMode="auto">
+          <a:xfrm>
+            <a:off x="4813423" y="3581915"/>
+            <a:ext cx="1321238" cy="1031031"/>
+          </a:xfrm>
+          <a:prstGeom prst="roundRect">
+            <a:avLst/>
+          </a:prstGeom>
+          <a:solidFill>
+            <a:schemeClr val="accent1"/>
+          </a:solidFill>
+          <a:ln>
+            <a:noFill/>
+            <a:headEnd type="none" w="med" len="med"/>
+            <a:tailEnd type="none" w="med" len="med"/>
+          </a:ln>
+          <a:effectLst/>
+        </p:spPr>
+        <p:style>
+          <a:lnRef idx="1">
+            <a:schemeClr val="accent2"/>
+          </a:lnRef>
+          <a:fillRef idx="3">
+            <a:schemeClr val="accent2"/>
+          </a:fillRef>
+          <a:effectRef idx="2">
+            <a:schemeClr val="accent2"/>
+          </a:effectRef>
+          <a:fontRef idx="minor">
+            <a:schemeClr val="lt1"/>
+          </a:fontRef>
+        </p:style>
+        <p:txBody>
+          <a:bodyPr rot="0" spcFirstLastPara="0" vertOverflow="overflow" horzOverflow="overflow" vert="horz" wrap="none" lIns="72000" tIns="72000" rIns="72000" bIns="72000" numCol="1" spcCol="0" rtlCol="0" fromWordArt="0" anchor="t" anchorCtr="0" forceAA="0" compatLnSpc="1">
+            <a:prstTxWarp prst="textNoShape">
+              <a:avLst/>
+            </a:prstTxWarp>
+            <a:noAutofit/>
+          </a:bodyPr>
+          <a:lstStyle/>
+          <a:p>
+            <a:pPr algn="l" defTabSz="932472" fontAlgn="base">
+              <a:spcBef>
+                <a:spcPct val="0"/>
+              </a:spcBef>
+              <a:spcAft>
+                <a:spcPct val="0"/>
+              </a:spcAft>
+            </a:pPr>
+            <a:r>
+              <a:rPr kumimoji="1" lang="en-US" altLang="ja-JP" sz="1200" b="1" u="sng" dirty="0">
+                <a:gradFill>
+                  <a:gsLst>
+                    <a:gs pos="0">
+                      <a:srgbClr val="FFFFFF"/>
+                    </a:gs>
+                    <a:gs pos="100000">
+                      <a:srgbClr val="FFFFFF"/>
+                    </a:gs>
+                  </a:gsLst>
+                  <a:lin ang="5400000" scaled="0"/>
+                </a:gradFill>
+                <a:ea typeface="Segoe UI" pitchFamily="34" charset="0"/>
+                <a:cs typeface="Segoe UI" pitchFamily="34" charset="0"/>
+              </a:rPr>
+              <a:t>route: </a:t>
+            </a:r>
+            <a:r>
+              <a:rPr kumimoji="1" lang="en-US" altLang="ja-JP" sz="1200" b="1" u="sng" dirty="0" err="1">
+                <a:gradFill>
+                  <a:gsLst>
+                    <a:gs pos="0">
+                      <a:srgbClr val="FFFFFF"/>
+                    </a:gs>
+                    <a:gs pos="100000">
+                      <a:srgbClr val="FFFFFF"/>
+                    </a:gs>
+                  </a:gsLst>
+                  <a:lin ang="5400000" scaled="0"/>
+                </a:gradFill>
+                <a:ea typeface="Segoe UI" pitchFamily="34" charset="0"/>
+                <a:cs typeface="Segoe UI" pitchFamily="34" charset="0"/>
+              </a:rPr>
+              <a:t>AtoB</a:t>
+            </a:r>
+            <a:endParaRPr kumimoji="1" lang="en-US" altLang="ja-JP" sz="1200" b="1" u="sng" dirty="0">
+              <a:gradFill>
+                <a:gsLst>
+                  <a:gs pos="0">
+                    <a:srgbClr val="FFFFFF"/>
+                  </a:gs>
+                  <a:gs pos="100000">
+                    <a:srgbClr val="FFFFFF"/>
+                  </a:gs>
+                </a:gsLst>
+                <a:lin ang="5400000" scaled="0"/>
+              </a:gradFill>
+              <a:ea typeface="Segoe UI" pitchFamily="34" charset="0"/>
+              <a:cs typeface="Segoe UI" pitchFamily="34" charset="0"/>
+            </a:endParaRPr>
+          </a:p>
+        </p:txBody>
+      </p:sp>
+      <p:sp>
+        <p:nvSpPr>
+          <p:cNvPr id="88" name="角丸四角形 87">
+            <a:extLst>
+              <a:ext uri="{FF2B5EF4-FFF2-40B4-BE49-F238E27FC236}">
+                <a16:creationId xmlns:a16="http://schemas.microsoft.com/office/drawing/2014/main" id="{26DE99F7-EAFD-F242-97C7-307CB515011F}"/>
+              </a:ext>
+            </a:extLst>
+          </p:cNvPr>
+          <p:cNvSpPr/>
+          <p:nvPr/>
+        </p:nvSpPr>
+        <p:spPr bwMode="auto">
+          <a:xfrm>
+            <a:off x="8451272" y="3572483"/>
+            <a:ext cx="1321238" cy="1031031"/>
+          </a:xfrm>
+          <a:prstGeom prst="roundRect">
+            <a:avLst/>
+          </a:prstGeom>
+          <a:solidFill>
+            <a:schemeClr val="accent1"/>
+          </a:solidFill>
+          <a:ln>
+            <a:noFill/>
+            <a:headEnd type="none" w="med" len="med"/>
+            <a:tailEnd type="none" w="med" len="med"/>
+          </a:ln>
+          <a:effectLst/>
+        </p:spPr>
+        <p:style>
+          <a:lnRef idx="1">
+            <a:schemeClr val="accent2"/>
+          </a:lnRef>
+          <a:fillRef idx="3">
+            <a:schemeClr val="accent2"/>
+          </a:fillRef>
+          <a:effectRef idx="2">
+            <a:schemeClr val="accent2"/>
+          </a:effectRef>
+          <a:fontRef idx="minor">
+            <a:schemeClr val="lt1"/>
+          </a:fontRef>
+        </p:style>
+        <p:txBody>
+          <a:bodyPr rot="0" spcFirstLastPara="0" vertOverflow="overflow" horzOverflow="overflow" vert="horz" wrap="none" lIns="72000" tIns="72000" rIns="72000" bIns="72000" numCol="1" spcCol="0" rtlCol="0" fromWordArt="0" anchor="t" anchorCtr="0" forceAA="0" compatLnSpc="1">
+            <a:prstTxWarp prst="textNoShape">
+              <a:avLst/>
+            </a:prstTxWarp>
+            <a:noAutofit/>
+          </a:bodyPr>
+          <a:lstStyle/>
+          <a:p>
+            <a:pPr algn="l" defTabSz="932472" fontAlgn="base">
+              <a:spcBef>
+                <a:spcPct val="0"/>
+              </a:spcBef>
+              <a:spcAft>
+                <a:spcPct val="0"/>
+              </a:spcAft>
+            </a:pPr>
+            <a:r>
+              <a:rPr kumimoji="1" lang="en-US" altLang="ja-JP" sz="1200" b="1" u="sng" dirty="0">
+                <a:gradFill>
+                  <a:gsLst>
+                    <a:gs pos="0">
+                      <a:srgbClr val="FFFFFF"/>
+                    </a:gs>
+                    <a:gs pos="100000">
+                      <a:srgbClr val="FFFFFF"/>
+                    </a:gs>
+                  </a:gsLst>
+                  <a:lin ang="5400000" scaled="0"/>
+                </a:gradFill>
+                <a:ea typeface="Segoe UI" pitchFamily="34" charset="0"/>
+                <a:cs typeface="Segoe UI" pitchFamily="34" charset="0"/>
+              </a:rPr>
+              <a:t>route: </a:t>
+            </a:r>
+            <a:r>
+              <a:rPr kumimoji="1" lang="en-US" altLang="ja-JP" sz="1200" b="1" u="sng" dirty="0" err="1">
+                <a:gradFill>
+                  <a:gsLst>
+                    <a:gs pos="0">
+                      <a:srgbClr val="FFFFFF"/>
+                    </a:gs>
+                    <a:gs pos="100000">
+                      <a:srgbClr val="FFFFFF"/>
+                    </a:gs>
+                  </a:gsLst>
+                  <a:lin ang="5400000" scaled="0"/>
+                </a:gradFill>
+                <a:ea typeface="Segoe UI" pitchFamily="34" charset="0"/>
+                <a:cs typeface="Segoe UI" pitchFamily="34" charset="0"/>
+              </a:rPr>
+              <a:t>BtoCloud</a:t>
+            </a:r>
+            <a:endParaRPr kumimoji="1" lang="en-US" altLang="ja-JP" sz="1200" b="1" u="sng" dirty="0">
+              <a:gradFill>
+                <a:gsLst>
+                  <a:gs pos="0">
+                    <a:srgbClr val="FFFFFF"/>
+                  </a:gs>
+                  <a:gs pos="100000">
+                    <a:srgbClr val="FFFFFF"/>
+                  </a:gs>
+                </a:gsLst>
+                <a:lin ang="5400000" scaled="0"/>
+              </a:gradFill>
+              <a:ea typeface="Segoe UI" pitchFamily="34" charset="0"/>
+              <a:cs typeface="Segoe UI" pitchFamily="34" charset="0"/>
+            </a:endParaRPr>
+          </a:p>
+        </p:txBody>
+      </p:sp>
+      <p:sp>
+        <p:nvSpPr>
+          <p:cNvPr id="92" name="正方形/長方形 91">
+            <a:extLst>
+              <a:ext uri="{FF2B5EF4-FFF2-40B4-BE49-F238E27FC236}">
+                <a16:creationId xmlns:a16="http://schemas.microsoft.com/office/drawing/2014/main" id="{83702B1E-8588-8543-84EF-955B327B1438}"/>
+              </a:ext>
+            </a:extLst>
+          </p:cNvPr>
+          <p:cNvSpPr/>
+          <p:nvPr/>
+        </p:nvSpPr>
+        <p:spPr bwMode="auto">
+          <a:xfrm>
+            <a:off x="1278007" y="6245319"/>
+            <a:ext cx="1100435" cy="457200"/>
+          </a:xfrm>
+          <a:prstGeom prst="rect">
+            <a:avLst/>
+          </a:prstGeom>
+          <a:solidFill>
+            <a:schemeClr val="accent1"/>
+          </a:solidFill>
+          <a:ln>
+            <a:noFill/>
+            <a:headEnd type="none" w="med" len="med"/>
+            <a:tailEnd type="none" w="med" len="med"/>
+          </a:ln>
+          <a:effectLst/>
+        </p:spPr>
+        <p:style>
+          <a:lnRef idx="1">
+            <a:schemeClr val="accent2"/>
+          </a:lnRef>
+          <a:fillRef idx="3">
+            <a:schemeClr val="accent2"/>
+          </a:fillRef>
+          <a:effectRef idx="2">
+            <a:schemeClr val="accent2"/>
+          </a:effectRef>
+          <a:fontRef idx="minor">
+            <a:schemeClr val="lt1"/>
+          </a:fontRef>
+        </p:style>
+        <p:txBody>
+          <a:bodyPr rot="0" spcFirstLastPara="0" vertOverflow="overflow" horzOverflow="overflow" vert="horz" wrap="square" lIns="182880" tIns="146304" rIns="182880" bIns="146304" numCol="1" spcCol="0" rtlCol="0" fromWordArt="0" anchor="ctr" anchorCtr="0" forceAA="0" compatLnSpc="1">
+            <a:prstTxWarp prst="textNoShape">
+              <a:avLst/>
+            </a:prstTxWarp>
+            <a:noAutofit/>
+          </a:bodyPr>
+          <a:lstStyle/>
+          <a:p>
+            <a:pPr algn="ctr" defTabSz="932472" fontAlgn="base">
+              <a:spcBef>
+                <a:spcPct val="0"/>
+              </a:spcBef>
+              <a:spcAft>
+                <a:spcPct val="0"/>
+              </a:spcAft>
+            </a:pPr>
+            <a:r>
+              <a:rPr kumimoji="1" lang="en-US" altLang="ja-JP" sz="1200" dirty="0">
+                <a:gradFill>
+                  <a:gsLst>
+                    <a:gs pos="0">
+                      <a:srgbClr val="FFFFFF"/>
+                    </a:gs>
+                    <a:gs pos="100000">
+                      <a:srgbClr val="FFFFFF"/>
+                    </a:gs>
+                  </a:gsLst>
+                  <a:lin ang="5400000" scaled="0"/>
+                </a:gradFill>
+                <a:ea typeface="Segoe UI" pitchFamily="34" charset="0"/>
+                <a:cs typeface="Segoe UI" pitchFamily="34" charset="0"/>
+              </a:rPr>
+              <a:t>Leaf Device</a:t>
+            </a:r>
+            <a:endParaRPr kumimoji="1" lang="ja-JP" altLang="en-US" sz="1200" dirty="0" err="1">
+              <a:gradFill>
+                <a:gsLst>
+                  <a:gs pos="0">
+                    <a:srgbClr val="FFFFFF"/>
+                  </a:gs>
+                  <a:gs pos="100000">
+                    <a:srgbClr val="FFFFFF"/>
+                  </a:gs>
+                </a:gsLst>
+                <a:lin ang="5400000" scaled="0"/>
+              </a:gradFill>
+              <a:ea typeface="Segoe UI" pitchFamily="34" charset="0"/>
+              <a:cs typeface="Segoe UI" pitchFamily="34" charset="0"/>
+            </a:endParaRPr>
+          </a:p>
+        </p:txBody>
+      </p:sp>
+      <p:sp>
+        <p:nvSpPr>
+          <p:cNvPr id="94" name="正方形/長方形 93">
+            <a:extLst>
+              <a:ext uri="{FF2B5EF4-FFF2-40B4-BE49-F238E27FC236}">
+                <a16:creationId xmlns:a16="http://schemas.microsoft.com/office/drawing/2014/main" id="{CFE46CBA-C882-9E4D-AA16-F9EF8F0DF84C}"/>
+              </a:ext>
+            </a:extLst>
+          </p:cNvPr>
+          <p:cNvSpPr/>
+          <p:nvPr/>
+        </p:nvSpPr>
+        <p:spPr bwMode="auto">
+          <a:xfrm>
+            <a:off x="1963634" y="5689998"/>
+            <a:ext cx="1100435" cy="457200"/>
+          </a:xfrm>
+          <a:prstGeom prst="rect">
+            <a:avLst/>
+          </a:prstGeom>
+          <a:solidFill>
+            <a:schemeClr val="accent1"/>
+          </a:solidFill>
+          <a:ln>
+            <a:noFill/>
+            <a:headEnd type="none" w="med" len="med"/>
+            <a:tailEnd type="none" w="med" len="med"/>
+          </a:ln>
+          <a:effectLst/>
+        </p:spPr>
+        <p:style>
+          <a:lnRef idx="1">
+            <a:schemeClr val="accent2"/>
+          </a:lnRef>
+          <a:fillRef idx="3">
+            <a:schemeClr val="accent2"/>
+          </a:fillRef>
+          <a:effectRef idx="2">
+            <a:schemeClr val="accent2"/>
+          </a:effectRef>
+          <a:fontRef idx="minor">
+            <a:schemeClr val="lt1"/>
+          </a:fontRef>
+        </p:style>
+        <p:txBody>
+          <a:bodyPr rot="0" spcFirstLastPara="0" vertOverflow="overflow" horzOverflow="overflow" vert="horz" wrap="square" lIns="182880" tIns="146304" rIns="182880" bIns="146304" numCol="1" spcCol="0" rtlCol="0" fromWordArt="0" anchor="ctr" anchorCtr="0" forceAA="0" compatLnSpc="1">
+            <a:prstTxWarp prst="textNoShape">
+              <a:avLst/>
+            </a:prstTxWarp>
+            <a:noAutofit/>
+          </a:bodyPr>
+          <a:lstStyle/>
+          <a:p>
+            <a:pPr algn="ctr" defTabSz="932472" fontAlgn="base">
+              <a:spcBef>
+                <a:spcPct val="0"/>
+              </a:spcBef>
+              <a:spcAft>
+                <a:spcPct val="0"/>
+              </a:spcAft>
+            </a:pPr>
+            <a:r>
+              <a:rPr kumimoji="1" lang="en-US" altLang="ja-JP" sz="1200" dirty="0">
+                <a:gradFill>
+                  <a:gsLst>
+                    <a:gs pos="0">
+                      <a:srgbClr val="FFFFFF"/>
+                    </a:gs>
+                    <a:gs pos="100000">
+                      <a:srgbClr val="FFFFFF"/>
+                    </a:gs>
+                  </a:gsLst>
+                  <a:lin ang="5400000" scaled="0"/>
+                </a:gradFill>
+                <a:ea typeface="Segoe UI" pitchFamily="34" charset="0"/>
+                <a:cs typeface="Segoe UI" pitchFamily="34" charset="0"/>
+              </a:rPr>
+              <a:t>Leaf Device</a:t>
+            </a:r>
+            <a:endParaRPr kumimoji="1" lang="ja-JP" altLang="en-US" sz="1200" dirty="0" err="1">
+              <a:gradFill>
+                <a:gsLst>
+                  <a:gs pos="0">
+                    <a:srgbClr val="FFFFFF"/>
+                  </a:gs>
+                  <a:gs pos="100000">
+                    <a:srgbClr val="FFFFFF"/>
+                  </a:gs>
+                </a:gsLst>
+                <a:lin ang="5400000" scaled="0"/>
+              </a:gradFill>
+              <a:ea typeface="Segoe UI" pitchFamily="34" charset="0"/>
+              <a:cs typeface="Segoe UI" pitchFamily="34" charset="0"/>
+            </a:endParaRPr>
+          </a:p>
+        </p:txBody>
+      </p:sp>
+      <p:cxnSp>
+        <p:nvCxnSpPr>
+          <p:cNvPr id="96" name="直線コネクタ 95">
+            <a:extLst>
+              <a:ext uri="{FF2B5EF4-FFF2-40B4-BE49-F238E27FC236}">
+                <a16:creationId xmlns:a16="http://schemas.microsoft.com/office/drawing/2014/main" id="{F5C22A7A-69CB-2142-A18C-C9414F26DD0C}"/>
+              </a:ext>
+            </a:extLst>
+          </p:cNvPr>
+          <p:cNvCxnSpPr>
+            <a:cxnSpLocks/>
+            <a:stCxn id="92" idx="0"/>
+          </p:cNvCxnSpPr>
+          <p:nvPr/>
+        </p:nvCxnSpPr>
+        <p:spPr>
+          <a:xfrm flipV="1">
+            <a:off x="1828225" y="5180560"/>
+            <a:ext cx="0" cy="1064759"/>
+          </a:xfrm>
+          <a:prstGeom prst="line">
+            <a:avLst/>
+          </a:prstGeom>
+          <a:ln>
+            <a:solidFill>
+              <a:schemeClr val="tx1"/>
+            </a:solidFill>
+            <a:prstDash val="solid"/>
+            <a:headEnd type="none" w="med" len="med"/>
+            <a:tailEnd type="none" w="med" len="med"/>
+          </a:ln>
+        </p:spPr>
+        <p:style>
+          <a:lnRef idx="1">
+            <a:schemeClr val="accent1"/>
+          </a:lnRef>
+          <a:fillRef idx="0">
+            <a:schemeClr val="accent1"/>
+          </a:fillRef>
+          <a:effectRef idx="0">
+            <a:schemeClr val="accent1"/>
+          </a:effectRef>
+          <a:fontRef idx="minor">
+            <a:schemeClr val="tx1"/>
+          </a:fontRef>
+        </p:style>
+      </p:cxnSp>
+      <p:cxnSp>
+        <p:nvCxnSpPr>
+          <p:cNvPr id="98" name="直線コネクタ 97">
+            <a:extLst>
+              <a:ext uri="{FF2B5EF4-FFF2-40B4-BE49-F238E27FC236}">
+                <a16:creationId xmlns:a16="http://schemas.microsoft.com/office/drawing/2014/main" id="{524912B0-4D69-F64D-993F-81EEBC670E5C}"/>
+              </a:ext>
+            </a:extLst>
+          </p:cNvPr>
+          <p:cNvCxnSpPr>
+            <a:cxnSpLocks/>
+            <a:stCxn id="94" idx="0"/>
+          </p:cNvCxnSpPr>
+          <p:nvPr/>
+        </p:nvCxnSpPr>
+        <p:spPr>
+          <a:xfrm flipH="1" flipV="1">
+            <a:off x="2513851" y="5192051"/>
+            <a:ext cx="1" cy="497947"/>
+          </a:xfrm>
+          <a:prstGeom prst="line">
+            <a:avLst/>
+          </a:prstGeom>
+          <a:ln>
+            <a:solidFill>
+              <a:schemeClr val="tx1"/>
+            </a:solidFill>
+            <a:prstDash val="solid"/>
+            <a:headEnd type="none" w="med" len="med"/>
+            <a:tailEnd type="none" w="med" len="med"/>
+          </a:ln>
+        </p:spPr>
+        <p:style>
+          <a:lnRef idx="1">
+            <a:schemeClr val="accent1"/>
+          </a:lnRef>
+          <a:fillRef idx="0">
+            <a:schemeClr val="accent1"/>
+          </a:fillRef>
+          <a:effectRef idx="0">
+            <a:schemeClr val="accent1"/>
+          </a:effectRef>
+          <a:fontRef idx="minor">
+            <a:schemeClr val="tx1"/>
+          </a:fontRef>
+        </p:style>
+      </p:cxnSp>
+    </p:spTree>
+    <p:extLst>
+      <p:ext uri="{BB962C8B-B14F-4D97-AF65-F5344CB8AC3E}">
+        <p14:creationId xmlns:p14="http://schemas.microsoft.com/office/powerpoint/2010/main" val="465222206"/>
+      </p:ext>
+    </p:extLst>
+  </p:cSld>
+  <p:clrMapOvr>
+    <a:masterClrMapping/>
+  </p:clrMapOvr>
+  <p:transition>
+    <p:fade/>
+  </p:transition>
+</p:sld>
+</file>
+
 <file path=ppt/theme/theme1.xml><?xml version="1.0" encoding="utf-8"?>
 <a:theme xmlns:a="http://schemas.openxmlformats.org/drawingml/2006/main" name="WHITE TEMPLATE">
   <a:themeElements>
@@ -17366,12 +22806,6 @@
 </file>
 
 <file path=customXml/item1.xml><?xml version="1.0" encoding="utf-8"?>
-<p:properties xmlns:p="http://schemas.microsoft.com/office/2006/metadata/properties" xmlns:xsi="http://www.w3.org/2001/XMLSchema-instance" xmlns:pc="http://schemas.microsoft.com/office/infopath/2007/PartnerControls">
-  <documentManagement/>
-</p:properties>
-</file>
-
-<file path=customXml/item2.xml><?xml version="1.0" encoding="utf-8"?>
 <ct:contentTypeSchema xmlns:ct="http://schemas.microsoft.com/office/2006/metadata/contentType" xmlns:ma="http://schemas.microsoft.com/office/2006/metadata/properties/metaAttributes" ct:_="" ma:_="" ma:contentTypeName="Document" ma:contentTypeID="0x010100A2B0BB5962AB3C45A9A1CE1EC4C4F647" ma:contentTypeVersion="3" ma:contentTypeDescription="Create a new document." ma:contentTypeScope="" ma:versionID="f0876370c90de824ab54c09b0bd2a056">
   <xsd:schema xmlns:xsd="http://www.w3.org/2001/XMLSchema" xmlns:xs="http://www.w3.org/2001/XMLSchema" xmlns:p="http://schemas.microsoft.com/office/2006/metadata/properties" xmlns:ns3="630a2e83-186a-4a0f-ab27-bee8a8096abc" targetNamespace="http://schemas.microsoft.com/office/2006/metadata/properties" ma:root="true" ma:fieldsID="a2a3b5ed8b4accd7c8a398d0cb075271" ns3:_="">
     <xsd:import namespace="630a2e83-186a-4a0f-ab27-bee8a8096abc"/>
@@ -17525,6 +22959,12 @@
 </ct:contentTypeSchema>
 </file>
 
+<file path=customXml/item2.xml><?xml version="1.0" encoding="utf-8"?>
+<p:properties xmlns:p="http://schemas.microsoft.com/office/2006/metadata/properties" xmlns:xsi="http://www.w3.org/2001/XMLSchema-instance" xmlns:pc="http://schemas.microsoft.com/office/infopath/2007/PartnerControls">
+  <documentManagement/>
+</p:properties>
+</file>
+
 <file path=customXml/item3.xml><?xml version="1.0" encoding="utf-8"?>
 <?mso-contentType ?>
 <FormTemplates xmlns="http://schemas.microsoft.com/sharepoint/v3/contenttype/forms">
@@ -17535,22 +22975,6 @@
 </file>
 
 <file path=customXml/itemProps1.xml><?xml version="1.0" encoding="utf-8"?>
-<ds:datastoreItem xmlns:ds="http://schemas.openxmlformats.org/officeDocument/2006/customXml" ds:itemID="{F990F116-B58F-4255-B05B-DA3808E0E5C6}">
-  <ds:schemaRefs>
-    <ds:schemaRef ds:uri="http://purl.org/dc/terms/"/>
-    <ds:schemaRef ds:uri="http://schemas.microsoft.com/office/2006/documentManagement/types"/>
-    <ds:schemaRef ds:uri="630a2e83-186a-4a0f-ab27-bee8a8096abc"/>
-    <ds:schemaRef ds:uri="http://purl.org/dc/dcmitype/"/>
-    <ds:schemaRef ds:uri="http://schemas.microsoft.com/office/infopath/2007/PartnerControls"/>
-    <ds:schemaRef ds:uri="http://purl.org/dc/elements/1.1/"/>
-    <ds:schemaRef ds:uri="http://schemas.microsoft.com/office/2006/metadata/properties"/>
-    <ds:schemaRef ds:uri="http://schemas.openxmlformats.org/package/2006/metadata/core-properties"/>
-    <ds:schemaRef ds:uri="http://www.w3.org/XML/1998/namespace"/>
-  </ds:schemaRefs>
-</ds:datastoreItem>
-</file>
-
-<file path=customXml/itemProps2.xml><?xml version="1.0" encoding="utf-8"?>
 <ds:datastoreItem xmlns:ds="http://schemas.openxmlformats.org/officeDocument/2006/customXml" ds:itemID="{F330841A-A209-44E7-824E-9DDB4DE0DC3C}">
   <ds:schemaRefs>
     <ds:schemaRef ds:uri="http://schemas.microsoft.com/office/2006/metadata/contentType"/>
@@ -17568,6 +22992,22 @@
 </ds:datastoreItem>
 </file>
 
+<file path=customXml/itemProps2.xml><?xml version="1.0" encoding="utf-8"?>
+<ds:datastoreItem xmlns:ds="http://schemas.openxmlformats.org/officeDocument/2006/customXml" ds:itemID="{F990F116-B58F-4255-B05B-DA3808E0E5C6}">
+  <ds:schemaRefs>
+    <ds:schemaRef ds:uri="http://purl.org/dc/terms/"/>
+    <ds:schemaRef ds:uri="http://schemas.microsoft.com/office/2006/documentManagement/types"/>
+    <ds:schemaRef ds:uri="630a2e83-186a-4a0f-ab27-bee8a8096abc"/>
+    <ds:schemaRef ds:uri="http://purl.org/dc/dcmitype/"/>
+    <ds:schemaRef ds:uri="http://schemas.microsoft.com/office/infopath/2007/PartnerControls"/>
+    <ds:schemaRef ds:uri="http://purl.org/dc/elements/1.1/"/>
+    <ds:schemaRef ds:uri="http://schemas.microsoft.com/office/2006/metadata/properties"/>
+    <ds:schemaRef ds:uri="http://schemas.openxmlformats.org/package/2006/metadata/core-properties"/>
+    <ds:schemaRef ds:uri="http://www.w3.org/XML/1998/namespace"/>
+  </ds:schemaRefs>
+</ds:datastoreItem>
+</file>
+
 <file path=customXml/itemProps3.xml><?xml version="1.0" encoding="utf-8"?>
 <ds:datastoreItem xmlns:ds="http://schemas.openxmlformats.org/officeDocument/2006/customXml" ds:itemID="{758FDAC0-319D-4A54-8D8E-1D42CB1F8004}">
   <ds:schemaRefs>

--- a/iot-clientdev/images/iot-clientdev.pptx
+++ b/iot-clientdev/images/iot-clientdev.pptx
@@ -6,15 +6,16 @@
     <p:sldMasterId id="2147484642" r:id="rId5"/>
   </p:sldMasterIdLst>
   <p:notesMasterIdLst>
-    <p:notesMasterId r:id="rId9"/>
+    <p:notesMasterId r:id="rId10"/>
   </p:notesMasterIdLst>
   <p:handoutMasterIdLst>
-    <p:handoutMasterId r:id="rId10"/>
+    <p:handoutMasterId r:id="rId11"/>
   </p:handoutMasterIdLst>
   <p:sldIdLst>
     <p:sldId id="256" r:id="rId6"/>
-    <p:sldId id="257" r:id="rId7"/>
-    <p:sldId id="259" r:id="rId8"/>
+    <p:sldId id="260" r:id="rId7"/>
+    <p:sldId id="257" r:id="rId8"/>
+    <p:sldId id="259" r:id="rId9"/>
   </p:sldIdLst>
   <p:sldSz cx="12192000" cy="6858000"/>
   <p:notesSz cx="6858000" cy="9144000"/>
@@ -242,7 +243,7 @@
               <a:rPr lang="en-US" smtClean="0">
                 <a:latin typeface="Segoe UI" pitchFamily="34" charset="0"/>
               </a:rPr>
-              <a:t>4/5/19 11:04 AM</a:t>
+              <a:t>5/13/19 1:46 PM</a:t>
             </a:fld>
             <a:endParaRPr lang="en-US" dirty="0">
               <a:latin typeface="Segoe UI" pitchFamily="34" charset="0"/>
@@ -520,7 +521,7 @@
           <a:p>
             <a:fld id="{386CE63F-9E7F-4C04-9D0D-FCA25A8E9E86}" type="datetime8">
               <a:rPr lang="en-US" smtClean="0"/>
-              <a:t>4/5/19 11:04 AM</a:t>
+              <a:t>5/13/19 1:46 PM</a:t>
             </a:fld>
             <a:endParaRPr lang="en-US" dirty="0"/>
           </a:p>
@@ -931,7 +932,7 @@
           <a:p>
             <a:fld id="{386CE63F-9E7F-4C04-9D0D-FCA25A8E9E86}" type="datetime8">
               <a:rPr lang="en-US" smtClean="0"/>
-              <a:t>4/5/19 11:32 AM</a:t>
+              <a:t>5/13/19 1:46 PM</a:t>
             </a:fld>
             <a:endParaRPr lang="en-US" dirty="0"/>
           </a:p>
@@ -955,7 +956,7 @@
             <a:fld id="{B4008EB6-D09E-4580-8CD6-DDB14511944F}" type="slidenum">
               <a:rPr lang="en-US" smtClean="0"/>
               <a:pPr/>
-              <a:t>3</a:t>
+              <a:t>4</a:t>
             </a:fld>
             <a:endParaRPr lang="en-US" dirty="0"/>
           </a:p>
@@ -1172,7 +1173,7 @@
       </p:transition>
     </mc:Fallback>
   </mc:AlternateContent>
-  <p:extLst mod="1">
+  <p:extLst>
     <p:ext uri="{DCECCB84-F9BA-43D5-87BE-67443E8EF086}">
       <p15:sldGuideLst xmlns:p15="http://schemas.microsoft.com/office/powerpoint/2012/main">
         <p15:guide id="2" orient="horz" pos="2496" userDrawn="1">
@@ -1265,7 +1266,7 @@
   <p:transition>
     <p:fade/>
   </p:transition>
-  <p:extLst mod="1">
+  <p:extLst>
     <p:ext uri="{DCECCB84-F9BA-43D5-87BE-67443E8EF086}">
       <p15:sldGuideLst xmlns:p15="http://schemas.microsoft.com/office/powerpoint/2012/main">
         <p15:guide id="6" pos="779">
@@ -1470,7 +1471,7 @@
   <p:transition>
     <p:fade/>
   </p:transition>
-  <p:extLst mod="1">
+  <p:extLst>
     <p:ext uri="{DCECCB84-F9BA-43D5-87BE-67443E8EF086}">
       <p15:sldGuideLst xmlns:p15="http://schemas.microsoft.com/office/powerpoint/2012/main">
         <p15:guide id="6" pos="779">
@@ -1810,7 +1811,7 @@
   <p:transition>
     <p:fade/>
   </p:transition>
-  <p:extLst mod="1">
+  <p:extLst>
     <p:ext uri="{DCECCB84-F9BA-43D5-87BE-67443E8EF086}">
       <p15:sldGuideLst xmlns:p15="http://schemas.microsoft.com/office/powerpoint/2012/main">
         <p15:guide id="2" pos="3359" userDrawn="1">
@@ -1993,7 +1994,7 @@
   <p:transition>
     <p:fade/>
   </p:transition>
-  <p:extLst mod="1">
+  <p:extLst>
     <p:ext uri="{DCECCB84-F9BA-43D5-87BE-67443E8EF086}">
       <p15:sldGuideLst xmlns:p15="http://schemas.microsoft.com/office/powerpoint/2012/main">
         <p15:guide id="2" pos="3359">
@@ -2161,7 +2162,7 @@
   <p:transition>
     <p:fade/>
   </p:transition>
-  <p:extLst mod="1">
+  <p:extLst>
     <p:ext uri="{DCECCB84-F9BA-43D5-87BE-67443E8EF086}">
       <p15:sldGuideLst xmlns:p15="http://schemas.microsoft.com/office/powerpoint/2012/main">
         <p15:guide id="2" pos="3360">
@@ -2340,7 +2341,7 @@
       </p:transition>
     </mc:Fallback>
   </mc:AlternateContent>
-  <p:extLst mod="1">
+  <p:extLst>
     <p:ext uri="{DCECCB84-F9BA-43D5-87BE-67443E8EF086}">
       <p15:sldGuideLst xmlns:p15="http://schemas.microsoft.com/office/powerpoint/2012/main">
         <p15:guide id="1" orient="horz" pos="2160" userDrawn="1">
@@ -2529,7 +2530,7 @@
       </p:transition>
     </mc:Fallback>
   </mc:AlternateContent>
-  <p:extLst mod="1">
+  <p:extLst>
     <p:ext uri="{DCECCB84-F9BA-43D5-87BE-67443E8EF086}">
       <p15:sldGuideLst xmlns:p15="http://schemas.microsoft.com/office/powerpoint/2012/main">
         <p15:guide id="1" orient="horz" pos="2160">
@@ -2662,7 +2663,7 @@
       </p:transition>
     </mc:Fallback>
   </mc:AlternateContent>
-  <p:extLst mod="1">
+  <p:extLst>
     <p:ext uri="{DCECCB84-F9BA-43D5-87BE-67443E8EF086}">
       <p15:sldGuideLst xmlns:p15="http://schemas.microsoft.com/office/powerpoint/2012/main">
         <p15:guide id="1" orient="horz" pos="2160">
@@ -2795,7 +2796,7 @@
       </p:transition>
     </mc:Fallback>
   </mc:AlternateContent>
-  <p:extLst mod="1">
+  <p:extLst>
     <p:ext uri="{DCECCB84-F9BA-43D5-87BE-67443E8EF086}">
       <p15:sldGuideLst xmlns:p15="http://schemas.microsoft.com/office/powerpoint/2012/main">
         <p15:guide id="1" orient="horz" pos="2160">
@@ -2928,7 +2929,7 @@
       </p:transition>
     </mc:Fallback>
   </mc:AlternateContent>
-  <p:extLst mod="1">
+  <p:extLst>
     <p:ext uri="{DCECCB84-F9BA-43D5-87BE-67443E8EF086}">
       <p15:sldGuideLst xmlns:p15="http://schemas.microsoft.com/office/powerpoint/2012/main">
         <p15:guide id="1" orient="horz" pos="2160" userDrawn="1">
@@ -3152,7 +3153,7 @@
       </p:transition>
     </mc:Fallback>
   </mc:AlternateContent>
-  <p:extLst mod="1">
+  <p:extLst>
     <p:ext uri="{DCECCB84-F9BA-43D5-87BE-67443E8EF086}">
       <p15:sldGuideLst xmlns:p15="http://schemas.microsoft.com/office/powerpoint/2012/main">
         <p15:guide id="2" orient="horz" pos="2496">
@@ -3290,7 +3291,7 @@
       </p:transition>
     </mc:Fallback>
   </mc:AlternateContent>
-  <p:extLst mod="1">
+  <p:extLst>
     <p:ext uri="{DCECCB84-F9BA-43D5-87BE-67443E8EF086}">
       <p15:sldGuideLst xmlns:p15="http://schemas.microsoft.com/office/powerpoint/2012/main">
         <p15:guide id="1" orient="horz" pos="2160">
@@ -3349,7 +3350,7 @@
   <p:transition>
     <p:fade/>
   </p:transition>
-  <p:extLst mod="1">
+  <p:extLst>
     <p:ext uri="{DCECCB84-F9BA-43D5-87BE-67443E8EF086}">
       <p15:sldGuideLst xmlns:p15="http://schemas.microsoft.com/office/powerpoint/2012/main">
         <p15:guide id="1" orient="horz" pos="1272" userDrawn="1">
@@ -3408,7 +3409,7 @@
   <p:transition>
     <p:fade/>
   </p:transition>
-  <p:extLst mod="1">
+  <p:extLst>
     <p:ext uri="{DCECCB84-F9BA-43D5-87BE-67443E8EF086}">
       <p15:sldGuideLst xmlns:p15="http://schemas.microsoft.com/office/powerpoint/2012/main">
         <p15:guide id="1" orient="horz" pos="904" userDrawn="1">
@@ -3680,7 +3681,7 @@
   <p:transition>
     <p:fade/>
   </p:transition>
-  <p:extLst mod="1">
+  <p:extLst>
     <p:ext uri="{DCECCB84-F9BA-43D5-87BE-67443E8EF086}">
       <p15:sldGuideLst xmlns:p15="http://schemas.microsoft.com/office/powerpoint/2012/main">
         <p15:guide id="1" orient="horz" pos="1272" userDrawn="1">
@@ -4088,7 +4089,7 @@
   <p:transition>
     <p:fade/>
   </p:transition>
-  <p:extLst mod="1">
+  <p:extLst>
     <p:ext uri="{DCECCB84-F9BA-43D5-87BE-67443E8EF086}">
       <p15:sldGuideLst xmlns:p15="http://schemas.microsoft.com/office/powerpoint/2012/main">
         <p15:guide id="1" orient="horz" pos="904" userDrawn="1">
@@ -4302,7 +4303,7 @@
       </p:transition>
     </mc:Fallback>
   </mc:AlternateContent>
-  <p:extLst mod="1">
+  <p:extLst>
     <p:ext uri="{DCECCB84-F9BA-43D5-87BE-67443E8EF086}">
       <p15:sldGuideLst xmlns:p15="http://schemas.microsoft.com/office/powerpoint/2012/main">
         <p15:guide id="2" orient="horz" pos="2496">
@@ -4526,7 +4527,7 @@
       </p:transition>
     </mc:Fallback>
   </mc:AlternateContent>
-  <p:extLst mod="1">
+  <p:extLst>
     <p:ext uri="{DCECCB84-F9BA-43D5-87BE-67443E8EF086}">
       <p15:sldGuideLst xmlns:p15="http://schemas.microsoft.com/office/powerpoint/2012/main">
         <p15:guide id="2" orient="horz" pos="2496">
@@ -4735,7 +4736,7 @@
       </p:transition>
     </mc:Fallback>
   </mc:AlternateContent>
-  <p:extLst mod="1">
+  <p:extLst>
     <p:ext uri="{DCECCB84-F9BA-43D5-87BE-67443E8EF086}">
       <p15:sldGuideLst xmlns:p15="http://schemas.microsoft.com/office/powerpoint/2012/main">
         <p15:guide id="1" orient="horz" pos="2228">
@@ -4934,7 +4935,7 @@
       </p:transition>
     </mc:Fallback>
   </mc:AlternateContent>
-  <p:extLst mod="1">
+  <p:extLst>
     <p:ext uri="{DCECCB84-F9BA-43D5-87BE-67443E8EF086}">
       <p15:sldGuideLst xmlns:p15="http://schemas.microsoft.com/office/powerpoint/2012/main">
         <p15:guide id="1" orient="horz" pos="2228">
@@ -5141,7 +5142,7 @@
       </p:transition>
     </mc:Fallback>
   </mc:AlternateContent>
-  <p:extLst mod="1">
+  <p:extLst>
     <p:ext uri="{DCECCB84-F9BA-43D5-87BE-67443E8EF086}">
       <p15:sldGuideLst xmlns:p15="http://schemas.microsoft.com/office/powerpoint/2012/main">
         <p15:guide id="1" orient="horz" pos="2228" userDrawn="1">
@@ -5309,7 +5310,7 @@
   <p:transition>
     <p:fade/>
   </p:transition>
-  <p:extLst mod="1">
+  <p:extLst>
     <p:ext uri="{DCECCB84-F9BA-43D5-87BE-67443E8EF086}">
       <p15:sldGuideLst xmlns:p15="http://schemas.microsoft.com/office/powerpoint/2012/main">
         <p15:guide id="1" orient="horz" pos="288">
@@ -5449,7 +5450,7 @@
   <p:transition>
     <p:fade/>
   </p:transition>
-  <p:extLst mod="1">
+  <p:extLst>
     <p:ext uri="{DCECCB84-F9BA-43D5-87BE-67443E8EF086}">
       <p15:sldGuideLst xmlns:p15="http://schemas.microsoft.com/office/powerpoint/2012/main">
         <p15:guide id="2" orient="horz" pos="1272">
@@ -5729,7 +5730,7 @@
   <p:transition>
     <p:fade/>
   </p:transition>
-  <p:extLst mod="1">
+  <p:extLst>
     <p:ext uri="{DCECCB84-F9BA-43D5-87BE-67443E8EF086}">
       <p15:sldGuideLst xmlns:p15="http://schemas.microsoft.com/office/powerpoint/2012/main">
         <p15:guide id="1" orient="horz" pos="288">
@@ -6009,7 +6010,7 @@
   <p:transition>
     <p:fade/>
   </p:transition>
-  <p:extLst mod="1">
+  <p:extLst>
     <p:ext uri="{DCECCB84-F9BA-43D5-87BE-67443E8EF086}">
       <p15:sldGuideLst xmlns:p15="http://schemas.microsoft.com/office/powerpoint/2012/main">
         <p15:guide id="1" orient="horz" pos="288">
@@ -6091,7 +6092,7 @@
   <p:transition>
     <p:fade/>
   </p:transition>
-  <p:extLst mod="1">
+  <p:extLst>
     <p:ext uri="{DCECCB84-F9BA-43D5-87BE-67443E8EF086}">
       <p15:sldGuideLst xmlns:p15="http://schemas.microsoft.com/office/powerpoint/2012/main">
         <p15:guide id="3" orient="horz" pos="900">
@@ -6173,7 +6174,7 @@
   <p:transition>
     <p:fade/>
   </p:transition>
-  <p:extLst mod="1">
+  <p:extLst>
     <p:ext uri="{DCECCB84-F9BA-43D5-87BE-67443E8EF086}">
       <p15:sldGuideLst xmlns:p15="http://schemas.microsoft.com/office/powerpoint/2012/main">
         <p15:guide id="6" pos="779">
@@ -6378,7 +6379,7 @@
   <p:transition>
     <p:fade/>
   </p:transition>
-  <p:extLst mod="1">
+  <p:extLst>
     <p:ext uri="{DCECCB84-F9BA-43D5-87BE-67443E8EF086}">
       <p15:sldGuideLst xmlns:p15="http://schemas.microsoft.com/office/powerpoint/2012/main">
         <p15:guide id="6" pos="779">
@@ -6718,7 +6719,7 @@
   <p:transition>
     <p:fade/>
   </p:transition>
-  <p:extLst mod="1">
+  <p:extLst>
     <p:ext uri="{DCECCB84-F9BA-43D5-87BE-67443E8EF086}">
       <p15:sldGuideLst xmlns:p15="http://schemas.microsoft.com/office/powerpoint/2012/main">
         <p15:guide id="2" pos="3359">
@@ -6901,7 +6902,7 @@
   <p:transition>
     <p:fade/>
   </p:transition>
-  <p:extLst mod="1">
+  <p:extLst>
     <p:ext uri="{DCECCB84-F9BA-43D5-87BE-67443E8EF086}">
       <p15:sldGuideLst xmlns:p15="http://schemas.microsoft.com/office/powerpoint/2012/main">
         <p15:guide id="2" pos="3359">
@@ -7069,7 +7070,7 @@
   <p:transition>
     <p:fade/>
   </p:transition>
-  <p:extLst mod="1">
+  <p:extLst>
     <p:ext uri="{DCECCB84-F9BA-43D5-87BE-67443E8EF086}">
       <p15:sldGuideLst xmlns:p15="http://schemas.microsoft.com/office/powerpoint/2012/main">
         <p15:guide id="2" pos="3360">
@@ -7263,7 +7264,7 @@
       </p:transition>
     </mc:Fallback>
   </mc:AlternateContent>
-  <p:extLst mod="1">
+  <p:extLst>
     <p:ext uri="{DCECCB84-F9BA-43D5-87BE-67443E8EF086}">
       <p15:sldGuideLst xmlns:p15="http://schemas.microsoft.com/office/powerpoint/2012/main">
         <p15:guide id="1" orient="horz" pos="2228">
@@ -7452,7 +7453,7 @@
       </p:transition>
     </mc:Fallback>
   </mc:AlternateContent>
-  <p:extLst mod="1">
+  <p:extLst>
     <p:ext uri="{DCECCB84-F9BA-43D5-87BE-67443E8EF086}">
       <p15:sldGuideLst xmlns:p15="http://schemas.microsoft.com/office/powerpoint/2012/main">
         <p15:guide id="1" orient="horz" pos="2160">
@@ -7636,7 +7637,7 @@
       </p:transition>
     </mc:Fallback>
   </mc:AlternateContent>
-  <p:extLst mod="1">
+  <p:extLst>
     <p:ext uri="{DCECCB84-F9BA-43D5-87BE-67443E8EF086}">
       <p15:sldGuideLst xmlns:p15="http://schemas.microsoft.com/office/powerpoint/2012/main">
         <p15:guide id="1" orient="horz" pos="2160">
@@ -7769,7 +7770,7 @@
       </p:transition>
     </mc:Fallback>
   </mc:AlternateContent>
-  <p:extLst mod="1">
+  <p:extLst>
     <p:ext uri="{DCECCB84-F9BA-43D5-87BE-67443E8EF086}">
       <p15:sldGuideLst xmlns:p15="http://schemas.microsoft.com/office/powerpoint/2012/main">
         <p15:guide id="1" orient="horz" pos="2160">
@@ -7897,7 +7898,7 @@
       </p:transition>
     </mc:Fallback>
   </mc:AlternateContent>
-  <p:extLst mod="1">
+  <p:extLst>
     <p:ext uri="{DCECCB84-F9BA-43D5-87BE-67443E8EF086}">
       <p15:sldGuideLst xmlns:p15="http://schemas.microsoft.com/office/powerpoint/2012/main">
         <p15:guide id="1" orient="horz" pos="2160">
@@ -8030,7 +8031,7 @@
       </p:transition>
     </mc:Fallback>
   </mc:AlternateContent>
-  <p:extLst mod="1">
+  <p:extLst>
     <p:ext uri="{DCECCB84-F9BA-43D5-87BE-67443E8EF086}">
       <p15:sldGuideLst xmlns:p15="http://schemas.microsoft.com/office/powerpoint/2012/main">
         <p15:guide id="1" orient="horz" pos="2160">
@@ -8158,7 +8159,7 @@
       </p:transition>
     </mc:Fallback>
   </mc:AlternateContent>
-  <p:extLst mod="1">
+  <p:extLst>
     <p:ext uri="{DCECCB84-F9BA-43D5-87BE-67443E8EF086}">
       <p15:sldGuideLst xmlns:p15="http://schemas.microsoft.com/office/powerpoint/2012/main">
         <p15:guide id="1" orient="horz" pos="2160">
@@ -8217,7 +8218,7 @@
   <p:transition>
     <p:fade/>
   </p:transition>
-  <p:extLst mod="1">
+  <p:extLst>
     <p:ext uri="{DCECCB84-F9BA-43D5-87BE-67443E8EF086}">
       <p15:sldGuideLst xmlns:p15="http://schemas.microsoft.com/office/powerpoint/2012/main">
         <p15:guide id="1" orient="horz" pos="1272">
@@ -8276,7 +8277,7 @@
   <p:transition>
     <p:fade/>
   </p:transition>
-  <p:extLst mod="1">
+  <p:extLst>
     <p:ext uri="{DCECCB84-F9BA-43D5-87BE-67443E8EF086}">
       <p15:sldGuideLst xmlns:p15="http://schemas.microsoft.com/office/powerpoint/2012/main">
         <p15:guide id="1" orient="horz" pos="904">
@@ -8515,7 +8516,7 @@
   <p:transition>
     <p:fade/>
   </p:transition>
-  <p:extLst mod="1">
+  <p:extLst>
     <p:ext uri="{DCECCB84-F9BA-43D5-87BE-67443E8EF086}">
       <p15:sldGuideLst xmlns:p15="http://schemas.microsoft.com/office/powerpoint/2012/main">
         <p15:guide id="1" orient="horz" pos="1272">
@@ -8833,7 +8834,7 @@
   <p:transition>
     <p:fade/>
   </p:transition>
-  <p:extLst mod="1">
+  <p:extLst>
     <p:ext uri="{DCECCB84-F9BA-43D5-87BE-67443E8EF086}">
       <p15:sldGuideLst xmlns:p15="http://schemas.microsoft.com/office/powerpoint/2012/main">
         <p15:guide id="1" orient="horz" pos="288" userDrawn="1">
@@ -9086,7 +9087,7 @@
   <p:transition>
     <p:fade/>
   </p:transition>
-  <p:extLst mod="1">
+  <p:extLst>
     <p:ext uri="{DCECCB84-F9BA-43D5-87BE-67443E8EF086}">
       <p15:sldGuideLst xmlns:p15="http://schemas.microsoft.com/office/powerpoint/2012/main">
         <p15:guide id="1" orient="horz" pos="904">
@@ -9253,7 +9254,7 @@
   <p:transition>
     <p:fade/>
   </p:transition>
-  <p:extLst mod="1">
+  <p:extLst>
     <p:ext uri="{DCECCB84-F9BA-43D5-87BE-67443E8EF086}">
       <p15:sldGuideLst xmlns:p15="http://schemas.microsoft.com/office/powerpoint/2012/main">
         <p15:guide id="2" orient="horz" pos="1272" userDrawn="1">
@@ -9598,7 +9599,7 @@
   <p:transition>
     <p:fade/>
   </p:transition>
-  <p:extLst mod="1">
+  <p:extLst>
     <p:ext uri="{DCECCB84-F9BA-43D5-87BE-67443E8EF086}">
       <p15:sldGuideLst xmlns:p15="http://schemas.microsoft.com/office/powerpoint/2012/main">
         <p15:guide id="1" orient="horz" pos="288" userDrawn="1">
@@ -9943,7 +9944,7 @@
   <p:transition>
     <p:fade/>
   </p:transition>
-  <p:extLst mod="1">
+  <p:extLst>
     <p:ext uri="{DCECCB84-F9BA-43D5-87BE-67443E8EF086}">
       <p15:sldGuideLst xmlns:p15="http://schemas.microsoft.com/office/powerpoint/2012/main">
         <p15:guide id="1" orient="horz" pos="288" userDrawn="1">
@@ -10026,7 +10027,7 @@
   <p:transition>
     <p:fade/>
   </p:transition>
-  <p:extLst mod="1">
+  <p:extLst>
     <p:ext uri="{DCECCB84-F9BA-43D5-87BE-67443E8EF086}">
       <p15:sldGuideLst xmlns:p15="http://schemas.microsoft.com/office/powerpoint/2012/main">
         <p15:guide id="3" orient="horz" pos="900" userDrawn="1">
@@ -12329,7 +12330,7 @@
       </a:lvl9pPr>
     </p:otherStyle>
   </p:txStyles>
-  <p:extLst mod="1">
+  <p:extLst>
     <p:ext uri="{27BBF7A9-308A-43DC-89C8-2F10F3537804}">
       <p15:sldGuideLst xmlns:p15="http://schemas.microsoft.com/office/powerpoint/2012/main">
         <p15:guide id="16" pos="368" userDrawn="1">
@@ -14624,7 +14625,7 @@
       </a:lvl9pPr>
     </p:otherStyle>
   </p:txStyles>
-  <p:extLst mod="1">
+  <p:extLst>
     <p:ext uri="{27BBF7A9-308A-43DC-89C8-2F10F3537804}">
       <p15:sldGuideLst xmlns:p15="http://schemas.microsoft.com/office/powerpoint/2012/main">
         <p15:guide id="16" pos="368">
@@ -16441,6 +16442,1808 @@
           <a:chExt cx="0" cy="0"/>
         </a:xfrm>
       </p:grpSpPr>
+      <p:grpSp>
+        <p:nvGrpSpPr>
+          <p:cNvPr id="21" name="グループ化 20">
+            <a:extLst>
+              <a:ext uri="{FF2B5EF4-FFF2-40B4-BE49-F238E27FC236}">
+                <a16:creationId xmlns:a16="http://schemas.microsoft.com/office/drawing/2014/main" id="{503FCDB1-49F6-8B45-AE71-C0CB277C1322}"/>
+              </a:ext>
+            </a:extLst>
+          </p:cNvPr>
+          <p:cNvGrpSpPr/>
+          <p:nvPr/>
+        </p:nvGrpSpPr>
+        <p:grpSpPr>
+          <a:xfrm>
+            <a:off x="6597143" y="2420331"/>
+            <a:ext cx="1504744" cy="1173212"/>
+            <a:chOff x="4224017" y="2365324"/>
+            <a:chExt cx="1504744" cy="1173212"/>
+          </a:xfrm>
+        </p:grpSpPr>
+        <p:pic>
+          <p:nvPicPr>
+            <p:cNvPr id="4" name="図 3">
+              <a:extLst>
+                <a:ext uri="{FF2B5EF4-FFF2-40B4-BE49-F238E27FC236}">
+                  <a16:creationId xmlns:a16="http://schemas.microsoft.com/office/drawing/2014/main" id="{40E8A2D4-A42A-774E-8035-685AB1BC1422}"/>
+                </a:ext>
+              </a:extLst>
+            </p:cNvPr>
+            <p:cNvPicPr>
+              <a:picLocks noChangeAspect="1"/>
+            </p:cNvPicPr>
+            <p:nvPr/>
+          </p:nvPicPr>
+          <p:blipFill>
+            <a:blip r:embed="rId2"/>
+            <a:stretch>
+              <a:fillRect/>
+            </a:stretch>
+          </p:blipFill>
+          <p:spPr>
+            <a:xfrm>
+              <a:off x="4596654" y="2365324"/>
+              <a:ext cx="759471" cy="759471"/>
+            </a:xfrm>
+            <a:prstGeom prst="rect">
+              <a:avLst/>
+            </a:prstGeom>
+          </p:spPr>
+        </p:pic>
+        <p:sp>
+          <p:nvSpPr>
+            <p:cNvPr id="14" name="テキスト ボックス 13">
+              <a:extLst>
+                <a:ext uri="{FF2B5EF4-FFF2-40B4-BE49-F238E27FC236}">
+                  <a16:creationId xmlns:a16="http://schemas.microsoft.com/office/drawing/2014/main" id="{DF7A4EBA-62D8-4642-BAC8-1A67AFEA09B7}"/>
+                </a:ext>
+              </a:extLst>
+            </p:cNvPr>
+            <p:cNvSpPr txBox="1"/>
+            <p:nvPr/>
+          </p:nvSpPr>
+          <p:spPr>
+            <a:xfrm>
+              <a:off x="4224017" y="3027280"/>
+              <a:ext cx="1504744" cy="511256"/>
+            </a:xfrm>
+            <a:prstGeom prst="rect">
+              <a:avLst/>
+            </a:prstGeom>
+            <a:noFill/>
+          </p:spPr>
+          <p:txBody>
+            <a:bodyPr wrap="square" lIns="179285" tIns="143428" rIns="179285" bIns="143428" rtlCol="0">
+              <a:spAutoFit/>
+            </a:bodyPr>
+            <a:lstStyle/>
+            <a:p>
+              <a:pPr algn="ctr">
+                <a:lnSpc>
+                  <a:spcPct val="90000"/>
+                </a:lnSpc>
+                <a:spcAft>
+                  <a:spcPts val="588"/>
+                </a:spcAft>
+              </a:pPr>
+              <a:r>
+                <a:rPr kumimoji="1" lang="en-US" altLang="ja-JP" sz="1600" dirty="0">
+                  <a:gradFill>
+                    <a:gsLst>
+                      <a:gs pos="2917">
+                        <a:schemeClr val="tx1"/>
+                      </a:gs>
+                      <a:gs pos="30000">
+                        <a:schemeClr val="tx1"/>
+                      </a:gs>
+                    </a:gsLst>
+                    <a:lin ang="5400000" scaled="0"/>
+                  </a:gradFill>
+                  <a:latin typeface="Meiryo UI" panose="020B0604030504040204" pitchFamily="34" charset="-128"/>
+                  <a:ea typeface="Meiryo UI" panose="020B0604030504040204" pitchFamily="34" charset="-128"/>
+                </a:rPr>
+                <a:t>IoT Hub</a:t>
+              </a:r>
+              <a:endParaRPr kumimoji="1" lang="ja-JP" altLang="en-US" sz="1600" dirty="0">
+                <a:gradFill>
+                  <a:gsLst>
+                    <a:gs pos="2917">
+                      <a:schemeClr val="tx1"/>
+                    </a:gs>
+                    <a:gs pos="30000">
+                      <a:schemeClr val="tx1"/>
+                    </a:gs>
+                  </a:gsLst>
+                  <a:lin ang="5400000" scaled="0"/>
+                </a:gradFill>
+                <a:latin typeface="Meiryo UI" panose="020B0604030504040204" pitchFamily="34" charset="-128"/>
+                <a:ea typeface="Meiryo UI" panose="020B0604030504040204" pitchFamily="34" charset="-128"/>
+              </a:endParaRPr>
+            </a:p>
+          </p:txBody>
+        </p:sp>
+      </p:grpSp>
+      <p:grpSp>
+        <p:nvGrpSpPr>
+          <p:cNvPr id="22" name="グループ化 21">
+            <a:extLst>
+              <a:ext uri="{FF2B5EF4-FFF2-40B4-BE49-F238E27FC236}">
+                <a16:creationId xmlns:a16="http://schemas.microsoft.com/office/drawing/2014/main" id="{EFE3CA81-1AFF-0B4A-8995-E94C3F8FC4AC}"/>
+              </a:ext>
+            </a:extLst>
+          </p:cNvPr>
+          <p:cNvGrpSpPr/>
+          <p:nvPr/>
+        </p:nvGrpSpPr>
+        <p:grpSpPr>
+          <a:xfrm>
+            <a:off x="8828945" y="4632944"/>
+            <a:ext cx="1504744" cy="1310075"/>
+            <a:chOff x="6759624" y="1166049"/>
+            <a:chExt cx="1504744" cy="1310075"/>
+          </a:xfrm>
+        </p:grpSpPr>
+        <p:pic>
+          <p:nvPicPr>
+            <p:cNvPr id="6" name="グラフィックス 5">
+              <a:extLst>
+                <a:ext uri="{FF2B5EF4-FFF2-40B4-BE49-F238E27FC236}">
+                  <a16:creationId xmlns:a16="http://schemas.microsoft.com/office/drawing/2014/main" id="{2B9907B9-AB0E-9D46-A102-524FB6ACBFB4}"/>
+                </a:ext>
+              </a:extLst>
+            </p:cNvPr>
+            <p:cNvPicPr>
+              <a:picLocks noChangeAspect="1"/>
+            </p:cNvPicPr>
+            <p:nvPr/>
+          </p:nvPicPr>
+          <p:blipFill>
+            <a:blip r:embed="rId3">
+              <a:extLst>
+                <a:ext uri="{96DAC541-7B7A-43D3-8B79-37D633B846F1}">
+                  <asvg:svgBlip xmlns:asvg="http://schemas.microsoft.com/office/drawing/2016/SVG/main" r:embed="rId4"/>
+                </a:ext>
+              </a:extLst>
+            </a:blip>
+            <a:stretch>
+              <a:fillRect/>
+            </a:stretch>
+          </p:blipFill>
+          <p:spPr>
+            <a:xfrm>
+              <a:off x="7159073" y="1166049"/>
+              <a:ext cx="705846" cy="705846"/>
+            </a:xfrm>
+            <a:prstGeom prst="rect">
+              <a:avLst/>
+            </a:prstGeom>
+          </p:spPr>
+        </p:pic>
+        <p:sp>
+          <p:nvSpPr>
+            <p:cNvPr id="16" name="テキスト ボックス 15">
+              <a:extLst>
+                <a:ext uri="{FF2B5EF4-FFF2-40B4-BE49-F238E27FC236}">
+                  <a16:creationId xmlns:a16="http://schemas.microsoft.com/office/drawing/2014/main" id="{B8CC1E0E-53A7-8840-985B-D2CD8FBD4326}"/>
+                </a:ext>
+              </a:extLst>
+            </p:cNvPr>
+            <p:cNvSpPr txBox="1"/>
+            <p:nvPr/>
+          </p:nvSpPr>
+          <p:spPr>
+            <a:xfrm>
+              <a:off x="6759624" y="1743268"/>
+              <a:ext cx="1504744" cy="732856"/>
+            </a:xfrm>
+            <a:prstGeom prst="rect">
+              <a:avLst/>
+            </a:prstGeom>
+            <a:noFill/>
+          </p:spPr>
+          <p:txBody>
+            <a:bodyPr wrap="square" lIns="179285" tIns="143428" rIns="179285" bIns="143428" rtlCol="0">
+              <a:spAutoFit/>
+            </a:bodyPr>
+            <a:lstStyle/>
+            <a:p>
+              <a:pPr algn="ctr">
+                <a:lnSpc>
+                  <a:spcPct val="90000"/>
+                </a:lnSpc>
+                <a:spcAft>
+                  <a:spcPts val="588"/>
+                </a:spcAft>
+              </a:pPr>
+              <a:r>
+                <a:rPr kumimoji="1" lang="en-US" altLang="ja-JP" sz="1600" dirty="0">
+                  <a:gradFill>
+                    <a:gsLst>
+                      <a:gs pos="2917">
+                        <a:schemeClr val="tx1"/>
+                      </a:gs>
+                      <a:gs pos="30000">
+                        <a:schemeClr val="tx1"/>
+                      </a:gs>
+                    </a:gsLst>
+                    <a:lin ang="5400000" scaled="0"/>
+                  </a:gradFill>
+                  <a:latin typeface="Meiryo UI" panose="020B0604030504040204" pitchFamily="34" charset="-128"/>
+                  <a:ea typeface="Meiryo UI" panose="020B0604030504040204" pitchFamily="34" charset="-128"/>
+                </a:rPr>
+                <a:t>Timeseries</a:t>
+              </a:r>
+              <a:br>
+                <a:rPr kumimoji="1" lang="en-US" altLang="ja-JP" sz="1600" dirty="0">
+                  <a:gradFill>
+                    <a:gsLst>
+                      <a:gs pos="2917">
+                        <a:schemeClr val="tx1"/>
+                      </a:gs>
+                      <a:gs pos="30000">
+                        <a:schemeClr val="tx1"/>
+                      </a:gs>
+                    </a:gsLst>
+                    <a:lin ang="5400000" scaled="0"/>
+                  </a:gradFill>
+                  <a:latin typeface="Meiryo UI" panose="020B0604030504040204" pitchFamily="34" charset="-128"/>
+                  <a:ea typeface="Meiryo UI" panose="020B0604030504040204" pitchFamily="34" charset="-128"/>
+                </a:rPr>
+              </a:br>
+              <a:r>
+                <a:rPr kumimoji="1" lang="en-US" altLang="ja-JP" sz="1600" dirty="0">
+                  <a:gradFill>
+                    <a:gsLst>
+                      <a:gs pos="2917">
+                        <a:schemeClr val="tx1"/>
+                      </a:gs>
+                      <a:gs pos="30000">
+                        <a:schemeClr val="tx1"/>
+                      </a:gs>
+                    </a:gsLst>
+                    <a:lin ang="5400000" scaled="0"/>
+                  </a:gradFill>
+                  <a:latin typeface="Meiryo UI" panose="020B0604030504040204" pitchFamily="34" charset="-128"/>
+                  <a:ea typeface="Meiryo UI" panose="020B0604030504040204" pitchFamily="34" charset="-128"/>
+                </a:rPr>
+                <a:t>Insights</a:t>
+              </a:r>
+              <a:endParaRPr kumimoji="1" lang="ja-JP" altLang="en-US" sz="1600" dirty="0">
+                <a:gradFill>
+                  <a:gsLst>
+                    <a:gs pos="2917">
+                      <a:schemeClr val="tx1"/>
+                    </a:gs>
+                    <a:gs pos="30000">
+                      <a:schemeClr val="tx1"/>
+                    </a:gs>
+                  </a:gsLst>
+                  <a:lin ang="5400000" scaled="0"/>
+                </a:gradFill>
+                <a:latin typeface="Meiryo UI" panose="020B0604030504040204" pitchFamily="34" charset="-128"/>
+                <a:ea typeface="Meiryo UI" panose="020B0604030504040204" pitchFamily="34" charset="-128"/>
+              </a:endParaRPr>
+            </a:p>
+          </p:txBody>
+        </p:sp>
+      </p:grpSp>
+      <p:cxnSp>
+        <p:nvCxnSpPr>
+          <p:cNvPr id="28" name="直線矢印コネクタ 27">
+            <a:extLst>
+              <a:ext uri="{FF2B5EF4-FFF2-40B4-BE49-F238E27FC236}">
+                <a16:creationId xmlns:a16="http://schemas.microsoft.com/office/drawing/2014/main" id="{B92EEDDA-EA12-DE4D-BF91-F61BD22564BE}"/>
+              </a:ext>
+            </a:extLst>
+          </p:cNvPr>
+          <p:cNvCxnSpPr>
+            <a:cxnSpLocks/>
+            <a:stCxn id="67" idx="3"/>
+            <a:endCxn id="4" idx="1"/>
+          </p:cNvCxnSpPr>
+          <p:nvPr/>
+        </p:nvCxnSpPr>
+        <p:spPr>
+          <a:xfrm flipV="1">
+            <a:off x="5138275" y="2800067"/>
+            <a:ext cx="1831505" cy="2080135"/>
+          </a:xfrm>
+          <a:prstGeom prst="straightConnector1">
+            <a:avLst/>
+          </a:prstGeom>
+          <a:ln>
+            <a:solidFill>
+              <a:schemeClr val="tx1"/>
+            </a:solidFill>
+            <a:headEnd type="none" w="lg" len="med"/>
+            <a:tailEnd type="triangle"/>
+          </a:ln>
+        </p:spPr>
+        <p:style>
+          <a:lnRef idx="1">
+            <a:schemeClr val="accent1"/>
+          </a:lnRef>
+          <a:fillRef idx="0">
+            <a:schemeClr val="accent1"/>
+          </a:fillRef>
+          <a:effectRef idx="0">
+            <a:schemeClr val="accent1"/>
+          </a:effectRef>
+          <a:fontRef idx="minor">
+            <a:schemeClr val="tx1"/>
+          </a:fontRef>
+        </p:style>
+      </p:cxnSp>
+      <p:cxnSp>
+        <p:nvCxnSpPr>
+          <p:cNvPr id="41" name="直線矢印コネクタ 37">
+            <a:extLst>
+              <a:ext uri="{FF2B5EF4-FFF2-40B4-BE49-F238E27FC236}">
+                <a16:creationId xmlns:a16="http://schemas.microsoft.com/office/drawing/2014/main" id="{5B4031C1-23C4-8B42-91C5-8162BF7E148F}"/>
+              </a:ext>
+            </a:extLst>
+          </p:cNvPr>
+          <p:cNvCxnSpPr>
+            <a:cxnSpLocks/>
+            <a:stCxn id="4" idx="3"/>
+            <a:endCxn id="6" idx="1"/>
+          </p:cNvCxnSpPr>
+          <p:nvPr/>
+        </p:nvCxnSpPr>
+        <p:spPr>
+          <a:xfrm>
+            <a:off x="7729251" y="2800067"/>
+            <a:ext cx="1499143" cy="2185800"/>
+          </a:xfrm>
+          <a:prstGeom prst="bentConnector3">
+            <a:avLst>
+              <a:gd name="adj1" fmla="val 50000"/>
+            </a:avLst>
+          </a:prstGeom>
+          <a:ln>
+            <a:solidFill>
+              <a:schemeClr val="tx1"/>
+            </a:solidFill>
+            <a:headEnd type="none" w="lg" len="med"/>
+            <a:tailEnd type="triangle"/>
+          </a:ln>
+        </p:spPr>
+        <p:style>
+          <a:lnRef idx="1">
+            <a:schemeClr val="accent1"/>
+          </a:lnRef>
+          <a:fillRef idx="0">
+            <a:schemeClr val="accent1"/>
+          </a:fillRef>
+          <a:effectRef idx="0">
+            <a:schemeClr val="accent1"/>
+          </a:effectRef>
+          <a:fontRef idx="minor">
+            <a:schemeClr val="tx1"/>
+          </a:fontRef>
+        </p:style>
+      </p:cxnSp>
+      <p:pic>
+        <p:nvPicPr>
+          <p:cNvPr id="45" name="図 44">
+            <a:extLst>
+              <a:ext uri="{FF2B5EF4-FFF2-40B4-BE49-F238E27FC236}">
+                <a16:creationId xmlns:a16="http://schemas.microsoft.com/office/drawing/2014/main" id="{1DB380B7-93C4-2247-B282-07D23DA28E68}"/>
+              </a:ext>
+            </a:extLst>
+          </p:cNvPr>
+          <p:cNvPicPr>
+            <a:picLocks noChangeAspect="1"/>
+          </p:cNvPicPr>
+          <p:nvPr/>
+        </p:nvPicPr>
+        <p:blipFill>
+          <a:blip r:embed="rId5"/>
+          <a:stretch>
+            <a:fillRect/>
+          </a:stretch>
+        </p:blipFill>
+        <p:spPr>
+          <a:xfrm>
+            <a:off x="869962" y="3695495"/>
+            <a:ext cx="705847" cy="705847"/>
+          </a:xfrm>
+          <a:prstGeom prst="rect">
+            <a:avLst/>
+          </a:prstGeom>
+        </p:spPr>
+      </p:pic>
+      <p:pic>
+        <p:nvPicPr>
+          <p:cNvPr id="46" name="図 45">
+            <a:extLst>
+              <a:ext uri="{FF2B5EF4-FFF2-40B4-BE49-F238E27FC236}">
+                <a16:creationId xmlns:a16="http://schemas.microsoft.com/office/drawing/2014/main" id="{26A87941-6342-F44C-B75C-05D99AA2270C}"/>
+              </a:ext>
+            </a:extLst>
+          </p:cNvPr>
+          <p:cNvPicPr>
+            <a:picLocks noChangeAspect="1"/>
+          </p:cNvPicPr>
+          <p:nvPr/>
+        </p:nvPicPr>
+        <p:blipFill>
+          <a:blip r:embed="rId5"/>
+          <a:stretch>
+            <a:fillRect/>
+          </a:stretch>
+        </p:blipFill>
+        <p:spPr>
+          <a:xfrm>
+            <a:off x="627636" y="4340840"/>
+            <a:ext cx="705847" cy="705847"/>
+          </a:xfrm>
+          <a:prstGeom prst="rect">
+            <a:avLst/>
+          </a:prstGeom>
+        </p:spPr>
+      </p:pic>
+      <p:pic>
+        <p:nvPicPr>
+          <p:cNvPr id="47" name="図 46">
+            <a:extLst>
+              <a:ext uri="{FF2B5EF4-FFF2-40B4-BE49-F238E27FC236}">
+                <a16:creationId xmlns:a16="http://schemas.microsoft.com/office/drawing/2014/main" id="{BBD7947B-C066-7A48-9D73-0DA3A3E951A7}"/>
+              </a:ext>
+            </a:extLst>
+          </p:cNvPr>
+          <p:cNvPicPr>
+            <a:picLocks noChangeAspect="1"/>
+          </p:cNvPicPr>
+          <p:nvPr/>
+        </p:nvPicPr>
+        <p:blipFill>
+          <a:blip r:embed="rId5"/>
+          <a:stretch>
+            <a:fillRect/>
+          </a:stretch>
+        </p:blipFill>
+        <p:spPr>
+          <a:xfrm>
+            <a:off x="355772" y="4986184"/>
+            <a:ext cx="705847" cy="705847"/>
+          </a:xfrm>
+          <a:prstGeom prst="rect">
+            <a:avLst/>
+          </a:prstGeom>
+        </p:spPr>
+      </p:pic>
+      <p:cxnSp>
+        <p:nvCxnSpPr>
+          <p:cNvPr id="48" name="直線矢印コネクタ 47">
+            <a:extLst>
+              <a:ext uri="{FF2B5EF4-FFF2-40B4-BE49-F238E27FC236}">
+                <a16:creationId xmlns:a16="http://schemas.microsoft.com/office/drawing/2014/main" id="{D8A4E8AA-1C95-2746-BC1C-94AEA9ABE95F}"/>
+              </a:ext>
+            </a:extLst>
+          </p:cNvPr>
+          <p:cNvCxnSpPr>
+            <a:cxnSpLocks/>
+            <a:stCxn id="45" idx="3"/>
+            <a:endCxn id="31" idx="1"/>
+          </p:cNvCxnSpPr>
+          <p:nvPr/>
+        </p:nvCxnSpPr>
+        <p:spPr>
+          <a:xfrm>
+            <a:off x="1575809" y="4048419"/>
+            <a:ext cx="1178206" cy="577765"/>
+          </a:xfrm>
+          <a:prstGeom prst="straightConnector1">
+            <a:avLst/>
+          </a:prstGeom>
+          <a:ln>
+            <a:solidFill>
+              <a:schemeClr val="tx1"/>
+            </a:solidFill>
+            <a:headEnd type="none" w="lg" len="med"/>
+            <a:tailEnd type="triangle"/>
+          </a:ln>
+        </p:spPr>
+        <p:style>
+          <a:lnRef idx="1">
+            <a:schemeClr val="accent1"/>
+          </a:lnRef>
+          <a:fillRef idx="0">
+            <a:schemeClr val="accent1"/>
+          </a:fillRef>
+          <a:effectRef idx="0">
+            <a:schemeClr val="accent1"/>
+          </a:effectRef>
+          <a:fontRef idx="minor">
+            <a:schemeClr val="tx1"/>
+          </a:fontRef>
+        </p:style>
+      </p:cxnSp>
+      <p:cxnSp>
+        <p:nvCxnSpPr>
+          <p:cNvPr id="51" name="直線矢印コネクタ 50">
+            <a:extLst>
+              <a:ext uri="{FF2B5EF4-FFF2-40B4-BE49-F238E27FC236}">
+                <a16:creationId xmlns:a16="http://schemas.microsoft.com/office/drawing/2014/main" id="{1876CB36-845E-AA40-84E2-52E826C528DF}"/>
+              </a:ext>
+            </a:extLst>
+          </p:cNvPr>
+          <p:cNvCxnSpPr>
+            <a:cxnSpLocks/>
+            <a:stCxn id="46" idx="3"/>
+            <a:endCxn id="31" idx="1"/>
+          </p:cNvCxnSpPr>
+          <p:nvPr/>
+        </p:nvCxnSpPr>
+        <p:spPr>
+          <a:xfrm flipV="1">
+            <a:off x="1333483" y="4626184"/>
+            <a:ext cx="1420532" cy="67580"/>
+          </a:xfrm>
+          <a:prstGeom prst="straightConnector1">
+            <a:avLst/>
+          </a:prstGeom>
+          <a:ln>
+            <a:solidFill>
+              <a:schemeClr val="tx1"/>
+            </a:solidFill>
+            <a:headEnd type="none" w="lg" len="med"/>
+            <a:tailEnd type="triangle"/>
+          </a:ln>
+        </p:spPr>
+        <p:style>
+          <a:lnRef idx="1">
+            <a:schemeClr val="accent1"/>
+          </a:lnRef>
+          <a:fillRef idx="0">
+            <a:schemeClr val="accent1"/>
+          </a:fillRef>
+          <a:effectRef idx="0">
+            <a:schemeClr val="accent1"/>
+          </a:effectRef>
+          <a:fontRef idx="minor">
+            <a:schemeClr val="tx1"/>
+          </a:fontRef>
+        </p:style>
+      </p:cxnSp>
+      <p:cxnSp>
+        <p:nvCxnSpPr>
+          <p:cNvPr id="54" name="直線矢印コネクタ 53">
+            <a:extLst>
+              <a:ext uri="{FF2B5EF4-FFF2-40B4-BE49-F238E27FC236}">
+                <a16:creationId xmlns:a16="http://schemas.microsoft.com/office/drawing/2014/main" id="{099A41C7-DD51-9641-B1A0-470BD223C8FF}"/>
+              </a:ext>
+            </a:extLst>
+          </p:cNvPr>
+          <p:cNvCxnSpPr>
+            <a:cxnSpLocks/>
+            <a:stCxn id="47" idx="3"/>
+            <a:endCxn id="31" idx="1"/>
+          </p:cNvCxnSpPr>
+          <p:nvPr/>
+        </p:nvCxnSpPr>
+        <p:spPr>
+          <a:xfrm flipV="1">
+            <a:off x="1061619" y="4626184"/>
+            <a:ext cx="1692396" cy="712924"/>
+          </a:xfrm>
+          <a:prstGeom prst="straightConnector1">
+            <a:avLst/>
+          </a:prstGeom>
+          <a:ln>
+            <a:solidFill>
+              <a:schemeClr val="tx1"/>
+            </a:solidFill>
+            <a:headEnd type="none" w="lg" len="med"/>
+            <a:tailEnd type="triangle"/>
+          </a:ln>
+        </p:spPr>
+        <p:style>
+          <a:lnRef idx="1">
+            <a:schemeClr val="accent1"/>
+          </a:lnRef>
+          <a:fillRef idx="0">
+            <a:schemeClr val="accent1"/>
+          </a:fillRef>
+          <a:effectRef idx="0">
+            <a:schemeClr val="accent1"/>
+          </a:effectRef>
+          <a:fontRef idx="minor">
+            <a:schemeClr val="tx1"/>
+          </a:fontRef>
+        </p:style>
+      </p:cxnSp>
+      <p:grpSp>
+        <p:nvGrpSpPr>
+          <p:cNvPr id="57" name="グループ化 56">
+            <a:extLst>
+              <a:ext uri="{FF2B5EF4-FFF2-40B4-BE49-F238E27FC236}">
+                <a16:creationId xmlns:a16="http://schemas.microsoft.com/office/drawing/2014/main" id="{9E35B6D2-0357-904C-A265-324397B0659B}"/>
+              </a:ext>
+            </a:extLst>
+          </p:cNvPr>
+          <p:cNvGrpSpPr/>
+          <p:nvPr/>
+        </p:nvGrpSpPr>
+        <p:grpSpPr>
+          <a:xfrm>
+            <a:off x="3373960" y="1145679"/>
+            <a:ext cx="1504744" cy="1763820"/>
+            <a:chOff x="958588" y="2398036"/>
+            <a:chExt cx="1504744" cy="1763820"/>
+          </a:xfrm>
+        </p:grpSpPr>
+        <p:pic>
+          <p:nvPicPr>
+            <p:cNvPr id="58" name="図 57">
+              <a:extLst>
+                <a:ext uri="{FF2B5EF4-FFF2-40B4-BE49-F238E27FC236}">
+                  <a16:creationId xmlns:a16="http://schemas.microsoft.com/office/drawing/2014/main" id="{B2419187-A5BC-E643-90C3-4E047B2DE2F8}"/>
+                </a:ext>
+              </a:extLst>
+            </p:cNvPr>
+            <p:cNvPicPr>
+              <a:picLocks noChangeAspect="1"/>
+            </p:cNvPicPr>
+            <p:nvPr/>
+          </p:nvPicPr>
+          <p:blipFill>
+            <a:blip r:embed="rId6"/>
+            <a:stretch>
+              <a:fillRect/>
+            </a:stretch>
+          </p:blipFill>
+          <p:spPr>
+            <a:xfrm>
+              <a:off x="1131151" y="2398036"/>
+              <a:ext cx="1159618" cy="1331993"/>
+            </a:xfrm>
+            <a:prstGeom prst="rect">
+              <a:avLst/>
+            </a:prstGeom>
+          </p:spPr>
+        </p:pic>
+        <p:sp>
+          <p:nvSpPr>
+            <p:cNvPr id="59" name="テキスト ボックス 58">
+              <a:extLst>
+                <a:ext uri="{FF2B5EF4-FFF2-40B4-BE49-F238E27FC236}">
+                  <a16:creationId xmlns:a16="http://schemas.microsoft.com/office/drawing/2014/main" id="{3A859A5E-FE28-0741-B5AD-9E3909ADC003}"/>
+                </a:ext>
+              </a:extLst>
+            </p:cNvPr>
+            <p:cNvSpPr txBox="1"/>
+            <p:nvPr/>
+          </p:nvSpPr>
+          <p:spPr>
+            <a:xfrm>
+              <a:off x="958588" y="3429000"/>
+              <a:ext cx="1504744" cy="732856"/>
+            </a:xfrm>
+            <a:prstGeom prst="rect">
+              <a:avLst/>
+            </a:prstGeom>
+            <a:noFill/>
+          </p:spPr>
+          <p:txBody>
+            <a:bodyPr wrap="square" lIns="179285" tIns="143428" rIns="179285" bIns="143428" rtlCol="0">
+              <a:spAutoFit/>
+            </a:bodyPr>
+            <a:lstStyle/>
+            <a:p>
+              <a:pPr algn="ctr">
+                <a:lnSpc>
+                  <a:spcPct val="90000"/>
+                </a:lnSpc>
+                <a:spcAft>
+                  <a:spcPts val="588"/>
+                </a:spcAft>
+              </a:pPr>
+              <a:r>
+                <a:rPr kumimoji="1" lang="en-US" altLang="ja-JP" sz="1600" dirty="0">
+                  <a:gradFill>
+                    <a:gsLst>
+                      <a:gs pos="2917">
+                        <a:schemeClr val="tx1"/>
+                      </a:gs>
+                      <a:gs pos="30000">
+                        <a:schemeClr val="tx1"/>
+                      </a:gs>
+                    </a:gsLst>
+                    <a:lin ang="5400000" scaled="0"/>
+                  </a:gradFill>
+                  <a:latin typeface="Meiryo UI" panose="020B0604030504040204" pitchFamily="34" charset="-128"/>
+                  <a:ea typeface="Meiryo UI" panose="020B0604030504040204" pitchFamily="34" charset="-128"/>
+                </a:rPr>
+                <a:t>IoT Hub</a:t>
+              </a:r>
+              <a:br>
+                <a:rPr kumimoji="1" lang="en-US" altLang="ja-JP" sz="1600" dirty="0">
+                  <a:gradFill>
+                    <a:gsLst>
+                      <a:gs pos="2917">
+                        <a:schemeClr val="tx1"/>
+                      </a:gs>
+                      <a:gs pos="30000">
+                        <a:schemeClr val="tx1"/>
+                      </a:gs>
+                    </a:gsLst>
+                    <a:lin ang="5400000" scaled="0"/>
+                  </a:gradFill>
+                  <a:latin typeface="Meiryo UI" panose="020B0604030504040204" pitchFamily="34" charset="-128"/>
+                  <a:ea typeface="Meiryo UI" panose="020B0604030504040204" pitchFamily="34" charset="-128"/>
+                </a:rPr>
+              </a:br>
+              <a:r>
+                <a:rPr kumimoji="1" lang="en-US" altLang="ja-JP" sz="1600" dirty="0">
+                  <a:gradFill>
+                    <a:gsLst>
+                      <a:gs pos="2917">
+                        <a:schemeClr val="tx1"/>
+                      </a:gs>
+                      <a:gs pos="30000">
+                        <a:schemeClr val="tx1"/>
+                      </a:gs>
+                    </a:gsLst>
+                    <a:lin ang="5400000" scaled="0"/>
+                  </a:gradFill>
+                  <a:latin typeface="Meiryo UI" panose="020B0604030504040204" pitchFamily="34" charset="-128"/>
+                  <a:ea typeface="Meiryo UI" panose="020B0604030504040204" pitchFamily="34" charset="-128"/>
+                </a:rPr>
+                <a:t>SDK</a:t>
+              </a:r>
+              <a:endParaRPr kumimoji="1" lang="ja-JP" altLang="en-US" sz="1600" dirty="0">
+                <a:gradFill>
+                  <a:gsLst>
+                    <a:gs pos="2917">
+                      <a:schemeClr val="tx1"/>
+                    </a:gs>
+                    <a:gs pos="30000">
+                      <a:schemeClr val="tx1"/>
+                    </a:gs>
+                  </a:gsLst>
+                  <a:lin ang="5400000" scaled="0"/>
+                </a:gradFill>
+                <a:latin typeface="Meiryo UI" panose="020B0604030504040204" pitchFamily="34" charset="-128"/>
+                <a:ea typeface="Meiryo UI" panose="020B0604030504040204" pitchFamily="34" charset="-128"/>
+              </a:endParaRPr>
+            </a:p>
+          </p:txBody>
+        </p:sp>
+      </p:grpSp>
+      <p:grpSp>
+        <p:nvGrpSpPr>
+          <p:cNvPr id="61" name="グループ化 60">
+            <a:extLst>
+              <a:ext uri="{FF2B5EF4-FFF2-40B4-BE49-F238E27FC236}">
+                <a16:creationId xmlns:a16="http://schemas.microsoft.com/office/drawing/2014/main" id="{8EBE440B-F272-764D-83D2-500D5D97847C}"/>
+              </a:ext>
+            </a:extLst>
+          </p:cNvPr>
+          <p:cNvGrpSpPr/>
+          <p:nvPr/>
+        </p:nvGrpSpPr>
+        <p:grpSpPr>
+          <a:xfrm>
+            <a:off x="2347575" y="4273261"/>
+            <a:ext cx="1504744" cy="1196004"/>
+            <a:chOff x="2496918" y="2881016"/>
+            <a:chExt cx="1504744" cy="1196004"/>
+          </a:xfrm>
+        </p:grpSpPr>
+        <p:pic>
+          <p:nvPicPr>
+            <p:cNvPr id="31" name="グラフィックス 30">
+              <a:extLst>
+                <a:ext uri="{FF2B5EF4-FFF2-40B4-BE49-F238E27FC236}">
+                  <a16:creationId xmlns:a16="http://schemas.microsoft.com/office/drawing/2014/main" id="{5DE44B85-1193-204B-AA05-961967BB6650}"/>
+                </a:ext>
+              </a:extLst>
+            </p:cNvPr>
+            <p:cNvPicPr>
+              <a:picLocks noChangeAspect="1"/>
+            </p:cNvPicPr>
+            <p:nvPr/>
+          </p:nvPicPr>
+          <p:blipFill>
+            <a:blip r:embed="rId7">
+              <a:extLst>
+                <a:ext uri="{96DAC541-7B7A-43D3-8B79-37D633B846F1}">
+                  <asvg:svgBlip xmlns:asvg="http://schemas.microsoft.com/office/drawing/2016/SVG/main" r:embed="rId8"/>
+                </a:ext>
+              </a:extLst>
+            </a:blip>
+            <a:stretch>
+              <a:fillRect/>
+            </a:stretch>
+          </p:blipFill>
+          <p:spPr>
+            <a:xfrm>
+              <a:off x="2903358" y="2881016"/>
+              <a:ext cx="705846" cy="705846"/>
+            </a:xfrm>
+            <a:prstGeom prst="rect">
+              <a:avLst/>
+            </a:prstGeom>
+          </p:spPr>
+        </p:pic>
+        <p:sp>
+          <p:nvSpPr>
+            <p:cNvPr id="60" name="テキスト ボックス 59">
+              <a:extLst>
+                <a:ext uri="{FF2B5EF4-FFF2-40B4-BE49-F238E27FC236}">
+                  <a16:creationId xmlns:a16="http://schemas.microsoft.com/office/drawing/2014/main" id="{EB12C24C-E82E-A94F-A06B-5E422D281341}"/>
+                </a:ext>
+              </a:extLst>
+            </p:cNvPr>
+            <p:cNvSpPr txBox="1"/>
+            <p:nvPr/>
+          </p:nvSpPr>
+          <p:spPr>
+            <a:xfrm>
+              <a:off x="2496918" y="3565764"/>
+              <a:ext cx="1504744" cy="511256"/>
+            </a:xfrm>
+            <a:prstGeom prst="rect">
+              <a:avLst/>
+            </a:prstGeom>
+            <a:noFill/>
+          </p:spPr>
+          <p:txBody>
+            <a:bodyPr wrap="square" lIns="179285" tIns="143428" rIns="179285" bIns="143428" rtlCol="0">
+              <a:spAutoFit/>
+            </a:bodyPr>
+            <a:lstStyle/>
+            <a:p>
+              <a:pPr algn="ctr">
+                <a:lnSpc>
+                  <a:spcPct val="90000"/>
+                </a:lnSpc>
+                <a:spcAft>
+                  <a:spcPts val="588"/>
+                </a:spcAft>
+              </a:pPr>
+              <a:r>
+                <a:rPr kumimoji="1" lang="en-US" altLang="ja-JP" sz="1600" dirty="0">
+                  <a:gradFill>
+                    <a:gsLst>
+                      <a:gs pos="2917">
+                        <a:schemeClr val="tx1"/>
+                      </a:gs>
+                      <a:gs pos="30000">
+                        <a:schemeClr val="tx1"/>
+                      </a:gs>
+                    </a:gsLst>
+                    <a:lin ang="5400000" scaled="0"/>
+                  </a:gradFill>
+                  <a:latin typeface="Meiryo UI" panose="020B0604030504040204" pitchFamily="34" charset="-128"/>
+                  <a:ea typeface="Meiryo UI" panose="020B0604030504040204" pitchFamily="34" charset="-128"/>
+                </a:rPr>
+                <a:t>IoT Edge</a:t>
+              </a:r>
+              <a:endParaRPr kumimoji="1" lang="ja-JP" altLang="en-US" sz="1600" dirty="0">
+                <a:gradFill>
+                  <a:gsLst>
+                    <a:gs pos="2917">
+                      <a:schemeClr val="tx1"/>
+                    </a:gs>
+                    <a:gs pos="30000">
+                      <a:schemeClr val="tx1"/>
+                    </a:gs>
+                  </a:gsLst>
+                  <a:lin ang="5400000" scaled="0"/>
+                </a:gradFill>
+                <a:latin typeface="Meiryo UI" panose="020B0604030504040204" pitchFamily="34" charset="-128"/>
+                <a:ea typeface="Meiryo UI" panose="020B0604030504040204" pitchFamily="34" charset="-128"/>
+              </a:endParaRPr>
+            </a:p>
+          </p:txBody>
+        </p:sp>
+      </p:grpSp>
+      <p:cxnSp>
+        <p:nvCxnSpPr>
+          <p:cNvPr id="62" name="直線矢印コネクタ 61">
+            <a:extLst>
+              <a:ext uri="{FF2B5EF4-FFF2-40B4-BE49-F238E27FC236}">
+                <a16:creationId xmlns:a16="http://schemas.microsoft.com/office/drawing/2014/main" id="{541451E9-87C6-FD4B-9C76-FBC2A925F5E8}"/>
+              </a:ext>
+            </a:extLst>
+          </p:cNvPr>
+          <p:cNvCxnSpPr>
+            <a:cxnSpLocks/>
+            <a:stCxn id="58" idx="3"/>
+            <a:endCxn id="4" idx="1"/>
+          </p:cNvCxnSpPr>
+          <p:nvPr/>
+        </p:nvCxnSpPr>
+        <p:spPr>
+          <a:xfrm>
+            <a:off x="4706141" y="1811676"/>
+            <a:ext cx="2263639" cy="988391"/>
+          </a:xfrm>
+          <a:prstGeom prst="straightConnector1">
+            <a:avLst/>
+          </a:prstGeom>
+          <a:ln>
+            <a:solidFill>
+              <a:schemeClr val="tx1"/>
+            </a:solidFill>
+            <a:headEnd type="none" w="lg" len="med"/>
+            <a:tailEnd type="triangle"/>
+          </a:ln>
+        </p:spPr>
+        <p:style>
+          <a:lnRef idx="1">
+            <a:schemeClr val="accent1"/>
+          </a:lnRef>
+          <a:fillRef idx="0">
+            <a:schemeClr val="accent1"/>
+          </a:fillRef>
+          <a:effectRef idx="0">
+            <a:schemeClr val="accent1"/>
+          </a:effectRef>
+          <a:fontRef idx="minor">
+            <a:schemeClr val="tx1"/>
+          </a:fontRef>
+        </p:style>
+      </p:cxnSp>
+      <p:sp>
+        <p:nvSpPr>
+          <p:cNvPr id="67" name="角丸四角形 66">
+            <a:extLst>
+              <a:ext uri="{FF2B5EF4-FFF2-40B4-BE49-F238E27FC236}">
+                <a16:creationId xmlns:a16="http://schemas.microsoft.com/office/drawing/2014/main" id="{E8C78B41-AAFF-7C48-AF8A-1A34F053EBA7}"/>
+              </a:ext>
+            </a:extLst>
+          </p:cNvPr>
+          <p:cNvSpPr/>
+          <p:nvPr/>
+        </p:nvSpPr>
+        <p:spPr bwMode="auto">
+          <a:xfrm>
+            <a:off x="2534478" y="4144118"/>
+            <a:ext cx="2603797" cy="1472168"/>
+          </a:xfrm>
+          <a:prstGeom prst="roundRect">
+            <a:avLst>
+              <a:gd name="adj" fmla="val 7056"/>
+            </a:avLst>
+          </a:prstGeom>
+          <a:noFill/>
+          <a:ln>
+            <a:solidFill>
+              <a:srgbClr val="0078D4"/>
+            </a:solidFill>
+            <a:headEnd type="none" w="med" len="med"/>
+            <a:tailEnd type="none" w="med" len="med"/>
+          </a:ln>
+          <a:effectLst/>
+        </p:spPr>
+        <p:style>
+          <a:lnRef idx="1">
+            <a:schemeClr val="accent2"/>
+          </a:lnRef>
+          <a:fillRef idx="3">
+            <a:schemeClr val="accent2"/>
+          </a:fillRef>
+          <a:effectRef idx="2">
+            <a:schemeClr val="accent2"/>
+          </a:effectRef>
+          <a:fontRef idx="minor">
+            <a:schemeClr val="lt1"/>
+          </a:fontRef>
+        </p:style>
+        <p:txBody>
+          <a:bodyPr rot="0" spcFirstLastPara="0" vertOverflow="overflow" horzOverflow="overflow" vert="horz" wrap="square" lIns="182880" tIns="146304" rIns="182880" bIns="146304" numCol="1" spcCol="0" rtlCol="0" fromWordArt="0" anchor="t" anchorCtr="0" forceAA="0" compatLnSpc="1">
+            <a:prstTxWarp prst="textNoShape">
+              <a:avLst/>
+            </a:prstTxWarp>
+            <a:noAutofit/>
+          </a:bodyPr>
+          <a:lstStyle/>
+          <a:p>
+            <a:pPr algn="l" defTabSz="932472" fontAlgn="base">
+              <a:spcBef>
+                <a:spcPct val="0"/>
+              </a:spcBef>
+              <a:spcAft>
+                <a:spcPct val="0"/>
+              </a:spcAft>
+            </a:pPr>
+            <a:endParaRPr kumimoji="1" lang="ja-JP" altLang="en-US" sz="2000" dirty="0" err="1">
+              <a:gradFill>
+                <a:gsLst>
+                  <a:gs pos="0">
+                    <a:srgbClr val="FFFFFF"/>
+                  </a:gs>
+                  <a:gs pos="100000">
+                    <a:srgbClr val="FFFFFF"/>
+                  </a:gs>
+                </a:gsLst>
+                <a:lin ang="5400000" scaled="0"/>
+              </a:gradFill>
+              <a:ea typeface="Segoe UI" pitchFamily="34" charset="0"/>
+              <a:cs typeface="Segoe UI" pitchFamily="34" charset="0"/>
+            </a:endParaRPr>
+          </a:p>
+        </p:txBody>
+      </p:sp>
+      <p:grpSp>
+        <p:nvGrpSpPr>
+          <p:cNvPr id="78" name="グループ化 77">
+            <a:extLst>
+              <a:ext uri="{FF2B5EF4-FFF2-40B4-BE49-F238E27FC236}">
+                <a16:creationId xmlns:a16="http://schemas.microsoft.com/office/drawing/2014/main" id="{CA599B6A-8E9C-3D4E-8CBC-F6D6352DD11F}"/>
+              </a:ext>
+            </a:extLst>
+          </p:cNvPr>
+          <p:cNvGrpSpPr/>
+          <p:nvPr/>
+        </p:nvGrpSpPr>
+        <p:grpSpPr>
+          <a:xfrm>
+            <a:off x="4039222" y="4986184"/>
+            <a:ext cx="744787" cy="511256"/>
+            <a:chOff x="5022802" y="4767032"/>
+            <a:chExt cx="744787" cy="511256"/>
+          </a:xfrm>
+        </p:grpSpPr>
+        <p:sp>
+          <p:nvSpPr>
+            <p:cNvPr id="72" name="直方体 71">
+              <a:extLst>
+                <a:ext uri="{FF2B5EF4-FFF2-40B4-BE49-F238E27FC236}">
+                  <a16:creationId xmlns:a16="http://schemas.microsoft.com/office/drawing/2014/main" id="{40277A0B-32B6-9648-A56B-5096C51D02A2}"/>
+                </a:ext>
+              </a:extLst>
+            </p:cNvPr>
+            <p:cNvSpPr/>
+            <p:nvPr/>
+          </p:nvSpPr>
+          <p:spPr bwMode="auto">
+            <a:xfrm>
+              <a:off x="5022802" y="4767032"/>
+              <a:ext cx="744787" cy="511256"/>
+            </a:xfrm>
+            <a:prstGeom prst="cube">
+              <a:avLst/>
+            </a:prstGeom>
+            <a:solidFill>
+              <a:schemeClr val="bg1"/>
+            </a:solidFill>
+            <a:ln>
+              <a:solidFill>
+                <a:schemeClr val="bg1">
+                  <a:lumMod val="50000"/>
+                </a:schemeClr>
+              </a:solidFill>
+              <a:headEnd type="none" w="med" len="med"/>
+              <a:tailEnd type="none" w="med" len="med"/>
+            </a:ln>
+            <a:effectLst/>
+          </p:spPr>
+          <p:style>
+            <a:lnRef idx="1">
+              <a:schemeClr val="accent2"/>
+            </a:lnRef>
+            <a:fillRef idx="3">
+              <a:schemeClr val="accent2"/>
+            </a:fillRef>
+            <a:effectRef idx="2">
+              <a:schemeClr val="accent2"/>
+            </a:effectRef>
+            <a:fontRef idx="minor">
+              <a:schemeClr val="lt1"/>
+            </a:fontRef>
+          </p:style>
+          <p:txBody>
+            <a:bodyPr rot="0" spcFirstLastPara="0" vertOverflow="overflow" horzOverflow="overflow" vert="horz" wrap="square" lIns="182880" tIns="146304" rIns="182880" bIns="146304" numCol="1" spcCol="0" rtlCol="0" fromWordArt="0" anchor="t" anchorCtr="0" forceAA="0" compatLnSpc="1">
+              <a:prstTxWarp prst="textNoShape">
+                <a:avLst/>
+              </a:prstTxWarp>
+              <a:noAutofit/>
+            </a:bodyPr>
+            <a:lstStyle/>
+            <a:p>
+              <a:pPr algn="l" defTabSz="932472" fontAlgn="base">
+                <a:spcBef>
+                  <a:spcPct val="0"/>
+                </a:spcBef>
+                <a:spcAft>
+                  <a:spcPct val="0"/>
+                </a:spcAft>
+              </a:pPr>
+              <a:endParaRPr kumimoji="1" lang="ja-JP" altLang="en-US" sz="2000" dirty="0" err="1">
+                <a:gradFill>
+                  <a:gsLst>
+                    <a:gs pos="0">
+                      <a:srgbClr val="FFFFFF"/>
+                    </a:gs>
+                    <a:gs pos="100000">
+                      <a:srgbClr val="FFFFFF"/>
+                    </a:gs>
+                  </a:gsLst>
+                  <a:lin ang="5400000" scaled="0"/>
+                </a:gradFill>
+                <a:ea typeface="Segoe UI" pitchFamily="34" charset="0"/>
+                <a:cs typeface="Segoe UI" pitchFamily="34" charset="0"/>
+              </a:endParaRPr>
+            </a:p>
+          </p:txBody>
+        </p:sp>
+        <p:pic>
+          <p:nvPicPr>
+            <p:cNvPr id="71" name="グラフィックス 70">
+              <a:extLst>
+                <a:ext uri="{FF2B5EF4-FFF2-40B4-BE49-F238E27FC236}">
+                  <a16:creationId xmlns:a16="http://schemas.microsoft.com/office/drawing/2014/main" id="{DC174B04-4F1F-DD45-97A9-7E2013ED83AC}"/>
+                </a:ext>
+              </a:extLst>
+            </p:cNvPr>
+            <p:cNvPicPr>
+              <a:picLocks noChangeAspect="1"/>
+            </p:cNvPicPr>
+            <p:nvPr/>
+          </p:nvPicPr>
+          <p:blipFill>
+            <a:blip r:embed="rId9">
+              <a:extLst>
+                <a:ext uri="{96DAC541-7B7A-43D3-8B79-37D633B846F1}">
+                  <asvg:svgBlip xmlns:asvg="http://schemas.microsoft.com/office/drawing/2016/SVG/main" r:embed="rId10"/>
+                </a:ext>
+              </a:extLst>
+            </a:blip>
+            <a:stretch>
+              <a:fillRect/>
+            </a:stretch>
+          </p:blipFill>
+          <p:spPr>
+            <a:xfrm>
+              <a:off x="5159334" y="4897189"/>
+              <a:ext cx="381099" cy="381099"/>
+            </a:xfrm>
+            <a:prstGeom prst="rect">
+              <a:avLst/>
+            </a:prstGeom>
+          </p:spPr>
+        </p:pic>
+      </p:grpSp>
+      <p:grpSp>
+        <p:nvGrpSpPr>
+          <p:cNvPr id="80" name="グループ化 79">
+            <a:extLst>
+              <a:ext uri="{FF2B5EF4-FFF2-40B4-BE49-F238E27FC236}">
+                <a16:creationId xmlns:a16="http://schemas.microsoft.com/office/drawing/2014/main" id="{24B49A42-25D1-D74B-95AD-28A53E85A2C6}"/>
+              </a:ext>
+            </a:extLst>
+          </p:cNvPr>
+          <p:cNvGrpSpPr/>
+          <p:nvPr/>
+        </p:nvGrpSpPr>
+        <p:grpSpPr>
+          <a:xfrm>
+            <a:off x="8861358" y="2444918"/>
+            <a:ext cx="1504744" cy="1489536"/>
+            <a:chOff x="6759624" y="2806379"/>
+            <a:chExt cx="1504744" cy="1489536"/>
+          </a:xfrm>
+        </p:grpSpPr>
+        <p:pic>
+          <p:nvPicPr>
+            <p:cNvPr id="81" name="グラフィックス 80">
+              <a:extLst>
+                <a:ext uri="{FF2B5EF4-FFF2-40B4-BE49-F238E27FC236}">
+                  <a16:creationId xmlns:a16="http://schemas.microsoft.com/office/drawing/2014/main" id="{7788C9A7-0BAF-3646-81A3-581D3A5931B3}"/>
+                </a:ext>
+              </a:extLst>
+            </p:cNvPr>
+            <p:cNvPicPr>
+              <a:picLocks noChangeAspect="1"/>
+            </p:cNvPicPr>
+            <p:nvPr/>
+          </p:nvPicPr>
+          <p:blipFill>
+            <a:blip r:embed="rId9">
+              <a:extLst>
+                <a:ext uri="{96DAC541-7B7A-43D3-8B79-37D633B846F1}">
+                  <asvg:svgBlip xmlns:asvg="http://schemas.microsoft.com/office/drawing/2016/SVG/main" r:embed="rId10"/>
+                </a:ext>
+              </a:extLst>
+            </a:blip>
+            <a:stretch>
+              <a:fillRect/>
+            </a:stretch>
+          </p:blipFill>
+          <p:spPr>
+            <a:xfrm>
+              <a:off x="7159073" y="2806379"/>
+              <a:ext cx="705846" cy="705846"/>
+            </a:xfrm>
+            <a:prstGeom prst="rect">
+              <a:avLst/>
+            </a:prstGeom>
+          </p:spPr>
+        </p:pic>
+        <p:sp>
+          <p:nvSpPr>
+            <p:cNvPr id="82" name="テキスト ボックス 81">
+              <a:extLst>
+                <a:ext uri="{FF2B5EF4-FFF2-40B4-BE49-F238E27FC236}">
+                  <a16:creationId xmlns:a16="http://schemas.microsoft.com/office/drawing/2014/main" id="{7580FE12-6624-3744-8A4A-8E28D3419B54}"/>
+                </a:ext>
+              </a:extLst>
+            </p:cNvPr>
+            <p:cNvSpPr txBox="1"/>
+            <p:nvPr/>
+          </p:nvSpPr>
+          <p:spPr>
+            <a:xfrm>
+              <a:off x="6759624" y="3341460"/>
+              <a:ext cx="1504744" cy="954455"/>
+            </a:xfrm>
+            <a:prstGeom prst="rect">
+              <a:avLst/>
+            </a:prstGeom>
+            <a:noFill/>
+          </p:spPr>
+          <p:txBody>
+            <a:bodyPr wrap="square" lIns="179285" tIns="143428" rIns="179285" bIns="143428" rtlCol="0">
+              <a:spAutoFit/>
+            </a:bodyPr>
+            <a:lstStyle/>
+            <a:p>
+              <a:pPr algn="ctr">
+                <a:lnSpc>
+                  <a:spcPct val="90000"/>
+                </a:lnSpc>
+                <a:spcAft>
+                  <a:spcPts val="588"/>
+                </a:spcAft>
+              </a:pPr>
+              <a:r>
+                <a:rPr kumimoji="1" lang="en-US" altLang="ja-JP" sz="1600" dirty="0">
+                  <a:gradFill>
+                    <a:gsLst>
+                      <a:gs pos="2917">
+                        <a:schemeClr val="tx1"/>
+                      </a:gs>
+                      <a:gs pos="30000">
+                        <a:schemeClr val="tx1"/>
+                      </a:gs>
+                    </a:gsLst>
+                    <a:lin ang="5400000" scaled="0"/>
+                  </a:gradFill>
+                  <a:latin typeface="Meiryo UI" panose="020B0604030504040204" pitchFamily="34" charset="-128"/>
+                  <a:ea typeface="Meiryo UI" panose="020B0604030504040204" pitchFamily="34" charset="-128"/>
+                </a:rPr>
+                <a:t>Azure</a:t>
+              </a:r>
+              <a:br>
+                <a:rPr kumimoji="1" lang="en-US" altLang="ja-JP" sz="1600" dirty="0">
+                  <a:gradFill>
+                    <a:gsLst>
+                      <a:gs pos="2917">
+                        <a:schemeClr val="tx1"/>
+                      </a:gs>
+                      <a:gs pos="30000">
+                        <a:schemeClr val="tx1"/>
+                      </a:gs>
+                    </a:gsLst>
+                    <a:lin ang="5400000" scaled="0"/>
+                  </a:gradFill>
+                  <a:latin typeface="Meiryo UI" panose="020B0604030504040204" pitchFamily="34" charset="-128"/>
+                  <a:ea typeface="Meiryo UI" panose="020B0604030504040204" pitchFamily="34" charset="-128"/>
+                </a:rPr>
+              </a:br>
+              <a:r>
+                <a:rPr kumimoji="1" lang="en-US" altLang="ja-JP" sz="1600" dirty="0">
+                  <a:gradFill>
+                    <a:gsLst>
+                      <a:gs pos="2917">
+                        <a:schemeClr val="tx1"/>
+                      </a:gs>
+                      <a:gs pos="30000">
+                        <a:schemeClr val="tx1"/>
+                      </a:gs>
+                    </a:gsLst>
+                    <a:lin ang="5400000" scaled="0"/>
+                  </a:gradFill>
+                  <a:latin typeface="Meiryo UI" panose="020B0604030504040204" pitchFamily="34" charset="-128"/>
+                  <a:ea typeface="Meiryo UI" panose="020B0604030504040204" pitchFamily="34" charset="-128"/>
+                </a:rPr>
+                <a:t>Stream</a:t>
+              </a:r>
+              <a:br>
+                <a:rPr kumimoji="1" lang="en-US" altLang="ja-JP" sz="1600" dirty="0">
+                  <a:gradFill>
+                    <a:gsLst>
+                      <a:gs pos="2917">
+                        <a:schemeClr val="tx1"/>
+                      </a:gs>
+                      <a:gs pos="30000">
+                        <a:schemeClr val="tx1"/>
+                      </a:gs>
+                    </a:gsLst>
+                    <a:lin ang="5400000" scaled="0"/>
+                  </a:gradFill>
+                  <a:latin typeface="Meiryo UI" panose="020B0604030504040204" pitchFamily="34" charset="-128"/>
+                  <a:ea typeface="Meiryo UI" panose="020B0604030504040204" pitchFamily="34" charset="-128"/>
+                </a:rPr>
+              </a:br>
+              <a:r>
+                <a:rPr kumimoji="1" lang="en-US" altLang="ja-JP" sz="1600" dirty="0">
+                  <a:gradFill>
+                    <a:gsLst>
+                      <a:gs pos="2917">
+                        <a:schemeClr val="tx1"/>
+                      </a:gs>
+                      <a:gs pos="30000">
+                        <a:schemeClr val="tx1"/>
+                      </a:gs>
+                    </a:gsLst>
+                    <a:lin ang="5400000" scaled="0"/>
+                  </a:gradFill>
+                  <a:latin typeface="Meiryo UI" panose="020B0604030504040204" pitchFamily="34" charset="-128"/>
+                  <a:ea typeface="Meiryo UI" panose="020B0604030504040204" pitchFamily="34" charset="-128"/>
+                </a:rPr>
+                <a:t>Analytics</a:t>
+              </a:r>
+              <a:endParaRPr kumimoji="1" lang="ja-JP" altLang="en-US" sz="1600" dirty="0">
+                <a:gradFill>
+                  <a:gsLst>
+                    <a:gs pos="2917">
+                      <a:schemeClr val="tx1"/>
+                    </a:gs>
+                    <a:gs pos="30000">
+                      <a:schemeClr val="tx1"/>
+                    </a:gs>
+                  </a:gsLst>
+                  <a:lin ang="5400000" scaled="0"/>
+                </a:gradFill>
+                <a:latin typeface="Meiryo UI" panose="020B0604030504040204" pitchFamily="34" charset="-128"/>
+                <a:ea typeface="Meiryo UI" panose="020B0604030504040204" pitchFamily="34" charset="-128"/>
+              </a:endParaRPr>
+            </a:p>
+          </p:txBody>
+        </p:sp>
+      </p:grpSp>
+      <p:cxnSp>
+        <p:nvCxnSpPr>
+          <p:cNvPr id="83" name="直線矢印コネクタ 37">
+            <a:extLst>
+              <a:ext uri="{FF2B5EF4-FFF2-40B4-BE49-F238E27FC236}">
+                <a16:creationId xmlns:a16="http://schemas.microsoft.com/office/drawing/2014/main" id="{2919A04A-5DF8-824C-979D-D30815366551}"/>
+              </a:ext>
+            </a:extLst>
+          </p:cNvPr>
+          <p:cNvCxnSpPr>
+            <a:cxnSpLocks/>
+            <a:stCxn id="4" idx="3"/>
+            <a:endCxn id="81" idx="1"/>
+          </p:cNvCxnSpPr>
+          <p:nvPr/>
+        </p:nvCxnSpPr>
+        <p:spPr>
+          <a:xfrm flipV="1">
+            <a:off x="7729251" y="2797841"/>
+            <a:ext cx="1531556" cy="2226"/>
+          </a:xfrm>
+          <a:prstGeom prst="straightConnector1">
+            <a:avLst/>
+          </a:prstGeom>
+          <a:ln>
+            <a:solidFill>
+              <a:schemeClr val="tx1"/>
+            </a:solidFill>
+            <a:headEnd type="none" w="lg" len="med"/>
+            <a:tailEnd type="triangle"/>
+          </a:ln>
+        </p:spPr>
+        <p:style>
+          <a:lnRef idx="1">
+            <a:schemeClr val="accent1"/>
+          </a:lnRef>
+          <a:fillRef idx="0">
+            <a:schemeClr val="accent1"/>
+          </a:fillRef>
+          <a:effectRef idx="0">
+            <a:schemeClr val="accent1"/>
+          </a:effectRef>
+          <a:fontRef idx="minor">
+            <a:schemeClr val="tx1"/>
+          </a:fontRef>
+        </p:style>
+      </p:cxnSp>
+      <p:grpSp>
+        <p:nvGrpSpPr>
+          <p:cNvPr id="88" name="グループ化 87">
+            <a:extLst>
+              <a:ext uri="{FF2B5EF4-FFF2-40B4-BE49-F238E27FC236}">
+                <a16:creationId xmlns:a16="http://schemas.microsoft.com/office/drawing/2014/main" id="{CAF05F40-3AC8-B14E-BE73-80B3367AD413}"/>
+              </a:ext>
+            </a:extLst>
+          </p:cNvPr>
+          <p:cNvGrpSpPr/>
+          <p:nvPr/>
+        </p:nvGrpSpPr>
+        <p:grpSpPr>
+          <a:xfrm>
+            <a:off x="10474815" y="4590506"/>
+            <a:ext cx="1504744" cy="1368007"/>
+            <a:chOff x="8558067" y="4132271"/>
+            <a:chExt cx="1504744" cy="1368007"/>
+          </a:xfrm>
+        </p:grpSpPr>
+        <p:pic>
+          <p:nvPicPr>
+            <p:cNvPr id="89" name="グラフィックス 88">
+              <a:extLst>
+                <a:ext uri="{FF2B5EF4-FFF2-40B4-BE49-F238E27FC236}">
+                  <a16:creationId xmlns:a16="http://schemas.microsoft.com/office/drawing/2014/main" id="{521BB278-FD93-BB4C-A50F-D3429A35FC8D}"/>
+                </a:ext>
+              </a:extLst>
+            </p:cNvPr>
+            <p:cNvPicPr>
+              <a:picLocks noChangeAspect="1"/>
+            </p:cNvPicPr>
+            <p:nvPr/>
+          </p:nvPicPr>
+          <p:blipFill>
+            <a:blip r:embed="rId11">
+              <a:extLst>
+                <a:ext uri="{96DAC541-7B7A-43D3-8B79-37D633B846F1}">
+                  <asvg:svgBlip xmlns:asvg="http://schemas.microsoft.com/office/drawing/2016/SVG/main" r:embed="rId12"/>
+                </a:ext>
+              </a:extLst>
+            </a:blip>
+            <a:stretch>
+              <a:fillRect/>
+            </a:stretch>
+          </p:blipFill>
+          <p:spPr>
+            <a:xfrm>
+              <a:off x="8921121" y="4132271"/>
+              <a:ext cx="778636" cy="778636"/>
+            </a:xfrm>
+            <a:prstGeom prst="rect">
+              <a:avLst/>
+            </a:prstGeom>
+          </p:spPr>
+        </p:pic>
+        <p:sp>
+          <p:nvSpPr>
+            <p:cNvPr id="90" name="テキスト ボックス 89">
+              <a:extLst>
+                <a:ext uri="{FF2B5EF4-FFF2-40B4-BE49-F238E27FC236}">
+                  <a16:creationId xmlns:a16="http://schemas.microsoft.com/office/drawing/2014/main" id="{A7C3BDE8-A9DE-084A-B5AC-A53FB6977522}"/>
+                </a:ext>
+              </a:extLst>
+            </p:cNvPr>
+            <p:cNvSpPr txBox="1"/>
+            <p:nvPr/>
+          </p:nvSpPr>
+          <p:spPr>
+            <a:xfrm>
+              <a:off x="8558067" y="4767422"/>
+              <a:ext cx="1504744" cy="732856"/>
+            </a:xfrm>
+            <a:prstGeom prst="rect">
+              <a:avLst/>
+            </a:prstGeom>
+            <a:noFill/>
+          </p:spPr>
+          <p:txBody>
+            <a:bodyPr wrap="square" lIns="179285" tIns="143428" rIns="179285" bIns="143428" rtlCol="0">
+              <a:spAutoFit/>
+            </a:bodyPr>
+            <a:lstStyle/>
+            <a:p>
+              <a:pPr algn="ctr">
+                <a:lnSpc>
+                  <a:spcPct val="90000"/>
+                </a:lnSpc>
+                <a:spcAft>
+                  <a:spcPts val="588"/>
+                </a:spcAft>
+              </a:pPr>
+              <a:r>
+                <a:rPr kumimoji="1" lang="en-US" altLang="ja-JP" sz="1600" dirty="0">
+                  <a:gradFill>
+                    <a:gsLst>
+                      <a:gs pos="2917">
+                        <a:schemeClr val="tx1"/>
+                      </a:gs>
+                      <a:gs pos="30000">
+                        <a:schemeClr val="tx1"/>
+                      </a:gs>
+                    </a:gsLst>
+                    <a:lin ang="5400000" scaled="0"/>
+                  </a:gradFill>
+                  <a:latin typeface="Meiryo UI" panose="020B0604030504040204" pitchFamily="34" charset="-128"/>
+                  <a:ea typeface="Meiryo UI" panose="020B0604030504040204" pitchFamily="34" charset="-128"/>
+                </a:rPr>
+                <a:t>Blob</a:t>
+              </a:r>
+              <a:br>
+                <a:rPr kumimoji="1" lang="en-US" altLang="ja-JP" sz="1600" dirty="0">
+                  <a:gradFill>
+                    <a:gsLst>
+                      <a:gs pos="2917">
+                        <a:schemeClr val="tx1"/>
+                      </a:gs>
+                      <a:gs pos="30000">
+                        <a:schemeClr val="tx1"/>
+                      </a:gs>
+                    </a:gsLst>
+                    <a:lin ang="5400000" scaled="0"/>
+                  </a:gradFill>
+                  <a:latin typeface="Meiryo UI" panose="020B0604030504040204" pitchFamily="34" charset="-128"/>
+                  <a:ea typeface="Meiryo UI" panose="020B0604030504040204" pitchFamily="34" charset="-128"/>
+                </a:rPr>
+              </a:br>
+              <a:r>
+                <a:rPr kumimoji="1" lang="en-US" altLang="ja-JP" sz="1600" dirty="0">
+                  <a:gradFill>
+                    <a:gsLst>
+                      <a:gs pos="2917">
+                        <a:schemeClr val="tx1"/>
+                      </a:gs>
+                      <a:gs pos="30000">
+                        <a:schemeClr val="tx1"/>
+                      </a:gs>
+                    </a:gsLst>
+                    <a:lin ang="5400000" scaled="0"/>
+                  </a:gradFill>
+                  <a:latin typeface="Meiryo UI" panose="020B0604030504040204" pitchFamily="34" charset="-128"/>
+                  <a:ea typeface="Meiryo UI" panose="020B0604030504040204" pitchFamily="34" charset="-128"/>
+                </a:rPr>
+                <a:t>Storage</a:t>
+              </a:r>
+              <a:endParaRPr kumimoji="1" lang="ja-JP" altLang="en-US" sz="1600" dirty="0">
+                <a:gradFill>
+                  <a:gsLst>
+                    <a:gs pos="2917">
+                      <a:schemeClr val="tx1"/>
+                    </a:gs>
+                    <a:gs pos="30000">
+                      <a:schemeClr val="tx1"/>
+                    </a:gs>
+                  </a:gsLst>
+                  <a:lin ang="5400000" scaled="0"/>
+                </a:gradFill>
+                <a:latin typeface="Meiryo UI" panose="020B0604030504040204" pitchFamily="34" charset="-128"/>
+                <a:ea typeface="Meiryo UI" panose="020B0604030504040204" pitchFamily="34" charset="-128"/>
+              </a:endParaRPr>
+            </a:p>
+          </p:txBody>
+        </p:sp>
+      </p:grpSp>
+      <p:cxnSp>
+        <p:nvCxnSpPr>
+          <p:cNvPr id="91" name="直線矢印コネクタ 37">
+            <a:extLst>
+              <a:ext uri="{FF2B5EF4-FFF2-40B4-BE49-F238E27FC236}">
+                <a16:creationId xmlns:a16="http://schemas.microsoft.com/office/drawing/2014/main" id="{AB8A8C9E-AA89-0643-BF83-B9D4697D55E1}"/>
+              </a:ext>
+            </a:extLst>
+          </p:cNvPr>
+          <p:cNvCxnSpPr>
+            <a:cxnSpLocks/>
+            <a:stCxn id="81" idx="3"/>
+            <a:endCxn id="89" idx="1"/>
+          </p:cNvCxnSpPr>
+          <p:nvPr/>
+        </p:nvCxnSpPr>
+        <p:spPr>
+          <a:xfrm>
+            <a:off x="9966653" y="2797841"/>
+            <a:ext cx="871216" cy="2181983"/>
+          </a:xfrm>
+          <a:prstGeom prst="bentConnector3">
+            <a:avLst>
+              <a:gd name="adj1" fmla="val 50000"/>
+            </a:avLst>
+          </a:prstGeom>
+          <a:ln>
+            <a:solidFill>
+              <a:schemeClr val="tx1"/>
+            </a:solidFill>
+            <a:headEnd type="none" w="lg" len="med"/>
+            <a:tailEnd type="triangle"/>
+          </a:ln>
+        </p:spPr>
+        <p:style>
+          <a:lnRef idx="1">
+            <a:schemeClr val="accent1"/>
+          </a:lnRef>
+          <a:fillRef idx="0">
+            <a:schemeClr val="accent1"/>
+          </a:fillRef>
+          <a:effectRef idx="0">
+            <a:schemeClr val="accent1"/>
+          </a:effectRef>
+          <a:fontRef idx="minor">
+            <a:schemeClr val="tx1"/>
+          </a:fontRef>
+        </p:style>
+      </p:cxnSp>
+      <p:sp>
+        <p:nvSpPr>
+          <p:cNvPr id="94" name="テキスト ボックス 93">
+            <a:extLst>
+              <a:ext uri="{FF2B5EF4-FFF2-40B4-BE49-F238E27FC236}">
+                <a16:creationId xmlns:a16="http://schemas.microsoft.com/office/drawing/2014/main" id="{71841981-AF44-0D45-B93C-9110712CF0FD}"/>
+              </a:ext>
+            </a:extLst>
+          </p:cNvPr>
+          <p:cNvSpPr txBox="1"/>
+          <p:nvPr/>
+        </p:nvSpPr>
+        <p:spPr>
+          <a:xfrm>
+            <a:off x="5355468" y="4753589"/>
+            <a:ext cx="1580561" cy="615553"/>
+          </a:xfrm>
+          <a:prstGeom prst="rect">
+            <a:avLst/>
+          </a:prstGeom>
+          <a:noFill/>
+        </p:spPr>
+        <p:txBody>
+          <a:bodyPr wrap="none" lIns="0" tIns="0" rIns="0" bIns="0" rtlCol="0">
+            <a:spAutoFit/>
+          </a:bodyPr>
+          <a:lstStyle/>
+          <a:p>
+            <a:pPr algn="l"/>
+            <a:r>
+              <a:rPr kumimoji="1" lang="ja-JP" altLang="en-US" sz="2000">
+                <a:gradFill>
+                  <a:gsLst>
+                    <a:gs pos="2917">
+                      <a:schemeClr val="tx1"/>
+                    </a:gs>
+                    <a:gs pos="30000">
+                      <a:schemeClr val="tx1"/>
+                    </a:gs>
+                  </a:gsLst>
+                  <a:lin ang="5400000" scaled="0"/>
+                </a:gradFill>
+              </a:rPr>
+              <a:t>異常値のみ</a:t>
+            </a:r>
+            <a:endParaRPr kumimoji="1" lang="en-US" altLang="ja-JP" sz="2000" dirty="0">
+              <a:gradFill>
+                <a:gsLst>
+                  <a:gs pos="2917">
+                    <a:schemeClr val="tx1"/>
+                  </a:gs>
+                  <a:gs pos="30000">
+                    <a:schemeClr val="tx1"/>
+                  </a:gs>
+                </a:gsLst>
+                <a:lin ang="5400000" scaled="0"/>
+              </a:gradFill>
+            </a:endParaRPr>
+          </a:p>
+          <a:p>
+            <a:pPr algn="l"/>
+            <a:r>
+              <a:rPr kumimoji="1" lang="en-US" altLang="ja-JP" sz="2000" dirty="0">
+                <a:gradFill>
+                  <a:gsLst>
+                    <a:gs pos="2917">
+                      <a:schemeClr val="tx1"/>
+                    </a:gs>
+                    <a:gs pos="30000">
+                      <a:schemeClr val="tx1"/>
+                    </a:gs>
+                  </a:gsLst>
+                  <a:lin ang="5400000" scaled="0"/>
+                </a:gradFill>
+              </a:rPr>
+              <a:t>IoT</a:t>
+            </a:r>
+            <a:r>
+              <a:rPr kumimoji="1" lang="ja-JP" altLang="en-US" sz="2000">
+                <a:gradFill>
+                  <a:gsLst>
+                    <a:gs pos="2917">
+                      <a:schemeClr val="tx1"/>
+                    </a:gs>
+                    <a:gs pos="30000">
+                      <a:schemeClr val="tx1"/>
+                    </a:gs>
+                  </a:gsLst>
+                  <a:lin ang="5400000" scaled="0"/>
+                </a:gradFill>
+              </a:rPr>
+              <a:t> </a:t>
+            </a:r>
+            <a:r>
+              <a:rPr kumimoji="1" lang="en-US" altLang="ja-JP" sz="2000" dirty="0">
+                <a:gradFill>
+                  <a:gsLst>
+                    <a:gs pos="2917">
+                      <a:schemeClr val="tx1"/>
+                    </a:gs>
+                    <a:gs pos="30000">
+                      <a:schemeClr val="tx1"/>
+                    </a:gs>
+                  </a:gsLst>
+                  <a:lin ang="5400000" scaled="0"/>
+                </a:gradFill>
+              </a:rPr>
+              <a:t>Hub</a:t>
+            </a:r>
+            <a:r>
+              <a:rPr kumimoji="1" lang="ja-JP" altLang="en-US" sz="2000">
+                <a:gradFill>
+                  <a:gsLst>
+                    <a:gs pos="2917">
+                      <a:schemeClr val="tx1"/>
+                    </a:gs>
+                    <a:gs pos="30000">
+                      <a:schemeClr val="tx1"/>
+                    </a:gs>
+                  </a:gsLst>
+                  <a:lin ang="5400000" scaled="0"/>
+                </a:gradFill>
+              </a:rPr>
+              <a:t>に送信</a:t>
+            </a:r>
+            <a:endParaRPr kumimoji="1" lang="ja-JP" altLang="en-US" sz="2000" dirty="0" err="1">
+              <a:gradFill>
+                <a:gsLst>
+                  <a:gs pos="2917">
+                    <a:schemeClr val="tx1"/>
+                  </a:gs>
+                  <a:gs pos="30000">
+                    <a:schemeClr val="tx1"/>
+                  </a:gs>
+                </a:gsLst>
+                <a:lin ang="5400000" scaled="0"/>
+              </a:gradFill>
+            </a:endParaRPr>
+          </a:p>
+        </p:txBody>
+      </p:sp>
+    </p:spTree>
+    <p:extLst>
+      <p:ext uri="{BB962C8B-B14F-4D97-AF65-F5344CB8AC3E}">
+        <p14:creationId xmlns:p14="http://schemas.microsoft.com/office/powerpoint/2010/main" val="236922193"/>
+      </p:ext>
+    </p:extLst>
+  </p:cSld>
+  <p:clrMapOvr>
+    <a:masterClrMapping/>
+  </p:clrMapOvr>
+  <p:transition>
+    <p:fade/>
+  </p:transition>
+</p:sld>
+</file>
+
+<file path=ppt/slides/slide3.xml><?xml version="1.0" encoding="utf-8"?>
+<p:sld xmlns:a="http://schemas.openxmlformats.org/drawingml/2006/main" xmlns:r="http://schemas.openxmlformats.org/officeDocument/2006/relationships" xmlns:p="http://schemas.openxmlformats.org/presentationml/2006/main">
+  <p:cSld>
+    <p:spTree>
+      <p:nvGrpSpPr>
+        <p:cNvPr id="1" name=""/>
+        <p:cNvGrpSpPr/>
+        <p:nvPr/>
+      </p:nvGrpSpPr>
+      <p:grpSpPr>
+        <a:xfrm>
+          <a:off x="0" y="0"/>
+          <a:ext cx="0" cy="0"/>
+          <a:chOff x="0" y="0"/>
+          <a:chExt cx="0" cy="0"/>
+        </a:xfrm>
+      </p:grpSpPr>
       <p:sp>
         <p:nvSpPr>
           <p:cNvPr id="91" name="角丸四角形 90">
@@ -18719,7 +20522,7 @@
 </p:sld>
 </file>
 
-<file path=ppt/slides/slide3.xml><?xml version="1.0" encoding="utf-8"?>
+<file path=ppt/slides/slide4.xml><?xml version="1.0" encoding="utf-8"?>
 <p:sld xmlns:a="http://schemas.openxmlformats.org/drawingml/2006/main" xmlns:r="http://schemas.openxmlformats.org/officeDocument/2006/relationships" xmlns:p="http://schemas.openxmlformats.org/presentationml/2006/main">
   <p:cSld>
     <p:spTree>
@@ -22806,6 +24609,21 @@
 </file>
 
 <file path=customXml/item1.xml><?xml version="1.0" encoding="utf-8"?>
+<?mso-contentType ?>
+<FormTemplates xmlns="http://schemas.microsoft.com/sharepoint/v3/contenttype/forms">
+  <Display>DocumentLibraryForm</Display>
+  <Edit>DocumentLibraryForm</Edit>
+  <New>DocumentLibraryForm</New>
+</FormTemplates>
+</file>
+
+<file path=customXml/item2.xml><?xml version="1.0" encoding="utf-8"?>
+<p:properties xmlns:p="http://schemas.microsoft.com/office/2006/metadata/properties" xmlns:xsi="http://www.w3.org/2001/XMLSchema-instance" xmlns:pc="http://schemas.microsoft.com/office/infopath/2007/PartnerControls">
+  <documentManagement/>
+</p:properties>
+</file>
+
+<file path=customXml/item3.xml><?xml version="1.0" encoding="utf-8"?>
 <ct:contentTypeSchema xmlns:ct="http://schemas.microsoft.com/office/2006/metadata/contentType" xmlns:ma="http://schemas.microsoft.com/office/2006/metadata/properties/metaAttributes" ct:_="" ma:_="" ma:contentTypeName="Document" ma:contentTypeID="0x010100A2B0BB5962AB3C45A9A1CE1EC4C4F647" ma:contentTypeVersion="3" ma:contentTypeDescription="Create a new document." ma:contentTypeScope="" ma:versionID="f0876370c90de824ab54c09b0bd2a056">
   <xsd:schema xmlns:xsd="http://www.w3.org/2001/XMLSchema" xmlns:xs="http://www.w3.org/2001/XMLSchema" xmlns:p="http://schemas.microsoft.com/office/2006/metadata/properties" xmlns:ns3="630a2e83-186a-4a0f-ab27-bee8a8096abc" targetNamespace="http://schemas.microsoft.com/office/2006/metadata/properties" ma:root="true" ma:fieldsID="a2a3b5ed8b4accd7c8a398d0cb075271" ns3:_="">
     <xsd:import namespace="630a2e83-186a-4a0f-ab27-bee8a8096abc"/>
@@ -22959,35 +24777,10 @@
 </ct:contentTypeSchema>
 </file>
 
-<file path=customXml/item2.xml><?xml version="1.0" encoding="utf-8"?>
-<p:properties xmlns:p="http://schemas.microsoft.com/office/2006/metadata/properties" xmlns:xsi="http://www.w3.org/2001/XMLSchema-instance" xmlns:pc="http://schemas.microsoft.com/office/infopath/2007/PartnerControls">
-  <documentManagement/>
-</p:properties>
-</file>
-
-<file path=customXml/item3.xml><?xml version="1.0" encoding="utf-8"?>
-<?mso-contentType ?>
-<FormTemplates xmlns="http://schemas.microsoft.com/sharepoint/v3/contenttype/forms">
-  <Display>DocumentLibraryForm</Display>
-  <Edit>DocumentLibraryForm</Edit>
-  <New>DocumentLibraryForm</New>
-</FormTemplates>
-</file>
-
 <file path=customXml/itemProps1.xml><?xml version="1.0" encoding="utf-8"?>
-<ds:datastoreItem xmlns:ds="http://schemas.openxmlformats.org/officeDocument/2006/customXml" ds:itemID="{F330841A-A209-44E7-824E-9DDB4DE0DC3C}">
+<ds:datastoreItem xmlns:ds="http://schemas.openxmlformats.org/officeDocument/2006/customXml" ds:itemID="{758FDAC0-319D-4A54-8D8E-1D42CB1F8004}">
   <ds:schemaRefs>
-    <ds:schemaRef ds:uri="http://schemas.microsoft.com/office/2006/metadata/contentType"/>
-    <ds:schemaRef ds:uri="http://schemas.microsoft.com/office/2006/metadata/properties/metaAttributes"/>
-    <ds:schemaRef ds:uri="http://www.w3.org/2001/XMLSchema"/>
-    <ds:schemaRef ds:uri="http://schemas.microsoft.com/office/2006/metadata/properties"/>
-    <ds:schemaRef ds:uri="630a2e83-186a-4a0f-ab27-bee8a8096abc"/>
-    <ds:schemaRef ds:uri="http://schemas.microsoft.com/office/2006/documentManagement/types"/>
-    <ds:schemaRef ds:uri="http://schemas.microsoft.com/office/infopath/2007/PartnerControls"/>
-    <ds:schemaRef ds:uri="http://schemas.openxmlformats.org/package/2006/metadata/core-properties"/>
-    <ds:schemaRef ds:uri="http://purl.org/dc/elements/1.1/"/>
-    <ds:schemaRef ds:uri="http://purl.org/dc/terms/"/>
-    <ds:schemaRef ds:uri="http://schemas.microsoft.com/internal/obd"/>
+    <ds:schemaRef ds:uri="http://schemas.microsoft.com/sharepoint/v3/contenttype/forms"/>
   </ds:schemaRefs>
 </ds:datastoreItem>
 </file>
@@ -23009,9 +24802,19 @@
 </file>
 
 <file path=customXml/itemProps3.xml><?xml version="1.0" encoding="utf-8"?>
-<ds:datastoreItem xmlns:ds="http://schemas.openxmlformats.org/officeDocument/2006/customXml" ds:itemID="{758FDAC0-319D-4A54-8D8E-1D42CB1F8004}">
+<ds:datastoreItem xmlns:ds="http://schemas.openxmlformats.org/officeDocument/2006/customXml" ds:itemID="{F330841A-A209-44E7-824E-9DDB4DE0DC3C}">
   <ds:schemaRefs>
-    <ds:schemaRef ds:uri="http://schemas.microsoft.com/sharepoint/v3/contenttype/forms"/>
+    <ds:schemaRef ds:uri="http://schemas.microsoft.com/office/2006/metadata/contentType"/>
+    <ds:schemaRef ds:uri="http://schemas.microsoft.com/office/2006/metadata/properties/metaAttributes"/>
+    <ds:schemaRef ds:uri="http://www.w3.org/2001/XMLSchema"/>
+    <ds:schemaRef ds:uri="http://schemas.microsoft.com/office/2006/metadata/properties"/>
+    <ds:schemaRef ds:uri="630a2e83-186a-4a0f-ab27-bee8a8096abc"/>
+    <ds:schemaRef ds:uri="http://schemas.microsoft.com/office/2006/documentManagement/types"/>
+    <ds:schemaRef ds:uri="http://schemas.microsoft.com/office/infopath/2007/PartnerControls"/>
+    <ds:schemaRef ds:uri="http://schemas.openxmlformats.org/package/2006/metadata/core-properties"/>
+    <ds:schemaRef ds:uri="http://purl.org/dc/elements/1.1/"/>
+    <ds:schemaRef ds:uri="http://purl.org/dc/terms/"/>
+    <ds:schemaRef ds:uri="http://schemas.microsoft.com/internal/obd"/>
   </ds:schemaRefs>
 </ds:datastoreItem>
 </file>
--- a/iot-clientdev/images/iot-clientdev.pptx
+++ b/iot-clientdev/images/iot-clientdev.pptx
@@ -6,16 +6,17 @@
     <p:sldMasterId id="2147484642" r:id="rId5"/>
   </p:sldMasterIdLst>
   <p:notesMasterIdLst>
-    <p:notesMasterId r:id="rId10"/>
+    <p:notesMasterId r:id="rId11"/>
   </p:notesMasterIdLst>
   <p:handoutMasterIdLst>
-    <p:handoutMasterId r:id="rId11"/>
+    <p:handoutMasterId r:id="rId12"/>
   </p:handoutMasterIdLst>
   <p:sldIdLst>
     <p:sldId id="256" r:id="rId6"/>
-    <p:sldId id="260" r:id="rId7"/>
-    <p:sldId id="257" r:id="rId8"/>
-    <p:sldId id="259" r:id="rId9"/>
+    <p:sldId id="261" r:id="rId7"/>
+    <p:sldId id="260" r:id="rId8"/>
+    <p:sldId id="257" r:id="rId9"/>
+    <p:sldId id="259" r:id="rId10"/>
   </p:sldIdLst>
   <p:sldSz cx="12192000" cy="6858000"/>
   <p:notesSz cx="6858000" cy="9144000"/>
@@ -243,7 +244,7 @@
               <a:rPr lang="en-US" smtClean="0">
                 <a:latin typeface="Segoe UI" pitchFamily="34" charset="0"/>
               </a:rPr>
-              <a:t>5/13/19 1:46 PM</a:t>
+              <a:t>6/10/19 5:45 PM</a:t>
             </a:fld>
             <a:endParaRPr lang="en-US" dirty="0">
               <a:latin typeface="Segoe UI" pitchFamily="34" charset="0"/>
@@ -521,7 +522,7 @@
           <a:p>
             <a:fld id="{386CE63F-9E7F-4C04-9D0D-FCA25A8E9E86}" type="datetime8">
               <a:rPr lang="en-US" smtClean="0"/>
-              <a:t>5/13/19 1:46 PM</a:t>
+              <a:t>6/10/19 5:45 PM</a:t>
             </a:fld>
             <a:endParaRPr lang="en-US" dirty="0"/>
           </a:p>
@@ -932,7 +933,7 @@
           <a:p>
             <a:fld id="{386CE63F-9E7F-4C04-9D0D-FCA25A8E9E86}" type="datetime8">
               <a:rPr lang="en-US" smtClean="0"/>
-              <a:t>5/13/19 1:46 PM</a:t>
+              <a:t>6/10/19 5:45 PM</a:t>
             </a:fld>
             <a:endParaRPr lang="en-US" dirty="0"/>
           </a:p>
@@ -956,7 +957,7 @@
             <a:fld id="{B4008EB6-D09E-4580-8CD6-DDB14511944F}" type="slidenum">
               <a:rPr lang="en-US" smtClean="0"/>
               <a:pPr/>
-              <a:t>4</a:t>
+              <a:t>5</a:t>
             </a:fld>
             <a:endParaRPr lang="en-US" dirty="0"/>
           </a:p>
@@ -16442,6 +16443,1375 @@
           <a:chExt cx="0" cy="0"/>
         </a:xfrm>
       </p:grpSpPr>
+      <p:pic>
+        <p:nvPicPr>
+          <p:cNvPr id="36" name="図 35">
+            <a:extLst>
+              <a:ext uri="{FF2B5EF4-FFF2-40B4-BE49-F238E27FC236}">
+                <a16:creationId xmlns:a16="http://schemas.microsoft.com/office/drawing/2014/main" id="{6277D4F9-1077-ED4E-9011-BADE4128C5CE}"/>
+              </a:ext>
+            </a:extLst>
+          </p:cNvPr>
+          <p:cNvPicPr>
+            <a:picLocks noChangeAspect="1"/>
+          </p:cNvPicPr>
+          <p:nvPr/>
+        </p:nvPicPr>
+        <p:blipFill>
+          <a:blip r:embed="rId2"/>
+          <a:stretch>
+            <a:fillRect/>
+          </a:stretch>
+        </p:blipFill>
+        <p:spPr>
+          <a:xfrm>
+            <a:off x="1617350" y="-586886"/>
+            <a:ext cx="4822845" cy="5030728"/>
+          </a:xfrm>
+          <a:prstGeom prst="rect">
+            <a:avLst/>
+          </a:prstGeom>
+        </p:spPr>
+      </p:pic>
+      <p:pic>
+        <p:nvPicPr>
+          <p:cNvPr id="3" name="図 2">
+            <a:extLst>
+              <a:ext uri="{FF2B5EF4-FFF2-40B4-BE49-F238E27FC236}">
+                <a16:creationId xmlns:a16="http://schemas.microsoft.com/office/drawing/2014/main" id="{42BFD229-91B1-784B-B09E-6F9428331E22}"/>
+              </a:ext>
+            </a:extLst>
+          </p:cNvPr>
+          <p:cNvPicPr>
+            <a:picLocks noChangeAspect="1"/>
+          </p:cNvPicPr>
+          <p:nvPr/>
+        </p:nvPicPr>
+        <p:blipFill>
+          <a:blip r:embed="rId3"/>
+          <a:stretch>
+            <a:fillRect/>
+          </a:stretch>
+        </p:blipFill>
+        <p:spPr>
+          <a:xfrm>
+            <a:off x="3337728" y="4612668"/>
+            <a:ext cx="914400" cy="914400"/>
+          </a:xfrm>
+          <a:prstGeom prst="rect">
+            <a:avLst/>
+          </a:prstGeom>
+        </p:spPr>
+      </p:pic>
+      <p:grpSp>
+        <p:nvGrpSpPr>
+          <p:cNvPr id="6" name="グループ化 5">
+            <a:extLst>
+              <a:ext uri="{FF2B5EF4-FFF2-40B4-BE49-F238E27FC236}">
+                <a16:creationId xmlns:a16="http://schemas.microsoft.com/office/drawing/2014/main" id="{141B5471-CA4D-AA4F-856C-1C6A20DCFB68}"/>
+              </a:ext>
+            </a:extLst>
+          </p:cNvPr>
+          <p:cNvGrpSpPr/>
+          <p:nvPr/>
+        </p:nvGrpSpPr>
+        <p:grpSpPr>
+          <a:xfrm>
+            <a:off x="8255403" y="657023"/>
+            <a:ext cx="2164856" cy="1489602"/>
+            <a:chOff x="8166525" y="242614"/>
+            <a:chExt cx="2164856" cy="1489602"/>
+          </a:xfrm>
+        </p:grpSpPr>
+        <p:sp>
+          <p:nvSpPr>
+            <p:cNvPr id="7" name="円/楕円 6">
+              <a:extLst>
+                <a:ext uri="{FF2B5EF4-FFF2-40B4-BE49-F238E27FC236}">
+                  <a16:creationId xmlns:a16="http://schemas.microsoft.com/office/drawing/2014/main" id="{34FD7841-441E-D945-8CBB-F2BDCAD10431}"/>
+                </a:ext>
+              </a:extLst>
+            </p:cNvPr>
+            <p:cNvSpPr/>
+            <p:nvPr/>
+          </p:nvSpPr>
+          <p:spPr bwMode="auto">
+            <a:xfrm>
+              <a:off x="8166525" y="242614"/>
+              <a:ext cx="2164856" cy="1489602"/>
+            </a:xfrm>
+            <a:prstGeom prst="ellipse">
+              <a:avLst/>
+            </a:prstGeom>
+            <a:noFill/>
+            <a:ln>
+              <a:solidFill>
+                <a:srgbClr val="0078D4"/>
+              </a:solidFill>
+              <a:headEnd type="none" w="med" len="med"/>
+              <a:tailEnd type="none" w="med" len="med"/>
+            </a:ln>
+            <a:effectLst/>
+          </p:spPr>
+          <p:style>
+            <a:lnRef idx="1">
+              <a:schemeClr val="accent2"/>
+            </a:lnRef>
+            <a:fillRef idx="3">
+              <a:schemeClr val="accent2"/>
+            </a:fillRef>
+            <a:effectRef idx="2">
+              <a:schemeClr val="accent2"/>
+            </a:effectRef>
+            <a:fontRef idx="minor">
+              <a:schemeClr val="lt1"/>
+            </a:fontRef>
+          </p:style>
+          <p:txBody>
+            <a:bodyPr rot="0" spcFirstLastPara="0" vertOverflow="overflow" horzOverflow="overflow" vert="horz" wrap="square" lIns="182880" tIns="146304" rIns="182880" bIns="146304" numCol="1" spcCol="0" rtlCol="0" fromWordArt="0" anchor="t" anchorCtr="0" forceAA="0" compatLnSpc="1">
+              <a:prstTxWarp prst="textNoShape">
+                <a:avLst/>
+              </a:prstTxWarp>
+              <a:noAutofit/>
+            </a:bodyPr>
+            <a:lstStyle/>
+            <a:p>
+              <a:pPr algn="l" defTabSz="932472" fontAlgn="base">
+                <a:spcBef>
+                  <a:spcPct val="0"/>
+                </a:spcBef>
+                <a:spcAft>
+                  <a:spcPct val="0"/>
+                </a:spcAft>
+              </a:pPr>
+              <a:endParaRPr kumimoji="1" lang="ja-JP" altLang="en-US" sz="2000" dirty="0" err="1">
+                <a:gradFill>
+                  <a:gsLst>
+                    <a:gs pos="0">
+                      <a:srgbClr val="FFFFFF"/>
+                    </a:gs>
+                    <a:gs pos="100000">
+                      <a:srgbClr val="FFFFFF"/>
+                    </a:gs>
+                  </a:gsLst>
+                  <a:lin ang="5400000" scaled="0"/>
+                </a:gradFill>
+                <a:ea typeface="Segoe UI" pitchFamily="34" charset="0"/>
+                <a:cs typeface="Segoe UI" pitchFamily="34" charset="0"/>
+              </a:endParaRPr>
+            </a:p>
+          </p:txBody>
+        </p:sp>
+        <p:sp>
+          <p:nvSpPr>
+            <p:cNvPr id="8" name="テキスト ボックス 7">
+              <a:extLst>
+                <a:ext uri="{FF2B5EF4-FFF2-40B4-BE49-F238E27FC236}">
+                  <a16:creationId xmlns:a16="http://schemas.microsoft.com/office/drawing/2014/main" id="{09AF0DF2-9410-CA45-91A3-D63821A9C5A8}"/>
+                </a:ext>
+              </a:extLst>
+            </p:cNvPr>
+            <p:cNvSpPr txBox="1"/>
+            <p:nvPr/>
+          </p:nvSpPr>
+          <p:spPr>
+            <a:xfrm>
+              <a:off x="8519202" y="510438"/>
+              <a:ext cx="1459502" cy="307777"/>
+            </a:xfrm>
+            <a:prstGeom prst="rect">
+              <a:avLst/>
+            </a:prstGeom>
+            <a:noFill/>
+            <a:ln>
+              <a:noFill/>
+            </a:ln>
+          </p:spPr>
+          <p:txBody>
+            <a:bodyPr wrap="none" lIns="0" tIns="0" rIns="0" bIns="0" rtlCol="0">
+              <a:spAutoFit/>
+            </a:bodyPr>
+            <a:lstStyle/>
+            <a:p>
+              <a:pPr algn="l"/>
+              <a:r>
+                <a:rPr kumimoji="1" lang="en-US" altLang="ja-JP" sz="2000" dirty="0">
+                  <a:solidFill>
+                    <a:srgbClr val="0078D4"/>
+                  </a:solidFill>
+                </a:rPr>
+                <a:t>Azure DevOps</a:t>
+              </a:r>
+              <a:endParaRPr kumimoji="1" lang="ja-JP" altLang="en-US" sz="2000" dirty="0" err="1">
+                <a:solidFill>
+                  <a:srgbClr val="0078D4"/>
+                </a:solidFill>
+              </a:endParaRPr>
+            </a:p>
+          </p:txBody>
+        </p:sp>
+        <p:pic>
+          <p:nvPicPr>
+            <p:cNvPr id="9" name="図 8">
+              <a:extLst>
+                <a:ext uri="{FF2B5EF4-FFF2-40B4-BE49-F238E27FC236}">
+                  <a16:creationId xmlns:a16="http://schemas.microsoft.com/office/drawing/2014/main" id="{164198F4-097D-EE45-AD70-78289FFD675F}"/>
+                </a:ext>
+              </a:extLst>
+            </p:cNvPr>
+            <p:cNvPicPr>
+              <a:picLocks noChangeAspect="1"/>
+            </p:cNvPicPr>
+            <p:nvPr/>
+          </p:nvPicPr>
+          <p:blipFill>
+            <a:blip r:embed="rId4"/>
+            <a:stretch>
+              <a:fillRect/>
+            </a:stretch>
+          </p:blipFill>
+          <p:spPr>
+            <a:xfrm>
+              <a:off x="8605635" y="890967"/>
+              <a:ext cx="508000" cy="508000"/>
+            </a:xfrm>
+            <a:prstGeom prst="rect">
+              <a:avLst/>
+            </a:prstGeom>
+            <a:ln>
+              <a:noFill/>
+            </a:ln>
+          </p:spPr>
+        </p:pic>
+        <p:pic>
+          <p:nvPicPr>
+            <p:cNvPr id="10" name="図 9">
+              <a:extLst>
+                <a:ext uri="{FF2B5EF4-FFF2-40B4-BE49-F238E27FC236}">
+                  <a16:creationId xmlns:a16="http://schemas.microsoft.com/office/drawing/2014/main" id="{4711411F-5CBF-CF40-BC35-32C83D0F2910}"/>
+                </a:ext>
+              </a:extLst>
+            </p:cNvPr>
+            <p:cNvPicPr>
+              <a:picLocks noChangeAspect="1"/>
+            </p:cNvPicPr>
+            <p:nvPr/>
+          </p:nvPicPr>
+          <p:blipFill>
+            <a:blip r:embed="rId5"/>
+            <a:stretch>
+              <a:fillRect/>
+            </a:stretch>
+          </p:blipFill>
+          <p:spPr>
+            <a:xfrm>
+              <a:off x="9358007" y="890967"/>
+              <a:ext cx="508000" cy="508000"/>
+            </a:xfrm>
+            <a:prstGeom prst="rect">
+              <a:avLst/>
+            </a:prstGeom>
+            <a:ln>
+              <a:noFill/>
+            </a:ln>
+          </p:spPr>
+        </p:pic>
+      </p:grpSp>
+      <p:grpSp>
+        <p:nvGrpSpPr>
+          <p:cNvPr id="12" name="グループ化 11">
+            <a:extLst>
+              <a:ext uri="{FF2B5EF4-FFF2-40B4-BE49-F238E27FC236}">
+                <a16:creationId xmlns:a16="http://schemas.microsoft.com/office/drawing/2014/main" id="{E8E5E56F-DE26-BA4B-983E-658FEFA02858}"/>
+              </a:ext>
+            </a:extLst>
+          </p:cNvPr>
+          <p:cNvGrpSpPr/>
+          <p:nvPr/>
+        </p:nvGrpSpPr>
+        <p:grpSpPr>
+          <a:xfrm>
+            <a:off x="2908183" y="2284751"/>
+            <a:ext cx="1783978" cy="907038"/>
+            <a:chOff x="2317375" y="2831231"/>
+            <a:chExt cx="1783978" cy="907038"/>
+          </a:xfrm>
+        </p:grpSpPr>
+        <p:pic>
+          <p:nvPicPr>
+            <p:cNvPr id="5" name="図 4">
+              <a:extLst>
+                <a:ext uri="{FF2B5EF4-FFF2-40B4-BE49-F238E27FC236}">
+                  <a16:creationId xmlns:a16="http://schemas.microsoft.com/office/drawing/2014/main" id="{9EF57F99-BAC4-5B44-ABA7-4C309DED3E21}"/>
+                </a:ext>
+              </a:extLst>
+            </p:cNvPr>
+            <p:cNvPicPr>
+              <a:picLocks noChangeAspect="1"/>
+            </p:cNvPicPr>
+            <p:nvPr/>
+          </p:nvPicPr>
+          <p:blipFill>
+            <a:blip r:embed="rId6"/>
+            <a:stretch>
+              <a:fillRect/>
+            </a:stretch>
+          </p:blipFill>
+          <p:spPr>
+            <a:xfrm>
+              <a:off x="3551187" y="2831231"/>
+              <a:ext cx="494491" cy="494491"/>
+            </a:xfrm>
+            <a:prstGeom prst="rect">
+              <a:avLst/>
+            </a:prstGeom>
+          </p:spPr>
+        </p:pic>
+        <p:sp>
+          <p:nvSpPr>
+            <p:cNvPr id="11" name="角丸四角形 10">
+              <a:extLst>
+                <a:ext uri="{FF2B5EF4-FFF2-40B4-BE49-F238E27FC236}">
+                  <a16:creationId xmlns:a16="http://schemas.microsoft.com/office/drawing/2014/main" id="{BD4DAD72-AEE8-AF4F-9A97-C42F55180993}"/>
+                </a:ext>
+              </a:extLst>
+            </p:cNvPr>
+            <p:cNvSpPr/>
+            <p:nvPr/>
+          </p:nvSpPr>
+          <p:spPr bwMode="auto">
+            <a:xfrm>
+              <a:off x="2317375" y="2858126"/>
+              <a:ext cx="1783978" cy="880143"/>
+            </a:xfrm>
+            <a:prstGeom prst="roundRect">
+              <a:avLst>
+                <a:gd name="adj" fmla="val 0"/>
+              </a:avLst>
+            </a:prstGeom>
+            <a:noFill/>
+            <a:ln>
+              <a:solidFill>
+                <a:schemeClr val="bg1">
+                  <a:lumMod val="50000"/>
+                </a:schemeClr>
+              </a:solidFill>
+              <a:headEnd type="none" w="med" len="med"/>
+              <a:tailEnd type="none" w="med" len="med"/>
+            </a:ln>
+            <a:effectLst/>
+          </p:spPr>
+          <p:style>
+            <a:lnRef idx="1">
+              <a:schemeClr val="accent2"/>
+            </a:lnRef>
+            <a:fillRef idx="3">
+              <a:schemeClr val="accent2"/>
+            </a:fillRef>
+            <a:effectRef idx="2">
+              <a:schemeClr val="accent2"/>
+            </a:effectRef>
+            <a:fontRef idx="minor">
+              <a:schemeClr val="lt1"/>
+            </a:fontRef>
+          </p:style>
+          <p:txBody>
+            <a:bodyPr rot="0" spcFirstLastPara="0" vertOverflow="overflow" horzOverflow="overflow" vert="horz" wrap="square" lIns="182880" tIns="146304" rIns="182880" bIns="146304" numCol="1" spcCol="0" rtlCol="0" fromWordArt="0" anchor="t" anchorCtr="0" forceAA="0" compatLnSpc="1">
+              <a:prstTxWarp prst="textNoShape">
+                <a:avLst/>
+              </a:prstTxWarp>
+              <a:noAutofit/>
+            </a:bodyPr>
+            <a:lstStyle/>
+            <a:p>
+              <a:pPr algn="l" defTabSz="932472" fontAlgn="base">
+                <a:spcBef>
+                  <a:spcPct val="0"/>
+                </a:spcBef>
+                <a:spcAft>
+                  <a:spcPct val="0"/>
+                </a:spcAft>
+              </a:pPr>
+              <a:r>
+                <a:rPr kumimoji="1" lang="ja-JP" altLang="en-US" sz="1200">
+                  <a:solidFill>
+                    <a:schemeClr val="tx1"/>
+                  </a:solidFill>
+                  <a:ea typeface="Segoe UI" pitchFamily="34" charset="0"/>
+                  <a:cs typeface="Segoe UI" pitchFamily="34" charset="0"/>
+                </a:rPr>
+                <a:t>デバイス</a:t>
+              </a:r>
+              <a:endParaRPr kumimoji="1" lang="en-US" altLang="ja-JP" sz="1200" dirty="0">
+                <a:solidFill>
+                  <a:schemeClr val="tx1"/>
+                </a:solidFill>
+                <a:ea typeface="Segoe UI" pitchFamily="34" charset="0"/>
+                <a:cs typeface="Segoe UI" pitchFamily="34" charset="0"/>
+              </a:endParaRPr>
+            </a:p>
+            <a:p>
+              <a:pPr algn="l" defTabSz="932472" fontAlgn="base">
+                <a:spcBef>
+                  <a:spcPct val="0"/>
+                </a:spcBef>
+                <a:spcAft>
+                  <a:spcPct val="0"/>
+                </a:spcAft>
+              </a:pPr>
+              <a:r>
+                <a:rPr kumimoji="1" lang="ja-JP" altLang="en-US" sz="1200">
+                  <a:solidFill>
+                    <a:schemeClr val="tx1"/>
+                  </a:solidFill>
+                  <a:ea typeface="Segoe UI" pitchFamily="34" charset="0"/>
+                  <a:cs typeface="Segoe UI" pitchFamily="34" charset="0"/>
+                </a:rPr>
+                <a:t>（仮想マシン）</a:t>
+              </a:r>
+              <a:endParaRPr kumimoji="1" lang="en-US" altLang="ja-JP" sz="1200" dirty="0">
+                <a:solidFill>
+                  <a:schemeClr val="tx1"/>
+                </a:solidFill>
+                <a:ea typeface="Segoe UI" pitchFamily="34" charset="0"/>
+                <a:cs typeface="Segoe UI" pitchFamily="34" charset="0"/>
+              </a:endParaRPr>
+            </a:p>
+            <a:p>
+              <a:pPr algn="l" defTabSz="932472" fontAlgn="base">
+                <a:spcBef>
+                  <a:spcPct val="0"/>
+                </a:spcBef>
+                <a:spcAft>
+                  <a:spcPct val="0"/>
+                </a:spcAft>
+              </a:pPr>
+              <a:endParaRPr kumimoji="1" lang="en-US" altLang="ja-JP" sz="1200" dirty="0">
+                <a:solidFill>
+                  <a:schemeClr val="tx1"/>
+                </a:solidFill>
+                <a:ea typeface="Segoe UI" pitchFamily="34" charset="0"/>
+                <a:cs typeface="Segoe UI" pitchFamily="34" charset="0"/>
+              </a:endParaRPr>
+            </a:p>
+            <a:p>
+              <a:pPr algn="l" defTabSz="932472" fontAlgn="base">
+                <a:spcBef>
+                  <a:spcPct val="0"/>
+                </a:spcBef>
+                <a:spcAft>
+                  <a:spcPct val="0"/>
+                </a:spcAft>
+              </a:pPr>
+              <a:r>
+                <a:rPr kumimoji="1" lang="en-US" altLang="ja-JP" sz="1200" dirty="0">
+                  <a:solidFill>
+                    <a:schemeClr val="tx1"/>
+                  </a:solidFill>
+                  <a:ea typeface="Segoe UI" pitchFamily="34" charset="0"/>
+                  <a:cs typeface="Segoe UI" pitchFamily="34" charset="0"/>
+                </a:rPr>
+                <a:t>Azure IoT Device SDK</a:t>
+              </a:r>
+              <a:endParaRPr kumimoji="1" lang="ja-JP" altLang="en-US" sz="1200" dirty="0" err="1">
+                <a:solidFill>
+                  <a:schemeClr val="tx1"/>
+                </a:solidFill>
+                <a:ea typeface="Segoe UI" pitchFamily="34" charset="0"/>
+                <a:cs typeface="Segoe UI" pitchFamily="34" charset="0"/>
+              </a:endParaRPr>
+            </a:p>
+          </p:txBody>
+        </p:sp>
+      </p:grpSp>
+      <p:grpSp>
+        <p:nvGrpSpPr>
+          <p:cNvPr id="14" name="グループ化 13">
+            <a:extLst>
+              <a:ext uri="{FF2B5EF4-FFF2-40B4-BE49-F238E27FC236}">
+                <a16:creationId xmlns:a16="http://schemas.microsoft.com/office/drawing/2014/main" id="{7D864B61-5ADF-5541-BB1E-6235904CC257}"/>
+              </a:ext>
+            </a:extLst>
+          </p:cNvPr>
+          <p:cNvGrpSpPr/>
+          <p:nvPr/>
+        </p:nvGrpSpPr>
+        <p:grpSpPr>
+          <a:xfrm>
+            <a:off x="4275073" y="1030120"/>
+            <a:ext cx="1679643" cy="1265155"/>
+            <a:chOff x="8530536" y="2446379"/>
+            <a:chExt cx="1679643" cy="1265155"/>
+          </a:xfrm>
+        </p:grpSpPr>
+        <p:pic>
+          <p:nvPicPr>
+            <p:cNvPr id="15" name="図 14">
+              <a:extLst>
+                <a:ext uri="{FF2B5EF4-FFF2-40B4-BE49-F238E27FC236}">
+                  <a16:creationId xmlns:a16="http://schemas.microsoft.com/office/drawing/2014/main" id="{F836FE29-520E-AA41-A026-AD15E0204160}"/>
+                </a:ext>
+              </a:extLst>
+            </p:cNvPr>
+            <p:cNvPicPr>
+              <a:picLocks noChangeAspect="1"/>
+            </p:cNvPicPr>
+            <p:nvPr/>
+          </p:nvPicPr>
+          <p:blipFill>
+            <a:blip r:embed="rId7"/>
+            <a:stretch>
+              <a:fillRect/>
+            </a:stretch>
+          </p:blipFill>
+          <p:spPr>
+            <a:xfrm>
+              <a:off x="9033639" y="2446379"/>
+              <a:ext cx="720000" cy="720000"/>
+            </a:xfrm>
+            <a:prstGeom prst="rect">
+              <a:avLst/>
+            </a:prstGeom>
+          </p:spPr>
+        </p:pic>
+        <p:sp>
+          <p:nvSpPr>
+            <p:cNvPr id="16" name="テキスト ボックス 15">
+              <a:extLst>
+                <a:ext uri="{FF2B5EF4-FFF2-40B4-BE49-F238E27FC236}">
+                  <a16:creationId xmlns:a16="http://schemas.microsoft.com/office/drawing/2014/main" id="{B178A184-25C6-7F4E-A190-C331E72057B1}"/>
+                </a:ext>
+              </a:extLst>
+            </p:cNvPr>
+            <p:cNvSpPr txBox="1"/>
+            <p:nvPr/>
+          </p:nvSpPr>
+          <p:spPr>
+            <a:xfrm>
+              <a:off x="8530536" y="2978678"/>
+              <a:ext cx="1679643" cy="732856"/>
+            </a:xfrm>
+            <a:prstGeom prst="rect">
+              <a:avLst/>
+            </a:prstGeom>
+            <a:noFill/>
+          </p:spPr>
+          <p:txBody>
+            <a:bodyPr wrap="square" lIns="179285" tIns="143428" rIns="179285" bIns="143428" rtlCol="0">
+              <a:spAutoFit/>
+            </a:bodyPr>
+            <a:lstStyle/>
+            <a:p>
+              <a:pPr algn="ctr">
+                <a:lnSpc>
+                  <a:spcPct val="90000"/>
+                </a:lnSpc>
+                <a:spcAft>
+                  <a:spcPts val="588"/>
+                </a:spcAft>
+              </a:pPr>
+              <a:r>
+                <a:rPr kumimoji="1" lang="en-US" altLang="ja-JP" sz="1600" dirty="0">
+                  <a:gradFill>
+                    <a:gsLst>
+                      <a:gs pos="2917">
+                        <a:schemeClr val="tx1"/>
+                      </a:gs>
+                      <a:gs pos="30000">
+                        <a:schemeClr val="tx1"/>
+                      </a:gs>
+                    </a:gsLst>
+                    <a:lin ang="5400000" scaled="0"/>
+                  </a:gradFill>
+                  <a:latin typeface="Meiryo UI" panose="020B0604030504040204" pitchFamily="34" charset="-128"/>
+                  <a:ea typeface="Meiryo UI" panose="020B0604030504040204" pitchFamily="34" charset="-128"/>
+                </a:rPr>
+                <a:t>Azure</a:t>
+              </a:r>
+              <a:br>
+                <a:rPr kumimoji="1" lang="en-US" altLang="ja-JP" sz="1600" dirty="0">
+                  <a:gradFill>
+                    <a:gsLst>
+                      <a:gs pos="2917">
+                        <a:schemeClr val="tx1"/>
+                      </a:gs>
+                      <a:gs pos="30000">
+                        <a:schemeClr val="tx1"/>
+                      </a:gs>
+                    </a:gsLst>
+                    <a:lin ang="5400000" scaled="0"/>
+                  </a:gradFill>
+                  <a:latin typeface="Meiryo UI" panose="020B0604030504040204" pitchFamily="34" charset="-128"/>
+                  <a:ea typeface="Meiryo UI" panose="020B0604030504040204" pitchFamily="34" charset="-128"/>
+                </a:rPr>
+              </a:br>
+              <a:r>
+                <a:rPr kumimoji="1" lang="en-US" altLang="ja-JP" sz="1600" dirty="0">
+                  <a:gradFill>
+                    <a:gsLst>
+                      <a:gs pos="2917">
+                        <a:schemeClr val="tx1"/>
+                      </a:gs>
+                      <a:gs pos="30000">
+                        <a:schemeClr val="tx1"/>
+                      </a:gs>
+                    </a:gsLst>
+                    <a:lin ang="5400000" scaled="0"/>
+                  </a:gradFill>
+                  <a:latin typeface="Meiryo UI" panose="020B0604030504040204" pitchFamily="34" charset="-128"/>
+                  <a:ea typeface="Meiryo UI" panose="020B0604030504040204" pitchFamily="34" charset="-128"/>
+                </a:rPr>
+                <a:t>Function</a:t>
+              </a:r>
+              <a:r>
+                <a:rPr kumimoji="1" lang="ja-JP" altLang="en-US" sz="1600">
+                  <a:gradFill>
+                    <a:gsLst>
+                      <a:gs pos="2917">
+                        <a:schemeClr val="tx1"/>
+                      </a:gs>
+                      <a:gs pos="30000">
+                        <a:schemeClr val="tx1"/>
+                      </a:gs>
+                    </a:gsLst>
+                    <a:lin ang="5400000" scaled="0"/>
+                  </a:gradFill>
+                  <a:latin typeface="Meiryo UI" panose="020B0604030504040204" pitchFamily="34" charset="-128"/>
+                  <a:ea typeface="Meiryo UI" panose="020B0604030504040204" pitchFamily="34" charset="-128"/>
+                </a:rPr>
+                <a:t> </a:t>
+              </a:r>
+              <a:r>
+                <a:rPr kumimoji="1" lang="en-US" altLang="ja-JP" sz="1600" dirty="0">
+                  <a:gradFill>
+                    <a:gsLst>
+                      <a:gs pos="2917">
+                        <a:schemeClr val="tx1"/>
+                      </a:gs>
+                      <a:gs pos="30000">
+                        <a:schemeClr val="tx1"/>
+                      </a:gs>
+                    </a:gsLst>
+                    <a:lin ang="5400000" scaled="0"/>
+                  </a:gradFill>
+                  <a:latin typeface="Meiryo UI" panose="020B0604030504040204" pitchFamily="34" charset="-128"/>
+                  <a:ea typeface="Meiryo UI" panose="020B0604030504040204" pitchFamily="34" charset="-128"/>
+                </a:rPr>
+                <a:t>App</a:t>
+              </a:r>
+              <a:endParaRPr kumimoji="1" lang="ja-JP" altLang="en-US" sz="1600" dirty="0">
+                <a:gradFill>
+                  <a:gsLst>
+                    <a:gs pos="2917">
+                      <a:schemeClr val="tx1"/>
+                    </a:gs>
+                    <a:gs pos="30000">
+                      <a:schemeClr val="tx1"/>
+                    </a:gs>
+                  </a:gsLst>
+                  <a:lin ang="5400000" scaled="0"/>
+                </a:gradFill>
+                <a:latin typeface="Meiryo UI" panose="020B0604030504040204" pitchFamily="34" charset="-128"/>
+                <a:ea typeface="Meiryo UI" panose="020B0604030504040204" pitchFamily="34" charset="-128"/>
+              </a:endParaRPr>
+            </a:p>
+          </p:txBody>
+        </p:sp>
+      </p:grpSp>
+      <p:cxnSp>
+        <p:nvCxnSpPr>
+          <p:cNvPr id="18" name="直線矢印コネクタ 17">
+            <a:extLst>
+              <a:ext uri="{FF2B5EF4-FFF2-40B4-BE49-F238E27FC236}">
+                <a16:creationId xmlns:a16="http://schemas.microsoft.com/office/drawing/2014/main" id="{9101E0A3-CB87-A246-A979-0E2FDDADE641}"/>
+              </a:ext>
+            </a:extLst>
+          </p:cNvPr>
+          <p:cNvCxnSpPr>
+            <a:cxnSpLocks/>
+            <a:stCxn id="3" idx="0"/>
+            <a:endCxn id="11" idx="2"/>
+          </p:cNvCxnSpPr>
+          <p:nvPr/>
+        </p:nvCxnSpPr>
+        <p:spPr>
+          <a:xfrm flipV="1">
+            <a:off x="3794928" y="3191789"/>
+            <a:ext cx="5244" cy="1420879"/>
+          </a:xfrm>
+          <a:prstGeom prst="straightConnector1">
+            <a:avLst/>
+          </a:prstGeom>
+          <a:ln>
+            <a:solidFill>
+              <a:schemeClr val="tx1"/>
+            </a:solidFill>
+            <a:headEnd type="none" w="lg" len="med"/>
+            <a:tailEnd type="triangle"/>
+          </a:ln>
+        </p:spPr>
+        <p:style>
+          <a:lnRef idx="1">
+            <a:schemeClr val="accent1"/>
+          </a:lnRef>
+          <a:fillRef idx="0">
+            <a:schemeClr val="accent1"/>
+          </a:fillRef>
+          <a:effectRef idx="0">
+            <a:schemeClr val="accent1"/>
+          </a:effectRef>
+          <a:fontRef idx="minor">
+            <a:schemeClr val="tx1"/>
+          </a:fontRef>
+        </p:style>
+      </p:cxnSp>
+      <p:sp>
+        <p:nvSpPr>
+          <p:cNvPr id="19" name="テキスト ボックス 18">
+            <a:extLst>
+              <a:ext uri="{FF2B5EF4-FFF2-40B4-BE49-F238E27FC236}">
+                <a16:creationId xmlns:a16="http://schemas.microsoft.com/office/drawing/2014/main" id="{C8950CF3-562B-5F4F-984E-30D161B5538E}"/>
+              </a:ext>
+            </a:extLst>
+          </p:cNvPr>
+          <p:cNvSpPr txBox="1"/>
+          <p:nvPr/>
+        </p:nvSpPr>
+        <p:spPr>
+          <a:xfrm>
+            <a:off x="1790201" y="3732073"/>
+            <a:ext cx="1776127" cy="738664"/>
+          </a:xfrm>
+          <a:prstGeom prst="rect">
+            <a:avLst/>
+          </a:prstGeom>
+          <a:noFill/>
+        </p:spPr>
+        <p:txBody>
+          <a:bodyPr wrap="none" lIns="0" tIns="0" rIns="0" bIns="0" rtlCol="0">
+            <a:spAutoFit/>
+          </a:bodyPr>
+          <a:lstStyle/>
+          <a:p>
+            <a:pPr algn="l"/>
+            <a:r>
+              <a:rPr kumimoji="1" lang="en-US" altLang="ja-JP" sz="1200" dirty="0">
+                <a:gradFill>
+                  <a:gsLst>
+                    <a:gs pos="2917">
+                      <a:schemeClr val="tx1"/>
+                    </a:gs>
+                    <a:gs pos="30000">
+                      <a:schemeClr val="tx1"/>
+                    </a:gs>
+                  </a:gsLst>
+                  <a:lin ang="5400000" scaled="0"/>
+                </a:gradFill>
+              </a:rPr>
+              <a:t>SSH</a:t>
+            </a:r>
+            <a:r>
+              <a:rPr kumimoji="1" lang="ja-JP" altLang="en-US" sz="1200">
+                <a:gradFill>
+                  <a:gsLst>
+                    <a:gs pos="2917">
+                      <a:schemeClr val="tx1"/>
+                    </a:gs>
+                    <a:gs pos="30000">
+                      <a:schemeClr val="tx1"/>
+                    </a:gs>
+                  </a:gsLst>
+                  <a:lin ang="5400000" scaled="0"/>
+                </a:gradFill>
+              </a:rPr>
+              <a:t>でログイン</a:t>
+            </a:r>
+            <a:endParaRPr kumimoji="1" lang="en-US" altLang="ja-JP" sz="1200" dirty="0">
+              <a:gradFill>
+                <a:gsLst>
+                  <a:gs pos="2917">
+                    <a:schemeClr val="tx1"/>
+                  </a:gs>
+                  <a:gs pos="30000">
+                    <a:schemeClr val="tx1"/>
+                  </a:gs>
+                </a:gsLst>
+                <a:lin ang="5400000" scaled="0"/>
+              </a:gradFill>
+            </a:endParaRPr>
+          </a:p>
+          <a:p>
+            <a:pPr algn="l"/>
+            <a:r>
+              <a:rPr kumimoji="1" lang="en-US" altLang="ja-JP" sz="1200" dirty="0">
+                <a:gradFill>
+                  <a:gsLst>
+                    <a:gs pos="2917">
+                      <a:schemeClr val="tx1"/>
+                    </a:gs>
+                    <a:gs pos="30000">
+                      <a:schemeClr val="tx1"/>
+                    </a:gs>
+                  </a:gsLst>
+                  <a:lin ang="5400000" scaled="0"/>
+                </a:gradFill>
+              </a:rPr>
+              <a:t>※SSH</a:t>
+            </a:r>
+            <a:r>
+              <a:rPr kumimoji="1" lang="ja-JP" altLang="en-US" sz="1200">
+                <a:gradFill>
+                  <a:gsLst>
+                    <a:gs pos="2917">
+                      <a:schemeClr val="tx1"/>
+                    </a:gs>
+                    <a:gs pos="30000">
+                      <a:schemeClr val="tx1"/>
+                    </a:gs>
+                  </a:gsLst>
+                  <a:lin ang="5400000" scaled="0"/>
+                </a:gradFill>
+              </a:rPr>
+              <a:t>クライアントがない</a:t>
+            </a:r>
+            <a:endParaRPr kumimoji="1" lang="en-US" altLang="ja-JP" sz="1200" dirty="0">
+              <a:gradFill>
+                <a:gsLst>
+                  <a:gs pos="2917">
+                    <a:schemeClr val="tx1"/>
+                  </a:gs>
+                  <a:gs pos="30000">
+                    <a:schemeClr val="tx1"/>
+                  </a:gs>
+                </a:gsLst>
+                <a:lin ang="5400000" scaled="0"/>
+              </a:gradFill>
+            </a:endParaRPr>
+          </a:p>
+          <a:p>
+            <a:pPr algn="l"/>
+            <a:r>
+              <a:rPr kumimoji="1" lang="ja-JP" altLang="en-US" sz="1200">
+                <a:gradFill>
+                  <a:gsLst>
+                    <a:gs pos="2917">
+                      <a:schemeClr val="tx1"/>
+                    </a:gs>
+                    <a:gs pos="30000">
+                      <a:schemeClr val="tx1"/>
+                    </a:gs>
+                  </a:gsLst>
+                  <a:lin ang="5400000" scaled="0"/>
+                </a:gradFill>
+              </a:rPr>
+              <a:t>場合は</a:t>
+            </a:r>
+            <a:r>
+              <a:rPr kumimoji="1" lang="en-US" altLang="ja-JP" sz="1200" dirty="0">
+                <a:gradFill>
+                  <a:gsLst>
+                    <a:gs pos="2917">
+                      <a:schemeClr val="tx1"/>
+                    </a:gs>
+                    <a:gs pos="30000">
+                      <a:schemeClr val="tx1"/>
+                    </a:gs>
+                  </a:gsLst>
+                  <a:lin ang="5400000" scaled="0"/>
+                </a:gradFill>
+              </a:rPr>
+              <a:t>Cloud Shell</a:t>
+            </a:r>
+            <a:r>
+              <a:rPr kumimoji="1" lang="ja-JP" altLang="en-US" sz="1200">
+                <a:gradFill>
+                  <a:gsLst>
+                    <a:gs pos="2917">
+                      <a:schemeClr val="tx1"/>
+                    </a:gs>
+                    <a:gs pos="30000">
+                      <a:schemeClr val="tx1"/>
+                    </a:gs>
+                  </a:gsLst>
+                  <a:lin ang="5400000" scaled="0"/>
+                </a:gradFill>
+              </a:rPr>
+              <a:t>を利用</a:t>
+            </a:r>
+            <a:endParaRPr kumimoji="1" lang="en-US" altLang="ja-JP" sz="1200" dirty="0">
+              <a:gradFill>
+                <a:gsLst>
+                  <a:gs pos="2917">
+                    <a:schemeClr val="tx1"/>
+                  </a:gs>
+                  <a:gs pos="30000">
+                    <a:schemeClr val="tx1"/>
+                  </a:gs>
+                </a:gsLst>
+                <a:lin ang="5400000" scaled="0"/>
+              </a:gradFill>
+            </a:endParaRPr>
+          </a:p>
+          <a:p>
+            <a:r>
+              <a:rPr lang="en" altLang="ja-JP" sz="1200" dirty="0">
+                <a:hlinkClick r:id="rId8"/>
+              </a:rPr>
+              <a:t>https://shell.azure.com/</a:t>
+            </a:r>
+            <a:endParaRPr kumimoji="1" lang="ja-JP" altLang="en-US" sz="1200" dirty="0" err="1">
+              <a:gradFill>
+                <a:gsLst>
+                  <a:gs pos="2917">
+                    <a:schemeClr val="tx1"/>
+                  </a:gs>
+                  <a:gs pos="30000">
+                    <a:schemeClr val="tx1"/>
+                  </a:gs>
+                </a:gsLst>
+                <a:lin ang="5400000" scaled="0"/>
+              </a:gradFill>
+            </a:endParaRPr>
+          </a:p>
+        </p:txBody>
+      </p:sp>
+      <p:cxnSp>
+        <p:nvCxnSpPr>
+          <p:cNvPr id="23" name="直線矢印コネクタ 22">
+            <a:extLst>
+              <a:ext uri="{FF2B5EF4-FFF2-40B4-BE49-F238E27FC236}">
+                <a16:creationId xmlns:a16="http://schemas.microsoft.com/office/drawing/2014/main" id="{126A7E56-6776-F446-8AE6-EA17C6A5AD47}"/>
+              </a:ext>
+            </a:extLst>
+          </p:cNvPr>
+          <p:cNvCxnSpPr>
+            <a:cxnSpLocks/>
+            <a:stCxn id="3" idx="3"/>
+            <a:endCxn id="7" idx="4"/>
+          </p:cNvCxnSpPr>
+          <p:nvPr/>
+        </p:nvCxnSpPr>
+        <p:spPr>
+          <a:xfrm flipV="1">
+            <a:off x="4252128" y="2146625"/>
+            <a:ext cx="5085703" cy="2923243"/>
+          </a:xfrm>
+          <a:prstGeom prst="bentConnector2">
+            <a:avLst/>
+          </a:prstGeom>
+          <a:ln>
+            <a:solidFill>
+              <a:schemeClr val="tx1"/>
+            </a:solidFill>
+            <a:headEnd type="none" w="lg" len="med"/>
+            <a:tailEnd type="triangle"/>
+          </a:ln>
+        </p:spPr>
+        <p:style>
+          <a:lnRef idx="1">
+            <a:schemeClr val="accent1"/>
+          </a:lnRef>
+          <a:fillRef idx="0">
+            <a:schemeClr val="accent1"/>
+          </a:fillRef>
+          <a:effectRef idx="0">
+            <a:schemeClr val="accent1"/>
+          </a:effectRef>
+          <a:fontRef idx="minor">
+            <a:schemeClr val="tx1"/>
+          </a:fontRef>
+        </p:style>
+      </p:cxnSp>
+      <p:sp>
+        <p:nvSpPr>
+          <p:cNvPr id="27" name="テキスト ボックス 26">
+            <a:extLst>
+              <a:ext uri="{FF2B5EF4-FFF2-40B4-BE49-F238E27FC236}">
+                <a16:creationId xmlns:a16="http://schemas.microsoft.com/office/drawing/2014/main" id="{61164112-9E39-BE41-A12C-F1A167EA7D8E}"/>
+              </a:ext>
+            </a:extLst>
+          </p:cNvPr>
+          <p:cNvSpPr txBox="1"/>
+          <p:nvPr/>
+        </p:nvSpPr>
+        <p:spPr>
+          <a:xfrm>
+            <a:off x="6440195" y="4777091"/>
+            <a:ext cx="1384995" cy="184666"/>
+          </a:xfrm>
+          <a:prstGeom prst="rect">
+            <a:avLst/>
+          </a:prstGeom>
+          <a:noFill/>
+        </p:spPr>
+        <p:txBody>
+          <a:bodyPr wrap="none" lIns="0" tIns="0" rIns="0" bIns="0" rtlCol="0">
+            <a:spAutoFit/>
+          </a:bodyPr>
+          <a:lstStyle/>
+          <a:p>
+            <a:pPr algn="l"/>
+            <a:r>
+              <a:rPr kumimoji="1" lang="ja-JP" altLang="en-US" sz="1200">
+                <a:gradFill>
+                  <a:gsLst>
+                    <a:gs pos="2917">
+                      <a:schemeClr val="tx1"/>
+                    </a:gs>
+                    <a:gs pos="30000">
+                      <a:schemeClr val="tx1"/>
+                    </a:gs>
+                  </a:gsLst>
+                  <a:lin ang="5400000" scaled="0"/>
+                </a:gradFill>
+              </a:rPr>
+              <a:t>ブラウザでアクセス</a:t>
+            </a:r>
+            <a:endParaRPr kumimoji="1" lang="en-US" altLang="ja-JP" sz="1200" dirty="0">
+              <a:gradFill>
+                <a:gsLst>
+                  <a:gs pos="2917">
+                    <a:schemeClr val="tx1"/>
+                  </a:gs>
+                  <a:gs pos="30000">
+                    <a:schemeClr val="tx1"/>
+                  </a:gs>
+                </a:gsLst>
+                <a:lin ang="5400000" scaled="0"/>
+              </a:gradFill>
+            </a:endParaRPr>
+          </a:p>
+        </p:txBody>
+      </p:sp>
+      <p:cxnSp>
+        <p:nvCxnSpPr>
+          <p:cNvPr id="28" name="直線矢印コネクタ 27">
+            <a:extLst>
+              <a:ext uri="{FF2B5EF4-FFF2-40B4-BE49-F238E27FC236}">
+                <a16:creationId xmlns:a16="http://schemas.microsoft.com/office/drawing/2014/main" id="{5FD06A9F-23B3-444F-A022-108ADDCD02E5}"/>
+              </a:ext>
+            </a:extLst>
+          </p:cNvPr>
+          <p:cNvCxnSpPr>
+            <a:cxnSpLocks/>
+            <a:stCxn id="7" idx="3"/>
+            <a:endCxn id="11" idx="3"/>
+          </p:cNvCxnSpPr>
+          <p:nvPr/>
+        </p:nvCxnSpPr>
+        <p:spPr>
+          <a:xfrm flipH="1">
+            <a:off x="4692161" y="1928478"/>
+            <a:ext cx="3880278" cy="823240"/>
+          </a:xfrm>
+          <a:prstGeom prst="straightConnector1">
+            <a:avLst/>
+          </a:prstGeom>
+          <a:ln>
+            <a:solidFill>
+              <a:schemeClr val="tx1"/>
+            </a:solidFill>
+            <a:headEnd type="none" w="lg" len="med"/>
+            <a:tailEnd type="triangle"/>
+          </a:ln>
+        </p:spPr>
+        <p:style>
+          <a:lnRef idx="1">
+            <a:schemeClr val="accent1"/>
+          </a:lnRef>
+          <a:fillRef idx="0">
+            <a:schemeClr val="accent1"/>
+          </a:fillRef>
+          <a:effectRef idx="0">
+            <a:schemeClr val="accent1"/>
+          </a:effectRef>
+          <a:fontRef idx="minor">
+            <a:schemeClr val="tx1"/>
+          </a:fontRef>
+        </p:style>
+      </p:cxnSp>
+      <p:sp>
+        <p:nvSpPr>
+          <p:cNvPr id="31" name="テキスト ボックス 30">
+            <a:extLst>
+              <a:ext uri="{FF2B5EF4-FFF2-40B4-BE49-F238E27FC236}">
+                <a16:creationId xmlns:a16="http://schemas.microsoft.com/office/drawing/2014/main" id="{B2AEA7F1-93BF-884F-996E-8CE051B8B118}"/>
+              </a:ext>
+            </a:extLst>
+          </p:cNvPr>
+          <p:cNvSpPr txBox="1"/>
+          <p:nvPr/>
+        </p:nvSpPr>
+        <p:spPr>
+          <a:xfrm>
+            <a:off x="6649303" y="2426320"/>
+            <a:ext cx="2049407" cy="369332"/>
+          </a:xfrm>
+          <a:prstGeom prst="rect">
+            <a:avLst/>
+          </a:prstGeom>
+          <a:noFill/>
+        </p:spPr>
+        <p:txBody>
+          <a:bodyPr wrap="none" lIns="0" tIns="0" rIns="0" bIns="0" rtlCol="0">
+            <a:spAutoFit/>
+          </a:bodyPr>
+          <a:lstStyle/>
+          <a:p>
+            <a:pPr algn="l"/>
+            <a:r>
+              <a:rPr kumimoji="1" lang="ja-JP" altLang="en-US" sz="1200">
+                <a:gradFill>
+                  <a:gsLst>
+                    <a:gs pos="2917">
+                      <a:schemeClr val="tx1"/>
+                    </a:gs>
+                    <a:gs pos="30000">
+                      <a:schemeClr val="tx1"/>
+                    </a:gs>
+                  </a:gsLst>
+                  <a:lin ang="5400000" scaled="0"/>
+                </a:gradFill>
+              </a:rPr>
+              <a:t>サンプルプログラムを</a:t>
+            </a:r>
+            <a:endParaRPr kumimoji="1" lang="en-US" altLang="ja-JP" sz="1200" dirty="0">
+              <a:gradFill>
+                <a:gsLst>
+                  <a:gs pos="2917">
+                    <a:schemeClr val="tx1"/>
+                  </a:gs>
+                  <a:gs pos="30000">
+                    <a:schemeClr val="tx1"/>
+                  </a:gs>
+                </a:gsLst>
+                <a:lin ang="5400000" scaled="0"/>
+              </a:gradFill>
+            </a:endParaRPr>
+          </a:p>
+          <a:p>
+            <a:pPr algn="l"/>
+            <a:r>
+              <a:rPr kumimoji="1" lang="ja-JP" altLang="en-US" sz="1200">
+                <a:gradFill>
+                  <a:gsLst>
+                    <a:gs pos="2917">
+                      <a:schemeClr val="tx1"/>
+                    </a:gs>
+                    <a:gs pos="30000">
+                      <a:schemeClr val="tx1"/>
+                    </a:gs>
+                  </a:gsLst>
+                  <a:lin ang="5400000" scaled="0"/>
+                </a:gradFill>
+              </a:rPr>
+              <a:t>ダウンロード</a:t>
+            </a:r>
+            <a:r>
+              <a:rPr kumimoji="1" lang="en-US" altLang="ja-JP" sz="1200" dirty="0">
+                <a:gradFill>
+                  <a:gsLst>
+                    <a:gs pos="2917">
+                      <a:schemeClr val="tx1"/>
+                    </a:gs>
+                    <a:gs pos="30000">
+                      <a:schemeClr val="tx1"/>
+                    </a:gs>
+                  </a:gsLst>
+                  <a:lin ang="5400000" scaled="0"/>
+                </a:gradFill>
+              </a:rPr>
+              <a:t>(git clone, git pull)</a:t>
+            </a:r>
+            <a:endParaRPr kumimoji="1" lang="ja-JP" altLang="en-US" sz="1200" dirty="0" err="1">
+              <a:gradFill>
+                <a:gsLst>
+                  <a:gs pos="2917">
+                    <a:schemeClr val="tx1"/>
+                  </a:gs>
+                  <a:gs pos="30000">
+                    <a:schemeClr val="tx1"/>
+                  </a:gs>
+                </a:gsLst>
+                <a:lin ang="5400000" scaled="0"/>
+              </a:gradFill>
+            </a:endParaRPr>
+          </a:p>
+        </p:txBody>
+      </p:sp>
+      <p:cxnSp>
+        <p:nvCxnSpPr>
+          <p:cNvPr id="32" name="直線矢印コネクタ 31">
+            <a:extLst>
+              <a:ext uri="{FF2B5EF4-FFF2-40B4-BE49-F238E27FC236}">
+                <a16:creationId xmlns:a16="http://schemas.microsoft.com/office/drawing/2014/main" id="{D41A4434-B331-B84E-850D-6AD9A0870C07}"/>
+              </a:ext>
+            </a:extLst>
+          </p:cNvPr>
+          <p:cNvCxnSpPr>
+            <a:cxnSpLocks/>
+            <a:stCxn id="7" idx="2"/>
+            <a:endCxn id="15" idx="3"/>
+          </p:cNvCxnSpPr>
+          <p:nvPr/>
+        </p:nvCxnSpPr>
+        <p:spPr>
+          <a:xfrm flipH="1" flipV="1">
+            <a:off x="5498176" y="1390120"/>
+            <a:ext cx="2757227" cy="11704"/>
+          </a:xfrm>
+          <a:prstGeom prst="straightConnector1">
+            <a:avLst/>
+          </a:prstGeom>
+          <a:ln>
+            <a:solidFill>
+              <a:schemeClr val="tx1"/>
+            </a:solidFill>
+            <a:headEnd type="none" w="lg" len="med"/>
+            <a:tailEnd type="triangle"/>
+          </a:ln>
+        </p:spPr>
+        <p:style>
+          <a:lnRef idx="1">
+            <a:schemeClr val="accent1"/>
+          </a:lnRef>
+          <a:fillRef idx="0">
+            <a:schemeClr val="accent1"/>
+          </a:fillRef>
+          <a:effectRef idx="0">
+            <a:schemeClr val="accent1"/>
+          </a:effectRef>
+          <a:fontRef idx="minor">
+            <a:schemeClr val="tx1"/>
+          </a:fontRef>
+        </p:style>
+      </p:cxnSp>
+      <p:sp>
+        <p:nvSpPr>
+          <p:cNvPr id="35" name="テキスト ボックス 34">
+            <a:extLst>
+              <a:ext uri="{FF2B5EF4-FFF2-40B4-BE49-F238E27FC236}">
+                <a16:creationId xmlns:a16="http://schemas.microsoft.com/office/drawing/2014/main" id="{80F7E1A9-AA6A-F541-88C8-8271FCA6A005}"/>
+              </a:ext>
+            </a:extLst>
+          </p:cNvPr>
+          <p:cNvSpPr txBox="1"/>
+          <p:nvPr/>
+        </p:nvSpPr>
+        <p:spPr>
+          <a:xfrm>
+            <a:off x="6539428" y="938641"/>
+            <a:ext cx="1692771" cy="369332"/>
+          </a:xfrm>
+          <a:prstGeom prst="rect">
+            <a:avLst/>
+          </a:prstGeom>
+          <a:noFill/>
+        </p:spPr>
+        <p:txBody>
+          <a:bodyPr wrap="none" lIns="0" tIns="0" rIns="0" bIns="0" rtlCol="0">
+            <a:spAutoFit/>
+          </a:bodyPr>
+          <a:lstStyle/>
+          <a:p>
+            <a:pPr algn="l"/>
+            <a:r>
+              <a:rPr kumimoji="1" lang="ja-JP" altLang="en-US" sz="1200">
+                <a:gradFill>
+                  <a:gsLst>
+                    <a:gs pos="2917">
+                      <a:schemeClr val="tx1"/>
+                    </a:gs>
+                    <a:gs pos="30000">
+                      <a:schemeClr val="tx1"/>
+                    </a:gs>
+                  </a:gsLst>
+                  <a:lin ang="5400000" scaled="0"/>
+                </a:gradFill>
+              </a:rPr>
+              <a:t>リリースパイプラインで</a:t>
+            </a:r>
+            <a:endParaRPr kumimoji="1" lang="en-US" altLang="ja-JP" sz="1200" dirty="0">
+              <a:gradFill>
+                <a:gsLst>
+                  <a:gs pos="2917">
+                    <a:schemeClr val="tx1"/>
+                  </a:gs>
+                  <a:gs pos="30000">
+                    <a:schemeClr val="tx1"/>
+                  </a:gs>
+                </a:gsLst>
+                <a:lin ang="5400000" scaled="0"/>
+              </a:gradFill>
+            </a:endParaRPr>
+          </a:p>
+          <a:p>
+            <a:pPr algn="l"/>
+            <a:r>
+              <a:rPr kumimoji="1" lang="ja-JP" altLang="en-US" sz="1200">
+                <a:gradFill>
+                  <a:gsLst>
+                    <a:gs pos="2917">
+                      <a:schemeClr val="tx1"/>
+                    </a:gs>
+                    <a:gs pos="30000">
+                      <a:schemeClr val="tx1"/>
+                    </a:gs>
+                  </a:gsLst>
+                  <a:lin ang="5400000" scaled="0"/>
+                </a:gradFill>
+              </a:rPr>
+              <a:t>プログラムをデプロイ</a:t>
+            </a:r>
+            <a:endParaRPr kumimoji="1" lang="ja-JP" altLang="en-US" sz="1200" dirty="0" err="1">
+              <a:gradFill>
+                <a:gsLst>
+                  <a:gs pos="2917">
+                    <a:schemeClr val="tx1"/>
+                  </a:gs>
+                  <a:gs pos="30000">
+                    <a:schemeClr val="tx1"/>
+                  </a:gs>
+                </a:gsLst>
+                <a:lin ang="5400000" scaled="0"/>
+              </a:gradFill>
+            </a:endParaRPr>
+          </a:p>
+        </p:txBody>
+      </p:sp>
+    </p:spTree>
+    <p:extLst>
+      <p:ext uri="{BB962C8B-B14F-4D97-AF65-F5344CB8AC3E}">
+        <p14:creationId xmlns:p14="http://schemas.microsoft.com/office/powerpoint/2010/main" val="2617348966"/>
+      </p:ext>
+    </p:extLst>
+  </p:cSld>
+  <p:clrMapOvr>
+    <a:masterClrMapping/>
+  </p:clrMapOvr>
+  <p:transition>
+    <p:fade/>
+  </p:transition>
+</p:sld>
+</file>
+
+<file path=ppt/slides/slide3.xml><?xml version="1.0" encoding="utf-8"?>
+<p:sld xmlns:a="http://schemas.openxmlformats.org/drawingml/2006/main" xmlns:r="http://schemas.openxmlformats.org/officeDocument/2006/relationships" xmlns:p="http://schemas.openxmlformats.org/presentationml/2006/main">
+  <p:cSld>
+    <p:spTree>
+      <p:nvGrpSpPr>
+        <p:cNvPr id="1" name=""/>
+        <p:cNvGrpSpPr/>
+        <p:nvPr/>
+      </p:nvGrpSpPr>
+      <p:grpSpPr>
+        <a:xfrm>
+          <a:off x="0" y="0"/>
+          <a:ext cx="0" cy="0"/>
+          <a:chOff x="0" y="0"/>
+          <a:chExt cx="0" cy="0"/>
+        </a:xfrm>
+      </p:grpSpPr>
       <p:grpSp>
         <p:nvGrpSpPr>
           <p:cNvPr id="21" name="グループ化 20">
@@ -18227,7 +19597,7 @@
 </p:sld>
 </file>
 
-<file path=ppt/slides/slide3.xml><?xml version="1.0" encoding="utf-8"?>
+<file path=ppt/slides/slide4.xml><?xml version="1.0" encoding="utf-8"?>
 <p:sld xmlns:a="http://schemas.openxmlformats.org/drawingml/2006/main" xmlns:r="http://schemas.openxmlformats.org/officeDocument/2006/relationships" xmlns:p="http://schemas.openxmlformats.org/presentationml/2006/main">
   <p:cSld>
     <p:spTree>
@@ -20522,7 +21892,7 @@
 </p:sld>
 </file>
 
-<file path=ppt/slides/slide4.xml><?xml version="1.0" encoding="utf-8"?>
+<file path=ppt/slides/slide5.xml><?xml version="1.0" encoding="utf-8"?>
 <p:sld xmlns:a="http://schemas.openxmlformats.org/drawingml/2006/main" xmlns:r="http://schemas.openxmlformats.org/officeDocument/2006/relationships" xmlns:p="http://schemas.openxmlformats.org/presentationml/2006/main">
   <p:cSld>
     <p:spTree>
@@ -24609,18 +25979,18 @@
 </file>
 
 <file path=customXml/item1.xml><?xml version="1.0" encoding="utf-8"?>
+<p:properties xmlns:p="http://schemas.microsoft.com/office/2006/metadata/properties" xmlns:xsi="http://www.w3.org/2001/XMLSchema-instance" xmlns:pc="http://schemas.microsoft.com/office/infopath/2007/PartnerControls">
+  <documentManagement/>
+</p:properties>
+</file>
+
+<file path=customXml/item2.xml><?xml version="1.0" encoding="utf-8"?>
 <?mso-contentType ?>
 <FormTemplates xmlns="http://schemas.microsoft.com/sharepoint/v3/contenttype/forms">
   <Display>DocumentLibraryForm</Display>
   <Edit>DocumentLibraryForm</Edit>
   <New>DocumentLibraryForm</New>
 </FormTemplates>
-</file>
-
-<file path=customXml/item2.xml><?xml version="1.0" encoding="utf-8"?>
-<p:properties xmlns:p="http://schemas.microsoft.com/office/2006/metadata/properties" xmlns:xsi="http://www.w3.org/2001/XMLSchema-instance" xmlns:pc="http://schemas.microsoft.com/office/infopath/2007/PartnerControls">
-  <documentManagement/>
-</p:properties>
 </file>
 
 <file path=customXml/item3.xml><?xml version="1.0" encoding="utf-8"?>
@@ -24778,14 +26148,6 @@
 </file>
 
 <file path=customXml/itemProps1.xml><?xml version="1.0" encoding="utf-8"?>
-<ds:datastoreItem xmlns:ds="http://schemas.openxmlformats.org/officeDocument/2006/customXml" ds:itemID="{758FDAC0-319D-4A54-8D8E-1D42CB1F8004}">
-  <ds:schemaRefs>
-    <ds:schemaRef ds:uri="http://schemas.microsoft.com/sharepoint/v3/contenttype/forms"/>
-  </ds:schemaRefs>
-</ds:datastoreItem>
-</file>
-
-<file path=customXml/itemProps2.xml><?xml version="1.0" encoding="utf-8"?>
 <ds:datastoreItem xmlns:ds="http://schemas.openxmlformats.org/officeDocument/2006/customXml" ds:itemID="{F990F116-B58F-4255-B05B-DA3808E0E5C6}">
   <ds:schemaRefs>
     <ds:schemaRef ds:uri="http://purl.org/dc/terms/"/>
@@ -24797,6 +26159,14 @@
     <ds:schemaRef ds:uri="http://schemas.microsoft.com/office/2006/metadata/properties"/>
     <ds:schemaRef ds:uri="http://schemas.openxmlformats.org/package/2006/metadata/core-properties"/>
     <ds:schemaRef ds:uri="http://www.w3.org/XML/1998/namespace"/>
+  </ds:schemaRefs>
+</ds:datastoreItem>
+</file>
+
+<file path=customXml/itemProps2.xml><?xml version="1.0" encoding="utf-8"?>
+<ds:datastoreItem xmlns:ds="http://schemas.openxmlformats.org/officeDocument/2006/customXml" ds:itemID="{758FDAC0-319D-4A54-8D8E-1D42CB1F8004}">
+  <ds:schemaRefs>
+    <ds:schemaRef ds:uri="http://schemas.microsoft.com/sharepoint/v3/contenttype/forms"/>
   </ds:schemaRefs>
 </ds:datastoreItem>
 </file>
